--- a/Gradle.pptx
+++ b/Gradle.pptx
@@ -8,7 +8,10 @@
     <p:sldId id="256" r:id="rId2"/>
     <p:sldId id="257" r:id="rId3"/>
     <p:sldId id="258" r:id="rId4"/>
-    <p:sldId id="259" r:id="rId5"/>
+    <p:sldId id="260" r:id="rId5"/>
+    <p:sldId id="262" r:id="rId6"/>
+    <p:sldId id="261" r:id="rId7"/>
+    <p:sldId id="259" r:id="rId8"/>
   </p:sldIdLst>
   <p:sldSz cx="12192000" cy="6858000"/>
   <p:notesSz cx="6858000" cy="9144000"/>
@@ -107,6 +110,11 @@
       </a:defRPr>
     </a:lvl9pPr>
   </p:defaultTextStyle>
+  <p:extLst>
+    <p:ext uri="{EFAFB233-063F-42B5-8137-9DF3F51BA10A}">
+      <p15:sldGuideLst xmlns:p15="http://schemas.microsoft.com/office/powerpoint/2012/main"/>
+    </p:ext>
+  </p:extLst>
 </p:presentation>
 </file>
 
@@ -281,7 +289,7 @@
           <a:p>
             <a:fld id="{48A87A34-81AB-432B-8DAE-1953F412C126}" type="datetimeFigureOut">
               <a:rPr lang="en-US" dirty="0"/>
-              <a:t>9/30/2016</a:t>
+              <a:t>10/8/2016</a:t>
             </a:fld>
             <a:endParaRPr lang="en-US" dirty="0"/>
           </a:p>
@@ -588,7 +596,7 @@
           <a:p>
             <a:fld id="{48A87A34-81AB-432B-8DAE-1953F412C126}" type="datetimeFigureOut">
               <a:rPr lang="en-US" dirty="0"/>
-              <a:t>9/30/2016</a:t>
+              <a:t>10/8/2016</a:t>
             </a:fld>
             <a:endParaRPr lang="en-US" dirty="0"/>
           </a:p>
@@ -805,7 +813,7 @@
           <a:p>
             <a:fld id="{48A87A34-81AB-432B-8DAE-1953F412C126}" type="datetimeFigureOut">
               <a:rPr lang="en-US" dirty="0"/>
-              <a:t>9/30/2016</a:t>
+              <a:t>10/8/2016</a:t>
             </a:fld>
             <a:endParaRPr lang="en-US" dirty="0"/>
           </a:p>
@@ -1091,7 +1099,7 @@
           <a:p>
             <a:fld id="{48A87A34-81AB-432B-8DAE-1953F412C126}" type="datetimeFigureOut">
               <a:rPr lang="en-US" dirty="0"/>
-              <a:t>9/30/2016</a:t>
+              <a:t>10/8/2016</a:t>
             </a:fld>
             <a:endParaRPr lang="en-US" dirty="0"/>
           </a:p>
@@ -1540,7 +1548,7 @@
           <a:p>
             <a:fld id="{48A87A34-81AB-432B-8DAE-1953F412C126}" type="datetimeFigureOut">
               <a:rPr lang="en-US" dirty="0"/>
-              <a:t>9/30/2016</a:t>
+              <a:t>10/8/2016</a:t>
             </a:fld>
             <a:endParaRPr lang="en-US" dirty="0"/>
           </a:p>
@@ -2111,7 +2119,7 @@
           <a:p>
             <a:fld id="{48A87A34-81AB-432B-8DAE-1953F412C126}" type="datetimeFigureOut">
               <a:rPr lang="en-US" dirty="0"/>
-              <a:t>9/30/2016</a:t>
+              <a:t>10/8/2016</a:t>
             </a:fld>
             <a:endParaRPr lang="en-US" dirty="0"/>
           </a:p>
@@ -2958,7 +2966,7 @@
           <a:p>
             <a:fld id="{48A87A34-81AB-432B-8DAE-1953F412C126}" type="datetimeFigureOut">
               <a:rPr lang="en-US" dirty="0"/>
-              <a:t>9/30/2016</a:t>
+              <a:t>10/8/2016</a:t>
             </a:fld>
             <a:endParaRPr lang="en-US" dirty="0"/>
           </a:p>
@@ -3158,7 +3166,7 @@
           <a:p>
             <a:fld id="{48A87A34-81AB-432B-8DAE-1953F412C126}" type="datetimeFigureOut">
               <a:rPr lang="en-US" dirty="0"/>
-              <a:t>9/30/2016</a:t>
+              <a:t>10/8/2016</a:t>
             </a:fld>
             <a:endParaRPr lang="en-US" dirty="0"/>
           </a:p>
@@ -3367,7 +3375,7 @@
           <a:p>
             <a:fld id="{48A87A34-81AB-432B-8DAE-1953F412C126}" type="datetimeFigureOut">
               <a:rPr lang="en-US" dirty="0"/>
-              <a:t>9/30/2016</a:t>
+              <a:t>10/8/2016</a:t>
             </a:fld>
             <a:endParaRPr lang="en-US" dirty="0"/>
           </a:p>
@@ -3567,7 +3575,7 @@
           <a:p>
             <a:fld id="{48A87A34-81AB-432B-8DAE-1953F412C126}" type="datetimeFigureOut">
               <a:rPr lang="en-US" dirty="0"/>
-              <a:t>9/30/2016</a:t>
+              <a:t>10/8/2016</a:t>
             </a:fld>
             <a:endParaRPr lang="en-US" dirty="0"/>
           </a:p>
@@ -3842,7 +3850,7 @@
           <a:p>
             <a:fld id="{48A87A34-81AB-432B-8DAE-1953F412C126}" type="datetimeFigureOut">
               <a:rPr lang="en-US" dirty="0"/>
-              <a:t>9/30/2016</a:t>
+              <a:t>10/8/2016</a:t>
             </a:fld>
             <a:endParaRPr lang="en-US" dirty="0"/>
           </a:p>
@@ -4104,7 +4112,7 @@
           <a:p>
             <a:fld id="{48A87A34-81AB-432B-8DAE-1953F412C126}" type="datetimeFigureOut">
               <a:rPr lang="en-US" dirty="0"/>
-              <a:t>9/30/2016</a:t>
+              <a:t>10/8/2016</a:t>
             </a:fld>
             <a:endParaRPr lang="en-US" dirty="0"/>
           </a:p>
@@ -4514,7 +4522,7 @@
           <a:p>
             <a:fld id="{48A87A34-81AB-432B-8DAE-1953F412C126}" type="datetimeFigureOut">
               <a:rPr lang="en-US" dirty="0"/>
-              <a:t>9/30/2016</a:t>
+              <a:t>10/8/2016</a:t>
             </a:fld>
             <a:endParaRPr lang="en-US" dirty="0"/>
           </a:p>
@@ -4657,7 +4665,7 @@
           <a:p>
             <a:fld id="{48A87A34-81AB-432B-8DAE-1953F412C126}" type="datetimeFigureOut">
               <a:rPr lang="en-US" dirty="0"/>
-              <a:t>9/30/2016</a:t>
+              <a:t>10/8/2016</a:t>
             </a:fld>
             <a:endParaRPr lang="en-US" dirty="0"/>
           </a:p>
@@ -4777,7 +4785,7 @@
           <a:p>
             <a:fld id="{48A87A34-81AB-432B-8DAE-1953F412C126}" type="datetimeFigureOut">
               <a:rPr lang="en-US" dirty="0"/>
-              <a:t>9/30/2016</a:t>
+              <a:t>10/8/2016</a:t>
             </a:fld>
             <a:endParaRPr lang="en-US" dirty="0"/>
           </a:p>
@@ -5051,7 +5059,7 @@
           <a:p>
             <a:fld id="{48A87A34-81AB-432B-8DAE-1953F412C126}" type="datetimeFigureOut">
               <a:rPr lang="en-US" dirty="0"/>
-              <a:t>9/30/2016</a:t>
+              <a:t>10/8/2016</a:t>
             </a:fld>
             <a:endParaRPr lang="en-US" dirty="0"/>
           </a:p>
@@ -5358,7 +5366,7 @@
           <a:p>
             <a:fld id="{48A87A34-81AB-432B-8DAE-1953F412C126}" type="datetimeFigureOut">
               <a:rPr lang="en-US" dirty="0"/>
-              <a:t>9/30/2016</a:t>
+              <a:t>10/8/2016</a:t>
             </a:fld>
             <a:endParaRPr lang="en-US" dirty="0"/>
           </a:p>
@@ -5607,7 +5615,7 @@
             <a:fld id="{48A87A34-81AB-432B-8DAE-1953F412C126}" type="datetimeFigureOut">
               <a:rPr lang="en-US" dirty="0"/>
               <a:pPr/>
-              <a:t>9/30/2016</a:t>
+              <a:t>10/8/2016</a:t>
             </a:fld>
             <a:endParaRPr lang="en-US" dirty="0"/>
           </a:p>
@@ -6181,7 +6189,20 @@
               <a:rPr lang="en-US" altLang="zh-CN" dirty="0" smtClean="0"/>
               <a:t>Make</a:t>
             </a:r>
-            <a:endParaRPr lang="zh-CN" altLang="en-US" dirty="0"/>
+          </a:p>
+          <a:p>
+            <a:endParaRPr lang="en-US" altLang="zh-CN" dirty="0"/>
+          </a:p>
+          <a:p>
+            <a:r>
+              <a:rPr lang="en-US" altLang="zh-CN" cap="none" dirty="0" err="1" smtClean="0"/>
+              <a:t>Gradle</a:t>
+            </a:r>
+            <a:r>
+              <a:rPr lang="en-US" altLang="zh-CN" cap="none" dirty="0" smtClean="0"/>
+              <a:t> follows the concept of convention over configuration</a:t>
+            </a:r>
+            <a:endParaRPr lang="zh-CN" altLang="en-US" cap="none" dirty="0"/>
           </a:p>
         </p:txBody>
       </p:sp>
@@ -6250,24 +6271,24 @@
           <a:lstStyle/>
           <a:p>
             <a:r>
+              <a:rPr lang="zh-CN" altLang="en-US" cap="none" dirty="0"/>
+              <a:t>最简单的</a:t>
+            </a:r>
+            <a:r>
+              <a:rPr lang="en-US" altLang="zh-CN" cap="none" dirty="0" smtClean="0"/>
+              <a:t>Android build file </a:t>
+            </a:r>
+            <a:r>
+              <a:rPr lang="zh-CN" altLang="en-US" cap="none" dirty="0" smtClean="0"/>
+              <a:t>由</a:t>
+            </a:r>
+            <a:r>
               <a:rPr lang="en-US" altLang="zh-CN" dirty="0" smtClean="0"/>
-              <a:t>Android build File </a:t>
-            </a:r>
-            <a:r>
-              <a:rPr lang="en-US" altLang="zh-CN" dirty="0"/>
               <a:t>3</a:t>
             </a:r>
             <a:r>
               <a:rPr lang="zh-CN" altLang="en-US" dirty="0" smtClean="0"/>
-              <a:t>个</a:t>
-            </a:r>
-            <a:r>
-              <a:rPr lang="zh-CN" altLang="en-US" dirty="0"/>
-              <a:t>基本</a:t>
-            </a:r>
-            <a:r>
-              <a:rPr lang="zh-CN" altLang="en-US" dirty="0" smtClean="0"/>
-              <a:t>部分</a:t>
+              <a:t>个部分组成</a:t>
             </a:r>
             <a:endParaRPr lang="zh-CN" altLang="en-US" dirty="0"/>
           </a:p>
@@ -6315,6 +6336,922 @@
         </p:nvSpPr>
         <p:spPr>
           <a:xfrm>
+            <a:off x="913776" y="618517"/>
+            <a:ext cx="3873378" cy="909069"/>
+          </a:xfrm>
+        </p:spPr>
+        <p:txBody>
+          <a:bodyPr/>
+          <a:lstStyle/>
+          <a:p>
+            <a:r>
+              <a:rPr lang="zh-CN" altLang="en-US" dirty="0" smtClean="0"/>
+              <a:t>基本命令</a:t>
+            </a:r>
+            <a:endParaRPr lang="zh-CN" altLang="en-US" dirty="0"/>
+          </a:p>
+        </p:txBody>
+      </p:sp>
+      <p:sp>
+        <p:nvSpPr>
+          <p:cNvPr id="3" name="内容占位符 2"/>
+          <p:cNvSpPr>
+            <a:spLocks noGrp="1"/>
+          </p:cNvSpPr>
+          <p:nvPr>
+            <p:ph sz="quarter" idx="13"/>
+          </p:nvPr>
+        </p:nvSpPr>
+        <p:spPr>
+          <a:xfrm>
+            <a:off x="749499" y="1861483"/>
+            <a:ext cx="4704628" cy="3424107"/>
+          </a:xfrm>
+        </p:spPr>
+        <p:txBody>
+          <a:bodyPr/>
+          <a:lstStyle/>
+          <a:p>
+            <a:r>
+              <a:rPr lang="en-US" altLang="zh-CN" cap="none" dirty="0" err="1" smtClean="0"/>
+              <a:t>gradle</a:t>
+            </a:r>
+            <a:r>
+              <a:rPr lang="en-US" altLang="zh-CN" cap="none" dirty="0" smtClean="0"/>
+              <a:t> tasks	</a:t>
+            </a:r>
+            <a:r>
+              <a:rPr lang="en-US" altLang="zh-CN" dirty="0" smtClean="0"/>
+              <a:t>					</a:t>
+            </a:r>
+          </a:p>
+          <a:p>
+            <a:pPr marL="0" indent="0">
+              <a:buNone/>
+            </a:pPr>
+            <a:endParaRPr lang="zh-CN" altLang="en-US" dirty="0"/>
+          </a:p>
+        </p:txBody>
+      </p:sp>
+      <p:pic>
+        <p:nvPicPr>
+          <p:cNvPr id="4" name="图片 3"/>
+          <p:cNvPicPr>
+            <a:picLocks noChangeAspect="1"/>
+          </p:cNvPicPr>
+          <p:nvPr/>
+        </p:nvPicPr>
+        <p:blipFill>
+          <a:blip r:embed="rId2">
+            <a:extLst>
+              <a:ext uri="{28A0092B-C50C-407E-A947-70E740481C1C}">
+                <a14:useLocalDpi xmlns:a14="http://schemas.microsoft.com/office/drawing/2010/main" val="0"/>
+              </a:ext>
+            </a:extLst>
+          </a:blip>
+          <a:stretch>
+            <a:fillRect/>
+          </a:stretch>
+        </p:blipFill>
+        <p:spPr>
+          <a:xfrm>
+            <a:off x="749499" y="2604864"/>
+            <a:ext cx="4586294" cy="2905530"/>
+          </a:xfrm>
+          <a:prstGeom prst="rect">
+            <a:avLst/>
+          </a:prstGeom>
+        </p:spPr>
+      </p:pic>
+      <p:sp>
+        <p:nvSpPr>
+          <p:cNvPr id="5" name="内容占位符 2"/>
+          <p:cNvSpPr txBox="1">
+            <a:spLocks/>
+          </p:cNvSpPr>
+          <p:nvPr/>
+        </p:nvSpPr>
+        <p:spPr>
+          <a:xfrm>
+            <a:off x="5839659" y="1861483"/>
+            <a:ext cx="4704628" cy="3424107"/>
+          </a:xfrm>
+          <a:prstGeom prst="rect">
+            <a:avLst/>
+          </a:prstGeom>
+        </p:spPr>
+        <p:txBody>
+          <a:bodyPr vert="horz" lIns="91440" tIns="45720" rIns="91440" bIns="45720" rtlCol="0">
+            <a:normAutofit/>
+          </a:bodyPr>
+          <a:lstStyle>
+            <a:lvl1pPr marL="228600" indent="-228600" algn="l" defTabSz="914400" rtl="0" eaLnBrk="1" latinLnBrk="0" hangingPunct="1">
+              <a:lnSpc>
+                <a:spcPct val="120000"/>
+              </a:lnSpc>
+              <a:spcBef>
+                <a:spcPts val="1000"/>
+              </a:spcBef>
+              <a:buClr>
+                <a:schemeClr val="tx1"/>
+              </a:buClr>
+              <a:buFont typeface="Arial" panose="020B0604020202020204" pitchFamily="34" charset="0"/>
+              <a:buChar char="•"/>
+              <a:defRPr sz="2000" kern="1200" cap="all" baseline="0">
+                <a:solidFill>
+                  <a:schemeClr val="tx1"/>
+                </a:solidFill>
+                <a:effectLst/>
+                <a:latin typeface="+mn-lt"/>
+                <a:ea typeface="+mn-ea"/>
+                <a:cs typeface="+mn-cs"/>
+              </a:defRPr>
+            </a:lvl1pPr>
+            <a:lvl2pPr marL="685800" indent="-228600" algn="l" defTabSz="914400" rtl="0" eaLnBrk="1" latinLnBrk="0" hangingPunct="1">
+              <a:lnSpc>
+                <a:spcPct val="120000"/>
+              </a:lnSpc>
+              <a:spcBef>
+                <a:spcPts val="500"/>
+              </a:spcBef>
+              <a:buClr>
+                <a:schemeClr val="tx1"/>
+              </a:buClr>
+              <a:buFont typeface="Arial" panose="020B0604020202020204" pitchFamily="34" charset="0"/>
+              <a:buChar char="•"/>
+              <a:defRPr sz="1800" kern="1200" cap="all" baseline="0">
+                <a:solidFill>
+                  <a:schemeClr val="tx1"/>
+                </a:solidFill>
+                <a:effectLst/>
+                <a:latin typeface="+mn-lt"/>
+                <a:ea typeface="+mn-ea"/>
+                <a:cs typeface="+mn-cs"/>
+              </a:defRPr>
+            </a:lvl2pPr>
+            <a:lvl3pPr marL="1143000" indent="-228600" algn="l" defTabSz="914400" rtl="0" eaLnBrk="1" latinLnBrk="0" hangingPunct="1">
+              <a:lnSpc>
+                <a:spcPct val="120000"/>
+              </a:lnSpc>
+              <a:spcBef>
+                <a:spcPts val="500"/>
+              </a:spcBef>
+              <a:buClr>
+                <a:schemeClr val="tx1"/>
+              </a:buClr>
+              <a:buFont typeface="Arial" panose="020B0604020202020204" pitchFamily="34" charset="0"/>
+              <a:buChar char="•"/>
+              <a:defRPr sz="1600" kern="1200" cap="all" baseline="0">
+                <a:solidFill>
+                  <a:schemeClr val="tx1"/>
+                </a:solidFill>
+                <a:effectLst/>
+                <a:latin typeface="+mn-lt"/>
+                <a:ea typeface="+mn-ea"/>
+                <a:cs typeface="+mn-cs"/>
+              </a:defRPr>
+            </a:lvl3pPr>
+            <a:lvl4pPr marL="1600200" indent="-228600" algn="l" defTabSz="914400" rtl="0" eaLnBrk="1" latinLnBrk="0" hangingPunct="1">
+              <a:lnSpc>
+                <a:spcPct val="120000"/>
+              </a:lnSpc>
+              <a:spcBef>
+                <a:spcPts val="500"/>
+              </a:spcBef>
+              <a:buClr>
+                <a:schemeClr val="tx1"/>
+              </a:buClr>
+              <a:buFont typeface="Arial" panose="020B0604020202020204" pitchFamily="34" charset="0"/>
+              <a:buChar char="•"/>
+              <a:defRPr sz="1400" kern="1200" cap="all" baseline="0">
+                <a:solidFill>
+                  <a:schemeClr val="tx1"/>
+                </a:solidFill>
+                <a:effectLst/>
+                <a:latin typeface="+mn-lt"/>
+                <a:ea typeface="+mn-ea"/>
+                <a:cs typeface="+mn-cs"/>
+              </a:defRPr>
+            </a:lvl4pPr>
+            <a:lvl5pPr marL="2057400" indent="-228600" algn="l" defTabSz="914400" rtl="0" eaLnBrk="1" latinLnBrk="0" hangingPunct="1">
+              <a:lnSpc>
+                <a:spcPct val="120000"/>
+              </a:lnSpc>
+              <a:spcBef>
+                <a:spcPts val="500"/>
+              </a:spcBef>
+              <a:buClr>
+                <a:schemeClr val="tx1"/>
+              </a:buClr>
+              <a:buFont typeface="Arial" panose="020B0604020202020204" pitchFamily="34" charset="0"/>
+              <a:buChar char="•"/>
+              <a:defRPr sz="1400" kern="1200" cap="all" baseline="0">
+                <a:solidFill>
+                  <a:schemeClr val="tx1"/>
+                </a:solidFill>
+                <a:effectLst/>
+                <a:latin typeface="+mn-lt"/>
+                <a:ea typeface="+mn-ea"/>
+                <a:cs typeface="+mn-cs"/>
+              </a:defRPr>
+            </a:lvl5pPr>
+            <a:lvl6pPr marL="2514600" indent="-228600" algn="l" defTabSz="914400" rtl="0" eaLnBrk="1" latinLnBrk="0" hangingPunct="1">
+              <a:lnSpc>
+                <a:spcPct val="120000"/>
+              </a:lnSpc>
+              <a:spcBef>
+                <a:spcPts val="500"/>
+              </a:spcBef>
+              <a:buClr>
+                <a:schemeClr val="tx1"/>
+              </a:buClr>
+              <a:buFont typeface="Arial" panose="020B0604020202020204" pitchFamily="34" charset="0"/>
+              <a:buChar char="•"/>
+              <a:defRPr sz="1400" kern="1200" cap="all" baseline="0">
+                <a:solidFill>
+                  <a:schemeClr val="tx1"/>
+                </a:solidFill>
+                <a:effectLst/>
+                <a:latin typeface="+mn-lt"/>
+                <a:ea typeface="+mn-ea"/>
+                <a:cs typeface="+mn-cs"/>
+              </a:defRPr>
+            </a:lvl6pPr>
+            <a:lvl7pPr marL="2971800" indent="-228600" algn="l" defTabSz="914400" rtl="0" eaLnBrk="1" latinLnBrk="0" hangingPunct="1">
+              <a:lnSpc>
+                <a:spcPct val="120000"/>
+              </a:lnSpc>
+              <a:spcBef>
+                <a:spcPts val="500"/>
+              </a:spcBef>
+              <a:buClr>
+                <a:schemeClr val="tx1"/>
+              </a:buClr>
+              <a:buFont typeface="Arial" panose="020B0604020202020204" pitchFamily="34" charset="0"/>
+              <a:buChar char="•"/>
+              <a:defRPr sz="1400" kern="1200" cap="all" baseline="0">
+                <a:solidFill>
+                  <a:schemeClr val="tx1"/>
+                </a:solidFill>
+                <a:effectLst/>
+                <a:latin typeface="+mn-lt"/>
+                <a:ea typeface="+mn-ea"/>
+                <a:cs typeface="+mn-cs"/>
+              </a:defRPr>
+            </a:lvl7pPr>
+            <a:lvl8pPr marL="3429000" indent="-228600" algn="l" defTabSz="914400" rtl="0" eaLnBrk="1" latinLnBrk="0" hangingPunct="1">
+              <a:lnSpc>
+                <a:spcPct val="120000"/>
+              </a:lnSpc>
+              <a:spcBef>
+                <a:spcPts val="500"/>
+              </a:spcBef>
+              <a:buClr>
+                <a:schemeClr val="tx1"/>
+              </a:buClr>
+              <a:buFont typeface="Arial" panose="020B0604020202020204" pitchFamily="34" charset="0"/>
+              <a:buChar char="•"/>
+              <a:defRPr sz="1400" kern="1200" cap="all" baseline="0">
+                <a:solidFill>
+                  <a:schemeClr val="tx1"/>
+                </a:solidFill>
+                <a:effectLst/>
+                <a:latin typeface="+mn-lt"/>
+                <a:ea typeface="+mn-ea"/>
+                <a:cs typeface="+mn-cs"/>
+              </a:defRPr>
+            </a:lvl8pPr>
+            <a:lvl9pPr marL="3886200" indent="-228600" algn="l" defTabSz="914400" rtl="0" eaLnBrk="1" latinLnBrk="0" hangingPunct="1">
+              <a:lnSpc>
+                <a:spcPct val="120000"/>
+              </a:lnSpc>
+              <a:spcBef>
+                <a:spcPts val="500"/>
+              </a:spcBef>
+              <a:buClr>
+                <a:schemeClr val="tx1"/>
+              </a:buClr>
+              <a:buFont typeface="Arial" panose="020B0604020202020204" pitchFamily="34" charset="0"/>
+              <a:buChar char="•"/>
+              <a:defRPr sz="1400" kern="1200" cap="all" baseline="0">
+                <a:solidFill>
+                  <a:schemeClr val="tx1"/>
+                </a:solidFill>
+                <a:effectLst/>
+                <a:latin typeface="+mn-lt"/>
+                <a:ea typeface="+mn-ea"/>
+                <a:cs typeface="+mn-cs"/>
+              </a:defRPr>
+            </a:lvl9pPr>
+          </a:lstStyle>
+          <a:p>
+            <a:r>
+              <a:rPr lang="en-US" altLang="zh-CN" cap="none" dirty="0" err="1" smtClean="0"/>
+              <a:t>gradle</a:t>
+            </a:r>
+            <a:r>
+              <a:rPr lang="en-US" altLang="zh-CN" cap="none" dirty="0" smtClean="0"/>
+              <a:t> </a:t>
+            </a:r>
+            <a:r>
+              <a:rPr lang="en-US" altLang="zh-CN" cap="none" dirty="0" err="1" smtClean="0"/>
+              <a:t>sourcesets</a:t>
+            </a:r>
+            <a:r>
+              <a:rPr lang="en-US" altLang="zh-CN" cap="none" dirty="0" smtClean="0"/>
+              <a:t>	</a:t>
+            </a:r>
+            <a:r>
+              <a:rPr lang="en-US" altLang="zh-CN" dirty="0" smtClean="0"/>
+              <a:t>				</a:t>
+            </a:r>
+          </a:p>
+          <a:p>
+            <a:pPr marL="0" indent="0">
+              <a:buFont typeface="Arial" panose="020B0604020202020204" pitchFamily="34" charset="0"/>
+              <a:buNone/>
+            </a:pPr>
+            <a:endParaRPr lang="zh-CN" altLang="en-US" dirty="0"/>
+          </a:p>
+        </p:txBody>
+      </p:sp>
+      <p:pic>
+        <p:nvPicPr>
+          <p:cNvPr id="6" name="图片 5"/>
+          <p:cNvPicPr>
+            <a:picLocks noChangeAspect="1"/>
+          </p:cNvPicPr>
+          <p:nvPr/>
+        </p:nvPicPr>
+        <p:blipFill>
+          <a:blip r:embed="rId3">
+            <a:extLst>
+              <a:ext uri="{28A0092B-C50C-407E-A947-70E740481C1C}">
+                <a14:useLocalDpi xmlns:a14="http://schemas.microsoft.com/office/drawing/2010/main" val="0"/>
+              </a:ext>
+            </a:extLst>
+          </a:blip>
+          <a:stretch>
+            <a:fillRect/>
+          </a:stretch>
+        </p:blipFill>
+        <p:spPr>
+          <a:xfrm>
+            <a:off x="5704912" y="2604864"/>
+            <a:ext cx="4586400" cy="2905530"/>
+          </a:xfrm>
+          <a:prstGeom prst="rect">
+            <a:avLst/>
+          </a:prstGeom>
+        </p:spPr>
+      </p:pic>
+    </p:spTree>
+    <p:extLst>
+      <p:ext uri="{BB962C8B-B14F-4D97-AF65-F5344CB8AC3E}">
+        <p14:creationId xmlns:p14="http://schemas.microsoft.com/office/powerpoint/2010/main" val="669932760"/>
+      </p:ext>
+    </p:extLst>
+  </p:cSld>
+  <p:clrMapOvr>
+    <a:masterClrMapping/>
+  </p:clrMapOvr>
+</p:sld>
+</file>
+
+<file path=ppt/slides/slide5.xml><?xml version="1.0" encoding="utf-8"?>
+<p:sld xmlns:a="http://schemas.openxmlformats.org/drawingml/2006/main" xmlns:r="http://schemas.openxmlformats.org/officeDocument/2006/relationships" xmlns:p="http://schemas.openxmlformats.org/presentationml/2006/main">
+  <p:cSld>
+    <p:spTree>
+      <p:nvGrpSpPr>
+        <p:cNvPr id="1" name=""/>
+        <p:cNvGrpSpPr/>
+        <p:nvPr/>
+      </p:nvGrpSpPr>
+      <p:grpSpPr>
+        <a:xfrm>
+          <a:off x="0" y="0"/>
+          <a:ext cx="0" cy="0"/>
+          <a:chOff x="0" y="0"/>
+          <a:chExt cx="0" cy="0"/>
+        </a:xfrm>
+      </p:grpSpPr>
+      <p:sp>
+        <p:nvSpPr>
+          <p:cNvPr id="2" name="标题 1"/>
+          <p:cNvSpPr>
+            <a:spLocks noGrp="1"/>
+          </p:cNvSpPr>
+          <p:nvPr>
+            <p:ph type="title"/>
+          </p:nvPr>
+        </p:nvSpPr>
+        <p:spPr>
+          <a:xfrm>
+            <a:off x="913776" y="618517"/>
+            <a:ext cx="3873378" cy="909069"/>
+          </a:xfrm>
+        </p:spPr>
+        <p:txBody>
+          <a:bodyPr/>
+          <a:lstStyle/>
+          <a:p>
+            <a:r>
+              <a:rPr lang="zh-CN" altLang="en-US" dirty="0" smtClean="0"/>
+              <a:t>基本命令</a:t>
+            </a:r>
+            <a:endParaRPr lang="zh-CN" altLang="en-US" dirty="0"/>
+          </a:p>
+        </p:txBody>
+      </p:sp>
+      <p:sp>
+        <p:nvSpPr>
+          <p:cNvPr id="3" name="内容占位符 2"/>
+          <p:cNvSpPr>
+            <a:spLocks noGrp="1"/>
+          </p:cNvSpPr>
+          <p:nvPr>
+            <p:ph sz="quarter" idx="13"/>
+          </p:nvPr>
+        </p:nvSpPr>
+        <p:spPr>
+          <a:xfrm>
+            <a:off x="749499" y="1861483"/>
+            <a:ext cx="4704628" cy="3424107"/>
+          </a:xfrm>
+        </p:spPr>
+        <p:txBody>
+          <a:bodyPr/>
+          <a:lstStyle/>
+          <a:p>
+            <a:r>
+              <a:rPr lang="en-US" altLang="zh-CN" cap="none" dirty="0" err="1" smtClean="0"/>
+              <a:t>gradle</a:t>
+            </a:r>
+            <a:r>
+              <a:rPr lang="en-US" altLang="zh-CN" cap="none" dirty="0" smtClean="0"/>
+              <a:t> </a:t>
+            </a:r>
+            <a:r>
+              <a:rPr lang="en-US" altLang="zh-CN" cap="none" dirty="0" err="1" smtClean="0"/>
+              <a:t>init</a:t>
+            </a:r>
+            <a:r>
+              <a:rPr lang="zh-CN" altLang="en-US" cap="none" dirty="0" smtClean="0"/>
+              <a:t>：</a:t>
+            </a:r>
+            <a:endParaRPr lang="en-US" altLang="zh-CN" cap="none" dirty="0" smtClean="0"/>
+          </a:p>
+          <a:p>
+            <a:r>
+              <a:rPr lang="zh-CN" altLang="en-US" cap="none" dirty="0" smtClean="0"/>
+              <a:t>提供</a:t>
+            </a:r>
+            <a:r>
+              <a:rPr lang="en-US" altLang="zh-CN" cap="none" dirty="0" err="1" smtClean="0"/>
+              <a:t>build.gradle</a:t>
+            </a:r>
+            <a:r>
+              <a:rPr lang="zh-CN" altLang="en-US" cap="none" dirty="0" smtClean="0"/>
+              <a:t>等模板</a:t>
+            </a:r>
+            <a:r>
+              <a:rPr lang="en-US" altLang="zh-CN" cap="none" dirty="0" smtClean="0"/>
+              <a:t>	</a:t>
+            </a:r>
+            <a:r>
+              <a:rPr lang="en-US" altLang="zh-CN" dirty="0" smtClean="0"/>
+              <a:t>					</a:t>
+            </a:r>
+          </a:p>
+          <a:p>
+            <a:pPr marL="0" indent="0">
+              <a:buNone/>
+            </a:pPr>
+            <a:endParaRPr lang="zh-CN" altLang="en-US" dirty="0"/>
+          </a:p>
+        </p:txBody>
+      </p:sp>
+      <p:sp>
+        <p:nvSpPr>
+          <p:cNvPr id="5" name="内容占位符 2"/>
+          <p:cNvSpPr txBox="1">
+            <a:spLocks/>
+          </p:cNvSpPr>
+          <p:nvPr/>
+        </p:nvSpPr>
+        <p:spPr>
+          <a:xfrm>
+            <a:off x="5839659" y="1861483"/>
+            <a:ext cx="4704628" cy="3424107"/>
+          </a:xfrm>
+          <a:prstGeom prst="rect">
+            <a:avLst/>
+          </a:prstGeom>
+        </p:spPr>
+        <p:txBody>
+          <a:bodyPr vert="horz" lIns="91440" tIns="45720" rIns="91440" bIns="45720" rtlCol="0">
+            <a:normAutofit/>
+          </a:bodyPr>
+          <a:lstStyle>
+            <a:lvl1pPr marL="228600" indent="-228600" algn="l" defTabSz="914400" rtl="0" eaLnBrk="1" latinLnBrk="0" hangingPunct="1">
+              <a:lnSpc>
+                <a:spcPct val="120000"/>
+              </a:lnSpc>
+              <a:spcBef>
+                <a:spcPts val="1000"/>
+              </a:spcBef>
+              <a:buClr>
+                <a:schemeClr val="tx1"/>
+              </a:buClr>
+              <a:buFont typeface="Arial" panose="020B0604020202020204" pitchFamily="34" charset="0"/>
+              <a:buChar char="•"/>
+              <a:defRPr sz="2000" kern="1200" cap="all" baseline="0">
+                <a:solidFill>
+                  <a:schemeClr val="tx1"/>
+                </a:solidFill>
+                <a:effectLst/>
+                <a:latin typeface="+mn-lt"/>
+                <a:ea typeface="+mn-ea"/>
+                <a:cs typeface="+mn-cs"/>
+              </a:defRPr>
+            </a:lvl1pPr>
+            <a:lvl2pPr marL="685800" indent="-228600" algn="l" defTabSz="914400" rtl="0" eaLnBrk="1" latinLnBrk="0" hangingPunct="1">
+              <a:lnSpc>
+                <a:spcPct val="120000"/>
+              </a:lnSpc>
+              <a:spcBef>
+                <a:spcPts val="500"/>
+              </a:spcBef>
+              <a:buClr>
+                <a:schemeClr val="tx1"/>
+              </a:buClr>
+              <a:buFont typeface="Arial" panose="020B0604020202020204" pitchFamily="34" charset="0"/>
+              <a:buChar char="•"/>
+              <a:defRPr sz="1800" kern="1200" cap="all" baseline="0">
+                <a:solidFill>
+                  <a:schemeClr val="tx1"/>
+                </a:solidFill>
+                <a:effectLst/>
+                <a:latin typeface="+mn-lt"/>
+                <a:ea typeface="+mn-ea"/>
+                <a:cs typeface="+mn-cs"/>
+              </a:defRPr>
+            </a:lvl2pPr>
+            <a:lvl3pPr marL="1143000" indent="-228600" algn="l" defTabSz="914400" rtl="0" eaLnBrk="1" latinLnBrk="0" hangingPunct="1">
+              <a:lnSpc>
+                <a:spcPct val="120000"/>
+              </a:lnSpc>
+              <a:spcBef>
+                <a:spcPts val="500"/>
+              </a:spcBef>
+              <a:buClr>
+                <a:schemeClr val="tx1"/>
+              </a:buClr>
+              <a:buFont typeface="Arial" panose="020B0604020202020204" pitchFamily="34" charset="0"/>
+              <a:buChar char="•"/>
+              <a:defRPr sz="1600" kern="1200" cap="all" baseline="0">
+                <a:solidFill>
+                  <a:schemeClr val="tx1"/>
+                </a:solidFill>
+                <a:effectLst/>
+                <a:latin typeface="+mn-lt"/>
+                <a:ea typeface="+mn-ea"/>
+                <a:cs typeface="+mn-cs"/>
+              </a:defRPr>
+            </a:lvl3pPr>
+            <a:lvl4pPr marL="1600200" indent="-228600" algn="l" defTabSz="914400" rtl="0" eaLnBrk="1" latinLnBrk="0" hangingPunct="1">
+              <a:lnSpc>
+                <a:spcPct val="120000"/>
+              </a:lnSpc>
+              <a:spcBef>
+                <a:spcPts val="500"/>
+              </a:spcBef>
+              <a:buClr>
+                <a:schemeClr val="tx1"/>
+              </a:buClr>
+              <a:buFont typeface="Arial" panose="020B0604020202020204" pitchFamily="34" charset="0"/>
+              <a:buChar char="•"/>
+              <a:defRPr sz="1400" kern="1200" cap="all" baseline="0">
+                <a:solidFill>
+                  <a:schemeClr val="tx1"/>
+                </a:solidFill>
+                <a:effectLst/>
+                <a:latin typeface="+mn-lt"/>
+                <a:ea typeface="+mn-ea"/>
+                <a:cs typeface="+mn-cs"/>
+              </a:defRPr>
+            </a:lvl4pPr>
+            <a:lvl5pPr marL="2057400" indent="-228600" algn="l" defTabSz="914400" rtl="0" eaLnBrk="1" latinLnBrk="0" hangingPunct="1">
+              <a:lnSpc>
+                <a:spcPct val="120000"/>
+              </a:lnSpc>
+              <a:spcBef>
+                <a:spcPts val="500"/>
+              </a:spcBef>
+              <a:buClr>
+                <a:schemeClr val="tx1"/>
+              </a:buClr>
+              <a:buFont typeface="Arial" panose="020B0604020202020204" pitchFamily="34" charset="0"/>
+              <a:buChar char="•"/>
+              <a:defRPr sz="1400" kern="1200" cap="all" baseline="0">
+                <a:solidFill>
+                  <a:schemeClr val="tx1"/>
+                </a:solidFill>
+                <a:effectLst/>
+                <a:latin typeface="+mn-lt"/>
+                <a:ea typeface="+mn-ea"/>
+                <a:cs typeface="+mn-cs"/>
+              </a:defRPr>
+            </a:lvl5pPr>
+            <a:lvl6pPr marL="2514600" indent="-228600" algn="l" defTabSz="914400" rtl="0" eaLnBrk="1" latinLnBrk="0" hangingPunct="1">
+              <a:lnSpc>
+                <a:spcPct val="120000"/>
+              </a:lnSpc>
+              <a:spcBef>
+                <a:spcPts val="500"/>
+              </a:spcBef>
+              <a:buClr>
+                <a:schemeClr val="tx1"/>
+              </a:buClr>
+              <a:buFont typeface="Arial" panose="020B0604020202020204" pitchFamily="34" charset="0"/>
+              <a:buChar char="•"/>
+              <a:defRPr sz="1400" kern="1200" cap="all" baseline="0">
+                <a:solidFill>
+                  <a:schemeClr val="tx1"/>
+                </a:solidFill>
+                <a:effectLst/>
+                <a:latin typeface="+mn-lt"/>
+                <a:ea typeface="+mn-ea"/>
+                <a:cs typeface="+mn-cs"/>
+              </a:defRPr>
+            </a:lvl6pPr>
+            <a:lvl7pPr marL="2971800" indent="-228600" algn="l" defTabSz="914400" rtl="0" eaLnBrk="1" latinLnBrk="0" hangingPunct="1">
+              <a:lnSpc>
+                <a:spcPct val="120000"/>
+              </a:lnSpc>
+              <a:spcBef>
+                <a:spcPts val="500"/>
+              </a:spcBef>
+              <a:buClr>
+                <a:schemeClr val="tx1"/>
+              </a:buClr>
+              <a:buFont typeface="Arial" panose="020B0604020202020204" pitchFamily="34" charset="0"/>
+              <a:buChar char="•"/>
+              <a:defRPr sz="1400" kern="1200" cap="all" baseline="0">
+                <a:solidFill>
+                  <a:schemeClr val="tx1"/>
+                </a:solidFill>
+                <a:effectLst/>
+                <a:latin typeface="+mn-lt"/>
+                <a:ea typeface="+mn-ea"/>
+                <a:cs typeface="+mn-cs"/>
+              </a:defRPr>
+            </a:lvl7pPr>
+            <a:lvl8pPr marL="3429000" indent="-228600" algn="l" defTabSz="914400" rtl="0" eaLnBrk="1" latinLnBrk="0" hangingPunct="1">
+              <a:lnSpc>
+                <a:spcPct val="120000"/>
+              </a:lnSpc>
+              <a:spcBef>
+                <a:spcPts val="500"/>
+              </a:spcBef>
+              <a:buClr>
+                <a:schemeClr val="tx1"/>
+              </a:buClr>
+              <a:buFont typeface="Arial" panose="020B0604020202020204" pitchFamily="34" charset="0"/>
+              <a:buChar char="•"/>
+              <a:defRPr sz="1400" kern="1200" cap="all" baseline="0">
+                <a:solidFill>
+                  <a:schemeClr val="tx1"/>
+                </a:solidFill>
+                <a:effectLst/>
+                <a:latin typeface="+mn-lt"/>
+                <a:ea typeface="+mn-ea"/>
+                <a:cs typeface="+mn-cs"/>
+              </a:defRPr>
+            </a:lvl8pPr>
+            <a:lvl9pPr marL="3886200" indent="-228600" algn="l" defTabSz="914400" rtl="0" eaLnBrk="1" latinLnBrk="0" hangingPunct="1">
+              <a:lnSpc>
+                <a:spcPct val="120000"/>
+              </a:lnSpc>
+              <a:spcBef>
+                <a:spcPts val="500"/>
+              </a:spcBef>
+              <a:buClr>
+                <a:schemeClr val="tx1"/>
+              </a:buClr>
+              <a:buFont typeface="Arial" panose="020B0604020202020204" pitchFamily="34" charset="0"/>
+              <a:buChar char="•"/>
+              <a:defRPr sz="1400" kern="1200" cap="all" baseline="0">
+                <a:solidFill>
+                  <a:schemeClr val="tx1"/>
+                </a:solidFill>
+                <a:effectLst/>
+                <a:latin typeface="+mn-lt"/>
+                <a:ea typeface="+mn-ea"/>
+                <a:cs typeface="+mn-cs"/>
+              </a:defRPr>
+            </a:lvl9pPr>
+          </a:lstStyle>
+          <a:p>
+            <a:r>
+              <a:rPr lang="en-US" altLang="zh-CN" cap="none" dirty="0" err="1" smtClean="0"/>
+              <a:t>gradle</a:t>
+            </a:r>
+            <a:r>
+              <a:rPr lang="en-US" altLang="zh-CN" cap="none" dirty="0" smtClean="0"/>
+              <a:t> wrapper</a:t>
+            </a:r>
+            <a:r>
+              <a:rPr lang="zh-CN" altLang="en-US" cap="none" dirty="0" smtClean="0"/>
+              <a:t>：</a:t>
+            </a:r>
+            <a:endParaRPr lang="en-US" altLang="zh-CN" cap="none" dirty="0" smtClean="0"/>
+          </a:p>
+          <a:p>
+            <a:r>
+              <a:rPr lang="zh-CN" altLang="en-US" cap="none" dirty="0"/>
+              <a:t>自动</a:t>
+            </a:r>
+            <a:r>
+              <a:rPr lang="zh-CN" altLang="en-US" cap="none" dirty="0" smtClean="0"/>
+              <a:t>安装并保证安装正确的版本</a:t>
+            </a:r>
+            <a:r>
+              <a:rPr lang="en-US" altLang="zh-CN" cap="none" dirty="0" smtClean="0"/>
+              <a:t>	</a:t>
+            </a:r>
+            <a:r>
+              <a:rPr lang="en-US" altLang="zh-CN" dirty="0" smtClean="0"/>
+              <a:t>				</a:t>
+            </a:r>
+          </a:p>
+          <a:p>
+            <a:pPr marL="0" indent="0">
+              <a:buFont typeface="Arial" panose="020B0604020202020204" pitchFamily="34" charset="0"/>
+              <a:buNone/>
+            </a:pPr>
+            <a:endParaRPr lang="zh-CN" altLang="en-US" dirty="0"/>
+          </a:p>
+        </p:txBody>
+      </p:sp>
+      <p:pic>
+        <p:nvPicPr>
+          <p:cNvPr id="7" name="图片 6"/>
+          <p:cNvPicPr>
+            <a:picLocks noChangeAspect="1"/>
+          </p:cNvPicPr>
+          <p:nvPr/>
+        </p:nvPicPr>
+        <p:blipFill>
+          <a:blip r:embed="rId2"/>
+          <a:stretch>
+            <a:fillRect/>
+          </a:stretch>
+        </p:blipFill>
+        <p:spPr>
+          <a:xfrm>
+            <a:off x="749499" y="2977028"/>
+            <a:ext cx="4670220" cy="2467086"/>
+          </a:xfrm>
+          <a:prstGeom prst="rect">
+            <a:avLst/>
+          </a:prstGeom>
+        </p:spPr>
+      </p:pic>
+      <p:pic>
+        <p:nvPicPr>
+          <p:cNvPr id="8" name="图片 7"/>
+          <p:cNvPicPr>
+            <a:picLocks noChangeAspect="1"/>
+          </p:cNvPicPr>
+          <p:nvPr/>
+        </p:nvPicPr>
+        <p:blipFill>
+          <a:blip r:embed="rId3"/>
+          <a:stretch>
+            <a:fillRect/>
+          </a:stretch>
+        </p:blipFill>
+        <p:spPr>
+          <a:xfrm>
+            <a:off x="5839659" y="3135553"/>
+            <a:ext cx="4336675" cy="2150037"/>
+          </a:xfrm>
+          <a:prstGeom prst="rect">
+            <a:avLst/>
+          </a:prstGeom>
+        </p:spPr>
+      </p:pic>
+    </p:spTree>
+    <p:extLst>
+      <p:ext uri="{BB962C8B-B14F-4D97-AF65-F5344CB8AC3E}">
+        <p14:creationId xmlns:p14="http://schemas.microsoft.com/office/powerpoint/2010/main" val="2646450908"/>
+      </p:ext>
+    </p:extLst>
+  </p:cSld>
+  <p:clrMapOvr>
+    <a:masterClrMapping/>
+  </p:clrMapOvr>
+</p:sld>
+</file>
+
+<file path=ppt/slides/slide6.xml><?xml version="1.0" encoding="utf-8"?>
+<p:sld xmlns:a="http://schemas.openxmlformats.org/drawingml/2006/main" xmlns:r="http://schemas.openxmlformats.org/officeDocument/2006/relationships" xmlns:p="http://schemas.openxmlformats.org/presentationml/2006/main">
+  <p:cSld>
+    <p:spTree>
+      <p:nvGrpSpPr>
+        <p:cNvPr id="1" name=""/>
+        <p:cNvGrpSpPr/>
+        <p:nvPr/>
+      </p:nvGrpSpPr>
+      <p:grpSpPr>
+        <a:xfrm>
+          <a:off x="0" y="0"/>
+          <a:ext cx="0" cy="0"/>
+          <a:chOff x="0" y="0"/>
+          <a:chExt cx="0" cy="0"/>
+        </a:xfrm>
+      </p:grpSpPr>
+      <p:sp>
+        <p:nvSpPr>
+          <p:cNvPr id="2" name="标题 1"/>
+          <p:cNvSpPr>
+            <a:spLocks noGrp="1"/>
+          </p:cNvSpPr>
+          <p:nvPr>
+            <p:ph type="title"/>
+          </p:nvPr>
+        </p:nvSpPr>
+        <p:spPr/>
+        <p:txBody>
+          <a:bodyPr/>
+          <a:lstStyle/>
+          <a:p>
+            <a:endParaRPr lang="zh-CN" altLang="en-US"/>
+          </a:p>
+        </p:txBody>
+      </p:sp>
+      <p:sp>
+        <p:nvSpPr>
+          <p:cNvPr id="3" name="内容占位符 2"/>
+          <p:cNvSpPr>
+            <a:spLocks noGrp="1"/>
+          </p:cNvSpPr>
+          <p:nvPr>
+            <p:ph sz="quarter" idx="13"/>
+          </p:nvPr>
+        </p:nvSpPr>
+        <p:spPr/>
+        <p:txBody>
+          <a:bodyPr/>
+          <a:lstStyle/>
+          <a:p>
+            <a:endParaRPr lang="zh-CN" altLang="en-US"/>
+          </a:p>
+        </p:txBody>
+      </p:sp>
+    </p:spTree>
+    <p:extLst>
+      <p:ext uri="{BB962C8B-B14F-4D97-AF65-F5344CB8AC3E}">
+        <p14:creationId xmlns:p14="http://schemas.microsoft.com/office/powerpoint/2010/main" val="2895711705"/>
+      </p:ext>
+    </p:extLst>
+  </p:cSld>
+  <p:clrMapOvr>
+    <a:masterClrMapping/>
+  </p:clrMapOvr>
+</p:sld>
+</file>
+
+<file path=ppt/slides/slide7.xml><?xml version="1.0" encoding="utf-8"?>
+<p:sld xmlns:a="http://schemas.openxmlformats.org/drawingml/2006/main" xmlns:r="http://schemas.openxmlformats.org/officeDocument/2006/relationships" xmlns:p="http://schemas.openxmlformats.org/presentationml/2006/main">
+  <p:cSld>
+    <p:spTree>
+      <p:nvGrpSpPr>
+        <p:cNvPr id="1" name=""/>
+        <p:cNvGrpSpPr/>
+        <p:nvPr/>
+      </p:nvGrpSpPr>
+      <p:grpSpPr>
+        <a:xfrm>
+          <a:off x="0" y="0"/>
+          <a:ext cx="0" cy="0"/>
+          <a:chOff x="0" y="0"/>
+          <a:chExt cx="0" cy="0"/>
+        </a:xfrm>
+      </p:grpSpPr>
+      <p:sp>
+        <p:nvSpPr>
+          <p:cNvPr id="2" name="标题 1"/>
+          <p:cNvSpPr>
+            <a:spLocks noGrp="1"/>
+          </p:cNvSpPr>
+          <p:nvPr>
+            <p:ph type="title"/>
+          </p:nvPr>
+        </p:nvSpPr>
+        <p:spPr>
+          <a:xfrm>
             <a:off x="913775" y="618517"/>
             <a:ext cx="10364451" cy="1264071"/>
           </a:xfrm>
@@ -6345,29 +7282,29 @@
         </p:spPr>
         <p:txBody>
           <a:bodyPr>
-            <a:normAutofit fontScale="92500" lnSpcReduction="10000"/>
+            <a:normAutofit/>
           </a:bodyPr>
           <a:lstStyle/>
           <a:p>
             <a:r>
-              <a:rPr lang="en-US" altLang="zh-CN" b="1" dirty="0"/>
+              <a:rPr lang="en-US" altLang="zh-CN" b="1" cap="none" dirty="0" smtClean="0"/>
               <a:t>File</a:t>
             </a:r>
             <a:r>
-              <a:rPr lang="en-US" altLang="zh-CN" dirty="0"/>
+              <a:rPr lang="en-US" altLang="zh-CN" cap="none" dirty="0" smtClean="0"/>
               <a:t> &gt; </a:t>
             </a:r>
             <a:r>
-              <a:rPr lang="en-US" altLang="zh-CN" b="1" dirty="0"/>
-              <a:t>Project Structure</a:t>
-            </a:r>
-            <a:r>
-              <a:rPr lang="en-US" altLang="zh-CN" dirty="0"/>
+              <a:rPr lang="en-US" altLang="zh-CN" b="1" cap="none" dirty="0" smtClean="0"/>
+              <a:t>project structure</a:t>
+            </a:r>
+            <a:r>
+              <a:rPr lang="en-US" altLang="zh-CN" cap="none" dirty="0" smtClean="0"/>
               <a:t> &gt; </a:t>
             </a:r>
             <a:r>
-              <a:rPr lang="en-US" altLang="zh-CN" b="1" dirty="0"/>
-              <a:t>Project</a:t>
+              <a:rPr lang="en-US" altLang="zh-CN" b="1" cap="none" dirty="0" smtClean="0"/>
+              <a:t>project</a:t>
             </a:r>
             <a:r>
               <a:rPr lang="en-US" altLang="zh-CN" dirty="0"/>
@@ -6378,111 +7315,625 @@
           <a:p>
             <a:r>
               <a:rPr lang="en-US" altLang="zh-CN" dirty="0"/>
-              <a:t> Android Plugin for </a:t>
-            </a:r>
-            <a:r>
-              <a:rPr lang="en-US" altLang="zh-CN" dirty="0" err="1" smtClean="0"/>
+              <a:t> </a:t>
+            </a:r>
+            <a:r>
+              <a:rPr lang="en-US" altLang="zh-CN" cap="none" dirty="0" smtClean="0"/>
+              <a:t>Android plugin for </a:t>
+            </a:r>
+            <a:r>
+              <a:rPr lang="en-US" altLang="zh-CN" cap="none" dirty="0" err="1" smtClean="0"/>
+              <a:t>gradle</a:t>
+            </a:r>
+            <a:r>
+              <a:rPr lang="en-US" altLang="zh-CN" cap="none" dirty="0" smtClean="0"/>
+              <a:t> version</a:t>
+            </a:r>
+            <a:r>
+              <a:rPr lang="zh-CN" altLang="en-US" cap="none" dirty="0" smtClean="0"/>
+              <a:t>：</a:t>
+            </a:r>
+            <a:r>
+              <a:rPr lang="en-US" altLang="zh-CN" cap="none" dirty="0" smtClean="0"/>
+              <a:t>top-level </a:t>
+            </a:r>
+            <a:r>
+              <a:rPr lang="en-US" altLang="zh-CN" cap="none" dirty="0" err="1" smtClean="0"/>
+              <a:t>build.Gradle</a:t>
+            </a:r>
+            <a:r>
+              <a:rPr lang="en-US" altLang="zh-CN" cap="none" dirty="0" smtClean="0"/>
+              <a:t> </a:t>
+            </a:r>
+            <a:endParaRPr lang="en-US" altLang="zh-CN" dirty="0" smtClean="0"/>
+          </a:p>
+          <a:p>
+            <a:endParaRPr lang="en-US" altLang="zh-CN" dirty="0" smtClean="0"/>
+          </a:p>
+          <a:p>
+            <a:endParaRPr lang="en-US" altLang="zh-CN" dirty="0"/>
+          </a:p>
+          <a:p>
+            <a:endParaRPr lang="en-US" altLang="zh-CN" dirty="0" smtClean="0"/>
+          </a:p>
+          <a:p>
+            <a:r>
+              <a:rPr lang="en-US" altLang="zh-CN" cap="none" dirty="0" err="1" smtClean="0"/>
               <a:t>Gradle</a:t>
             </a:r>
             <a:r>
-              <a:rPr lang="en-US" altLang="zh-CN" dirty="0" smtClean="0"/>
-              <a:t> Version</a:t>
-            </a:r>
-            <a:r>
-              <a:rPr lang="zh-CN" altLang="en-US" dirty="0" smtClean="0"/>
+              <a:rPr lang="en-US" altLang="zh-CN" cap="none" dirty="0" smtClean="0"/>
+              <a:t> version</a:t>
+            </a:r>
+            <a:r>
+              <a:rPr lang="zh-CN" altLang="en-US" cap="none" dirty="0" smtClean="0"/>
               <a:t>：</a:t>
             </a:r>
             <a:r>
-              <a:rPr lang="en-US" altLang="zh-CN" dirty="0"/>
-              <a:t>top-level </a:t>
-            </a:r>
-            <a:r>
-              <a:rPr lang="en-US" altLang="zh-CN" dirty="0" err="1"/>
-              <a:t>build.gradle</a:t>
-            </a:r>
-            <a:r>
-              <a:rPr lang="en-US" altLang="zh-CN" dirty="0"/>
+              <a:rPr lang="en-US" altLang="zh-CN" cap="none" dirty="0" err="1" smtClean="0"/>
+              <a:t>gradle</a:t>
+            </a:r>
+            <a:r>
+              <a:rPr lang="en-US" altLang="zh-CN" cap="none" dirty="0" smtClean="0"/>
+              <a:t>/wrapper/</a:t>
+            </a:r>
+            <a:r>
+              <a:rPr lang="en-US" altLang="zh-CN" cap="none" dirty="0" err="1" smtClean="0"/>
+              <a:t>gradle-wrapper.Properties</a:t>
+            </a:r>
+            <a:endParaRPr lang="en-US" altLang="zh-CN" cap="none" dirty="0" smtClean="0"/>
+          </a:p>
+          <a:p>
+            <a:endParaRPr lang="zh-CN" altLang="en-US" dirty="0"/>
+          </a:p>
+        </p:txBody>
+      </p:sp>
+      <p:sp>
+        <p:nvSpPr>
+          <p:cNvPr id="5" name="Rectangle 1"/>
+          <p:cNvSpPr>
+            <a:spLocks noChangeArrowheads="1"/>
+          </p:cNvSpPr>
+          <p:nvPr/>
+        </p:nvSpPr>
+        <p:spPr bwMode="auto">
+          <a:xfrm>
+            <a:off x="1366221" y="3073381"/>
+            <a:ext cx="4604273" cy="1268245"/>
+          </a:xfrm>
+          <a:prstGeom prst="rect">
+            <a:avLst/>
+          </a:prstGeom>
+          <a:solidFill>
+            <a:srgbClr val="F7F7F7"/>
+          </a:solidFill>
+          <a:ln>
+            <a:noFill/>
+          </a:ln>
+          <a:effectLst/>
+          <a:extLst>
+            <a:ext uri="{91240B29-F687-4F45-9708-019B960494DF}">
+              <a14:hiddenLine xmlns:a14="http://schemas.microsoft.com/office/drawing/2010/main" w="9525">
+                <a:solidFill>
+                  <a:schemeClr val="tx1"/>
+                </a:solidFill>
+                <a:miter lim="800000"/>
+                <a:headEnd/>
+                <a:tailEnd/>
+              </a14:hiddenLine>
+            </a:ext>
+            <a:ext uri="{AF507438-7753-43E0-B8FC-AC1667EBCBE1}">
+              <a14:hiddenEffects xmlns:a14="http://schemas.microsoft.com/office/drawing/2010/main">
+                <a:effectLst>
+                  <a:outerShdw dist="35921" dir="2700000" algn="ctr" rotWithShape="0">
+                    <a:schemeClr val="bg2"/>
+                  </a:outerShdw>
+                </a:effectLst>
+              </a14:hiddenEffects>
+            </a:ext>
+          </a:extLst>
+        </p:spPr>
+        <p:txBody>
+          <a:bodyPr vert="horz" wrap="square" lIns="0" tIns="0" rIns="0" bIns="158700" numCol="1" anchor="ctr" anchorCtr="0" compatLnSpc="1">
+            <a:prstTxWarp prst="textNoShape">
+              <a:avLst/>
+            </a:prstTxWarp>
+            <a:spAutoFit/>
+          </a:bodyPr>
+          <a:lstStyle/>
+          <a:p>
+            <a:pPr marL="0" marR="0" lvl="0" indent="0" algn="l" defTabSz="914400" rtl="0" eaLnBrk="0" fontAlgn="base" latinLnBrk="0" hangingPunct="0">
+              <a:lnSpc>
+                <a:spcPct val="100000"/>
+              </a:lnSpc>
+              <a:spcBef>
+                <a:spcPct val="0"/>
+              </a:spcBef>
+              <a:spcAft>
+                <a:spcPct val="0"/>
+              </a:spcAft>
+              <a:buClrTx/>
+              <a:buSzTx/>
+              <a:buFontTx/>
+              <a:buNone/>
+              <a:tabLst/>
+            </a:pPr>
+            <a:r>
+              <a:rPr kumimoji="0" lang="zh-CN" altLang="zh-CN" sz="1200" b="0" i="0" u="none" strike="noStrike" cap="none" normalizeH="0" baseline="0" dirty="0" smtClean="0">
+                <a:ln>
+                  <a:noFill/>
+                </a:ln>
+                <a:solidFill>
+                  <a:srgbClr val="000000"/>
+                </a:solidFill>
+                <a:effectLst/>
+                <a:latin typeface="Consolas" panose="020B0609020204030204" pitchFamily="49" charset="0"/>
+                <a:cs typeface="Consolas" panose="020B0609020204030204" pitchFamily="49" charset="0"/>
+              </a:rPr>
+              <a:t>buildscript </a:t>
+            </a:r>
+            <a:r>
+              <a:rPr kumimoji="0" lang="zh-CN" altLang="zh-CN" sz="1200" b="0" i="0" u="none" strike="noStrike" cap="none" normalizeH="0" baseline="0" dirty="0" smtClean="0">
+                <a:ln>
+                  <a:noFill/>
+                </a:ln>
+                <a:solidFill>
+                  <a:srgbClr val="666600"/>
+                </a:solidFill>
+                <a:effectLst/>
+                <a:latin typeface="Consolas" panose="020B0609020204030204" pitchFamily="49" charset="0"/>
+                <a:cs typeface="Consolas" panose="020B0609020204030204" pitchFamily="49" charset="0"/>
+              </a:rPr>
+              <a:t>{</a:t>
+            </a:r>
+            <a:r>
+              <a:rPr kumimoji="0" lang="zh-CN" altLang="zh-CN" sz="1200" b="0" i="0" u="none" strike="noStrike" cap="none" normalizeH="0" baseline="0" dirty="0" smtClean="0">
+                <a:ln>
+                  <a:noFill/>
+                </a:ln>
+                <a:solidFill>
+                  <a:srgbClr val="000000"/>
+                </a:solidFill>
+                <a:effectLst/>
+                <a:latin typeface="Consolas" panose="020B0609020204030204" pitchFamily="49" charset="0"/>
+                <a:cs typeface="Consolas" panose="020B0609020204030204" pitchFamily="49" charset="0"/>
+              </a:rPr>
+              <a:t/>
+            </a:r>
+            <a:br>
+              <a:rPr kumimoji="0" lang="zh-CN" altLang="zh-CN" sz="1200" b="0" i="0" u="none" strike="noStrike" cap="none" normalizeH="0" baseline="0" dirty="0" smtClean="0">
+                <a:ln>
+                  <a:noFill/>
+                </a:ln>
+                <a:solidFill>
+                  <a:srgbClr val="000000"/>
+                </a:solidFill>
+                <a:effectLst/>
+                <a:latin typeface="Consolas" panose="020B0609020204030204" pitchFamily="49" charset="0"/>
+                <a:cs typeface="Consolas" panose="020B0609020204030204" pitchFamily="49" charset="0"/>
+              </a:rPr>
+            </a:br>
+            <a:r>
+              <a:rPr kumimoji="0" lang="zh-CN" altLang="zh-CN" sz="1200" b="0" i="0" u="none" strike="noStrike" cap="none" normalizeH="0" baseline="0" dirty="0" smtClean="0">
+                <a:ln>
+                  <a:noFill/>
+                </a:ln>
+                <a:solidFill>
+                  <a:srgbClr val="000000"/>
+                </a:solidFill>
+                <a:effectLst/>
+                <a:latin typeface="Consolas" panose="020B0609020204030204" pitchFamily="49" charset="0"/>
+                <a:cs typeface="Consolas" panose="020B0609020204030204" pitchFamily="49" charset="0"/>
+              </a:rPr>
+              <a:t>  </a:t>
+            </a:r>
+            <a:r>
+              <a:rPr kumimoji="0" lang="zh-CN" altLang="zh-CN" sz="1200" b="0" i="0" u="none" strike="noStrike" cap="none" normalizeH="0" baseline="0" dirty="0" smtClean="0">
+                <a:ln>
+                  <a:noFill/>
+                </a:ln>
+                <a:solidFill>
+                  <a:srgbClr val="666600"/>
+                </a:solidFill>
+                <a:effectLst/>
+                <a:latin typeface="Consolas" panose="020B0609020204030204" pitchFamily="49" charset="0"/>
+                <a:cs typeface="Consolas" panose="020B0609020204030204" pitchFamily="49" charset="0"/>
+              </a:rPr>
+              <a:t>...</a:t>
+            </a:r>
+            <a:r>
+              <a:rPr kumimoji="0" lang="zh-CN" altLang="zh-CN" sz="1200" b="0" i="0" u="none" strike="noStrike" cap="none" normalizeH="0" baseline="0" dirty="0" smtClean="0">
+                <a:ln>
+                  <a:noFill/>
+                </a:ln>
+                <a:solidFill>
+                  <a:srgbClr val="000000"/>
+                </a:solidFill>
+                <a:effectLst/>
+                <a:latin typeface="Consolas" panose="020B0609020204030204" pitchFamily="49" charset="0"/>
+                <a:cs typeface="Consolas" panose="020B0609020204030204" pitchFamily="49" charset="0"/>
+              </a:rPr>
+              <a:t/>
+            </a:r>
+            <a:br>
+              <a:rPr kumimoji="0" lang="zh-CN" altLang="zh-CN" sz="1200" b="0" i="0" u="none" strike="noStrike" cap="none" normalizeH="0" baseline="0" dirty="0" smtClean="0">
+                <a:ln>
+                  <a:noFill/>
+                </a:ln>
+                <a:solidFill>
+                  <a:srgbClr val="000000"/>
+                </a:solidFill>
+                <a:effectLst/>
+                <a:latin typeface="Consolas" panose="020B0609020204030204" pitchFamily="49" charset="0"/>
+                <a:cs typeface="Consolas" panose="020B0609020204030204" pitchFamily="49" charset="0"/>
+              </a:rPr>
+            </a:br>
+            <a:r>
+              <a:rPr kumimoji="0" lang="zh-CN" altLang="zh-CN" sz="1200" b="0" i="0" u="none" strike="noStrike" cap="none" normalizeH="0" baseline="0" dirty="0" smtClean="0">
+                <a:ln>
+                  <a:noFill/>
+                </a:ln>
+                <a:solidFill>
+                  <a:srgbClr val="000000"/>
+                </a:solidFill>
+                <a:effectLst/>
+                <a:latin typeface="Consolas" panose="020B0609020204030204" pitchFamily="49" charset="0"/>
+                <a:cs typeface="Consolas" panose="020B0609020204030204" pitchFamily="49" charset="0"/>
+              </a:rPr>
+              <a:t>  dependencies </a:t>
+            </a:r>
+            <a:r>
+              <a:rPr kumimoji="0" lang="zh-CN" altLang="zh-CN" sz="1200" b="0" i="0" u="none" strike="noStrike" cap="none" normalizeH="0" baseline="0" dirty="0" smtClean="0">
+                <a:ln>
+                  <a:noFill/>
+                </a:ln>
+                <a:solidFill>
+                  <a:srgbClr val="666600"/>
+                </a:solidFill>
+                <a:effectLst/>
+                <a:latin typeface="Consolas" panose="020B0609020204030204" pitchFamily="49" charset="0"/>
+                <a:cs typeface="Consolas" panose="020B0609020204030204" pitchFamily="49" charset="0"/>
+              </a:rPr>
+              <a:t>{</a:t>
+            </a:r>
+            <a:r>
+              <a:rPr kumimoji="0" lang="zh-CN" altLang="zh-CN" sz="1200" b="0" i="0" u="none" strike="noStrike" cap="none" normalizeH="0" baseline="0" dirty="0" smtClean="0">
+                <a:ln>
+                  <a:noFill/>
+                </a:ln>
+                <a:solidFill>
+                  <a:srgbClr val="000000"/>
+                </a:solidFill>
+                <a:effectLst/>
+                <a:latin typeface="Consolas" panose="020B0609020204030204" pitchFamily="49" charset="0"/>
+                <a:cs typeface="Consolas" panose="020B0609020204030204" pitchFamily="49" charset="0"/>
+              </a:rPr>
+              <a:t/>
+            </a:r>
+            <a:br>
+              <a:rPr kumimoji="0" lang="zh-CN" altLang="zh-CN" sz="1200" b="0" i="0" u="none" strike="noStrike" cap="none" normalizeH="0" baseline="0" dirty="0" smtClean="0">
+                <a:ln>
+                  <a:noFill/>
+                </a:ln>
+                <a:solidFill>
+                  <a:srgbClr val="000000"/>
+                </a:solidFill>
+                <a:effectLst/>
+                <a:latin typeface="Consolas" panose="020B0609020204030204" pitchFamily="49" charset="0"/>
+                <a:cs typeface="Consolas" panose="020B0609020204030204" pitchFamily="49" charset="0"/>
+              </a:rPr>
+            </a:br>
+            <a:r>
+              <a:rPr kumimoji="0" lang="zh-CN" altLang="zh-CN" sz="1200" b="0" i="0" u="none" strike="noStrike" cap="none" normalizeH="0" baseline="0" dirty="0" smtClean="0">
+                <a:ln>
+                  <a:noFill/>
+                </a:ln>
+                <a:solidFill>
+                  <a:srgbClr val="000000"/>
+                </a:solidFill>
+                <a:effectLst/>
+                <a:latin typeface="Consolas" panose="020B0609020204030204" pitchFamily="49" charset="0"/>
+                <a:cs typeface="Consolas" panose="020B0609020204030204" pitchFamily="49" charset="0"/>
+              </a:rPr>
+              <a:t>    classpath </a:t>
+            </a:r>
+            <a:r>
+              <a:rPr kumimoji="0" lang="zh-CN" altLang="zh-CN" sz="1200" b="0" i="0" u="none" strike="noStrike" cap="none" normalizeH="0" baseline="0" dirty="0" smtClean="0">
+                <a:ln>
+                  <a:noFill/>
+                </a:ln>
+                <a:solidFill>
+                  <a:srgbClr val="880000"/>
+                </a:solidFill>
+                <a:effectLst/>
+                <a:latin typeface="Consolas" panose="020B0609020204030204" pitchFamily="49" charset="0"/>
+                <a:cs typeface="Consolas" panose="020B0609020204030204" pitchFamily="49" charset="0"/>
+              </a:rPr>
+              <a:t>'com.android.tools.build:gradle:2.2.0'</a:t>
+            </a:r>
+            <a:r>
+              <a:rPr kumimoji="0" lang="zh-CN" altLang="zh-CN" sz="1200" b="0" i="0" u="none" strike="noStrike" cap="none" normalizeH="0" baseline="0" dirty="0" smtClean="0">
+                <a:ln>
+                  <a:noFill/>
+                </a:ln>
+                <a:solidFill>
+                  <a:srgbClr val="000000"/>
+                </a:solidFill>
+                <a:effectLst/>
+                <a:latin typeface="Consolas" panose="020B0609020204030204" pitchFamily="49" charset="0"/>
+                <a:cs typeface="Consolas" panose="020B0609020204030204" pitchFamily="49" charset="0"/>
+              </a:rPr>
+              <a:t/>
+            </a:r>
+            <a:br>
+              <a:rPr kumimoji="0" lang="zh-CN" altLang="zh-CN" sz="1200" b="0" i="0" u="none" strike="noStrike" cap="none" normalizeH="0" baseline="0" dirty="0" smtClean="0">
+                <a:ln>
+                  <a:noFill/>
+                </a:ln>
+                <a:solidFill>
+                  <a:srgbClr val="000000"/>
+                </a:solidFill>
+                <a:effectLst/>
+                <a:latin typeface="Consolas" panose="020B0609020204030204" pitchFamily="49" charset="0"/>
+                <a:cs typeface="Consolas" panose="020B0609020204030204" pitchFamily="49" charset="0"/>
+              </a:rPr>
+            </a:br>
+            <a:r>
+              <a:rPr kumimoji="0" lang="zh-CN" altLang="zh-CN" sz="1200" b="0" i="0" u="none" strike="noStrike" cap="none" normalizeH="0" baseline="0" dirty="0" smtClean="0">
+                <a:ln>
+                  <a:noFill/>
+                </a:ln>
+                <a:solidFill>
+                  <a:srgbClr val="000000"/>
+                </a:solidFill>
+                <a:effectLst/>
+                <a:latin typeface="Consolas" panose="020B0609020204030204" pitchFamily="49" charset="0"/>
+                <a:cs typeface="Consolas" panose="020B0609020204030204" pitchFamily="49" charset="0"/>
+              </a:rPr>
+              <a:t>  </a:t>
+            </a:r>
+            <a:r>
+              <a:rPr kumimoji="0" lang="zh-CN" altLang="zh-CN" sz="1200" b="0" i="0" u="none" strike="noStrike" cap="none" normalizeH="0" baseline="0" dirty="0" smtClean="0">
+                <a:ln>
+                  <a:noFill/>
+                </a:ln>
+                <a:solidFill>
+                  <a:srgbClr val="666600"/>
+                </a:solidFill>
+                <a:effectLst/>
+                <a:latin typeface="Consolas" panose="020B0609020204030204" pitchFamily="49" charset="0"/>
+                <a:cs typeface="Consolas" panose="020B0609020204030204" pitchFamily="49" charset="0"/>
+              </a:rPr>
+              <a:t>}</a:t>
+            </a:r>
+            <a:r>
+              <a:rPr kumimoji="0" lang="zh-CN" altLang="zh-CN" sz="1200" b="0" i="0" u="none" strike="noStrike" cap="none" normalizeH="0" baseline="0" dirty="0" smtClean="0">
+                <a:ln>
+                  <a:noFill/>
+                </a:ln>
+                <a:solidFill>
+                  <a:srgbClr val="000000"/>
+                </a:solidFill>
+                <a:effectLst/>
+                <a:latin typeface="Consolas" panose="020B0609020204030204" pitchFamily="49" charset="0"/>
+                <a:cs typeface="Consolas" panose="020B0609020204030204" pitchFamily="49" charset="0"/>
+              </a:rPr>
+              <a:t/>
+            </a:r>
+            <a:br>
+              <a:rPr kumimoji="0" lang="zh-CN" altLang="zh-CN" sz="1200" b="0" i="0" u="none" strike="noStrike" cap="none" normalizeH="0" baseline="0" dirty="0" smtClean="0">
+                <a:ln>
+                  <a:noFill/>
+                </a:ln>
+                <a:solidFill>
+                  <a:srgbClr val="000000"/>
+                </a:solidFill>
+                <a:effectLst/>
+                <a:latin typeface="Consolas" panose="020B0609020204030204" pitchFamily="49" charset="0"/>
+                <a:cs typeface="Consolas" panose="020B0609020204030204" pitchFamily="49" charset="0"/>
+              </a:rPr>
+            </a:br>
+            <a:r>
+              <a:rPr kumimoji="0" lang="zh-CN" altLang="zh-CN" sz="1200" b="0" i="0" u="none" strike="noStrike" cap="none" normalizeH="0" baseline="0" dirty="0" smtClean="0">
+                <a:ln>
+                  <a:noFill/>
+                </a:ln>
+                <a:solidFill>
+                  <a:srgbClr val="666600"/>
+                </a:solidFill>
+                <a:effectLst/>
+                <a:latin typeface="Consolas" panose="020B0609020204030204" pitchFamily="49" charset="0"/>
+                <a:cs typeface="Consolas" panose="020B0609020204030204" pitchFamily="49" charset="0"/>
+              </a:rPr>
+              <a:t>}</a:t>
+            </a:r>
+            <a:r>
+              <a:rPr kumimoji="0" lang="zh-CN" altLang="zh-CN" sz="1200" b="0" i="0" u="none" strike="noStrike" cap="none" normalizeH="0" baseline="0" dirty="0" smtClean="0">
+                <a:ln>
+                  <a:noFill/>
+                </a:ln>
+                <a:solidFill>
+                  <a:schemeClr val="tx1"/>
+                </a:solidFill>
+                <a:effectLst/>
+              </a:rPr>
               <a:t> </a:t>
             </a:r>
-            <a:endParaRPr lang="en-US" altLang="zh-CN" dirty="0" smtClean="0"/>
-          </a:p>
-          <a:p>
-            <a:r>
-              <a:rPr lang="en-US" altLang="zh-CN" dirty="0"/>
-              <a:t>dependencies {</a:t>
-            </a:r>
-          </a:p>
-          <a:p>
-            <a:r>
-              <a:rPr lang="en-US" altLang="zh-CN" dirty="0"/>
-              <a:t>    </a:t>
-            </a:r>
-            <a:r>
-              <a:rPr lang="en-US" altLang="zh-CN" dirty="0" err="1"/>
-              <a:t>classpath</a:t>
-            </a:r>
-            <a:r>
-              <a:rPr lang="en-US" altLang="zh-CN" dirty="0"/>
-              <a:t> 'com.android.tools.build:gradle:2.2.0'</a:t>
-            </a:r>
-          </a:p>
-          <a:p>
-            <a:r>
-              <a:rPr lang="en-US" altLang="zh-CN" dirty="0"/>
-              <a:t>  </a:t>
-            </a:r>
-            <a:r>
-              <a:rPr lang="en-US" altLang="zh-CN" dirty="0" smtClean="0"/>
-              <a:t>}</a:t>
-            </a:r>
-          </a:p>
-          <a:p>
-            <a:endParaRPr lang="en-US" altLang="zh-CN" dirty="0" smtClean="0"/>
-          </a:p>
-          <a:p>
-            <a:r>
-              <a:rPr lang="en-US" altLang="zh-CN" dirty="0" err="1"/>
-              <a:t>Gradle</a:t>
-            </a:r>
-            <a:r>
-              <a:rPr lang="en-US" altLang="zh-CN" dirty="0"/>
+            <a:endParaRPr kumimoji="0" lang="zh-CN" altLang="zh-CN" sz="1200" b="0" i="0" u="none" strike="noStrike" cap="none" normalizeH="0" baseline="0" dirty="0" smtClean="0">
+              <a:ln>
+                <a:noFill/>
+              </a:ln>
+              <a:solidFill>
+                <a:schemeClr val="tx1"/>
+              </a:solidFill>
+              <a:effectLst/>
+              <a:latin typeface="Arial" panose="020B0604020202020204" pitchFamily="34" charset="0"/>
+            </a:endParaRPr>
+          </a:p>
+        </p:txBody>
+      </p:sp>
+      <p:sp>
+        <p:nvSpPr>
+          <p:cNvPr id="6" name="Rectangle 2"/>
+          <p:cNvSpPr>
+            <a:spLocks noChangeArrowheads="1"/>
+          </p:cNvSpPr>
+          <p:nvPr/>
+        </p:nvSpPr>
+        <p:spPr bwMode="auto">
+          <a:xfrm>
+            <a:off x="1108037" y="5204722"/>
+            <a:ext cx="8380207" cy="375693"/>
+          </a:xfrm>
+          <a:prstGeom prst="rect">
+            <a:avLst/>
+          </a:prstGeom>
+          <a:solidFill>
+            <a:srgbClr val="F7F7F7"/>
+          </a:solidFill>
+          <a:ln>
+            <a:noFill/>
+          </a:ln>
+          <a:effectLst/>
+          <a:extLst>
+            <a:ext uri="{91240B29-F687-4F45-9708-019B960494DF}">
+              <a14:hiddenLine xmlns:a14="http://schemas.microsoft.com/office/drawing/2010/main" w="9525">
+                <a:solidFill>
+                  <a:schemeClr val="tx1"/>
+                </a:solidFill>
+                <a:miter lim="800000"/>
+                <a:headEnd/>
+                <a:tailEnd/>
+              </a14:hiddenLine>
+            </a:ext>
+            <a:ext uri="{AF507438-7753-43E0-B8FC-AC1667EBCBE1}">
+              <a14:hiddenEffects xmlns:a14="http://schemas.microsoft.com/office/drawing/2010/main">
+                <a:effectLst>
+                  <a:outerShdw dist="35921" dir="2700000" algn="ctr" rotWithShape="0">
+                    <a:schemeClr val="bg2"/>
+                  </a:outerShdw>
+                </a:effectLst>
+              </a14:hiddenEffects>
+            </a:ext>
+          </a:extLst>
+        </p:spPr>
+        <p:txBody>
+          <a:bodyPr vert="horz" wrap="square" lIns="0" tIns="0" rIns="0" bIns="158700" numCol="1" anchor="ctr" anchorCtr="0" compatLnSpc="1">
+            <a:prstTxWarp prst="textNoShape">
+              <a:avLst/>
+            </a:prstTxWarp>
+            <a:spAutoFit/>
+          </a:bodyPr>
+          <a:lstStyle/>
+          <a:p>
+            <a:pPr marL="0" marR="0" lvl="0" indent="0" algn="l" defTabSz="914400" rtl="0" eaLnBrk="0" fontAlgn="base" latinLnBrk="0" hangingPunct="0">
+              <a:lnSpc>
+                <a:spcPct val="100000"/>
+              </a:lnSpc>
+              <a:spcBef>
+                <a:spcPct val="0"/>
+              </a:spcBef>
+              <a:spcAft>
+                <a:spcPct val="0"/>
+              </a:spcAft>
+              <a:buClrTx/>
+              <a:buSzTx/>
+              <a:buFontTx/>
+              <a:buNone/>
+              <a:tabLst/>
+            </a:pPr>
+            <a:r>
+              <a:rPr kumimoji="0" lang="zh-CN" altLang="zh-CN" sz="1400" b="0" i="0" u="none" strike="noStrike" cap="none" normalizeH="0" baseline="0" dirty="0" smtClean="0">
+                <a:ln>
+                  <a:noFill/>
+                </a:ln>
+                <a:solidFill>
+                  <a:srgbClr val="000000"/>
+                </a:solidFill>
+                <a:effectLst/>
+                <a:latin typeface="Consolas" panose="020B0609020204030204" pitchFamily="49" charset="0"/>
+                <a:cs typeface="Consolas" panose="020B0609020204030204" pitchFamily="49" charset="0"/>
+              </a:rPr>
+              <a:t>distributionUrl </a:t>
+            </a:r>
+            <a:r>
+              <a:rPr kumimoji="0" lang="zh-CN" altLang="zh-CN" sz="1400" b="0" i="0" u="none" strike="noStrike" cap="none" normalizeH="0" baseline="0" dirty="0" smtClean="0">
+                <a:ln>
+                  <a:noFill/>
+                </a:ln>
+                <a:solidFill>
+                  <a:srgbClr val="666600"/>
+                </a:solidFill>
+                <a:effectLst/>
+                <a:latin typeface="Consolas" panose="020B0609020204030204" pitchFamily="49" charset="0"/>
+                <a:cs typeface="Consolas" panose="020B0609020204030204" pitchFamily="49" charset="0"/>
+              </a:rPr>
+              <a:t>=</a:t>
+            </a:r>
+            <a:r>
+              <a:rPr kumimoji="0" lang="zh-CN" altLang="zh-CN" sz="1400" b="0" i="0" u="none" strike="noStrike" cap="none" normalizeH="0" baseline="0" dirty="0" smtClean="0">
+                <a:ln>
+                  <a:noFill/>
+                </a:ln>
+                <a:solidFill>
+                  <a:srgbClr val="000000"/>
+                </a:solidFill>
+                <a:effectLst/>
+                <a:latin typeface="Consolas" panose="020B0609020204030204" pitchFamily="49" charset="0"/>
+                <a:cs typeface="Consolas" panose="020B0609020204030204" pitchFamily="49" charset="0"/>
+              </a:rPr>
+              <a:t> https</a:t>
+            </a:r>
+            <a:r>
+              <a:rPr kumimoji="0" lang="zh-CN" altLang="zh-CN" sz="1400" b="0" i="0" u="none" strike="noStrike" cap="none" normalizeH="0" baseline="0" dirty="0" smtClean="0">
+                <a:ln>
+                  <a:noFill/>
+                </a:ln>
+                <a:solidFill>
+                  <a:srgbClr val="666600"/>
+                </a:solidFill>
+                <a:effectLst/>
+                <a:latin typeface="Consolas" panose="020B0609020204030204" pitchFamily="49" charset="0"/>
+                <a:cs typeface="Consolas" panose="020B0609020204030204" pitchFamily="49" charset="0"/>
+              </a:rPr>
+              <a:t>\:</a:t>
+            </a:r>
+            <a:r>
+              <a:rPr kumimoji="0" lang="zh-CN" altLang="zh-CN" sz="1400" b="0" i="0" u="none" strike="noStrike" cap="none" normalizeH="0" baseline="0" dirty="0" smtClean="0">
+                <a:ln>
+                  <a:noFill/>
+                </a:ln>
+                <a:solidFill>
+                  <a:srgbClr val="006600"/>
+                </a:solidFill>
+                <a:effectLst/>
+                <a:latin typeface="Consolas" panose="020B0609020204030204" pitchFamily="49" charset="0"/>
+                <a:cs typeface="Consolas" panose="020B0609020204030204" pitchFamily="49" charset="0"/>
+              </a:rPr>
+              <a:t>//services.gradle.org/distributions/gradle-2.10-all.zip</a:t>
+            </a:r>
+            <a:r>
+              <a:rPr kumimoji="0" lang="zh-CN" altLang="zh-CN" sz="1400" b="0" i="0" u="none" strike="noStrike" cap="none" normalizeH="0" baseline="0" dirty="0" smtClean="0">
+                <a:ln>
+                  <a:noFill/>
+                </a:ln>
+                <a:solidFill>
+                  <a:schemeClr val="tx1"/>
+                </a:solidFill>
+                <a:effectLst/>
+              </a:rPr>
               <a:t> </a:t>
             </a:r>
-            <a:r>
-              <a:rPr lang="en-US" altLang="zh-CN" dirty="0" smtClean="0"/>
-              <a:t>version</a:t>
-            </a:r>
-            <a:r>
-              <a:rPr lang="zh-CN" altLang="en-US" dirty="0" smtClean="0"/>
-              <a:t>：</a:t>
-            </a:r>
-            <a:r>
-              <a:rPr lang="en-US" altLang="zh-CN" dirty="0" err="1" smtClean="0"/>
-              <a:t>gradle</a:t>
-            </a:r>
-            <a:r>
-              <a:rPr lang="en-US" altLang="zh-CN" dirty="0" smtClean="0"/>
-              <a:t>/wrapper/</a:t>
-            </a:r>
-            <a:r>
-              <a:rPr lang="en-US" altLang="zh-CN" dirty="0" err="1" smtClean="0"/>
-              <a:t>gradle-wrapper.properties</a:t>
-            </a:r>
-            <a:endParaRPr lang="en-US" altLang="zh-CN" dirty="0" smtClean="0"/>
-          </a:p>
-          <a:p>
-            <a:r>
-              <a:rPr lang="en-US" altLang="zh-CN" dirty="0" err="1"/>
-              <a:t>distributionUrl</a:t>
-            </a:r>
-            <a:r>
-              <a:rPr lang="en-US" altLang="zh-CN" dirty="0"/>
-              <a:t> = https\://services.gradle.org/distributions/gradle-2.10-all.zip</a:t>
-            </a:r>
-            <a:endParaRPr lang="en-US" altLang="zh-CN" dirty="0" smtClean="0"/>
-          </a:p>
-          <a:p>
-            <a:endParaRPr lang="zh-CN" altLang="en-US" dirty="0"/>
+            <a:endParaRPr kumimoji="0" lang="zh-CN" altLang="zh-CN" sz="1400" b="0" i="0" u="none" strike="noStrike" cap="none" normalizeH="0" baseline="0" dirty="0" smtClean="0">
+              <a:ln>
+                <a:noFill/>
+              </a:ln>
+              <a:solidFill>
+                <a:schemeClr val="tx1"/>
+              </a:solidFill>
+              <a:effectLst/>
+              <a:latin typeface="Arial" panose="020B0604020202020204" pitchFamily="34" charset="0"/>
+            </a:endParaRPr>
           </a:p>
         </p:txBody>
       </p:sp>

--- a/Gradle.pptx
+++ b/Gradle.pptx
@@ -289,7 +289,7 @@
           <a:p>
             <a:fld id="{48A87A34-81AB-432B-8DAE-1953F412C126}" type="datetimeFigureOut">
               <a:rPr lang="en-US" dirty="0"/>
-              <a:t>10/8/2016</a:t>
+              <a:t>10/9/2016</a:t>
             </a:fld>
             <a:endParaRPr lang="en-US" dirty="0"/>
           </a:p>
@@ -596,7 +596,7 @@
           <a:p>
             <a:fld id="{48A87A34-81AB-432B-8DAE-1953F412C126}" type="datetimeFigureOut">
               <a:rPr lang="en-US" dirty="0"/>
-              <a:t>10/8/2016</a:t>
+              <a:t>10/9/2016</a:t>
             </a:fld>
             <a:endParaRPr lang="en-US" dirty="0"/>
           </a:p>
@@ -813,7 +813,7 @@
           <a:p>
             <a:fld id="{48A87A34-81AB-432B-8DAE-1953F412C126}" type="datetimeFigureOut">
               <a:rPr lang="en-US" dirty="0"/>
-              <a:t>10/8/2016</a:t>
+              <a:t>10/9/2016</a:t>
             </a:fld>
             <a:endParaRPr lang="en-US" dirty="0"/>
           </a:p>
@@ -1099,7 +1099,7 @@
           <a:p>
             <a:fld id="{48A87A34-81AB-432B-8DAE-1953F412C126}" type="datetimeFigureOut">
               <a:rPr lang="en-US" dirty="0"/>
-              <a:t>10/8/2016</a:t>
+              <a:t>10/9/2016</a:t>
             </a:fld>
             <a:endParaRPr lang="en-US" dirty="0"/>
           </a:p>
@@ -1548,7 +1548,7 @@
           <a:p>
             <a:fld id="{48A87A34-81AB-432B-8DAE-1953F412C126}" type="datetimeFigureOut">
               <a:rPr lang="en-US" dirty="0"/>
-              <a:t>10/8/2016</a:t>
+              <a:t>10/9/2016</a:t>
             </a:fld>
             <a:endParaRPr lang="en-US" dirty="0"/>
           </a:p>
@@ -2119,7 +2119,7 @@
           <a:p>
             <a:fld id="{48A87A34-81AB-432B-8DAE-1953F412C126}" type="datetimeFigureOut">
               <a:rPr lang="en-US" dirty="0"/>
-              <a:t>10/8/2016</a:t>
+              <a:t>10/9/2016</a:t>
             </a:fld>
             <a:endParaRPr lang="en-US" dirty="0"/>
           </a:p>
@@ -2966,7 +2966,7 @@
           <a:p>
             <a:fld id="{48A87A34-81AB-432B-8DAE-1953F412C126}" type="datetimeFigureOut">
               <a:rPr lang="en-US" dirty="0"/>
-              <a:t>10/8/2016</a:t>
+              <a:t>10/9/2016</a:t>
             </a:fld>
             <a:endParaRPr lang="en-US" dirty="0"/>
           </a:p>
@@ -3166,7 +3166,7 @@
           <a:p>
             <a:fld id="{48A87A34-81AB-432B-8DAE-1953F412C126}" type="datetimeFigureOut">
               <a:rPr lang="en-US" dirty="0"/>
-              <a:t>10/8/2016</a:t>
+              <a:t>10/9/2016</a:t>
             </a:fld>
             <a:endParaRPr lang="en-US" dirty="0"/>
           </a:p>
@@ -3375,7 +3375,7 @@
           <a:p>
             <a:fld id="{48A87A34-81AB-432B-8DAE-1953F412C126}" type="datetimeFigureOut">
               <a:rPr lang="en-US" dirty="0"/>
-              <a:t>10/8/2016</a:t>
+              <a:t>10/9/2016</a:t>
             </a:fld>
             <a:endParaRPr lang="en-US" dirty="0"/>
           </a:p>
@@ -3575,7 +3575,7 @@
           <a:p>
             <a:fld id="{48A87A34-81AB-432B-8DAE-1953F412C126}" type="datetimeFigureOut">
               <a:rPr lang="en-US" dirty="0"/>
-              <a:t>10/8/2016</a:t>
+              <a:t>10/9/2016</a:t>
             </a:fld>
             <a:endParaRPr lang="en-US" dirty="0"/>
           </a:p>
@@ -3850,7 +3850,7 @@
           <a:p>
             <a:fld id="{48A87A34-81AB-432B-8DAE-1953F412C126}" type="datetimeFigureOut">
               <a:rPr lang="en-US" dirty="0"/>
-              <a:t>10/8/2016</a:t>
+              <a:t>10/9/2016</a:t>
             </a:fld>
             <a:endParaRPr lang="en-US" dirty="0"/>
           </a:p>
@@ -4112,7 +4112,7 @@
           <a:p>
             <a:fld id="{48A87A34-81AB-432B-8DAE-1953F412C126}" type="datetimeFigureOut">
               <a:rPr lang="en-US" dirty="0"/>
-              <a:t>10/8/2016</a:t>
+              <a:t>10/9/2016</a:t>
             </a:fld>
             <a:endParaRPr lang="en-US" dirty="0"/>
           </a:p>
@@ -4522,7 +4522,7 @@
           <a:p>
             <a:fld id="{48A87A34-81AB-432B-8DAE-1953F412C126}" type="datetimeFigureOut">
               <a:rPr lang="en-US" dirty="0"/>
-              <a:t>10/8/2016</a:t>
+              <a:t>10/9/2016</a:t>
             </a:fld>
             <a:endParaRPr lang="en-US" dirty="0"/>
           </a:p>
@@ -4665,7 +4665,7 @@
           <a:p>
             <a:fld id="{48A87A34-81AB-432B-8DAE-1953F412C126}" type="datetimeFigureOut">
               <a:rPr lang="en-US" dirty="0"/>
-              <a:t>10/8/2016</a:t>
+              <a:t>10/9/2016</a:t>
             </a:fld>
             <a:endParaRPr lang="en-US" dirty="0"/>
           </a:p>
@@ -4785,7 +4785,7 @@
           <a:p>
             <a:fld id="{48A87A34-81AB-432B-8DAE-1953F412C126}" type="datetimeFigureOut">
               <a:rPr lang="en-US" dirty="0"/>
-              <a:t>10/8/2016</a:t>
+              <a:t>10/9/2016</a:t>
             </a:fld>
             <a:endParaRPr lang="en-US" dirty="0"/>
           </a:p>
@@ -5059,7 +5059,7 @@
           <a:p>
             <a:fld id="{48A87A34-81AB-432B-8DAE-1953F412C126}" type="datetimeFigureOut">
               <a:rPr lang="en-US" dirty="0"/>
-              <a:t>10/8/2016</a:t>
+              <a:t>10/9/2016</a:t>
             </a:fld>
             <a:endParaRPr lang="en-US" dirty="0"/>
           </a:p>
@@ -5366,7 +5366,7 @@
           <a:p>
             <a:fld id="{48A87A34-81AB-432B-8DAE-1953F412C126}" type="datetimeFigureOut">
               <a:rPr lang="en-US" dirty="0"/>
-              <a:t>10/8/2016</a:t>
+              <a:t>10/9/2016</a:t>
             </a:fld>
             <a:endParaRPr lang="en-US" dirty="0"/>
           </a:p>
@@ -5615,7 +5615,7 @@
             <a:fld id="{48A87A34-81AB-432B-8DAE-1953F412C126}" type="datetimeFigureOut">
               <a:rPr lang="en-US" dirty="0"/>
               <a:pPr/>
-              <a:t>10/8/2016</a:t>
+              <a:t>10/9/2016</a:t>
             </a:fld>
             <a:endParaRPr lang="en-US" dirty="0"/>
           </a:p>

--- a/Gradle.pptx
+++ b/Gradle.pptx
@@ -2,18 +2,27 @@
 <file path=ppt/presentation.xml><?xml version="1.0" encoding="utf-8"?>
 <p:presentation xmlns:a="http://schemas.openxmlformats.org/drawingml/2006/main" xmlns:r="http://schemas.openxmlformats.org/officeDocument/2006/relationships" xmlns:p="http://schemas.openxmlformats.org/presentationml/2006/main" autoCompressPictures="0">
   <p:sldMasterIdLst>
-    <p:sldMasterId id="2147483648" r:id="rId1"/>
+    <p:sldMasterId id="2147483669" r:id="rId1"/>
   </p:sldMasterIdLst>
   <p:sldIdLst>
     <p:sldId id="256" r:id="rId2"/>
-    <p:sldId id="257" r:id="rId3"/>
-    <p:sldId id="258" r:id="rId4"/>
-    <p:sldId id="260" r:id="rId5"/>
-    <p:sldId id="262" r:id="rId6"/>
-    <p:sldId id="261" r:id="rId7"/>
-    <p:sldId id="259" r:id="rId8"/>
+    <p:sldId id="264" r:id="rId3"/>
+    <p:sldId id="257" r:id="rId4"/>
+    <p:sldId id="263" r:id="rId5"/>
+    <p:sldId id="258" r:id="rId6"/>
+    <p:sldId id="260" r:id="rId7"/>
+    <p:sldId id="262" r:id="rId8"/>
+    <p:sldId id="261" r:id="rId9"/>
+    <p:sldId id="259" r:id="rId10"/>
+    <p:sldId id="266" r:id="rId11"/>
+    <p:sldId id="270" r:id="rId12"/>
+    <p:sldId id="267" r:id="rId13"/>
+    <p:sldId id="271" r:id="rId14"/>
+    <p:sldId id="268" r:id="rId15"/>
+    <p:sldId id="269" r:id="rId16"/>
+    <p:sldId id="265" r:id="rId17"/>
   </p:sldIdLst>
-  <p:sldSz cx="12192000" cy="6858000"/>
+  <p:sldSz cx="9144000" cy="6858000" type="screen4x3"/>
   <p:notesSz cx="6858000" cy="9144000"/>
   <p:defaultTextStyle>
     <a:defPPr>
@@ -137,7 +146,7 @@
       </p:grpSpPr>
       <p:pic>
         <p:nvPicPr>
-          <p:cNvPr id="7" name="Picture 6" descr="Droplets-HD-Title-R1d.png"/>
+          <p:cNvPr id="8" name="Picture 7" descr="Droplets-SD-Title-R1d.png"/>
           <p:cNvPicPr>
             <a:picLocks noChangeAspect="1"/>
           </p:cNvPicPr>
@@ -158,7 +167,7 @@
         <p:spPr>
           <a:xfrm>
             <a:off x="0" y="0"/>
-            <a:ext cx="12192000" cy="6858000"/>
+            <a:ext cx="9144000" cy="6858000"/>
           </a:xfrm>
           <a:prstGeom prst="rect">
             <a:avLst/>
@@ -177,8 +186,8 @@
         </p:nvSpPr>
         <p:spPr>
           <a:xfrm>
-            <a:off x="1751012" y="1300785"/>
-            <a:ext cx="8689976" cy="2509213"/>
+            <a:off x="1313259" y="1300786"/>
+            <a:ext cx="6517482" cy="2509213"/>
           </a:xfrm>
         </p:spPr>
         <p:txBody>
@@ -211,8 +220,8 @@
         </p:nvSpPr>
         <p:spPr>
           <a:xfrm>
-            <a:off x="1751012" y="3886200"/>
-            <a:ext cx="8689976" cy="1371599"/>
+            <a:off x="1313259" y="3886201"/>
+            <a:ext cx="6517482" cy="1371599"/>
           </a:xfrm>
         </p:spPr>
         <p:txBody>
@@ -288,8 +297,8 @@
           <a:lstStyle/>
           <a:p>
             <a:fld id="{48A87A34-81AB-432B-8DAE-1953F412C126}" type="datetimeFigureOut">
-              <a:rPr lang="en-US" dirty="0"/>
-              <a:t>10/9/2016</a:t>
+              <a:rPr lang="en-US" smtClean="0"/>
+              <a:t>10/10/2016</a:t>
             </a:fld>
             <a:endParaRPr lang="en-US" dirty="0"/>
           </a:p>
@@ -330,7 +339,7 @@
           <a:lstStyle/>
           <a:p>
             <a:fld id="{6D22F896-40B5-4ADD-8801-0D06FADFA095}" type="slidenum">
-              <a:rPr lang="en-US" dirty="0"/>
+              <a:rPr lang="en-US" smtClean="0"/>
               <a:t>‹#›</a:t>
             </a:fld>
             <a:endParaRPr lang="en-US" dirty="0"/>
@@ -338,6 +347,11 @@
         </p:txBody>
       </p:sp>
     </p:spTree>
+    <p:extLst>
+      <p:ext uri="{BB962C8B-B14F-4D97-AF65-F5344CB8AC3E}">
+        <p14:creationId xmlns:p14="http://schemas.microsoft.com/office/powerpoint/2010/main" val="2385060655"/>
+      </p:ext>
+    </p:extLst>
   </p:cSld>
   <p:clrMapOvr>
     <a:masterClrMapping/>
@@ -364,7 +378,7 @@
       </p:grpSpPr>
       <p:pic>
         <p:nvPicPr>
-          <p:cNvPr id="10" name="Picture 9" descr="Droplets-HD-Content-R1d.png"/>
+          <p:cNvPr id="9" name="Picture 8" descr="Droplets-SD-Content-R1d.png"/>
           <p:cNvPicPr>
             <a:picLocks noChangeAspect="1"/>
           </p:cNvPicPr>
@@ -385,7 +399,7 @@
         <p:spPr>
           <a:xfrm>
             <a:off x="0" y="0"/>
-            <a:ext cx="12192000" cy="6858000"/>
+            <a:ext cx="9144000" cy="6858000"/>
           </a:xfrm>
           <a:prstGeom prst="rect">
             <a:avLst/>
@@ -404,8 +418,8 @@
         </p:nvSpPr>
         <p:spPr>
           <a:xfrm>
-            <a:off x="913794" y="4289374"/>
-            <a:ext cx="10364432" cy="811610"/>
+            <a:off x="685346" y="4289374"/>
+            <a:ext cx="7773324" cy="811610"/>
           </a:xfrm>
         </p:spPr>
         <p:txBody>
@@ -436,8 +450,8 @@
         </p:nvSpPr>
         <p:spPr>
           <a:xfrm>
-            <a:off x="1184744" y="698261"/>
-            <a:ext cx="9822532" cy="3214136"/>
+            <a:off x="888558" y="698261"/>
+            <a:ext cx="7366899" cy="3214136"/>
           </a:xfrm>
           <a:prstGeom prst="roundRect">
             <a:avLst>
@@ -526,8 +540,8 @@
         </p:nvSpPr>
         <p:spPr>
           <a:xfrm>
-            <a:off x="913774" y="5108728"/>
-            <a:ext cx="10364452" cy="682472"/>
+            <a:off x="685331" y="5108728"/>
+            <a:ext cx="7773339" cy="682472"/>
           </a:xfrm>
         </p:spPr>
         <p:txBody>
@@ -595,8 +609,8 @@
           <a:lstStyle/>
           <a:p>
             <a:fld id="{48A87A34-81AB-432B-8DAE-1953F412C126}" type="datetimeFigureOut">
-              <a:rPr lang="en-US" dirty="0"/>
-              <a:t>10/9/2016</a:t>
+              <a:rPr lang="en-US" smtClean="0"/>
+              <a:t>10/10/2016</a:t>
             </a:fld>
             <a:endParaRPr lang="en-US" dirty="0"/>
           </a:p>
@@ -637,7 +651,7 @@
           <a:lstStyle/>
           <a:p>
             <a:fld id="{6D22F896-40B5-4ADD-8801-0D06FADFA095}" type="slidenum">
-              <a:rPr lang="en-US" dirty="0"/>
+              <a:rPr lang="en-US" smtClean="0"/>
               <a:t>‹#›</a:t>
             </a:fld>
             <a:endParaRPr lang="en-US" dirty="0"/>
@@ -645,6 +659,11 @@
         </p:txBody>
       </p:sp>
     </p:spTree>
+    <p:extLst>
+      <p:ext uri="{BB962C8B-B14F-4D97-AF65-F5344CB8AC3E}">
+        <p14:creationId xmlns:p14="http://schemas.microsoft.com/office/powerpoint/2010/main" val="3261530542"/>
+      </p:ext>
+    </p:extLst>
   </p:cSld>
   <p:clrMapOvr>
     <a:masterClrMapping/>
@@ -671,7 +690,7 @@
       </p:grpSpPr>
       <p:pic>
         <p:nvPicPr>
-          <p:cNvPr id="8" name="Picture 7" descr="Droplets-HD-Content-R1d.png"/>
+          <p:cNvPr id="9" name="Picture 8" descr="Droplets-SD-Content-R1d.png"/>
           <p:cNvPicPr>
             <a:picLocks noChangeAspect="1"/>
           </p:cNvPicPr>
@@ -692,7 +711,7 @@
         <p:spPr>
           <a:xfrm>
             <a:off x="0" y="0"/>
-            <a:ext cx="12192000" cy="6858000"/>
+            <a:ext cx="9144000" cy="6858000"/>
           </a:xfrm>
           <a:prstGeom prst="rect">
             <a:avLst/>
@@ -711,8 +730,8 @@
         </p:nvSpPr>
         <p:spPr>
           <a:xfrm>
-            <a:off x="913774" y="609599"/>
-            <a:ext cx="10364452" cy="3427245"/>
+            <a:off x="685331" y="609600"/>
+            <a:ext cx="7773339" cy="3427245"/>
           </a:xfrm>
         </p:spPr>
         <p:txBody>
@@ -743,8 +762,8 @@
         </p:nvSpPr>
         <p:spPr>
           <a:xfrm>
-            <a:off x="913775" y="4204821"/>
-            <a:ext cx="10364452" cy="1586380"/>
+            <a:off x="685331" y="4204821"/>
+            <a:ext cx="7773339" cy="1586380"/>
           </a:xfrm>
         </p:spPr>
         <p:txBody>
@@ -812,8 +831,8 @@
           <a:lstStyle/>
           <a:p>
             <a:fld id="{48A87A34-81AB-432B-8DAE-1953F412C126}" type="datetimeFigureOut">
-              <a:rPr lang="en-US" dirty="0"/>
-              <a:t>10/9/2016</a:t>
+              <a:rPr lang="en-US" smtClean="0"/>
+              <a:t>10/10/2016</a:t>
             </a:fld>
             <a:endParaRPr lang="en-US" dirty="0"/>
           </a:p>
@@ -854,7 +873,7 @@
           <a:lstStyle/>
           <a:p>
             <a:fld id="{6D22F896-40B5-4ADD-8801-0D06FADFA095}" type="slidenum">
-              <a:rPr lang="en-US" dirty="0"/>
+              <a:rPr lang="en-US" smtClean="0"/>
               <a:t>‹#›</a:t>
             </a:fld>
             <a:endParaRPr lang="en-US" dirty="0"/>
@@ -862,6 +881,11 @@
         </p:txBody>
       </p:sp>
     </p:spTree>
+    <p:extLst>
+      <p:ext uri="{BB962C8B-B14F-4D97-AF65-F5344CB8AC3E}">
+        <p14:creationId xmlns:p14="http://schemas.microsoft.com/office/powerpoint/2010/main" val="518288029"/>
+      </p:ext>
+    </p:extLst>
   </p:cSld>
   <p:clrMapOvr>
     <a:masterClrMapping/>
@@ -888,7 +912,7 @@
       </p:grpSpPr>
       <p:pic>
         <p:nvPicPr>
-          <p:cNvPr id="11" name="Picture 10" descr="Droplets-HD-Content-R1d.png"/>
+          <p:cNvPr id="13" name="Picture 12" descr="Droplets-SD-Content-R1d.png"/>
           <p:cNvPicPr>
             <a:picLocks noChangeAspect="1"/>
           </p:cNvPicPr>
@@ -909,7 +933,7 @@
         <p:spPr>
           <a:xfrm>
             <a:off x="0" y="0"/>
-            <a:ext cx="12192000" cy="6858000"/>
+            <a:ext cx="9144000" cy="6858000"/>
           </a:xfrm>
           <a:prstGeom prst="rect">
             <a:avLst/>
@@ -928,8 +952,8 @@
         </p:nvSpPr>
         <p:spPr>
           <a:xfrm>
-            <a:off x="1446212" y="609600"/>
-            <a:ext cx="9302752" cy="2992904"/>
+            <a:off x="1084659" y="872588"/>
+            <a:ext cx="6977064" cy="2729915"/>
           </a:xfrm>
         </p:spPr>
         <p:txBody>
@@ -960,8 +984,8 @@
         </p:nvSpPr>
         <p:spPr>
           <a:xfrm>
-            <a:off x="1720644" y="3610032"/>
-            <a:ext cx="8752299" cy="594788"/>
+            <a:off x="1290484" y="3610032"/>
+            <a:ext cx="6564224" cy="594788"/>
           </a:xfrm>
         </p:spPr>
         <p:txBody>
@@ -1027,8 +1051,8 @@
         </p:nvSpPr>
         <p:spPr>
           <a:xfrm>
-            <a:off x="913774" y="4372796"/>
-            <a:ext cx="10364452" cy="1421053"/>
+            <a:off x="685331" y="4372797"/>
+            <a:ext cx="7773339" cy="1421053"/>
           </a:xfrm>
         </p:spPr>
         <p:txBody>
@@ -1098,8 +1122,8 @@
           <a:lstStyle/>
           <a:p>
             <a:fld id="{48A87A34-81AB-432B-8DAE-1953F412C126}" type="datetimeFigureOut">
-              <a:rPr lang="en-US" dirty="0"/>
-              <a:t>10/9/2016</a:t>
+              <a:rPr lang="en-US" smtClean="0"/>
+              <a:t>10/10/2016</a:t>
             </a:fld>
             <a:endParaRPr lang="en-US" dirty="0"/>
           </a:p>
@@ -1140,7 +1164,7 @@
           <a:lstStyle/>
           <a:p>
             <a:fld id="{6D22F896-40B5-4ADD-8801-0D06FADFA095}" type="slidenum">
-              <a:rPr lang="en-US" dirty="0"/>
+              <a:rPr lang="en-US" smtClean="0"/>
               <a:t>‹#›</a:t>
             </a:fld>
             <a:endParaRPr lang="en-US" dirty="0"/>
@@ -1149,14 +1173,14 @@
       </p:sp>
       <p:sp>
         <p:nvSpPr>
-          <p:cNvPr id="13" name="TextBox 12"/>
+          <p:cNvPr id="11" name="TextBox 10"/>
           <p:cNvSpPr txBox="1"/>
           <p:nvPr/>
         </p:nvSpPr>
         <p:spPr>
           <a:xfrm>
-            <a:off x="1001488" y="754166"/>
-            <a:ext cx="609600" cy="584776"/>
+            <a:off x="737626" y="887859"/>
+            <a:ext cx="546888" cy="584776"/>
           </a:xfrm>
           <a:prstGeom prst="rect">
             <a:avLst/>
@@ -1271,8 +1295,8 @@
         </p:nvSpPr>
         <p:spPr>
           <a:xfrm>
-            <a:off x="10557558" y="2993578"/>
-            <a:ext cx="609600" cy="584776"/>
+            <a:off x="7850130" y="3120015"/>
+            <a:ext cx="553641" cy="584776"/>
           </a:xfrm>
           <a:prstGeom prst="rect">
             <a:avLst/>
@@ -1380,6 +1404,11 @@
         </p:txBody>
       </p:sp>
     </p:spTree>
+    <p:extLst>
+      <p:ext uri="{BB962C8B-B14F-4D97-AF65-F5344CB8AC3E}">
+        <p14:creationId xmlns:p14="http://schemas.microsoft.com/office/powerpoint/2010/main" val="194288661"/>
+      </p:ext>
+    </p:extLst>
   </p:cSld>
   <p:clrMapOvr>
     <a:masterClrMapping/>
@@ -1406,7 +1435,7 @@
       </p:grpSpPr>
       <p:pic>
         <p:nvPicPr>
-          <p:cNvPr id="8" name="Picture 7" descr="Droplets-HD-Content-R1d.png"/>
+          <p:cNvPr id="9" name="Picture 8" descr="Droplets-SD-Content-R1d.png"/>
           <p:cNvPicPr>
             <a:picLocks noChangeAspect="1"/>
           </p:cNvPicPr>
@@ -1427,7 +1456,7 @@
         <p:spPr>
           <a:xfrm>
             <a:off x="0" y="0"/>
-            <a:ext cx="12192000" cy="6858000"/>
+            <a:ext cx="9144000" cy="6858000"/>
           </a:xfrm>
           <a:prstGeom prst="rect">
             <a:avLst/>
@@ -1446,8 +1475,8 @@
         </p:nvSpPr>
         <p:spPr>
           <a:xfrm>
-            <a:off x="913775" y="2138721"/>
-            <a:ext cx="10364452" cy="2511835"/>
+            <a:off x="685331" y="2138722"/>
+            <a:ext cx="7773339" cy="2511835"/>
           </a:xfrm>
         </p:spPr>
         <p:txBody>
@@ -1478,8 +1507,8 @@
         </p:nvSpPr>
         <p:spPr>
           <a:xfrm>
-            <a:off x="913775" y="4662335"/>
-            <a:ext cx="10364452" cy="1140644"/>
+            <a:off x="685331" y="4662335"/>
+            <a:ext cx="7773339" cy="1140644"/>
           </a:xfrm>
         </p:spPr>
         <p:txBody>
@@ -1547,8 +1576,8 @@
           <a:lstStyle/>
           <a:p>
             <a:fld id="{48A87A34-81AB-432B-8DAE-1953F412C126}" type="datetimeFigureOut">
-              <a:rPr lang="en-US" dirty="0"/>
-              <a:t>10/9/2016</a:t>
+              <a:rPr lang="en-US" smtClean="0"/>
+              <a:t>10/10/2016</a:t>
             </a:fld>
             <a:endParaRPr lang="en-US" dirty="0"/>
           </a:p>
@@ -1589,7 +1618,7 @@
           <a:lstStyle/>
           <a:p>
             <a:fld id="{6D22F896-40B5-4ADD-8801-0D06FADFA095}" type="slidenum">
-              <a:rPr lang="en-US" dirty="0"/>
+              <a:rPr lang="en-US" smtClean="0"/>
               <a:t>‹#›</a:t>
             </a:fld>
             <a:endParaRPr lang="en-US" dirty="0"/>
@@ -1597,6 +1626,11 @@
         </p:txBody>
       </p:sp>
     </p:spTree>
+    <p:extLst>
+      <p:ext uri="{BB962C8B-B14F-4D97-AF65-F5344CB8AC3E}">
+        <p14:creationId xmlns:p14="http://schemas.microsoft.com/office/powerpoint/2010/main" val="2508278815"/>
+      </p:ext>
+    </p:extLst>
   </p:cSld>
   <p:clrMapOvr>
     <a:masterClrMapping/>
@@ -1623,7 +1657,7 @@
       </p:grpSpPr>
       <p:pic>
         <p:nvPicPr>
-          <p:cNvPr id="13" name="Picture 12" descr="Droplets-HD-Content-R1d.png"/>
+          <p:cNvPr id="14" name="Picture 13" descr="Droplets-SD-Content-R1d.png"/>
           <p:cNvPicPr>
             <a:picLocks noChangeAspect="1"/>
           </p:cNvPicPr>
@@ -1644,7 +1678,7 @@
         <p:spPr>
           <a:xfrm>
             <a:off x="0" y="0"/>
-            <a:ext cx="12192000" cy="6858000"/>
+            <a:ext cx="9144000" cy="6858000"/>
           </a:xfrm>
           <a:prstGeom prst="rect">
             <a:avLst/>
@@ -1663,8 +1697,8 @@
         </p:nvSpPr>
         <p:spPr>
           <a:xfrm>
-            <a:off x="913774" y="609600"/>
-            <a:ext cx="10364452" cy="1605094"/>
+            <a:off x="685331" y="609600"/>
+            <a:ext cx="7773339" cy="1605094"/>
           </a:xfrm>
         </p:spPr>
         <p:txBody>
@@ -1691,8 +1725,8 @@
         </p:nvSpPr>
         <p:spPr>
           <a:xfrm>
-            <a:off x="913774" y="2367093"/>
-            <a:ext cx="3298976" cy="576262"/>
+            <a:off x="685331" y="2367093"/>
+            <a:ext cx="2474232" cy="576262"/>
           </a:xfrm>
         </p:spPr>
         <p:txBody>
@@ -1702,7 +1736,7 @@
           <a:lstStyle>
             <a:lvl1pPr marL="0" indent="0" algn="ctr">
               <a:lnSpc>
-                <a:spcPct val="85000"/>
+                <a:spcPct val="75000"/>
               </a:lnSpc>
               <a:buNone/>
               <a:defRPr sz="2400" b="0">
@@ -1765,8 +1799,8 @@
         </p:nvSpPr>
         <p:spPr>
           <a:xfrm>
-            <a:off x="913774" y="2943355"/>
-            <a:ext cx="3298976" cy="2847845"/>
+            <a:off x="685331" y="2943356"/>
+            <a:ext cx="2474232" cy="2847845"/>
           </a:xfrm>
         </p:spPr>
         <p:txBody>
@@ -1832,8 +1866,8 @@
         </p:nvSpPr>
         <p:spPr>
           <a:xfrm>
-            <a:off x="4452389" y="2367093"/>
-            <a:ext cx="3291521" cy="576262"/>
+            <a:off x="3339292" y="2367093"/>
+            <a:ext cx="2468641" cy="576262"/>
           </a:xfrm>
         </p:spPr>
         <p:txBody>
@@ -1843,7 +1877,7 @@
           <a:lstStyle>
             <a:lvl1pPr marL="0" indent="0" algn="ctr">
               <a:lnSpc>
-                <a:spcPct val="85000"/>
+                <a:spcPct val="75000"/>
               </a:lnSpc>
               <a:buNone/>
               <a:defRPr sz="2400" b="0">
@@ -1906,8 +1940,8 @@
         </p:nvSpPr>
         <p:spPr>
           <a:xfrm>
-            <a:off x="4441348" y="2943355"/>
-            <a:ext cx="3303351" cy="2847845"/>
+            <a:off x="3331012" y="2943356"/>
+            <a:ext cx="2477513" cy="2847845"/>
           </a:xfrm>
         </p:spPr>
         <p:txBody>
@@ -1973,8 +2007,8 @@
         </p:nvSpPr>
         <p:spPr>
           <a:xfrm>
-            <a:off x="7973298" y="2367093"/>
-            <a:ext cx="3304928" cy="576262"/>
+            <a:off x="5979974" y="2367093"/>
+            <a:ext cx="2478696" cy="576262"/>
           </a:xfrm>
         </p:spPr>
         <p:txBody>
@@ -1984,7 +2018,7 @@
           <a:lstStyle>
             <a:lvl1pPr marL="0" indent="0" algn="ctr">
               <a:lnSpc>
-                <a:spcPct val="85000"/>
+                <a:spcPct val="75000"/>
               </a:lnSpc>
               <a:buNone/>
               <a:defRPr sz="2400" b="0">
@@ -2047,8 +2081,8 @@
         </p:nvSpPr>
         <p:spPr>
           <a:xfrm>
-            <a:off x="7973298" y="2943355"/>
-            <a:ext cx="3304928" cy="2847845"/>
+            <a:off x="5979974" y="2943356"/>
+            <a:ext cx="2478696" cy="2847845"/>
           </a:xfrm>
         </p:spPr>
         <p:txBody>
@@ -2118,8 +2152,8 @@
           <a:lstStyle/>
           <a:p>
             <a:fld id="{48A87A34-81AB-432B-8DAE-1953F412C126}" type="datetimeFigureOut">
-              <a:rPr lang="en-US" dirty="0"/>
-              <a:t>10/9/2016</a:t>
+              <a:rPr lang="en-US" smtClean="0"/>
+              <a:t>10/10/2016</a:t>
             </a:fld>
             <a:endParaRPr lang="en-US" dirty="0"/>
           </a:p>
@@ -2160,7 +2194,7 @@
           <a:lstStyle/>
           <a:p>
             <a:fld id="{6D22F896-40B5-4ADD-8801-0D06FADFA095}" type="slidenum">
-              <a:rPr lang="en-US" dirty="0"/>
+              <a:rPr lang="en-US" smtClean="0"/>
               <a:t>‹#›</a:t>
             </a:fld>
             <a:endParaRPr lang="en-US" dirty="0"/>
@@ -2168,6 +2202,11 @@
         </p:txBody>
       </p:sp>
     </p:spTree>
+    <p:extLst>
+      <p:ext uri="{BB962C8B-B14F-4D97-AF65-F5344CB8AC3E}">
+        <p14:creationId xmlns:p14="http://schemas.microsoft.com/office/powerpoint/2010/main" val="2868239884"/>
+      </p:ext>
+    </p:extLst>
   </p:cSld>
   <p:clrMapOvr>
     <a:masterClrMapping/>
@@ -2194,7 +2233,7 @@
       </p:grpSpPr>
       <p:pic>
         <p:nvPicPr>
-          <p:cNvPr id="16" name="Picture 15" descr="Droplets-HD-Content-R1d.png"/>
+          <p:cNvPr id="17" name="Picture 16" descr="Droplets-SD-Content-R1d.png"/>
           <p:cNvPicPr>
             <a:picLocks noChangeAspect="1"/>
           </p:cNvPicPr>
@@ -2215,7 +2254,7 @@
         <p:spPr>
           <a:xfrm>
             <a:off x="0" y="0"/>
-            <a:ext cx="12192000" cy="6858000"/>
+            <a:ext cx="9144000" cy="6858000"/>
           </a:xfrm>
           <a:prstGeom prst="rect">
             <a:avLst/>
@@ -2234,8 +2273,8 @@
         </p:nvSpPr>
         <p:spPr>
           <a:xfrm>
-            <a:off x="913774" y="610772"/>
-            <a:ext cx="10364452" cy="1603922"/>
+            <a:off x="685331" y="610772"/>
+            <a:ext cx="7773339" cy="1603922"/>
           </a:xfrm>
         </p:spPr>
         <p:txBody>
@@ -2262,8 +2301,8 @@
         </p:nvSpPr>
         <p:spPr>
           <a:xfrm>
-            <a:off x="913774" y="4204820"/>
-            <a:ext cx="3296409" cy="576262"/>
+            <a:off x="685331" y="4204820"/>
+            <a:ext cx="2472307" cy="576262"/>
           </a:xfrm>
         </p:spPr>
         <p:txBody>
@@ -2273,7 +2312,7 @@
           <a:lstStyle>
             <a:lvl1pPr marL="0" indent="0" algn="ctr">
               <a:lnSpc>
-                <a:spcPct val="85000"/>
+                <a:spcPct val="75000"/>
               </a:lnSpc>
               <a:buNone/>
               <a:defRPr sz="2200" b="0">
@@ -2336,8 +2375,8 @@
         </p:nvSpPr>
         <p:spPr>
           <a:xfrm>
-            <a:off x="913774" y="2367093"/>
-            <a:ext cx="3296409" cy="1524000"/>
+            <a:off x="685331" y="2367093"/>
+            <a:ext cx="2472307" cy="1524000"/>
           </a:xfrm>
           <a:prstGeom prst="roundRect">
             <a:avLst>
@@ -2428,8 +2467,8 @@
         </p:nvSpPr>
         <p:spPr>
           <a:xfrm>
-            <a:off x="913774" y="4781082"/>
-            <a:ext cx="3296409" cy="1010118"/>
+            <a:off x="685331" y="4781082"/>
+            <a:ext cx="2472307" cy="1010118"/>
           </a:xfrm>
         </p:spPr>
         <p:txBody>
@@ -2495,8 +2534,8 @@
         </p:nvSpPr>
         <p:spPr>
           <a:xfrm>
-            <a:off x="4442759" y="4204820"/>
-            <a:ext cx="3301828" cy="576262"/>
+            <a:off x="3332069" y="4204820"/>
+            <a:ext cx="2476371" cy="576262"/>
           </a:xfrm>
         </p:spPr>
         <p:txBody>
@@ -2506,7 +2545,7 @@
           <a:lstStyle>
             <a:lvl1pPr marL="0" indent="0" algn="ctr">
               <a:lnSpc>
-                <a:spcPct val="85000"/>
+                <a:spcPct val="75000"/>
               </a:lnSpc>
               <a:buNone/>
               <a:defRPr sz="2200" b="0">
@@ -2569,8 +2608,8 @@
         </p:nvSpPr>
         <p:spPr>
           <a:xfrm>
-            <a:off x="4441348" y="2367093"/>
-            <a:ext cx="3303352" cy="1524000"/>
+            <a:off x="3331011" y="2367093"/>
+            <a:ext cx="2477514" cy="1524000"/>
           </a:xfrm>
           <a:prstGeom prst="roundRect">
             <a:avLst>
@@ -2661,8 +2700,8 @@
         </p:nvSpPr>
         <p:spPr>
           <a:xfrm>
-            <a:off x="4441348" y="4781080"/>
-            <a:ext cx="3303352" cy="1010119"/>
+            <a:off x="3331011" y="4781081"/>
+            <a:ext cx="2477514" cy="1010119"/>
           </a:xfrm>
         </p:spPr>
         <p:txBody>
@@ -2728,8 +2767,8 @@
         </p:nvSpPr>
         <p:spPr>
           <a:xfrm>
-            <a:off x="7973298" y="4204820"/>
-            <a:ext cx="3300681" cy="576262"/>
+            <a:off x="5979974" y="4204820"/>
+            <a:ext cx="2475511" cy="576262"/>
           </a:xfrm>
         </p:spPr>
         <p:txBody>
@@ -2739,7 +2778,7 @@
           <a:lstStyle>
             <a:lvl1pPr marL="0" indent="0" algn="ctr">
               <a:lnSpc>
-                <a:spcPct val="85000"/>
+                <a:spcPct val="75000"/>
               </a:lnSpc>
               <a:buNone/>
               <a:defRPr sz="2200" b="0">
@@ -2802,8 +2841,8 @@
         </p:nvSpPr>
         <p:spPr>
           <a:xfrm>
-            <a:off x="7973298" y="2367093"/>
-            <a:ext cx="3304928" cy="1524000"/>
+            <a:off x="5979974" y="2367093"/>
+            <a:ext cx="2478696" cy="1524000"/>
           </a:xfrm>
           <a:prstGeom prst="roundRect">
             <a:avLst>
@@ -2894,8 +2933,8 @@
         </p:nvSpPr>
         <p:spPr>
           <a:xfrm>
-            <a:off x="7973173" y="4781078"/>
-            <a:ext cx="3305053" cy="1010121"/>
+            <a:off x="5979880" y="4781079"/>
+            <a:ext cx="2478790" cy="1010121"/>
           </a:xfrm>
         </p:spPr>
         <p:txBody>
@@ -2965,8 +3004,8 @@
           <a:lstStyle/>
           <a:p>
             <a:fld id="{48A87A34-81AB-432B-8DAE-1953F412C126}" type="datetimeFigureOut">
-              <a:rPr lang="en-US" dirty="0"/>
-              <a:t>10/9/2016</a:t>
+              <a:rPr lang="en-US" smtClean="0"/>
+              <a:t>10/10/2016</a:t>
             </a:fld>
             <a:endParaRPr lang="en-US" dirty="0"/>
           </a:p>
@@ -3007,7 +3046,7 @@
           <a:lstStyle/>
           <a:p>
             <a:fld id="{6D22F896-40B5-4ADD-8801-0D06FADFA095}" type="slidenum">
-              <a:rPr lang="en-US" dirty="0"/>
+              <a:rPr lang="en-US" smtClean="0"/>
               <a:t>‹#›</a:t>
             </a:fld>
             <a:endParaRPr lang="en-US" dirty="0"/>
@@ -3015,6 +3054,11 @@
         </p:txBody>
       </p:sp>
     </p:spTree>
+    <p:extLst>
+      <p:ext uri="{BB962C8B-B14F-4D97-AF65-F5344CB8AC3E}">
+        <p14:creationId xmlns:p14="http://schemas.microsoft.com/office/powerpoint/2010/main" val="3408212340"/>
+      </p:ext>
+    </p:extLst>
   </p:cSld>
   <p:clrMapOvr>
     <a:masterClrMapping/>
@@ -3041,7 +3085,7 @@
       </p:grpSpPr>
       <p:pic>
         <p:nvPicPr>
-          <p:cNvPr id="8" name="Picture 7" descr="Droplets-HD-Content-R1d.png"/>
+          <p:cNvPr id="9" name="Picture 8" descr="Droplets-SD-Content-R1d.png"/>
           <p:cNvPicPr>
             <a:picLocks noChangeAspect="1"/>
           </p:cNvPicPr>
@@ -3062,7 +3106,7 @@
         <p:spPr>
           <a:xfrm>
             <a:off x="0" y="0"/>
-            <a:ext cx="12192000" cy="6858000"/>
+            <a:ext cx="9144000" cy="6858000"/>
           </a:xfrm>
           <a:prstGeom prst="rect">
             <a:avLst/>
@@ -3104,8 +3148,8 @@
         </p:nvSpPr>
         <p:spPr>
           <a:xfrm>
-            <a:off x="913775" y="2367093"/>
-            <a:ext cx="10364452" cy="3424107"/>
+            <a:off x="685331" y="2367094"/>
+            <a:ext cx="7773339" cy="3424107"/>
           </a:xfrm>
         </p:spPr>
         <p:txBody>
@@ -3165,8 +3209,8 @@
           <a:lstStyle/>
           <a:p>
             <a:fld id="{48A87A34-81AB-432B-8DAE-1953F412C126}" type="datetimeFigureOut">
-              <a:rPr lang="en-US" dirty="0"/>
-              <a:t>10/9/2016</a:t>
+              <a:rPr lang="en-US" smtClean="0"/>
+              <a:t>10/10/2016</a:t>
             </a:fld>
             <a:endParaRPr lang="en-US" dirty="0"/>
           </a:p>
@@ -3207,7 +3251,7 @@
           <a:lstStyle/>
           <a:p>
             <a:fld id="{6D22F896-40B5-4ADD-8801-0D06FADFA095}" type="slidenum">
-              <a:rPr lang="en-US" dirty="0"/>
+              <a:rPr lang="en-US" smtClean="0"/>
               <a:t>‹#›</a:t>
             </a:fld>
             <a:endParaRPr lang="en-US" dirty="0"/>
@@ -3215,6 +3259,11 @@
         </p:txBody>
       </p:sp>
     </p:spTree>
+    <p:extLst>
+      <p:ext uri="{BB962C8B-B14F-4D97-AF65-F5344CB8AC3E}">
+        <p14:creationId xmlns:p14="http://schemas.microsoft.com/office/powerpoint/2010/main" val="3243577916"/>
+      </p:ext>
+    </p:extLst>
   </p:cSld>
   <p:clrMapOvr>
     <a:masterClrMapping/>
@@ -3241,7 +3290,7 @@
       </p:grpSpPr>
       <p:pic>
         <p:nvPicPr>
-          <p:cNvPr id="9" name="Picture 8" descr="Droplets-HD-Content-R1d.png"/>
+          <p:cNvPr id="10" name="Picture 9" descr="Droplets-SD-Content-R1d.png"/>
           <p:cNvPicPr>
             <a:picLocks noChangeAspect="1"/>
           </p:cNvPicPr>
@@ -3262,7 +3311,7 @@
         <p:spPr>
           <a:xfrm>
             <a:off x="0" y="0"/>
-            <a:ext cx="12192000" cy="6858000"/>
+            <a:ext cx="9144000" cy="6858000"/>
           </a:xfrm>
           <a:prstGeom prst="rect">
             <a:avLst/>
@@ -3281,8 +3330,8 @@
         </p:nvSpPr>
         <p:spPr>
           <a:xfrm>
-            <a:off x="8724900" y="609601"/>
-            <a:ext cx="2553326" cy="5181599"/>
+            <a:off x="6543675" y="609602"/>
+            <a:ext cx="1914995" cy="5181599"/>
           </a:xfrm>
         </p:spPr>
         <p:txBody>
@@ -3313,8 +3362,8 @@
         </p:nvSpPr>
         <p:spPr>
           <a:xfrm>
-            <a:off x="913775" y="609601"/>
-            <a:ext cx="7658724" cy="5181599"/>
+            <a:off x="685331" y="609602"/>
+            <a:ext cx="5744043" cy="5181599"/>
           </a:xfrm>
         </p:spPr>
         <p:txBody>
@@ -3374,8 +3423,8 @@
           <a:lstStyle/>
           <a:p>
             <a:fld id="{48A87A34-81AB-432B-8DAE-1953F412C126}" type="datetimeFigureOut">
-              <a:rPr lang="en-US" dirty="0"/>
-              <a:t>10/9/2016</a:t>
+              <a:rPr lang="en-US" smtClean="0"/>
+              <a:t>10/10/2016</a:t>
             </a:fld>
             <a:endParaRPr lang="en-US" dirty="0"/>
           </a:p>
@@ -3416,7 +3465,7 @@
           <a:lstStyle/>
           <a:p>
             <a:fld id="{6D22F896-40B5-4ADD-8801-0D06FADFA095}" type="slidenum">
-              <a:rPr lang="en-US" dirty="0"/>
+              <a:rPr lang="en-US" smtClean="0"/>
               <a:t>‹#›</a:t>
             </a:fld>
             <a:endParaRPr lang="en-US" dirty="0"/>
@@ -3424,6 +3473,11 @@
         </p:txBody>
       </p:sp>
     </p:spTree>
+    <p:extLst>
+      <p:ext uri="{BB962C8B-B14F-4D97-AF65-F5344CB8AC3E}">
+        <p14:creationId xmlns:p14="http://schemas.microsoft.com/office/powerpoint/2010/main" val="1043521099"/>
+      </p:ext>
+    </p:extLst>
   </p:cSld>
   <p:clrMapOvr>
     <a:masterClrMapping/>
@@ -3450,7 +3504,7 @@
       </p:grpSpPr>
       <p:pic>
         <p:nvPicPr>
-          <p:cNvPr id="3" name="Picture 2" descr="Droplets-HD-Content-R1d.png"/>
+          <p:cNvPr id="7" name="Picture 6" descr="Droplets-SD-Content-R1d.png"/>
           <p:cNvPicPr>
             <a:picLocks noChangeAspect="1"/>
           </p:cNvPicPr>
@@ -3471,7 +3525,7 @@
         <p:spPr>
           <a:xfrm>
             <a:off x="0" y="0"/>
-            <a:ext cx="12192000" cy="6858000"/>
+            <a:ext cx="9144000" cy="6858000"/>
           </a:xfrm>
           <a:prstGeom prst="rect">
             <a:avLst/>
@@ -3488,13 +3542,18 @@
             <p:ph type="title"/>
           </p:nvPr>
         </p:nvSpPr>
-        <p:spPr/>
+        <p:spPr>
+          <a:xfrm>
+            <a:off x="685332" y="618519"/>
+            <a:ext cx="7773338" cy="789042"/>
+          </a:xfrm>
+        </p:spPr>
         <p:txBody>
           <a:bodyPr/>
           <a:lstStyle/>
           <a:p>
             <a:r>
-              <a:rPr lang="zh-CN" altLang="en-US" smtClean="0"/>
+              <a:rPr lang="zh-CN" altLang="en-US" dirty="0" smtClean="0"/>
               <a:t>单击此处编辑母版标题样式</a:t>
             </a:r>
             <a:endParaRPr lang="en-US" dirty="0"/>
@@ -3513,8 +3572,8 @@
         </p:nvSpPr>
         <p:spPr>
           <a:xfrm>
-            <a:off x="913774" y="2367092"/>
-            <a:ext cx="10363826" cy="3424107"/>
+            <a:off x="685330" y="1582221"/>
+            <a:ext cx="7772870" cy="4208980"/>
           </a:xfrm>
         </p:spPr>
         <p:txBody>
@@ -3574,8 +3633,8 @@
           <a:lstStyle/>
           <a:p>
             <a:fld id="{48A87A34-81AB-432B-8DAE-1953F412C126}" type="datetimeFigureOut">
-              <a:rPr lang="en-US" dirty="0"/>
-              <a:t>10/9/2016</a:t>
+              <a:rPr lang="en-US" smtClean="0"/>
+              <a:t>10/10/2016</a:t>
             </a:fld>
             <a:endParaRPr lang="en-US" dirty="0"/>
           </a:p>
@@ -3616,7 +3675,7 @@
           <a:lstStyle/>
           <a:p>
             <a:fld id="{6D22F896-40B5-4ADD-8801-0D06FADFA095}" type="slidenum">
-              <a:rPr lang="en-US" dirty="0"/>
+              <a:rPr lang="en-US" smtClean="0"/>
               <a:t>‹#›</a:t>
             </a:fld>
             <a:endParaRPr lang="en-US" dirty="0"/>
@@ -3624,6 +3683,11 @@
         </p:txBody>
       </p:sp>
     </p:spTree>
+    <p:extLst>
+      <p:ext uri="{BB962C8B-B14F-4D97-AF65-F5344CB8AC3E}">
+        <p14:creationId xmlns:p14="http://schemas.microsoft.com/office/powerpoint/2010/main" val="3228897398"/>
+      </p:ext>
+    </p:extLst>
   </p:cSld>
   <p:clrMapOvr>
     <a:masterClrMapping/>
@@ -3650,7 +3714,7 @@
       </p:grpSpPr>
       <p:pic>
         <p:nvPicPr>
-          <p:cNvPr id="9" name="Picture 8" descr="Droplets-HD-Content-R1d.png"/>
+          <p:cNvPr id="8" name="Picture 7" descr="Droplets-SD-Content-R1d.png"/>
           <p:cNvPicPr>
             <a:picLocks noChangeAspect="1"/>
           </p:cNvPicPr>
@@ -3671,7 +3735,7 @@
         <p:spPr>
           <a:xfrm>
             <a:off x="0" y="0"/>
-            <a:ext cx="12192000" cy="6858000"/>
+            <a:ext cx="9144000" cy="6858000"/>
           </a:xfrm>
           <a:prstGeom prst="rect">
             <a:avLst/>
@@ -3690,8 +3754,8 @@
         </p:nvSpPr>
         <p:spPr>
           <a:xfrm>
-            <a:off x="913774" y="828563"/>
-            <a:ext cx="10351752" cy="2736819"/>
+            <a:off x="685331" y="828564"/>
+            <a:ext cx="7763814" cy="2736819"/>
           </a:xfrm>
         </p:spPr>
         <p:txBody>
@@ -3724,8 +3788,8 @@
         </p:nvSpPr>
         <p:spPr>
           <a:xfrm>
-            <a:off x="913774" y="3657457"/>
-            <a:ext cx="10351752" cy="1368183"/>
+            <a:off x="685331" y="3657458"/>
+            <a:ext cx="7763814" cy="1368183"/>
           </a:xfrm>
         </p:spPr>
         <p:txBody>
@@ -3849,8 +3913,8 @@
           <a:lstStyle/>
           <a:p>
             <a:fld id="{48A87A34-81AB-432B-8DAE-1953F412C126}" type="datetimeFigureOut">
-              <a:rPr lang="en-US" dirty="0"/>
-              <a:t>10/9/2016</a:t>
+              <a:rPr lang="en-US" smtClean="0"/>
+              <a:t>10/10/2016</a:t>
             </a:fld>
             <a:endParaRPr lang="en-US" dirty="0"/>
           </a:p>
@@ -3891,7 +3955,7 @@
           <a:lstStyle/>
           <a:p>
             <a:fld id="{6D22F896-40B5-4ADD-8801-0D06FADFA095}" type="slidenum">
-              <a:rPr lang="en-US" dirty="0"/>
+              <a:rPr lang="en-US" smtClean="0"/>
               <a:t>‹#›</a:t>
             </a:fld>
             <a:endParaRPr lang="en-US" dirty="0"/>
@@ -3899,6 +3963,11 @@
         </p:txBody>
       </p:sp>
     </p:spTree>
+    <p:extLst>
+      <p:ext uri="{BB962C8B-B14F-4D97-AF65-F5344CB8AC3E}">
+        <p14:creationId xmlns:p14="http://schemas.microsoft.com/office/powerpoint/2010/main" val="4137375579"/>
+      </p:ext>
+    </p:extLst>
   </p:cSld>
   <p:clrMapOvr>
     <a:masterClrMapping/>
@@ -3925,7 +3994,7 @@
       </p:grpSpPr>
       <p:pic>
         <p:nvPicPr>
-          <p:cNvPr id="10" name="Picture 9" descr="Droplets-HD-Content-R1d.png"/>
+          <p:cNvPr id="9" name="Picture 8" descr="Droplets-SD-Content-R1d.png"/>
           <p:cNvPicPr>
             <a:picLocks noChangeAspect="1"/>
           </p:cNvPicPr>
@@ -3946,7 +4015,7 @@
         <p:spPr>
           <a:xfrm>
             <a:off x="0" y="0"/>
-            <a:ext cx="12192000" cy="6858000"/>
+            <a:ext cx="9144000" cy="6858000"/>
           </a:xfrm>
           <a:prstGeom prst="rect">
             <a:avLst/>
@@ -3965,8 +4034,8 @@
         </p:nvSpPr>
         <p:spPr>
           <a:xfrm>
-            <a:off x="913775" y="618517"/>
-            <a:ext cx="10364451" cy="1596177"/>
+            <a:off x="685332" y="618518"/>
+            <a:ext cx="7773338" cy="1596177"/>
           </a:xfrm>
         </p:spPr>
         <p:txBody>
@@ -3993,8 +4062,8 @@
         </p:nvSpPr>
         <p:spPr>
           <a:xfrm>
-            <a:off x="913774" y="2367092"/>
-            <a:ext cx="5106026" cy="3424107"/>
+            <a:off x="685330" y="2367093"/>
+            <a:ext cx="3829520" cy="3424107"/>
           </a:xfrm>
         </p:spPr>
         <p:txBody>
@@ -4050,8 +4119,8 @@
         </p:nvSpPr>
         <p:spPr>
           <a:xfrm>
-            <a:off x="6172200" y="2367092"/>
-            <a:ext cx="5105400" cy="3424107"/>
+            <a:off x="4629150" y="2367093"/>
+            <a:ext cx="3829050" cy="3424107"/>
           </a:xfrm>
         </p:spPr>
         <p:txBody>
@@ -4111,8 +4180,8 @@
           <a:lstStyle/>
           <a:p>
             <a:fld id="{48A87A34-81AB-432B-8DAE-1953F412C126}" type="datetimeFigureOut">
-              <a:rPr lang="en-US" dirty="0"/>
-              <a:t>10/9/2016</a:t>
+              <a:rPr lang="en-US" smtClean="0"/>
+              <a:t>10/10/2016</a:t>
             </a:fld>
             <a:endParaRPr lang="en-US" dirty="0"/>
           </a:p>
@@ -4153,7 +4222,7 @@
           <a:lstStyle/>
           <a:p>
             <a:fld id="{6D22F896-40B5-4ADD-8801-0D06FADFA095}" type="slidenum">
-              <a:rPr lang="en-US" dirty="0"/>
+              <a:rPr lang="en-US" smtClean="0"/>
               <a:t>‹#›</a:t>
             </a:fld>
             <a:endParaRPr lang="en-US" dirty="0"/>
@@ -4161,6 +4230,11 @@
         </p:txBody>
       </p:sp>
     </p:spTree>
+    <p:extLst>
+      <p:ext uri="{BB962C8B-B14F-4D97-AF65-F5344CB8AC3E}">
+        <p14:creationId xmlns:p14="http://schemas.microsoft.com/office/powerpoint/2010/main" val="3908955786"/>
+      </p:ext>
+    </p:extLst>
   </p:cSld>
   <p:clrMapOvr>
     <a:masterClrMapping/>
@@ -4187,7 +4261,7 @@
       </p:grpSpPr>
       <p:pic>
         <p:nvPicPr>
-          <p:cNvPr id="15" name="Picture 14" descr="Droplets-HD-Content-R1d.png"/>
+          <p:cNvPr id="11" name="Picture 10" descr="Droplets-SD-Content-R1d.png"/>
           <p:cNvPicPr>
             <a:picLocks noChangeAspect="1"/>
           </p:cNvPicPr>
@@ -4208,7 +4282,7 @@
         <p:spPr>
           <a:xfrm>
             <a:off x="0" y="0"/>
-            <a:ext cx="12192000" cy="6858000"/>
+            <a:ext cx="9144000" cy="6858000"/>
           </a:xfrm>
           <a:prstGeom prst="rect">
             <a:avLst/>
@@ -4227,8 +4301,8 @@
         </p:nvSpPr>
         <p:spPr>
           <a:xfrm>
-            <a:off x="913775" y="618517"/>
-            <a:ext cx="10364451" cy="1596177"/>
+            <a:off x="685332" y="618518"/>
+            <a:ext cx="7773338" cy="1596177"/>
           </a:xfrm>
         </p:spPr>
         <p:txBody>
@@ -4255,8 +4329,8 @@
         </p:nvSpPr>
         <p:spPr>
           <a:xfrm>
-            <a:off x="1146328" y="2371018"/>
-            <a:ext cx="4873474" cy="679994"/>
+            <a:off x="859746" y="2371018"/>
+            <a:ext cx="3655106" cy="679994"/>
           </a:xfrm>
         </p:spPr>
         <p:txBody>
@@ -4266,7 +4340,7 @@
           <a:lstStyle>
             <a:lvl1pPr marL="0" indent="0">
               <a:lnSpc>
-                <a:spcPct val="85000"/>
+                <a:spcPct val="75000"/>
               </a:lnSpc>
               <a:buNone/>
               <a:defRPr sz="2600" b="0">
@@ -4329,8 +4403,8 @@
         </p:nvSpPr>
         <p:spPr>
           <a:xfrm>
-            <a:off x="913774" y="3051012"/>
-            <a:ext cx="5106027" cy="2740187"/>
+            <a:off x="685331" y="3051013"/>
+            <a:ext cx="3829520" cy="2740187"/>
           </a:xfrm>
         </p:spPr>
         <p:txBody>
@@ -4386,8 +4460,8 @@
         </p:nvSpPr>
         <p:spPr>
           <a:xfrm>
-            <a:off x="6396423" y="2371018"/>
-            <a:ext cx="4881804" cy="679994"/>
+            <a:off x="4797317" y="2371018"/>
+            <a:ext cx="3661353" cy="679994"/>
           </a:xfrm>
         </p:spPr>
         <p:txBody>
@@ -4397,7 +4471,7 @@
           <a:lstStyle>
             <a:lvl1pPr marL="0" indent="0">
               <a:lnSpc>
-                <a:spcPct val="85000"/>
+                <a:spcPct val="75000"/>
               </a:lnSpc>
               <a:buNone/>
               <a:defRPr sz="2600" b="0">
@@ -4460,8 +4534,8 @@
         </p:nvSpPr>
         <p:spPr>
           <a:xfrm>
-            <a:off x="6172200" y="3051012"/>
-            <a:ext cx="5105401" cy="2740187"/>
+            <a:off x="4629150" y="3051013"/>
+            <a:ext cx="3829051" cy="2740187"/>
           </a:xfrm>
         </p:spPr>
         <p:txBody>
@@ -4521,8 +4595,8 @@
           <a:lstStyle/>
           <a:p>
             <a:fld id="{48A87A34-81AB-432B-8DAE-1953F412C126}" type="datetimeFigureOut">
-              <a:rPr lang="en-US" dirty="0"/>
-              <a:t>10/9/2016</a:t>
+              <a:rPr lang="en-US" smtClean="0"/>
+              <a:t>10/10/2016</a:t>
             </a:fld>
             <a:endParaRPr lang="en-US" dirty="0"/>
           </a:p>
@@ -4563,7 +4637,7 @@
           <a:lstStyle/>
           <a:p>
             <a:fld id="{6D22F896-40B5-4ADD-8801-0D06FADFA095}" type="slidenum">
-              <a:rPr lang="en-US" dirty="0"/>
+              <a:rPr lang="en-US" smtClean="0"/>
               <a:t>‹#›</a:t>
             </a:fld>
             <a:endParaRPr lang="en-US" dirty="0"/>
@@ -4571,6 +4645,11 @@
         </p:txBody>
       </p:sp>
     </p:spTree>
+    <p:extLst>
+      <p:ext uri="{BB962C8B-B14F-4D97-AF65-F5344CB8AC3E}">
+        <p14:creationId xmlns:p14="http://schemas.microsoft.com/office/powerpoint/2010/main" val="1214810877"/>
+      </p:ext>
+    </p:extLst>
   </p:cSld>
   <p:clrMapOvr>
     <a:masterClrMapping/>
@@ -4597,7 +4676,7 @@
       </p:grpSpPr>
       <p:pic>
         <p:nvPicPr>
-          <p:cNvPr id="8" name="Picture 7" descr="Droplets-HD-Content-R1d.png"/>
+          <p:cNvPr id="7" name="Picture 6" descr="Droplets-SD-Content-R1d.png"/>
           <p:cNvPicPr>
             <a:picLocks noChangeAspect="1"/>
           </p:cNvPicPr>
@@ -4618,7 +4697,7 @@
         <p:spPr>
           <a:xfrm>
             <a:off x="0" y="0"/>
-            <a:ext cx="12192000" cy="6858000"/>
+            <a:ext cx="9144000" cy="6858000"/>
           </a:xfrm>
           <a:prstGeom prst="rect">
             <a:avLst/>
@@ -4664,8 +4743,8 @@
           <a:lstStyle/>
           <a:p>
             <a:fld id="{48A87A34-81AB-432B-8DAE-1953F412C126}" type="datetimeFigureOut">
-              <a:rPr lang="en-US" dirty="0"/>
-              <a:t>10/9/2016</a:t>
+              <a:rPr lang="en-US" smtClean="0"/>
+              <a:t>10/10/2016</a:t>
             </a:fld>
             <a:endParaRPr lang="en-US" dirty="0"/>
           </a:p>
@@ -4706,7 +4785,7 @@
           <a:lstStyle/>
           <a:p>
             <a:fld id="{6D22F896-40B5-4ADD-8801-0D06FADFA095}" type="slidenum">
-              <a:rPr lang="en-US" dirty="0"/>
+              <a:rPr lang="en-US" smtClean="0"/>
               <a:t>‹#›</a:t>
             </a:fld>
             <a:endParaRPr lang="en-US" dirty="0"/>
@@ -4714,6 +4793,11 @@
         </p:txBody>
       </p:sp>
     </p:spTree>
+    <p:extLst>
+      <p:ext uri="{BB962C8B-B14F-4D97-AF65-F5344CB8AC3E}">
+        <p14:creationId xmlns:p14="http://schemas.microsoft.com/office/powerpoint/2010/main" val="781496775"/>
+      </p:ext>
+    </p:extLst>
   </p:cSld>
   <p:clrMapOvr>
     <a:masterClrMapping/>
@@ -4740,7 +4824,7 @@
       </p:grpSpPr>
       <p:pic>
         <p:nvPicPr>
-          <p:cNvPr id="7" name="Picture 6" descr="Droplets-HD-Content-R1d.png"/>
+          <p:cNvPr id="6" name="Picture 5" descr="Droplets-SD-Content-R1d.png"/>
           <p:cNvPicPr>
             <a:picLocks noChangeAspect="1"/>
           </p:cNvPicPr>
@@ -4761,7 +4845,7 @@
         <p:spPr>
           <a:xfrm>
             <a:off x="0" y="0"/>
-            <a:ext cx="12192000" cy="6858000"/>
+            <a:ext cx="9144000" cy="6858000"/>
           </a:xfrm>
           <a:prstGeom prst="rect">
             <a:avLst/>
@@ -4784,8 +4868,8 @@
           <a:lstStyle/>
           <a:p>
             <a:fld id="{48A87A34-81AB-432B-8DAE-1953F412C126}" type="datetimeFigureOut">
-              <a:rPr lang="en-US" dirty="0"/>
-              <a:t>10/9/2016</a:t>
+              <a:rPr lang="en-US" smtClean="0"/>
+              <a:t>10/10/2016</a:t>
             </a:fld>
             <a:endParaRPr lang="en-US" dirty="0"/>
           </a:p>
@@ -4826,7 +4910,7 @@
           <a:lstStyle/>
           <a:p>
             <a:fld id="{6D22F896-40B5-4ADD-8801-0D06FADFA095}" type="slidenum">
-              <a:rPr lang="en-US" dirty="0"/>
+              <a:rPr lang="en-US" smtClean="0"/>
               <a:t>‹#›</a:t>
             </a:fld>
             <a:endParaRPr lang="en-US" dirty="0"/>
@@ -4834,6 +4918,11 @@
         </p:txBody>
       </p:sp>
     </p:spTree>
+    <p:extLst>
+      <p:ext uri="{BB962C8B-B14F-4D97-AF65-F5344CB8AC3E}">
+        <p14:creationId xmlns:p14="http://schemas.microsoft.com/office/powerpoint/2010/main" val="232501105"/>
+      </p:ext>
+    </p:extLst>
   </p:cSld>
   <p:clrMapOvr>
     <a:masterClrMapping/>
@@ -4860,7 +4949,7 @@
       </p:grpSpPr>
       <p:pic>
         <p:nvPicPr>
-          <p:cNvPr id="11" name="Picture 10" descr="Droplets-HD-Content-R1d.png"/>
+          <p:cNvPr id="9" name="Picture 8" descr="Droplets-SD-Content-R1d.png"/>
           <p:cNvPicPr>
             <a:picLocks noChangeAspect="1"/>
           </p:cNvPicPr>
@@ -4881,7 +4970,7 @@
         <p:spPr>
           <a:xfrm>
             <a:off x="0" y="0"/>
-            <a:ext cx="12192000" cy="6858000"/>
+            <a:ext cx="9144000" cy="6858000"/>
           </a:xfrm>
           <a:prstGeom prst="rect">
             <a:avLst/>
@@ -4900,8 +4989,8 @@
         </p:nvSpPr>
         <p:spPr>
           <a:xfrm>
-            <a:off x="913775" y="609600"/>
-            <a:ext cx="3935688" cy="2023252"/>
+            <a:off x="685331" y="609600"/>
+            <a:ext cx="2951766" cy="2023252"/>
           </a:xfrm>
         </p:spPr>
         <p:txBody>
@@ -4932,8 +5021,8 @@
         </p:nvSpPr>
         <p:spPr>
           <a:xfrm>
-            <a:off x="5078062" y="609600"/>
-            <a:ext cx="6200163" cy="5181599"/>
+            <a:off x="3808547" y="609601"/>
+            <a:ext cx="4650122" cy="5181599"/>
           </a:xfrm>
         </p:spPr>
         <p:txBody>
@@ -4989,8 +5078,8 @@
         </p:nvSpPr>
         <p:spPr>
           <a:xfrm>
-            <a:off x="913774" y="2632852"/>
-            <a:ext cx="3935689" cy="3158348"/>
+            <a:off x="685331" y="2632852"/>
+            <a:ext cx="2951767" cy="3158348"/>
           </a:xfrm>
         </p:spPr>
         <p:txBody>
@@ -5058,8 +5147,8 @@
           <a:lstStyle/>
           <a:p>
             <a:fld id="{48A87A34-81AB-432B-8DAE-1953F412C126}" type="datetimeFigureOut">
-              <a:rPr lang="en-US" dirty="0"/>
-              <a:t>10/9/2016</a:t>
+              <a:rPr lang="en-US" smtClean="0"/>
+              <a:t>10/10/2016</a:t>
             </a:fld>
             <a:endParaRPr lang="en-US" dirty="0"/>
           </a:p>
@@ -5100,7 +5189,7 @@
           <a:lstStyle/>
           <a:p>
             <a:fld id="{6D22F896-40B5-4ADD-8801-0D06FADFA095}" type="slidenum">
-              <a:rPr lang="en-US" dirty="0"/>
+              <a:rPr lang="en-US" smtClean="0"/>
               <a:t>‹#›</a:t>
             </a:fld>
             <a:endParaRPr lang="en-US" dirty="0"/>
@@ -5108,6 +5197,11 @@
         </p:txBody>
       </p:sp>
     </p:spTree>
+    <p:extLst>
+      <p:ext uri="{BB962C8B-B14F-4D97-AF65-F5344CB8AC3E}">
+        <p14:creationId xmlns:p14="http://schemas.microsoft.com/office/powerpoint/2010/main" val="3311792933"/>
+      </p:ext>
+    </p:extLst>
   </p:cSld>
   <p:clrMapOvr>
     <a:masterClrMapping/>
@@ -5134,7 +5228,7 @@
       </p:grpSpPr>
       <p:pic>
         <p:nvPicPr>
-          <p:cNvPr id="10" name="Picture 9" descr="Droplets-HD-Content-R1d.png"/>
+          <p:cNvPr id="9" name="Picture 8" descr="Droplets-SD-Content-R1d.png"/>
           <p:cNvPicPr>
             <a:picLocks noChangeAspect="1"/>
           </p:cNvPicPr>
@@ -5155,7 +5249,7 @@
         <p:spPr>
           <a:xfrm>
             <a:off x="0" y="0"/>
-            <a:ext cx="12192000" cy="6858000"/>
+            <a:ext cx="9144000" cy="6858000"/>
           </a:xfrm>
           <a:prstGeom prst="rect">
             <a:avLst/>
@@ -5174,8 +5268,8 @@
         </p:nvSpPr>
         <p:spPr>
           <a:xfrm>
-            <a:off x="913774" y="609600"/>
-            <a:ext cx="5934969" cy="2023254"/>
+            <a:off x="685332" y="609600"/>
+            <a:ext cx="4129618" cy="2023254"/>
           </a:xfrm>
         </p:spPr>
         <p:txBody>
@@ -5206,8 +5300,8 @@
         </p:nvSpPr>
         <p:spPr>
           <a:xfrm>
-            <a:off x="7424803" y="609601"/>
-            <a:ext cx="3255358" cy="5181600"/>
+            <a:off x="5004270" y="609601"/>
+            <a:ext cx="3005851" cy="5181600"/>
           </a:xfrm>
           <a:prstGeom prst="roundRect">
             <a:avLst>
@@ -5296,8 +5390,8 @@
         </p:nvSpPr>
         <p:spPr>
           <a:xfrm>
-            <a:off x="913794" y="2632852"/>
-            <a:ext cx="5934949" cy="3158347"/>
+            <a:off x="685346" y="2632853"/>
+            <a:ext cx="4129604" cy="3158347"/>
           </a:xfrm>
         </p:spPr>
         <p:txBody>
@@ -5365,8 +5459,8 @@
           <a:lstStyle/>
           <a:p>
             <a:fld id="{48A87A34-81AB-432B-8DAE-1953F412C126}" type="datetimeFigureOut">
-              <a:rPr lang="en-US" dirty="0"/>
-              <a:t>10/9/2016</a:t>
+              <a:rPr lang="en-US" smtClean="0"/>
+              <a:t>10/10/2016</a:t>
             </a:fld>
             <a:endParaRPr lang="en-US" dirty="0"/>
           </a:p>
@@ -5407,7 +5501,7 @@
           <a:lstStyle/>
           <a:p>
             <a:fld id="{6D22F896-40B5-4ADD-8801-0D06FADFA095}" type="slidenum">
-              <a:rPr lang="en-US" dirty="0"/>
+              <a:rPr lang="en-US" smtClean="0"/>
               <a:t>‹#›</a:t>
             </a:fld>
             <a:endParaRPr lang="en-US" dirty="0"/>
@@ -5415,6 +5509,11 @@
         </p:txBody>
       </p:sp>
     </p:spTree>
+    <p:extLst>
+      <p:ext uri="{BB962C8B-B14F-4D97-AF65-F5344CB8AC3E}">
+        <p14:creationId xmlns:p14="http://schemas.microsoft.com/office/powerpoint/2010/main" val="1009616909"/>
+      </p:ext>
+    </p:extLst>
   </p:cSld>
   <p:clrMapOvr>
     <a:masterClrMapping/>
@@ -5468,8 +5567,8 @@
         </p:blipFill>
         <p:spPr bwMode="auto">
           <a:xfrm>
-            <a:off x="0" y="-1"/>
-            <a:ext cx="12192003" cy="6858001"/>
+            <a:off x="1" y="-1"/>
+            <a:ext cx="9144002" cy="6858001"/>
           </a:xfrm>
           <a:prstGeom prst="rect">
             <a:avLst/>
@@ -5498,8 +5597,8 @@
         </p:nvSpPr>
         <p:spPr>
           <a:xfrm>
-            <a:off x="913775" y="618517"/>
-            <a:ext cx="10364451" cy="1596177"/>
+            <a:off x="685332" y="618518"/>
+            <a:ext cx="7773338" cy="1596177"/>
           </a:xfrm>
           <a:prstGeom prst="rect">
             <a:avLst/>
@@ -5531,8 +5630,8 @@
         </p:nvSpPr>
         <p:spPr>
           <a:xfrm>
-            <a:off x="913775" y="2367093"/>
-            <a:ext cx="10364452" cy="3424107"/>
+            <a:off x="685331" y="2367094"/>
+            <a:ext cx="7773339" cy="3424107"/>
           </a:xfrm>
           <a:prstGeom prst="rect">
             <a:avLst/>
@@ -5593,8 +5692,8 @@
         </p:nvSpPr>
         <p:spPr>
           <a:xfrm>
-            <a:off x="7678737" y="5883275"/>
-            <a:ext cx="2743200" cy="365125"/>
+            <a:off x="5759053" y="5883276"/>
+            <a:ext cx="2057400" cy="365125"/>
           </a:xfrm>
           <a:prstGeom prst="rect">
             <a:avLst/>
@@ -5613,9 +5712,9 @@
           </a:lstStyle>
           <a:p>
             <a:fld id="{48A87A34-81AB-432B-8DAE-1953F412C126}" type="datetimeFigureOut">
-              <a:rPr lang="en-US" dirty="0"/>
+              <a:rPr lang="en-US" smtClean="0"/>
               <a:pPr/>
-              <a:t>10/9/2016</a:t>
+              <a:t>10/10/2016</a:t>
             </a:fld>
             <a:endParaRPr lang="en-US" dirty="0"/>
           </a:p>
@@ -5633,8 +5732,8 @@
         </p:nvSpPr>
         <p:spPr>
           <a:xfrm>
-            <a:off x="913774" y="5883275"/>
-            <a:ext cx="6672887" cy="365125"/>
+            <a:off x="685331" y="5883276"/>
+            <a:ext cx="5004665" cy="365125"/>
           </a:xfrm>
           <a:prstGeom prst="rect">
             <a:avLst/>
@@ -5668,8 +5767,8 @@
         </p:nvSpPr>
         <p:spPr>
           <a:xfrm>
-            <a:off x="10514011" y="5883275"/>
-            <a:ext cx="764215" cy="365125"/>
+            <a:off x="7885509" y="5883276"/>
+            <a:ext cx="573161" cy="365125"/>
           </a:xfrm>
           <a:prstGeom prst="rect">
             <a:avLst/>
@@ -5688,7 +5787,7 @@
           </a:lstStyle>
           <a:p>
             <a:fld id="{6D22F896-40B5-4ADD-8801-0D06FADFA095}" type="slidenum">
-              <a:rPr lang="en-US" dirty="0"/>
+              <a:rPr lang="en-US" smtClean="0"/>
               <a:pPr/>
               <a:t>‹#›</a:t>
             </a:fld>
@@ -5697,26 +5796,31 @@
         </p:txBody>
       </p:sp>
     </p:spTree>
+    <p:extLst>
+      <p:ext uri="{BB962C8B-B14F-4D97-AF65-F5344CB8AC3E}">
+        <p14:creationId xmlns:p14="http://schemas.microsoft.com/office/powerpoint/2010/main" val="1752649239"/>
+      </p:ext>
+    </p:extLst>
   </p:cSld>
   <p:clrMap bg1="lt1" tx1="dk1" bg2="lt2" tx2="dk2" accent1="accent1" accent2="accent2" accent3="accent3" accent4="accent4" accent5="accent5" accent6="accent6" hlink="hlink" folHlink="folHlink"/>
   <p:sldLayoutIdLst>
-    <p:sldLayoutId id="2147483649" r:id="rId1"/>
-    <p:sldLayoutId id="2147483650" r:id="rId2"/>
-    <p:sldLayoutId id="2147483651" r:id="rId3"/>
-    <p:sldLayoutId id="2147483652" r:id="rId4"/>
-    <p:sldLayoutId id="2147483653" r:id="rId5"/>
-    <p:sldLayoutId id="2147483654" r:id="rId6"/>
-    <p:sldLayoutId id="2147483655" r:id="rId7"/>
-    <p:sldLayoutId id="2147483656" r:id="rId8"/>
-    <p:sldLayoutId id="2147483657" r:id="rId9"/>
-    <p:sldLayoutId id="2147483660" r:id="rId10"/>
-    <p:sldLayoutId id="2147483661" r:id="rId11"/>
-    <p:sldLayoutId id="2147483666" r:id="rId12"/>
-    <p:sldLayoutId id="2147483663" r:id="rId13"/>
-    <p:sldLayoutId id="2147483667" r:id="rId14"/>
-    <p:sldLayoutId id="2147483668" r:id="rId15"/>
-    <p:sldLayoutId id="2147483658" r:id="rId16"/>
-    <p:sldLayoutId id="2147483659" r:id="rId17"/>
+    <p:sldLayoutId id="2147483670" r:id="rId1"/>
+    <p:sldLayoutId id="2147483671" r:id="rId2"/>
+    <p:sldLayoutId id="2147483672" r:id="rId3"/>
+    <p:sldLayoutId id="2147483673" r:id="rId4"/>
+    <p:sldLayoutId id="2147483674" r:id="rId5"/>
+    <p:sldLayoutId id="2147483675" r:id="rId6"/>
+    <p:sldLayoutId id="2147483676" r:id="rId7"/>
+    <p:sldLayoutId id="2147483677" r:id="rId8"/>
+    <p:sldLayoutId id="2147483678" r:id="rId9"/>
+    <p:sldLayoutId id="2147483679" r:id="rId10"/>
+    <p:sldLayoutId id="2147483680" r:id="rId11"/>
+    <p:sldLayoutId id="2147483681" r:id="rId12"/>
+    <p:sldLayoutId id="2147483682" r:id="rId13"/>
+    <p:sldLayoutId id="2147483683" r:id="rId14"/>
+    <p:sldLayoutId id="2147483684" r:id="rId15"/>
+    <p:sldLayoutId id="2147483685" r:id="rId16"/>
+    <p:sldLayoutId id="2147483686" r:id="rId17"/>
   </p:sldLayoutIdLst>
   <p:txStyles>
     <p:titleStyle>
@@ -6090,7 +6194,7 @@
         </p:nvSpPr>
         <p:spPr>
           <a:xfrm>
-            <a:off x="5023822" y="4163209"/>
+            <a:off x="3499822" y="4163209"/>
             <a:ext cx="5417166" cy="1094590"/>
           </a:xfrm>
         </p:spPr>
@@ -6117,6 +6221,1665 @@
     <p:extLst>
       <p:ext uri="{BB962C8B-B14F-4D97-AF65-F5344CB8AC3E}">
         <p14:creationId xmlns:p14="http://schemas.microsoft.com/office/powerpoint/2010/main" val="9536366"/>
+      </p:ext>
+    </p:extLst>
+  </p:cSld>
+  <p:clrMapOvr>
+    <a:masterClrMapping/>
+  </p:clrMapOvr>
+</p:sld>
+</file>
+
+<file path=ppt/slides/slide10.xml><?xml version="1.0" encoding="utf-8"?>
+<p:sld xmlns:a="http://schemas.openxmlformats.org/drawingml/2006/main" xmlns:r="http://schemas.openxmlformats.org/officeDocument/2006/relationships" xmlns:p="http://schemas.openxmlformats.org/presentationml/2006/main">
+  <p:cSld>
+    <p:spTree>
+      <p:nvGrpSpPr>
+        <p:cNvPr id="1" name=""/>
+        <p:cNvGrpSpPr/>
+        <p:nvPr/>
+      </p:nvGrpSpPr>
+      <p:grpSpPr>
+        <a:xfrm>
+          <a:off x="0" y="0"/>
+          <a:ext cx="0" cy="0"/>
+          <a:chOff x="0" y="0"/>
+          <a:chExt cx="0" cy="0"/>
+        </a:xfrm>
+      </p:grpSpPr>
+      <p:sp>
+        <p:nvSpPr>
+          <p:cNvPr id="4" name="标题 3"/>
+          <p:cNvSpPr>
+            <a:spLocks noGrp="1"/>
+          </p:cNvSpPr>
+          <p:nvPr>
+            <p:ph type="title"/>
+          </p:nvPr>
+        </p:nvSpPr>
+        <p:spPr/>
+        <p:txBody>
+          <a:bodyPr/>
+          <a:lstStyle/>
+          <a:p>
+            <a:r>
+              <a:rPr lang="zh-CN" altLang="en-US" dirty="0" smtClean="0"/>
+              <a:t>二、常用配置</a:t>
+            </a:r>
+            <a:endParaRPr lang="zh-CN" altLang="en-US" dirty="0"/>
+          </a:p>
+        </p:txBody>
+      </p:sp>
+      <p:sp>
+        <p:nvSpPr>
+          <p:cNvPr id="5" name="文本占位符 4"/>
+          <p:cNvSpPr>
+            <a:spLocks noGrp="1"/>
+          </p:cNvSpPr>
+          <p:nvPr>
+            <p:ph type="body" idx="1"/>
+          </p:nvPr>
+        </p:nvSpPr>
+        <p:spPr/>
+        <p:txBody>
+          <a:bodyPr/>
+          <a:lstStyle/>
+          <a:p>
+            <a:endParaRPr lang="zh-CN" altLang="en-US"/>
+          </a:p>
+        </p:txBody>
+      </p:sp>
+    </p:spTree>
+    <p:extLst>
+      <p:ext uri="{BB962C8B-B14F-4D97-AF65-F5344CB8AC3E}">
+        <p14:creationId xmlns:p14="http://schemas.microsoft.com/office/powerpoint/2010/main" val="664767506"/>
+      </p:ext>
+    </p:extLst>
+  </p:cSld>
+  <p:clrMapOvr>
+    <a:masterClrMapping/>
+  </p:clrMapOvr>
+</p:sld>
+</file>
+
+<file path=ppt/slides/slide11.xml><?xml version="1.0" encoding="utf-8"?>
+<p:sld xmlns:a="http://schemas.openxmlformats.org/drawingml/2006/main" xmlns:r="http://schemas.openxmlformats.org/officeDocument/2006/relationships" xmlns:p="http://schemas.openxmlformats.org/presentationml/2006/main">
+  <p:cSld>
+    <p:spTree>
+      <p:nvGrpSpPr>
+        <p:cNvPr id="1" name=""/>
+        <p:cNvGrpSpPr/>
+        <p:nvPr/>
+      </p:nvGrpSpPr>
+      <p:grpSpPr>
+        <a:xfrm>
+          <a:off x="0" y="0"/>
+          <a:ext cx="0" cy="0"/>
+          <a:chOff x="0" y="0"/>
+          <a:chExt cx="0" cy="0"/>
+        </a:xfrm>
+      </p:grpSpPr>
+      <p:sp>
+        <p:nvSpPr>
+          <p:cNvPr id="4" name="标题 3"/>
+          <p:cNvSpPr>
+            <a:spLocks noGrp="1"/>
+          </p:cNvSpPr>
+          <p:nvPr>
+            <p:ph type="title"/>
+          </p:nvPr>
+        </p:nvSpPr>
+        <p:spPr/>
+        <p:txBody>
+          <a:bodyPr/>
+          <a:lstStyle/>
+          <a:p>
+            <a:r>
+              <a:rPr lang="zh-CN" altLang="en-US" dirty="0" smtClean="0"/>
+              <a:t>常用配置</a:t>
+            </a:r>
+            <a:endParaRPr lang="zh-CN" altLang="en-US" dirty="0"/>
+          </a:p>
+        </p:txBody>
+      </p:sp>
+      <p:sp>
+        <p:nvSpPr>
+          <p:cNvPr id="5" name="内容占位符 4"/>
+          <p:cNvSpPr>
+            <a:spLocks noGrp="1"/>
+          </p:cNvSpPr>
+          <p:nvPr>
+            <p:ph sz="quarter" idx="13"/>
+          </p:nvPr>
+        </p:nvSpPr>
+        <p:spPr/>
+        <p:txBody>
+          <a:bodyPr>
+            <a:normAutofit/>
+          </a:bodyPr>
+          <a:lstStyle/>
+          <a:p>
+            <a:r>
+              <a:rPr lang="en-US" altLang="zh-CN" cap="none" dirty="0" smtClean="0"/>
+              <a:t>Manifest entries</a:t>
+            </a:r>
+          </a:p>
+          <a:p>
+            <a:r>
+              <a:rPr lang="en-US" altLang="zh-CN" cap="none" dirty="0" smtClean="0"/>
+              <a:t>Dependencies</a:t>
+            </a:r>
+            <a:r>
+              <a:rPr lang="zh-CN" altLang="en-US" cap="none" dirty="0" smtClean="0"/>
+              <a:t>：</a:t>
+            </a:r>
+            <a:r>
+              <a:rPr lang="en-US" altLang="zh-CN" cap="none" dirty="0" smtClean="0"/>
+              <a:t>libraries</a:t>
+            </a:r>
+            <a:r>
+              <a:rPr lang="zh-CN" altLang="en-US" cap="none" dirty="0" smtClean="0"/>
+              <a:t>、</a:t>
+            </a:r>
+            <a:r>
+              <a:rPr lang="en-US" altLang="zh-CN" cap="none" dirty="0" smtClean="0"/>
+              <a:t>repositories</a:t>
+            </a:r>
+            <a:r>
+              <a:rPr lang="zh-CN" altLang="en-US" cap="none" dirty="0" smtClean="0"/>
+              <a:t>、</a:t>
+            </a:r>
+            <a:r>
+              <a:rPr lang="en-US" altLang="zh-CN" cap="none" dirty="0" smtClean="0"/>
+              <a:t>projects</a:t>
+            </a:r>
+          </a:p>
+          <a:p>
+            <a:r>
+              <a:rPr lang="en-US" altLang="zh-CN" cap="none" dirty="0" smtClean="0"/>
+              <a:t>Build types</a:t>
+            </a:r>
+          </a:p>
+          <a:p>
+            <a:r>
+              <a:rPr lang="en-US" altLang="zh-CN" cap="none" dirty="0" smtClean="0"/>
+              <a:t>Build type + product flavor = build variant</a:t>
+            </a:r>
+          </a:p>
+          <a:p>
+            <a:r>
+              <a:rPr lang="en-US" altLang="zh-CN" cap="none" dirty="0" err="1" smtClean="0"/>
+              <a:t>Buildconfig</a:t>
+            </a:r>
+            <a:endParaRPr lang="en-US" altLang="zh-CN" cap="none" dirty="0" smtClean="0"/>
+          </a:p>
+          <a:p>
+            <a:r>
+              <a:rPr lang="en-US" altLang="zh-CN" cap="none" dirty="0" smtClean="0"/>
+              <a:t>Signing configurations</a:t>
+            </a:r>
+          </a:p>
+          <a:p>
+            <a:r>
+              <a:rPr lang="en-US" altLang="zh-CN" cap="none" dirty="0" err="1" smtClean="0"/>
+              <a:t>ProGuard</a:t>
+            </a:r>
+            <a:endParaRPr lang="en-US" altLang="zh-CN" cap="none" dirty="0" smtClean="0"/>
+          </a:p>
+          <a:p>
+            <a:r>
+              <a:rPr lang="en-US" altLang="zh-CN" cap="none" dirty="0" smtClean="0"/>
+              <a:t>Lint support</a:t>
+            </a:r>
+            <a:r>
+              <a:rPr lang="zh-CN" altLang="en-US" cap="none" dirty="0" smtClean="0"/>
+              <a:t>、</a:t>
+            </a:r>
+            <a:r>
+              <a:rPr lang="en-US" altLang="zh-CN" cap="none" dirty="0" smtClean="0"/>
+              <a:t>test</a:t>
+            </a:r>
+            <a:r>
+              <a:rPr lang="zh-CN" altLang="en-US" cap="none" dirty="0" smtClean="0"/>
+              <a:t>、</a:t>
+            </a:r>
+            <a:r>
+              <a:rPr lang="en-US" altLang="zh-CN" cap="none" dirty="0" smtClean="0"/>
+              <a:t>java language level …</a:t>
+            </a:r>
+          </a:p>
+          <a:p>
+            <a:pPr marL="0" indent="0">
+              <a:buNone/>
+            </a:pPr>
+            <a:endParaRPr lang="en-US" altLang="zh-CN" cap="none" dirty="0"/>
+          </a:p>
+          <a:p>
+            <a:endParaRPr lang="en-US" altLang="zh-CN" dirty="0"/>
+          </a:p>
+          <a:p>
+            <a:endParaRPr lang="en-US" altLang="zh-CN" dirty="0"/>
+          </a:p>
+          <a:p>
+            <a:endParaRPr lang="en-US" altLang="zh-CN" cap="none" dirty="0" smtClean="0"/>
+          </a:p>
+          <a:p>
+            <a:endParaRPr lang="en-US" altLang="zh-CN" cap="none" dirty="0" smtClean="0"/>
+          </a:p>
+          <a:p>
+            <a:endParaRPr lang="en-US" altLang="zh-CN" cap="none" dirty="0" smtClean="0"/>
+          </a:p>
+          <a:p>
+            <a:endParaRPr lang="zh-CN" altLang="en-US" dirty="0"/>
+          </a:p>
+        </p:txBody>
+      </p:sp>
+    </p:spTree>
+    <p:extLst>
+      <p:ext uri="{BB962C8B-B14F-4D97-AF65-F5344CB8AC3E}">
+        <p14:creationId xmlns:p14="http://schemas.microsoft.com/office/powerpoint/2010/main" val="18077200"/>
+      </p:ext>
+    </p:extLst>
+  </p:cSld>
+  <p:clrMapOvr>
+    <a:masterClrMapping/>
+  </p:clrMapOvr>
+</p:sld>
+</file>
+
+<file path=ppt/slides/slide12.xml><?xml version="1.0" encoding="utf-8"?>
+<p:sld xmlns:a="http://schemas.openxmlformats.org/drawingml/2006/main" xmlns:r="http://schemas.openxmlformats.org/officeDocument/2006/relationships" xmlns:p="http://schemas.openxmlformats.org/presentationml/2006/main">
+  <p:cSld>
+    <p:spTree>
+      <p:nvGrpSpPr>
+        <p:cNvPr id="1" name=""/>
+        <p:cNvGrpSpPr/>
+        <p:nvPr/>
+      </p:nvGrpSpPr>
+      <p:grpSpPr>
+        <a:xfrm>
+          <a:off x="0" y="0"/>
+          <a:ext cx="0" cy="0"/>
+          <a:chOff x="0" y="0"/>
+          <a:chExt cx="0" cy="0"/>
+        </a:xfrm>
+      </p:grpSpPr>
+      <p:sp>
+        <p:nvSpPr>
+          <p:cNvPr id="2" name="标题 1"/>
+          <p:cNvSpPr>
+            <a:spLocks noGrp="1"/>
+          </p:cNvSpPr>
+          <p:nvPr>
+            <p:ph type="title"/>
+          </p:nvPr>
+        </p:nvSpPr>
+        <p:spPr/>
+        <p:txBody>
+          <a:bodyPr>
+            <a:normAutofit/>
+          </a:bodyPr>
+          <a:lstStyle/>
+          <a:p>
+            <a:r>
+              <a:rPr lang="en-US" altLang="zh-CN" cap="none" dirty="0" smtClean="0"/>
+              <a:t>1.Manifest Entries</a:t>
+            </a:r>
+            <a:endParaRPr lang="zh-CN" altLang="en-US" cap="none" dirty="0"/>
+          </a:p>
+        </p:txBody>
+      </p:sp>
+      <p:sp>
+        <p:nvSpPr>
+          <p:cNvPr id="3" name="内容占位符 2"/>
+          <p:cNvSpPr>
+            <a:spLocks noGrp="1"/>
+          </p:cNvSpPr>
+          <p:nvPr>
+            <p:ph sz="quarter" idx="13"/>
+          </p:nvPr>
+        </p:nvSpPr>
+        <p:spPr/>
+        <p:txBody>
+          <a:bodyPr/>
+          <a:lstStyle/>
+          <a:p>
+            <a:pPr marL="0" indent="0">
+              <a:buNone/>
+            </a:pPr>
+            <a:r>
+              <a:rPr lang="en-US" altLang="zh-CN" cap="none" dirty="0" err="1" smtClean="0">
+                <a:solidFill>
+                  <a:srgbClr val="006000"/>
+                </a:solidFill>
+              </a:rPr>
+              <a:t>defaultconfig</a:t>
+            </a:r>
+            <a:r>
+              <a:rPr lang="en-US" altLang="zh-CN" cap="none" dirty="0" smtClean="0">
+                <a:solidFill>
+                  <a:srgbClr val="006000"/>
+                </a:solidFill>
+              </a:rPr>
+              <a:t> {</a:t>
+            </a:r>
+          </a:p>
+          <a:p>
+            <a:pPr marL="0" indent="0">
+              <a:buNone/>
+            </a:pPr>
+            <a:r>
+              <a:rPr lang="en-US" altLang="zh-CN" cap="none" dirty="0" smtClean="0">
+                <a:solidFill>
+                  <a:srgbClr val="006000"/>
+                </a:solidFill>
+              </a:rPr>
+              <a:t>        </a:t>
+            </a:r>
+            <a:r>
+              <a:rPr lang="en-US" altLang="zh-CN" cap="none" dirty="0" err="1" smtClean="0">
+                <a:solidFill>
+                  <a:srgbClr val="006000"/>
+                </a:solidFill>
+              </a:rPr>
+              <a:t>applicationid</a:t>
+            </a:r>
+            <a:r>
+              <a:rPr lang="en-US" altLang="zh-CN" cap="none" dirty="0" smtClean="0">
+                <a:solidFill>
+                  <a:srgbClr val="006000"/>
+                </a:solidFill>
+              </a:rPr>
+              <a:t> "</a:t>
+            </a:r>
+            <a:r>
+              <a:rPr lang="en-US" altLang="zh-CN" cap="none" dirty="0" err="1" smtClean="0">
+                <a:solidFill>
+                  <a:srgbClr val="006000"/>
+                </a:solidFill>
+              </a:rPr>
+              <a:t>com.arcsoft.hellogradle.test</a:t>
+            </a:r>
+            <a:r>
+              <a:rPr lang="en-US" altLang="zh-CN" cap="none" dirty="0" smtClean="0">
+                <a:solidFill>
+                  <a:srgbClr val="006000"/>
+                </a:solidFill>
+              </a:rPr>
+              <a:t>"</a:t>
+            </a:r>
+          </a:p>
+          <a:p>
+            <a:pPr marL="0" indent="0">
+              <a:buNone/>
+            </a:pPr>
+            <a:r>
+              <a:rPr lang="en-US" altLang="zh-CN" cap="none" dirty="0" smtClean="0">
+                <a:solidFill>
+                  <a:srgbClr val="006000"/>
+                </a:solidFill>
+              </a:rPr>
+              <a:t>        </a:t>
+            </a:r>
+            <a:r>
+              <a:rPr lang="en-US" altLang="zh-CN" cap="none" dirty="0" err="1" smtClean="0">
+                <a:solidFill>
+                  <a:srgbClr val="006000"/>
+                </a:solidFill>
+              </a:rPr>
+              <a:t>minsdkversion</a:t>
+            </a:r>
+            <a:r>
+              <a:rPr lang="en-US" altLang="zh-CN" cap="none" dirty="0" smtClean="0">
+                <a:solidFill>
+                  <a:srgbClr val="006000"/>
+                </a:solidFill>
+              </a:rPr>
+              <a:t> 14</a:t>
+            </a:r>
+          </a:p>
+          <a:p>
+            <a:pPr marL="0" indent="0">
+              <a:buNone/>
+            </a:pPr>
+            <a:r>
+              <a:rPr lang="en-US" altLang="zh-CN" cap="none" dirty="0" smtClean="0">
+                <a:solidFill>
+                  <a:srgbClr val="006000"/>
+                </a:solidFill>
+              </a:rPr>
+              <a:t>        </a:t>
+            </a:r>
+            <a:r>
+              <a:rPr lang="en-US" altLang="zh-CN" cap="none" dirty="0" err="1" smtClean="0">
+                <a:solidFill>
+                  <a:srgbClr val="006000"/>
+                </a:solidFill>
+              </a:rPr>
+              <a:t>targetsdkversion</a:t>
+            </a:r>
+            <a:r>
+              <a:rPr lang="en-US" altLang="zh-CN" cap="none" dirty="0" smtClean="0">
+                <a:solidFill>
+                  <a:srgbClr val="006000"/>
+                </a:solidFill>
+              </a:rPr>
+              <a:t> 23</a:t>
+            </a:r>
+          </a:p>
+          <a:p>
+            <a:pPr marL="0" indent="0">
+              <a:buNone/>
+            </a:pPr>
+            <a:r>
+              <a:rPr lang="en-US" altLang="zh-CN" cap="none" dirty="0" smtClean="0">
+                <a:solidFill>
+                  <a:srgbClr val="006000"/>
+                </a:solidFill>
+              </a:rPr>
+              <a:t>        </a:t>
+            </a:r>
+            <a:r>
+              <a:rPr lang="en-US" altLang="zh-CN" cap="none" dirty="0" err="1" smtClean="0">
+                <a:solidFill>
+                  <a:srgbClr val="006000"/>
+                </a:solidFill>
+              </a:rPr>
+              <a:t>versioncode</a:t>
+            </a:r>
+            <a:r>
+              <a:rPr lang="en-US" altLang="zh-CN" cap="none" dirty="0" smtClean="0">
+                <a:solidFill>
+                  <a:srgbClr val="006000"/>
+                </a:solidFill>
+              </a:rPr>
+              <a:t> 1</a:t>
+            </a:r>
+          </a:p>
+          <a:p>
+            <a:pPr marL="0" indent="0">
+              <a:buNone/>
+            </a:pPr>
+            <a:r>
+              <a:rPr lang="en-US" altLang="zh-CN" cap="none" dirty="0" smtClean="0">
+                <a:solidFill>
+                  <a:srgbClr val="006000"/>
+                </a:solidFill>
+              </a:rPr>
+              <a:t>        </a:t>
+            </a:r>
+            <a:r>
+              <a:rPr lang="en-US" altLang="zh-CN" cap="none" dirty="0" err="1" smtClean="0">
+                <a:solidFill>
+                  <a:srgbClr val="006000"/>
+                </a:solidFill>
+              </a:rPr>
+              <a:t>versionname</a:t>
+            </a:r>
+            <a:r>
+              <a:rPr lang="en-US" altLang="zh-CN" cap="none" dirty="0" smtClean="0">
+                <a:solidFill>
+                  <a:srgbClr val="006000"/>
+                </a:solidFill>
+              </a:rPr>
+              <a:t> "1.0"</a:t>
+            </a:r>
+          </a:p>
+          <a:p>
+            <a:pPr marL="0" indent="0">
+              <a:buNone/>
+            </a:pPr>
+            <a:r>
+              <a:rPr lang="en-US" altLang="zh-CN" cap="none" dirty="0" smtClean="0">
+                <a:solidFill>
+                  <a:srgbClr val="006000"/>
+                </a:solidFill>
+              </a:rPr>
+              <a:t>		}</a:t>
+            </a:r>
+            <a:endParaRPr lang="zh-CN" altLang="en-US" cap="none" dirty="0">
+              <a:solidFill>
+                <a:srgbClr val="006000"/>
+              </a:solidFill>
+            </a:endParaRPr>
+          </a:p>
+        </p:txBody>
+      </p:sp>
+    </p:spTree>
+    <p:extLst>
+      <p:ext uri="{BB962C8B-B14F-4D97-AF65-F5344CB8AC3E}">
+        <p14:creationId xmlns:p14="http://schemas.microsoft.com/office/powerpoint/2010/main" val="3648588968"/>
+      </p:ext>
+    </p:extLst>
+  </p:cSld>
+  <p:clrMapOvr>
+    <a:masterClrMapping/>
+  </p:clrMapOvr>
+</p:sld>
+</file>
+
+<file path=ppt/slides/slide13.xml><?xml version="1.0" encoding="utf-8"?>
+<p:sld xmlns:a="http://schemas.openxmlformats.org/drawingml/2006/main" xmlns:r="http://schemas.openxmlformats.org/officeDocument/2006/relationships" xmlns:p="http://schemas.openxmlformats.org/presentationml/2006/main">
+  <p:cSld>
+    <p:spTree>
+      <p:nvGrpSpPr>
+        <p:cNvPr id="1" name=""/>
+        <p:cNvGrpSpPr/>
+        <p:nvPr/>
+      </p:nvGrpSpPr>
+      <p:grpSpPr>
+        <a:xfrm>
+          <a:off x="0" y="0"/>
+          <a:ext cx="0" cy="0"/>
+          <a:chOff x="0" y="0"/>
+          <a:chExt cx="0" cy="0"/>
+        </a:xfrm>
+      </p:grpSpPr>
+      <p:sp>
+        <p:nvSpPr>
+          <p:cNvPr id="2" name="标题 1"/>
+          <p:cNvSpPr>
+            <a:spLocks noGrp="1"/>
+          </p:cNvSpPr>
+          <p:nvPr>
+            <p:ph type="title"/>
+          </p:nvPr>
+        </p:nvSpPr>
+        <p:spPr/>
+        <p:txBody>
+          <a:bodyPr/>
+          <a:lstStyle/>
+          <a:p>
+            <a:r>
+              <a:rPr lang="en-US" altLang="zh-CN" dirty="0" smtClean="0"/>
+              <a:t>2.</a:t>
+            </a:r>
+            <a:r>
+              <a:rPr lang="en-US" altLang="zh-CN" cap="none" dirty="0"/>
+              <a:t> Dependencies</a:t>
+            </a:r>
+            <a:endParaRPr lang="zh-CN" altLang="en-US" dirty="0"/>
+          </a:p>
+        </p:txBody>
+      </p:sp>
+      <p:sp>
+        <p:nvSpPr>
+          <p:cNvPr id="3" name="内容占位符 2"/>
+          <p:cNvSpPr>
+            <a:spLocks noGrp="1"/>
+          </p:cNvSpPr>
+          <p:nvPr>
+            <p:ph sz="quarter" idx="13"/>
+          </p:nvPr>
+        </p:nvSpPr>
+        <p:spPr/>
+        <p:txBody>
+          <a:bodyPr/>
+          <a:lstStyle/>
+          <a:p>
+            <a:endParaRPr lang="zh-CN" altLang="en-US" dirty="0"/>
+          </a:p>
+        </p:txBody>
+      </p:sp>
+    </p:spTree>
+    <p:extLst>
+      <p:ext uri="{BB962C8B-B14F-4D97-AF65-F5344CB8AC3E}">
+        <p14:creationId xmlns:p14="http://schemas.microsoft.com/office/powerpoint/2010/main" val="1471343671"/>
+      </p:ext>
+    </p:extLst>
+  </p:cSld>
+  <p:clrMapOvr>
+    <a:masterClrMapping/>
+  </p:clrMapOvr>
+</p:sld>
+</file>
+
+<file path=ppt/slides/slide14.xml><?xml version="1.0" encoding="utf-8"?>
+<p:sld xmlns:a="http://schemas.openxmlformats.org/drawingml/2006/main" xmlns:r="http://schemas.openxmlformats.org/officeDocument/2006/relationships" xmlns:p="http://schemas.openxmlformats.org/presentationml/2006/main">
+  <p:cSld>
+    <p:spTree>
+      <p:nvGrpSpPr>
+        <p:cNvPr id="1" name=""/>
+        <p:cNvGrpSpPr/>
+        <p:nvPr/>
+      </p:nvGrpSpPr>
+      <p:grpSpPr>
+        <a:xfrm>
+          <a:off x="0" y="0"/>
+          <a:ext cx="0" cy="0"/>
+          <a:chOff x="0" y="0"/>
+          <a:chExt cx="0" cy="0"/>
+        </a:xfrm>
+      </p:grpSpPr>
+      <p:sp>
+        <p:nvSpPr>
+          <p:cNvPr id="2" name="标题 1"/>
+          <p:cNvSpPr>
+            <a:spLocks noGrp="1"/>
+          </p:cNvSpPr>
+          <p:nvPr>
+            <p:ph type="title"/>
+          </p:nvPr>
+        </p:nvSpPr>
+        <p:spPr/>
+        <p:txBody>
+          <a:bodyPr>
+            <a:normAutofit/>
+          </a:bodyPr>
+          <a:lstStyle/>
+          <a:p>
+            <a:r>
+              <a:rPr lang="en-US" altLang="zh-CN" dirty="0"/>
+              <a:t>3</a:t>
+            </a:r>
+            <a:r>
+              <a:rPr lang="en-US" altLang="zh-CN" dirty="0" smtClean="0"/>
+              <a:t>. </a:t>
+            </a:r>
+            <a:r>
+              <a:rPr lang="en-US" altLang="zh-CN" cap="none" dirty="0" smtClean="0"/>
+              <a:t>Build Types</a:t>
+            </a:r>
+            <a:endParaRPr lang="zh-CN" altLang="en-US" dirty="0"/>
+          </a:p>
+        </p:txBody>
+      </p:sp>
+      <p:sp>
+        <p:nvSpPr>
+          <p:cNvPr id="4" name="Rectangle 1"/>
+          <p:cNvSpPr>
+            <a:spLocks noGrp="1" noChangeArrowheads="1"/>
+          </p:cNvSpPr>
+          <p:nvPr>
+            <p:ph sz="quarter" idx="13"/>
+          </p:nvPr>
+        </p:nvSpPr>
+        <p:spPr bwMode="auto">
+          <a:xfrm>
+            <a:off x="1194485" y="2090482"/>
+            <a:ext cx="3368230" cy="3046988"/>
+          </a:xfrm>
+          <a:prstGeom prst="rect">
+            <a:avLst/>
+          </a:prstGeom>
+          <a:noFill/>
+          <a:ln>
+            <a:noFill/>
+          </a:ln>
+          <a:effectLst/>
+          <a:extLst>
+            <a:ext uri="{909E8E84-426E-40DD-AFC4-6F175D3DCCD1}">
+              <a14:hiddenFill xmlns:a14="http://schemas.microsoft.com/office/drawing/2010/main">
+                <a:solidFill>
+                  <a:schemeClr val="accent1"/>
+                </a:solidFill>
+              </a14:hiddenFill>
+            </a:ext>
+            <a:ext uri="{91240B29-F687-4F45-9708-019B960494DF}">
+              <a14:hiddenLine xmlns:a14="http://schemas.microsoft.com/office/drawing/2010/main" w="9525">
+                <a:solidFill>
+                  <a:schemeClr val="tx1"/>
+                </a:solidFill>
+                <a:miter lim="800000"/>
+                <a:headEnd/>
+                <a:tailEnd/>
+              </a14:hiddenLine>
+            </a:ext>
+            <a:ext uri="{AF507438-7753-43E0-B8FC-AC1667EBCBE1}">
+              <a14:hiddenEffects xmlns:a14="http://schemas.microsoft.com/office/drawing/2010/main">
+                <a:effectLst>
+                  <a:outerShdw dist="35921" dir="2700000" algn="ctr" rotWithShape="0">
+                    <a:schemeClr val="bg2"/>
+                  </a:outerShdw>
+                </a:effectLst>
+              </a14:hiddenEffects>
+            </a:ext>
+          </a:extLst>
+        </p:spPr>
+        <p:txBody>
+          <a:bodyPr vert="horz" wrap="none" lIns="91440" tIns="45720" rIns="91440" bIns="45720" numCol="1" anchor="ctr" anchorCtr="0" compatLnSpc="1">
+            <a:prstTxWarp prst="textNoShape">
+              <a:avLst/>
+            </a:prstTxWarp>
+            <a:spAutoFit/>
+          </a:bodyPr>
+          <a:lstStyle>
+            <a:lvl1pPr eaLnBrk="0" fontAlgn="base" hangingPunct="0">
+              <a:spcBef>
+                <a:spcPct val="0"/>
+              </a:spcBef>
+              <a:spcAft>
+                <a:spcPct val="0"/>
+              </a:spcAft>
+              <a:defRPr>
+                <a:solidFill>
+                  <a:schemeClr val="tx1"/>
+                </a:solidFill>
+                <a:latin typeface="Arial" panose="020B0604020202020204" pitchFamily="34" charset="0"/>
+              </a:defRPr>
+            </a:lvl1pPr>
+            <a:lvl2pPr eaLnBrk="0" fontAlgn="base" hangingPunct="0">
+              <a:spcBef>
+                <a:spcPct val="0"/>
+              </a:spcBef>
+              <a:spcAft>
+                <a:spcPct val="0"/>
+              </a:spcAft>
+              <a:defRPr>
+                <a:solidFill>
+                  <a:schemeClr val="tx1"/>
+                </a:solidFill>
+                <a:latin typeface="Arial" panose="020B0604020202020204" pitchFamily="34" charset="0"/>
+              </a:defRPr>
+            </a:lvl2pPr>
+            <a:lvl3pPr eaLnBrk="0" fontAlgn="base" hangingPunct="0">
+              <a:spcBef>
+                <a:spcPct val="0"/>
+              </a:spcBef>
+              <a:spcAft>
+                <a:spcPct val="0"/>
+              </a:spcAft>
+              <a:defRPr>
+                <a:solidFill>
+                  <a:schemeClr val="tx1"/>
+                </a:solidFill>
+                <a:latin typeface="Arial" panose="020B0604020202020204" pitchFamily="34" charset="0"/>
+              </a:defRPr>
+            </a:lvl3pPr>
+            <a:lvl4pPr eaLnBrk="0" fontAlgn="base" hangingPunct="0">
+              <a:spcBef>
+                <a:spcPct val="0"/>
+              </a:spcBef>
+              <a:spcAft>
+                <a:spcPct val="0"/>
+              </a:spcAft>
+              <a:defRPr>
+                <a:solidFill>
+                  <a:schemeClr val="tx1"/>
+                </a:solidFill>
+                <a:latin typeface="Arial" panose="020B0604020202020204" pitchFamily="34" charset="0"/>
+              </a:defRPr>
+            </a:lvl4pPr>
+            <a:lvl5pPr eaLnBrk="0" fontAlgn="base" hangingPunct="0">
+              <a:spcBef>
+                <a:spcPct val="0"/>
+              </a:spcBef>
+              <a:spcAft>
+                <a:spcPct val="0"/>
+              </a:spcAft>
+              <a:defRPr>
+                <a:solidFill>
+                  <a:schemeClr val="tx1"/>
+                </a:solidFill>
+                <a:latin typeface="Arial" panose="020B0604020202020204" pitchFamily="34" charset="0"/>
+              </a:defRPr>
+            </a:lvl5pPr>
+            <a:lvl6pPr eaLnBrk="0" fontAlgn="base" hangingPunct="0">
+              <a:spcBef>
+                <a:spcPct val="0"/>
+              </a:spcBef>
+              <a:spcAft>
+                <a:spcPct val="0"/>
+              </a:spcAft>
+              <a:defRPr>
+                <a:solidFill>
+                  <a:schemeClr val="tx1"/>
+                </a:solidFill>
+                <a:latin typeface="Arial" panose="020B0604020202020204" pitchFamily="34" charset="0"/>
+              </a:defRPr>
+            </a:lvl6pPr>
+            <a:lvl7pPr eaLnBrk="0" fontAlgn="base" hangingPunct="0">
+              <a:spcBef>
+                <a:spcPct val="0"/>
+              </a:spcBef>
+              <a:spcAft>
+                <a:spcPct val="0"/>
+              </a:spcAft>
+              <a:defRPr>
+                <a:solidFill>
+                  <a:schemeClr val="tx1"/>
+                </a:solidFill>
+                <a:latin typeface="Arial" panose="020B0604020202020204" pitchFamily="34" charset="0"/>
+              </a:defRPr>
+            </a:lvl7pPr>
+            <a:lvl8pPr eaLnBrk="0" fontAlgn="base" hangingPunct="0">
+              <a:spcBef>
+                <a:spcPct val="0"/>
+              </a:spcBef>
+              <a:spcAft>
+                <a:spcPct val="0"/>
+              </a:spcAft>
+              <a:defRPr>
+                <a:solidFill>
+                  <a:schemeClr val="tx1"/>
+                </a:solidFill>
+                <a:latin typeface="Arial" panose="020B0604020202020204" pitchFamily="34" charset="0"/>
+              </a:defRPr>
+            </a:lvl8pPr>
+            <a:lvl9pPr eaLnBrk="0" fontAlgn="base" hangingPunct="0">
+              <a:spcBef>
+                <a:spcPct val="0"/>
+              </a:spcBef>
+              <a:spcAft>
+                <a:spcPct val="0"/>
+              </a:spcAft>
+              <a:defRPr>
+                <a:solidFill>
+                  <a:schemeClr val="tx1"/>
+                </a:solidFill>
+                <a:latin typeface="Arial" panose="020B0604020202020204" pitchFamily="34" charset="0"/>
+              </a:defRPr>
+            </a:lvl9pPr>
+          </a:lstStyle>
+          <a:p>
+            <a:pPr marL="0" lvl="0" indent="0">
+              <a:lnSpc>
+                <a:spcPct val="100000"/>
+              </a:lnSpc>
+              <a:buClrTx/>
+              <a:buNone/>
+            </a:pPr>
+            <a:r>
+              <a:rPr kumimoji="0" lang="zh-CN" altLang="zh-CN" sz="1600" b="0" i="0" u="none" strike="noStrike" cap="none" normalizeH="0" baseline="0" dirty="0" smtClean="0">
+                <a:ln>
+                  <a:noFill/>
+                </a:ln>
+                <a:solidFill>
+                  <a:srgbClr val="006000"/>
+                </a:solidFill>
+                <a:effectLst/>
+                <a:latin typeface="Arial Unicode MS" panose="020B0604020202020204" pitchFamily="34" charset="-122"/>
+              </a:rPr>
+              <a:t>android {</a:t>
+            </a:r>
+            <a:r>
+              <a:rPr kumimoji="0" lang="zh-CN" altLang="zh-CN" sz="1600" b="0" i="0" u="none" strike="noStrike" cap="none" normalizeH="0" baseline="0" dirty="0" smtClean="0">
+                <a:ln>
+                  <a:noFill/>
+                </a:ln>
+                <a:solidFill>
+                  <a:schemeClr val="tx1"/>
+                </a:solidFill>
+                <a:effectLst/>
+              </a:rPr>
+              <a:t/>
+            </a:r>
+            <a:br>
+              <a:rPr kumimoji="0" lang="zh-CN" altLang="zh-CN" sz="1600" b="0" i="0" u="none" strike="noStrike" cap="none" normalizeH="0" baseline="0" dirty="0" smtClean="0">
+                <a:ln>
+                  <a:noFill/>
+                </a:ln>
+                <a:solidFill>
+                  <a:schemeClr val="tx1"/>
+                </a:solidFill>
+                <a:effectLst/>
+              </a:rPr>
+            </a:br>
+            <a:r>
+              <a:rPr kumimoji="0" lang="zh-CN" altLang="zh-CN" sz="1600" b="0" i="0" u="none" strike="noStrike" cap="none" normalizeH="0" baseline="0" dirty="0" smtClean="0">
+                <a:ln>
+                  <a:noFill/>
+                </a:ln>
+                <a:solidFill>
+                  <a:srgbClr val="006000"/>
+                </a:solidFill>
+                <a:effectLst/>
+                <a:latin typeface="Arial Unicode MS" panose="020B0604020202020204" pitchFamily="34" charset="-122"/>
+              </a:rPr>
+              <a:t>    buildTypes {</a:t>
+            </a:r>
+            <a:r>
+              <a:rPr kumimoji="0" lang="zh-CN" altLang="zh-CN" sz="1600" b="0" i="0" u="none" strike="noStrike" cap="none" normalizeH="0" baseline="0" dirty="0" smtClean="0">
+                <a:ln>
+                  <a:noFill/>
+                </a:ln>
+                <a:solidFill>
+                  <a:schemeClr val="tx1"/>
+                </a:solidFill>
+                <a:effectLst/>
+              </a:rPr>
+              <a:t/>
+            </a:r>
+            <a:br>
+              <a:rPr kumimoji="0" lang="zh-CN" altLang="zh-CN" sz="1600" b="0" i="0" u="none" strike="noStrike" cap="none" normalizeH="0" baseline="0" dirty="0" smtClean="0">
+                <a:ln>
+                  <a:noFill/>
+                </a:ln>
+                <a:solidFill>
+                  <a:schemeClr val="tx1"/>
+                </a:solidFill>
+                <a:effectLst/>
+              </a:rPr>
+            </a:br>
+            <a:r>
+              <a:rPr kumimoji="0" lang="zh-CN" altLang="zh-CN" sz="1600" b="0" i="0" u="none" strike="noStrike" cap="none" normalizeH="0" baseline="0" dirty="0" smtClean="0">
+                <a:ln>
+                  <a:noFill/>
+                </a:ln>
+                <a:solidFill>
+                  <a:srgbClr val="006000"/>
+                </a:solidFill>
+                <a:effectLst/>
+                <a:latin typeface="Arial Unicode MS" panose="020B0604020202020204" pitchFamily="34" charset="-122"/>
+              </a:rPr>
+              <a:t>        debug {</a:t>
+            </a:r>
+            <a:r>
+              <a:rPr kumimoji="0" lang="zh-CN" altLang="zh-CN" sz="1600" b="0" i="0" u="none" strike="noStrike" cap="none" normalizeH="0" baseline="0" dirty="0" smtClean="0">
+                <a:ln>
+                  <a:noFill/>
+                </a:ln>
+                <a:solidFill>
+                  <a:schemeClr val="tx1"/>
+                </a:solidFill>
+                <a:effectLst/>
+              </a:rPr>
+              <a:t/>
+            </a:r>
+            <a:br>
+              <a:rPr kumimoji="0" lang="zh-CN" altLang="zh-CN" sz="1600" b="0" i="0" u="none" strike="noStrike" cap="none" normalizeH="0" baseline="0" dirty="0" smtClean="0">
+                <a:ln>
+                  <a:noFill/>
+                </a:ln>
+                <a:solidFill>
+                  <a:schemeClr val="tx1"/>
+                </a:solidFill>
+                <a:effectLst/>
+              </a:rPr>
+            </a:br>
+            <a:r>
+              <a:rPr kumimoji="0" lang="zh-CN" altLang="zh-CN" sz="1600" b="0" i="0" u="none" strike="noStrike" cap="none" normalizeH="0" baseline="0" dirty="0" smtClean="0">
+                <a:ln>
+                  <a:noFill/>
+                </a:ln>
+                <a:solidFill>
+                  <a:srgbClr val="006000"/>
+                </a:solidFill>
+                <a:effectLst/>
+                <a:latin typeface="Arial Unicode MS" panose="020B0604020202020204" pitchFamily="34" charset="-122"/>
+              </a:rPr>
+              <a:t>            applicationIdSuffix ".debug"</a:t>
+            </a:r>
+            <a:r>
+              <a:rPr kumimoji="0" lang="zh-CN" altLang="zh-CN" sz="1600" b="0" i="0" u="none" strike="noStrike" cap="none" normalizeH="0" baseline="0" dirty="0" smtClean="0">
+                <a:ln>
+                  <a:noFill/>
+                </a:ln>
+                <a:solidFill>
+                  <a:schemeClr val="tx1"/>
+                </a:solidFill>
+                <a:effectLst/>
+              </a:rPr>
+              <a:t/>
+            </a:r>
+            <a:br>
+              <a:rPr kumimoji="0" lang="zh-CN" altLang="zh-CN" sz="1600" b="0" i="0" u="none" strike="noStrike" cap="none" normalizeH="0" baseline="0" dirty="0" smtClean="0">
+                <a:ln>
+                  <a:noFill/>
+                </a:ln>
+                <a:solidFill>
+                  <a:schemeClr val="tx1"/>
+                </a:solidFill>
+                <a:effectLst/>
+              </a:rPr>
+            </a:br>
+            <a:r>
+              <a:rPr kumimoji="0" lang="zh-CN" altLang="zh-CN" sz="1600" b="0" i="0" u="none" strike="noStrike" cap="none" normalizeH="0" baseline="0" dirty="0" smtClean="0">
+                <a:ln>
+                  <a:noFill/>
+                </a:ln>
+                <a:solidFill>
+                  <a:srgbClr val="006000"/>
+                </a:solidFill>
+                <a:effectLst/>
+                <a:latin typeface="Arial Unicode MS" panose="020B0604020202020204" pitchFamily="34" charset="-122"/>
+              </a:rPr>
+              <a:t>        }</a:t>
+            </a:r>
+            <a:endParaRPr kumimoji="0" lang="en-US" altLang="zh-CN" sz="1600" b="0" i="0" u="none" strike="noStrike" cap="none" normalizeH="0" baseline="0" dirty="0" smtClean="0">
+              <a:ln>
+                <a:noFill/>
+              </a:ln>
+              <a:solidFill>
+                <a:srgbClr val="006000"/>
+              </a:solidFill>
+              <a:effectLst/>
+              <a:latin typeface="Arial Unicode MS" panose="020B0604020202020204" pitchFamily="34" charset="-122"/>
+            </a:endParaRPr>
+          </a:p>
+          <a:p>
+            <a:pPr marL="0" lvl="0" indent="0">
+              <a:lnSpc>
+                <a:spcPct val="100000"/>
+              </a:lnSpc>
+              <a:buClrTx/>
+              <a:buNone/>
+            </a:pPr>
+            <a:r>
+              <a:rPr kumimoji="0" lang="zh-CN" altLang="zh-CN" sz="1600" b="0" i="0" u="none" strike="noStrike" cap="none" normalizeH="0" baseline="0" dirty="0" smtClean="0">
+                <a:ln>
+                  <a:noFill/>
+                </a:ln>
+                <a:solidFill>
+                  <a:schemeClr val="tx1"/>
+                </a:solidFill>
+                <a:effectLst/>
+              </a:rPr>
+              <a:t/>
+            </a:r>
+            <a:br>
+              <a:rPr kumimoji="0" lang="zh-CN" altLang="zh-CN" sz="1600" b="0" i="0" u="none" strike="noStrike" cap="none" normalizeH="0" baseline="0" dirty="0" smtClean="0">
+                <a:ln>
+                  <a:noFill/>
+                </a:ln>
+                <a:solidFill>
+                  <a:schemeClr val="tx1"/>
+                </a:solidFill>
+                <a:effectLst/>
+              </a:rPr>
+            </a:br>
+            <a:r>
+              <a:rPr kumimoji="0" lang="zh-CN" altLang="zh-CN" sz="1600" b="0" i="0" u="none" strike="noStrike" cap="none" normalizeH="0" baseline="0" dirty="0" smtClean="0">
+                <a:ln>
+                  <a:noFill/>
+                </a:ln>
+                <a:solidFill>
+                  <a:srgbClr val="006000"/>
+                </a:solidFill>
+                <a:effectLst/>
+                <a:latin typeface="Arial Unicode MS" panose="020B0604020202020204" pitchFamily="34" charset="-122"/>
+              </a:rPr>
+              <a:t>        </a:t>
+            </a:r>
+            <a:r>
+              <a:rPr lang="en-US" altLang="zh-CN" sz="1600" cap="none" dirty="0" err="1">
+                <a:solidFill>
+                  <a:srgbClr val="006000"/>
+                </a:solidFill>
+                <a:latin typeface="Arial Unicode MS" panose="020B0604020202020204" pitchFamily="34" charset="-122"/>
+              </a:rPr>
+              <a:t>debug_ant</a:t>
+            </a:r>
+            <a:r>
+              <a:rPr lang="en-US" altLang="zh-CN" sz="1600" cap="none" dirty="0">
+                <a:solidFill>
+                  <a:srgbClr val="006000"/>
+                </a:solidFill>
+                <a:latin typeface="Arial Unicode MS" panose="020B0604020202020204" pitchFamily="34" charset="-122"/>
+              </a:rPr>
+              <a:t> {</a:t>
+            </a:r>
+          </a:p>
+          <a:p>
+            <a:pPr marL="0" lvl="0" indent="0">
+              <a:lnSpc>
+                <a:spcPct val="100000"/>
+              </a:lnSpc>
+              <a:buClrTx/>
+              <a:buNone/>
+            </a:pPr>
+            <a:r>
+              <a:rPr lang="en-US" altLang="zh-CN" sz="1600" cap="none" dirty="0">
+                <a:solidFill>
+                  <a:srgbClr val="006000"/>
+                </a:solidFill>
+                <a:latin typeface="Arial Unicode MS" panose="020B0604020202020204" pitchFamily="34" charset="-122"/>
+              </a:rPr>
+              <a:t>            </a:t>
+            </a:r>
+            <a:r>
+              <a:rPr lang="en-US" altLang="zh-CN" sz="1600" cap="none" dirty="0" err="1">
+                <a:solidFill>
+                  <a:srgbClr val="006000"/>
+                </a:solidFill>
+                <a:latin typeface="Arial Unicode MS" panose="020B0604020202020204" pitchFamily="34" charset="-122"/>
+              </a:rPr>
+              <a:t>initWith</a:t>
+            </a:r>
+            <a:r>
+              <a:rPr lang="en-US" altLang="zh-CN" sz="1600" cap="none" dirty="0">
+                <a:solidFill>
+                  <a:srgbClr val="006000"/>
+                </a:solidFill>
+                <a:latin typeface="Arial Unicode MS" panose="020B0604020202020204" pitchFamily="34" charset="-122"/>
+              </a:rPr>
+              <a:t>(</a:t>
+            </a:r>
+            <a:r>
+              <a:rPr lang="en-US" altLang="zh-CN" sz="1600" cap="none" dirty="0" err="1">
+                <a:solidFill>
+                  <a:srgbClr val="006000"/>
+                </a:solidFill>
+                <a:latin typeface="Arial Unicode MS" panose="020B0604020202020204" pitchFamily="34" charset="-122"/>
+              </a:rPr>
+              <a:t>buildTypes.debug</a:t>
+            </a:r>
+            <a:r>
+              <a:rPr lang="en-US" altLang="zh-CN" sz="1600" cap="none" dirty="0">
+                <a:solidFill>
+                  <a:srgbClr val="006000"/>
+                </a:solidFill>
+                <a:latin typeface="Arial Unicode MS" panose="020B0604020202020204" pitchFamily="34" charset="-122"/>
+              </a:rPr>
+              <a:t>)</a:t>
+            </a:r>
+          </a:p>
+          <a:p>
+            <a:pPr marL="0" lvl="0" indent="0">
+              <a:lnSpc>
+                <a:spcPct val="100000"/>
+              </a:lnSpc>
+              <a:buClrTx/>
+              <a:buNone/>
+            </a:pPr>
+            <a:r>
+              <a:rPr lang="en-US" altLang="zh-CN" sz="1600" cap="none" dirty="0">
+                <a:solidFill>
+                  <a:srgbClr val="006000"/>
+                </a:solidFill>
+                <a:latin typeface="Arial Unicode MS" panose="020B0604020202020204" pitchFamily="34" charset="-122"/>
+              </a:rPr>
+              <a:t>            </a:t>
+            </a:r>
+            <a:r>
+              <a:rPr lang="en-US" altLang="zh-CN" sz="1600" cap="none" dirty="0" err="1">
+                <a:solidFill>
+                  <a:srgbClr val="006000"/>
+                </a:solidFill>
+                <a:latin typeface="Arial Unicode MS" panose="020B0604020202020204" pitchFamily="34" charset="-122"/>
+              </a:rPr>
+              <a:t>applicationIdSuffix</a:t>
+            </a:r>
+            <a:r>
+              <a:rPr lang="en-US" altLang="zh-CN" sz="1600" cap="none" dirty="0">
+                <a:solidFill>
+                  <a:srgbClr val="006000"/>
+                </a:solidFill>
+                <a:latin typeface="Arial Unicode MS" panose="020B0604020202020204" pitchFamily="34" charset="-122"/>
+              </a:rPr>
+              <a:t> ".ant"</a:t>
+            </a:r>
+          </a:p>
+          <a:p>
+            <a:pPr marL="0" lvl="0" indent="0">
+              <a:lnSpc>
+                <a:spcPct val="100000"/>
+              </a:lnSpc>
+              <a:buClrTx/>
+              <a:buNone/>
+            </a:pPr>
+            <a:r>
+              <a:rPr lang="en-US" altLang="zh-CN" sz="1600" cap="none" dirty="0">
+                <a:solidFill>
+                  <a:srgbClr val="006000"/>
+                </a:solidFill>
+                <a:latin typeface="Arial Unicode MS" panose="020B0604020202020204" pitchFamily="34" charset="-122"/>
+              </a:rPr>
+              <a:t>        }</a:t>
+            </a:r>
+            <a:r>
+              <a:rPr kumimoji="0" lang="zh-CN" altLang="zh-CN" sz="1600" b="0" i="0" u="none" strike="noStrike" cap="none" normalizeH="0" baseline="0" dirty="0" smtClean="0">
+                <a:ln>
+                  <a:noFill/>
+                </a:ln>
+                <a:solidFill>
+                  <a:srgbClr val="006000"/>
+                </a:solidFill>
+                <a:effectLst/>
+                <a:latin typeface="Arial Unicode MS" panose="020B0604020202020204" pitchFamily="34" charset="-122"/>
+              </a:rPr>
+              <a:t>   </a:t>
+            </a:r>
+            <a:endParaRPr kumimoji="0" lang="en-US" altLang="zh-CN" sz="1600" b="0" i="0" u="none" strike="noStrike" cap="none" normalizeH="0" baseline="0" dirty="0" smtClean="0">
+              <a:ln>
+                <a:noFill/>
+              </a:ln>
+              <a:solidFill>
+                <a:srgbClr val="006000"/>
+              </a:solidFill>
+              <a:effectLst/>
+              <a:latin typeface="Arial Unicode MS" panose="020B0604020202020204" pitchFamily="34" charset="-122"/>
+            </a:endParaRPr>
+          </a:p>
+          <a:p>
+            <a:pPr marL="0" lvl="0" indent="0">
+              <a:lnSpc>
+                <a:spcPct val="100000"/>
+              </a:lnSpc>
+              <a:buClrTx/>
+              <a:buNone/>
+            </a:pPr>
+            <a:r>
+              <a:rPr kumimoji="0" lang="zh-CN" altLang="zh-CN" sz="1600" b="0" i="0" u="none" strike="noStrike" cap="none" normalizeH="0" baseline="0" dirty="0" smtClean="0">
+                <a:ln>
+                  <a:noFill/>
+                </a:ln>
+                <a:solidFill>
+                  <a:srgbClr val="006000"/>
+                </a:solidFill>
+                <a:effectLst/>
+                <a:latin typeface="Arial Unicode MS" panose="020B0604020202020204" pitchFamily="34" charset="-122"/>
+              </a:rPr>
+              <a:t> </a:t>
+            </a:r>
+            <a:r>
+              <a:rPr lang="en-US" altLang="zh-CN" sz="1600" cap="none" dirty="0">
+                <a:solidFill>
+                  <a:srgbClr val="006000"/>
+                </a:solidFill>
+                <a:latin typeface="Arial Unicode MS" panose="020B0604020202020204" pitchFamily="34" charset="-122"/>
+              </a:rPr>
+              <a:t> </a:t>
+            </a:r>
+            <a:r>
+              <a:rPr lang="en-US" altLang="zh-CN" sz="1600" cap="none" dirty="0" smtClean="0">
+                <a:solidFill>
+                  <a:srgbClr val="006000"/>
+                </a:solidFill>
+                <a:latin typeface="Arial Unicode MS" panose="020B0604020202020204" pitchFamily="34" charset="-122"/>
+              </a:rPr>
+              <a:t>  </a:t>
+            </a:r>
+            <a:r>
+              <a:rPr kumimoji="0" lang="zh-CN" altLang="zh-CN" sz="1600" b="0" i="0" u="none" strike="noStrike" cap="none" normalizeH="0" baseline="0" dirty="0" smtClean="0">
+                <a:ln>
+                  <a:noFill/>
+                </a:ln>
+                <a:solidFill>
+                  <a:srgbClr val="006000"/>
+                </a:solidFill>
+                <a:effectLst/>
+                <a:latin typeface="Arial Unicode MS" panose="020B0604020202020204" pitchFamily="34" charset="-122"/>
+              </a:rPr>
+              <a:t>}</a:t>
+            </a:r>
+            <a:r>
+              <a:rPr kumimoji="0" lang="zh-CN" altLang="zh-CN" sz="1600" b="0" i="0" u="none" strike="noStrike" cap="none" normalizeH="0" baseline="0" dirty="0" smtClean="0">
+                <a:ln>
+                  <a:noFill/>
+                </a:ln>
+                <a:solidFill>
+                  <a:schemeClr val="tx1"/>
+                </a:solidFill>
+                <a:effectLst/>
+              </a:rPr>
+              <a:t/>
+            </a:r>
+            <a:br>
+              <a:rPr kumimoji="0" lang="zh-CN" altLang="zh-CN" sz="1600" b="0" i="0" u="none" strike="noStrike" cap="none" normalizeH="0" baseline="0" dirty="0" smtClean="0">
+                <a:ln>
+                  <a:noFill/>
+                </a:ln>
+                <a:solidFill>
+                  <a:schemeClr val="tx1"/>
+                </a:solidFill>
+                <a:effectLst/>
+              </a:rPr>
+            </a:br>
+            <a:r>
+              <a:rPr kumimoji="0" lang="zh-CN" altLang="zh-CN" sz="1600" b="0" i="0" u="none" strike="noStrike" cap="none" normalizeH="0" baseline="0" dirty="0" smtClean="0">
+                <a:ln>
+                  <a:noFill/>
+                </a:ln>
+                <a:solidFill>
+                  <a:srgbClr val="006000"/>
+                </a:solidFill>
+                <a:effectLst/>
+                <a:latin typeface="Arial Unicode MS" panose="020B0604020202020204" pitchFamily="34" charset="-122"/>
+              </a:rPr>
+              <a:t>}</a:t>
+            </a:r>
+            <a:r>
+              <a:rPr kumimoji="0" lang="zh-CN" altLang="zh-CN" sz="1600" b="0" i="0" u="none" strike="noStrike" cap="none" normalizeH="0" baseline="0" dirty="0" smtClean="0">
+                <a:ln>
+                  <a:noFill/>
+                </a:ln>
+                <a:solidFill>
+                  <a:schemeClr val="tx1"/>
+                </a:solidFill>
+                <a:effectLst/>
+              </a:rPr>
+              <a:t> </a:t>
+            </a:r>
+          </a:p>
+        </p:txBody>
+      </p:sp>
+      <p:sp>
+        <p:nvSpPr>
+          <p:cNvPr id="5" name="文本框 4"/>
+          <p:cNvSpPr txBox="1"/>
+          <p:nvPr/>
+        </p:nvSpPr>
+        <p:spPr>
+          <a:xfrm>
+            <a:off x="5683827" y="1943099"/>
+            <a:ext cx="2140527" cy="3139321"/>
+          </a:xfrm>
+          <a:prstGeom prst="rect">
+            <a:avLst/>
+          </a:prstGeom>
+          <a:noFill/>
+        </p:spPr>
+        <p:txBody>
+          <a:bodyPr wrap="square" rtlCol="0">
+            <a:spAutoFit/>
+          </a:bodyPr>
+          <a:lstStyle/>
+          <a:p>
+            <a:r>
+              <a:rPr lang="en-US" altLang="zh-CN" dirty="0" err="1" smtClean="0"/>
+              <a:t>AndroidTest</a:t>
+            </a:r>
+            <a:endParaRPr lang="en-US" altLang="zh-CN" dirty="0" smtClean="0"/>
+          </a:p>
+          <a:p>
+            <a:r>
+              <a:rPr lang="en-US" altLang="zh-CN" dirty="0"/>
+              <a:t>m</a:t>
+            </a:r>
+            <a:r>
+              <a:rPr lang="en-US" altLang="zh-CN" dirty="0" smtClean="0"/>
+              <a:t>ain</a:t>
+            </a:r>
+          </a:p>
+          <a:p>
+            <a:r>
+              <a:rPr lang="en-US" altLang="zh-CN" dirty="0" smtClean="0"/>
+              <a:t>Debug</a:t>
+            </a:r>
+          </a:p>
+          <a:p>
+            <a:r>
+              <a:rPr lang="en-US" altLang="zh-CN" dirty="0" smtClean="0"/>
+              <a:t>Release</a:t>
+            </a:r>
+          </a:p>
+          <a:p>
+            <a:r>
+              <a:rPr lang="en-US" altLang="zh-CN" dirty="0"/>
+              <a:t>t</a:t>
+            </a:r>
+            <a:r>
+              <a:rPr lang="en-US" altLang="zh-CN" dirty="0" smtClean="0"/>
+              <a:t>est</a:t>
+            </a:r>
+          </a:p>
+          <a:p>
+            <a:r>
+              <a:rPr lang="en-US" altLang="zh-CN" dirty="0" err="1" smtClean="0"/>
+              <a:t>testDebug</a:t>
+            </a:r>
+            <a:endParaRPr lang="en-US" altLang="zh-CN" dirty="0" smtClean="0"/>
+          </a:p>
+          <a:p>
+            <a:r>
+              <a:rPr lang="en-US" altLang="zh-CN" dirty="0" err="1" smtClean="0"/>
+              <a:t>testRelease</a:t>
+            </a:r>
+            <a:endParaRPr lang="en-US" altLang="zh-CN" dirty="0" smtClean="0"/>
+          </a:p>
+          <a:p>
+            <a:endParaRPr lang="en-US" altLang="zh-CN" dirty="0" smtClean="0"/>
+          </a:p>
+          <a:p>
+            <a:endParaRPr lang="en-US" altLang="zh-CN" dirty="0" smtClean="0"/>
+          </a:p>
+          <a:p>
+            <a:r>
+              <a:rPr lang="en-US" altLang="zh-CN" dirty="0" err="1"/>
+              <a:t>d</a:t>
+            </a:r>
+            <a:r>
+              <a:rPr lang="en-US" altLang="zh-CN" dirty="0" err="1" smtClean="0"/>
+              <a:t>ebug_ant</a:t>
+            </a:r>
+            <a:endParaRPr lang="en-US" altLang="zh-CN" dirty="0" smtClean="0"/>
+          </a:p>
+          <a:p>
+            <a:r>
+              <a:rPr lang="en-US" altLang="zh-CN" dirty="0" err="1" smtClean="0"/>
+              <a:t>testDebug_ant</a:t>
+            </a:r>
+            <a:endParaRPr lang="zh-CN" altLang="en-US" dirty="0"/>
+          </a:p>
+        </p:txBody>
+      </p:sp>
+    </p:spTree>
+    <p:extLst>
+      <p:ext uri="{BB962C8B-B14F-4D97-AF65-F5344CB8AC3E}">
+        <p14:creationId xmlns:p14="http://schemas.microsoft.com/office/powerpoint/2010/main" val="696472928"/>
+      </p:ext>
+    </p:extLst>
+  </p:cSld>
+  <p:clrMapOvr>
+    <a:masterClrMapping/>
+  </p:clrMapOvr>
+</p:sld>
+</file>
+
+<file path=ppt/slides/slide15.xml><?xml version="1.0" encoding="utf-8"?>
+<p:sld xmlns:a="http://schemas.openxmlformats.org/drawingml/2006/main" xmlns:r="http://schemas.openxmlformats.org/officeDocument/2006/relationships" xmlns:p="http://schemas.openxmlformats.org/presentationml/2006/main">
+  <p:cSld>
+    <p:spTree>
+      <p:nvGrpSpPr>
+        <p:cNvPr id="1" name=""/>
+        <p:cNvGrpSpPr/>
+        <p:nvPr/>
+      </p:nvGrpSpPr>
+      <p:grpSpPr>
+        <a:xfrm>
+          <a:off x="0" y="0"/>
+          <a:ext cx="0" cy="0"/>
+          <a:chOff x="0" y="0"/>
+          <a:chExt cx="0" cy="0"/>
+        </a:xfrm>
+      </p:grpSpPr>
+      <p:sp>
+        <p:nvSpPr>
+          <p:cNvPr id="2" name="标题 1"/>
+          <p:cNvSpPr>
+            <a:spLocks noGrp="1"/>
+          </p:cNvSpPr>
+          <p:nvPr>
+            <p:ph type="title"/>
+          </p:nvPr>
+        </p:nvSpPr>
+        <p:spPr/>
+        <p:txBody>
+          <a:bodyPr/>
+          <a:lstStyle/>
+          <a:p>
+            <a:endParaRPr lang="zh-CN" altLang="en-US"/>
+          </a:p>
+        </p:txBody>
+      </p:sp>
+      <p:sp>
+        <p:nvSpPr>
+          <p:cNvPr id="3" name="内容占位符 2"/>
+          <p:cNvSpPr>
+            <a:spLocks noGrp="1"/>
+          </p:cNvSpPr>
+          <p:nvPr>
+            <p:ph sz="quarter" idx="13"/>
+          </p:nvPr>
+        </p:nvSpPr>
+        <p:spPr/>
+        <p:txBody>
+          <a:bodyPr/>
+          <a:lstStyle/>
+          <a:p>
+            <a:endParaRPr lang="zh-CN" altLang="en-US"/>
+          </a:p>
+        </p:txBody>
+      </p:sp>
+    </p:spTree>
+    <p:extLst>
+      <p:ext uri="{BB962C8B-B14F-4D97-AF65-F5344CB8AC3E}">
+        <p14:creationId xmlns:p14="http://schemas.microsoft.com/office/powerpoint/2010/main" val="4150113846"/>
+      </p:ext>
+    </p:extLst>
+  </p:cSld>
+  <p:clrMapOvr>
+    <a:masterClrMapping/>
+  </p:clrMapOvr>
+</p:sld>
+</file>
+
+<file path=ppt/slides/slide16.xml><?xml version="1.0" encoding="utf-8"?>
+<p:sld xmlns:a="http://schemas.openxmlformats.org/drawingml/2006/main" xmlns:r="http://schemas.openxmlformats.org/officeDocument/2006/relationships" xmlns:p="http://schemas.openxmlformats.org/presentationml/2006/main">
+  <p:cSld>
+    <p:spTree>
+      <p:nvGrpSpPr>
+        <p:cNvPr id="1" name=""/>
+        <p:cNvGrpSpPr/>
+        <p:nvPr/>
+      </p:nvGrpSpPr>
+      <p:grpSpPr>
+        <a:xfrm>
+          <a:off x="0" y="0"/>
+          <a:ext cx="0" cy="0"/>
+          <a:chOff x="0" y="0"/>
+          <a:chExt cx="0" cy="0"/>
+        </a:xfrm>
+      </p:grpSpPr>
+      <p:sp>
+        <p:nvSpPr>
+          <p:cNvPr id="5" name="标题 4"/>
+          <p:cNvSpPr>
+            <a:spLocks noGrp="1"/>
+          </p:cNvSpPr>
+          <p:nvPr>
+            <p:ph type="title"/>
+          </p:nvPr>
+        </p:nvSpPr>
+        <p:spPr/>
+        <p:txBody>
+          <a:bodyPr/>
+          <a:lstStyle/>
+          <a:p>
+            <a:r>
+              <a:rPr lang="en-US" altLang="zh-CN" cap="none" dirty="0" smtClean="0"/>
+              <a:t>References</a:t>
+            </a:r>
+            <a:endParaRPr lang="zh-CN" altLang="en-US" cap="none" dirty="0"/>
+          </a:p>
+        </p:txBody>
+      </p:sp>
+      <p:sp>
+        <p:nvSpPr>
+          <p:cNvPr id="3" name="内容占位符 2"/>
+          <p:cNvSpPr>
+            <a:spLocks noGrp="1"/>
+          </p:cNvSpPr>
+          <p:nvPr>
+            <p:ph sz="quarter" idx="13"/>
+          </p:nvPr>
+        </p:nvSpPr>
+        <p:spPr/>
+        <p:txBody>
+          <a:bodyPr/>
+          <a:lstStyle/>
+          <a:p>
+            <a:r>
+              <a:rPr lang="en-US" altLang="zh-CN" cap="none" dirty="0">
+                <a:hlinkClick r:id="rId2"/>
+              </a:rPr>
+              <a:t>https://</a:t>
+            </a:r>
+            <a:r>
+              <a:rPr lang="en-US" altLang="zh-CN" cap="none" dirty="0" smtClean="0">
+                <a:hlinkClick r:id="rId2"/>
+              </a:rPr>
+              <a:t>docs.gradle.org/current/userguide/userguide</a:t>
+            </a:r>
+            <a:endParaRPr lang="en-US" altLang="zh-CN" cap="none" dirty="0" smtClean="0">
+              <a:hlinkClick r:id="rId3"/>
+            </a:endParaRPr>
+          </a:p>
+          <a:p>
+            <a:r>
+              <a:rPr lang="en-US" altLang="zh-CN" cap="none" dirty="0" smtClean="0">
+                <a:hlinkClick r:id="rId3"/>
+              </a:rPr>
+              <a:t>http</a:t>
+            </a:r>
+            <a:r>
+              <a:rPr lang="en-US" altLang="zh-CN" cap="none" dirty="0">
+                <a:hlinkClick r:id="rId3"/>
+              </a:rPr>
+              <a:t>://</a:t>
+            </a:r>
+            <a:r>
+              <a:rPr lang="en-US" altLang="zh-CN" cap="none" dirty="0" smtClean="0">
+                <a:hlinkClick r:id="rId3"/>
+              </a:rPr>
+              <a:t>tools.android.com/tech-docs/new-build-system/user-guide</a:t>
+            </a:r>
+            <a:endParaRPr lang="en-US" altLang="zh-CN" cap="none" dirty="0" smtClean="0"/>
+          </a:p>
+          <a:p>
+            <a:r>
+              <a:rPr lang="en-US" altLang="zh-CN" cap="none" dirty="0" smtClean="0">
+                <a:hlinkClick r:id="rId4"/>
+              </a:rPr>
+              <a:t>https</a:t>
+            </a:r>
+            <a:r>
+              <a:rPr lang="en-US" altLang="zh-CN" cap="none" dirty="0">
+                <a:hlinkClick r:id="rId4"/>
+              </a:rPr>
+              <a:t>://technologyconversations.com/2014/06/18/build-tools</a:t>
+            </a:r>
+            <a:r>
+              <a:rPr lang="en-US" altLang="zh-CN" cap="none" dirty="0" smtClean="0">
+                <a:hlinkClick r:id="rId4"/>
+              </a:rPr>
+              <a:t>/</a:t>
+            </a:r>
+            <a:endParaRPr lang="en-US" altLang="zh-CN" cap="none" dirty="0" smtClean="0"/>
+          </a:p>
+          <a:p>
+            <a:r>
+              <a:rPr lang="en-US" altLang="zh-CN" cap="none" dirty="0">
+                <a:hlinkClick r:id="rId5"/>
+              </a:rPr>
+              <a:t>https://</a:t>
+            </a:r>
+            <a:r>
+              <a:rPr lang="en-US" altLang="zh-CN" cap="none" dirty="0" smtClean="0">
+                <a:hlinkClick r:id="rId5"/>
+              </a:rPr>
+              <a:t>code.google.com/p/android/issues/detail?id=180674</a:t>
+            </a:r>
+            <a:endParaRPr lang="en-US" altLang="zh-CN" cap="none" dirty="0" smtClean="0"/>
+          </a:p>
+          <a:p>
+            <a:r>
+              <a:rPr lang="en-US" altLang="zh-CN" cap="none" dirty="0">
+                <a:hlinkClick r:id="rId6"/>
+              </a:rPr>
+              <a:t>https://</a:t>
+            </a:r>
+            <a:r>
+              <a:rPr lang="en-US" altLang="zh-CN" cap="none" dirty="0" smtClean="0">
+                <a:hlinkClick r:id="rId6"/>
+              </a:rPr>
+              <a:t>developer.android.com/studio/releases/gradle-plugin.html#revisions</a:t>
+            </a:r>
+            <a:endParaRPr lang="en-US" altLang="zh-CN" cap="none" dirty="0" smtClean="0"/>
+          </a:p>
+          <a:p>
+            <a:endParaRPr lang="en-US" altLang="zh-CN" cap="none" dirty="0"/>
+          </a:p>
+          <a:p>
+            <a:endParaRPr lang="zh-CN" altLang="en-US" cap="none" dirty="0"/>
+          </a:p>
+        </p:txBody>
+      </p:sp>
+    </p:spTree>
+    <p:extLst>
+      <p:ext uri="{BB962C8B-B14F-4D97-AF65-F5344CB8AC3E}">
+        <p14:creationId xmlns:p14="http://schemas.microsoft.com/office/powerpoint/2010/main" val="1746132094"/>
       </p:ext>
     </p:extLst>
   </p:cSld>
@@ -6145,7 +7908,7 @@
       </p:grpSpPr>
       <p:sp>
         <p:nvSpPr>
-          <p:cNvPr id="2" name="标题 1"/>
+          <p:cNvPr id="6" name="标题 5"/>
           <p:cNvSpPr>
             <a:spLocks noGrp="1"/>
           </p:cNvSpPr>
@@ -6158,18 +7921,22 @@
           <a:bodyPr/>
           <a:lstStyle/>
           <a:p>
+            <a:r>
+              <a:rPr lang="zh-CN" altLang="en-US" dirty="0" smtClean="0"/>
+              <a:t>一、基本概念</a:t>
+            </a:r>
             <a:endParaRPr lang="zh-CN" altLang="en-US" dirty="0"/>
           </a:p>
         </p:txBody>
       </p:sp>
       <p:sp>
         <p:nvSpPr>
-          <p:cNvPr id="3" name="内容占位符 2"/>
-          <p:cNvSpPr>
-            <a:spLocks noGrp="1"/>
-          </p:cNvSpPr>
-          <p:nvPr>
-            <p:ph sz="quarter" idx="13"/>
+          <p:cNvPr id="7" name="文本占位符 6"/>
+          <p:cNvSpPr>
+            <a:spLocks noGrp="1"/>
+          </p:cNvSpPr>
+          <p:nvPr>
+            <p:ph type="body" idx="1"/>
           </p:nvPr>
         </p:nvSpPr>
         <p:spPr/>
@@ -6177,39 +7944,14 @@
           <a:bodyPr/>
           <a:lstStyle/>
           <a:p>
-            <a:r>
-              <a:rPr lang="zh-CN" altLang="en-US" dirty="0"/>
-              <a:t>创世之</a:t>
-            </a:r>
-            <a:r>
-              <a:rPr lang="zh-CN" altLang="en-US" dirty="0" smtClean="0"/>
-              <a:t>初，只有</a:t>
-            </a:r>
-            <a:r>
-              <a:rPr lang="en-US" altLang="zh-CN" dirty="0" smtClean="0"/>
-              <a:t>Make</a:t>
-            </a:r>
-          </a:p>
-          <a:p>
-            <a:endParaRPr lang="en-US" altLang="zh-CN" dirty="0"/>
-          </a:p>
-          <a:p>
-            <a:r>
-              <a:rPr lang="en-US" altLang="zh-CN" cap="none" dirty="0" err="1" smtClean="0"/>
-              <a:t>Gradle</a:t>
-            </a:r>
-            <a:r>
-              <a:rPr lang="en-US" altLang="zh-CN" cap="none" dirty="0" smtClean="0"/>
-              <a:t> follows the concept of convention over configuration</a:t>
-            </a:r>
-            <a:endParaRPr lang="zh-CN" altLang="en-US" cap="none" dirty="0"/>
+            <a:endParaRPr lang="zh-CN" altLang="en-US" dirty="0"/>
           </a:p>
         </p:txBody>
       </p:sp>
     </p:spTree>
     <p:extLst>
       <p:ext uri="{BB962C8B-B14F-4D97-AF65-F5344CB8AC3E}">
-        <p14:creationId xmlns:p14="http://schemas.microsoft.com/office/powerpoint/2010/main" val="3165620994"/>
+        <p14:creationId xmlns:p14="http://schemas.microsoft.com/office/powerpoint/2010/main" val="2153179982"/>
       </p:ext>
     </p:extLst>
   </p:cSld>
@@ -6251,7 +7993,11 @@
           <a:bodyPr/>
           <a:lstStyle/>
           <a:p>
-            <a:endParaRPr lang="zh-CN" altLang="en-US"/>
+            <a:r>
+              <a:rPr lang="zh-CN" altLang="en-US" dirty="0" smtClean="0"/>
+              <a:t>起源</a:t>
+            </a:r>
+            <a:endParaRPr lang="zh-CN" altLang="en-US" dirty="0"/>
           </a:p>
         </p:txBody>
       </p:sp>
@@ -6267,37 +8013,338 @@
         </p:nvSpPr>
         <p:spPr/>
         <p:txBody>
-          <a:bodyPr/>
+          <a:bodyPr>
+            <a:normAutofit fontScale="92500"/>
+          </a:bodyPr>
           <a:lstStyle/>
           <a:p>
             <a:r>
-              <a:rPr lang="zh-CN" altLang="en-US" cap="none" dirty="0"/>
-              <a:t>最简单的</a:t>
+              <a:rPr lang="zh-CN" altLang="en-US" dirty="0"/>
+              <a:t>创世之</a:t>
+            </a:r>
+            <a:r>
+              <a:rPr lang="zh-CN" altLang="en-US" dirty="0" smtClean="0"/>
+              <a:t>初（</a:t>
+            </a:r>
+            <a:r>
+              <a:rPr lang="en-US" altLang="zh-CN" dirty="0" smtClean="0"/>
+              <a:t>1977</a:t>
+            </a:r>
+            <a:r>
+              <a:rPr lang="zh-CN" altLang="en-US" dirty="0" smtClean="0"/>
+              <a:t>），只有</a:t>
             </a:r>
             <a:r>
               <a:rPr lang="en-US" altLang="zh-CN" cap="none" dirty="0" smtClean="0"/>
-              <a:t>Android build file </a:t>
+              <a:t>Make	</a:t>
+            </a:r>
+            <a:r>
+              <a:rPr lang="en-US" altLang="zh-CN" dirty="0" smtClean="0"/>
+              <a:t>====</a:t>
+            </a:r>
+            <a:r>
+              <a:rPr lang="en-US" altLang="zh-CN" dirty="0" smtClean="0">
+                <a:sym typeface="Wingdings" panose="05000000000000000000" pitchFamily="2" charset="2"/>
+              </a:rPr>
+              <a:t> </a:t>
+            </a:r>
+            <a:r>
+              <a:rPr lang="en-US" altLang="zh-CN" cap="none" dirty="0" smtClean="0">
+                <a:sym typeface="Wingdings" panose="05000000000000000000" pitchFamily="2" charset="2"/>
+              </a:rPr>
+              <a:t>GNU </a:t>
+            </a:r>
+            <a:r>
+              <a:rPr lang="en-US" altLang="zh-CN" cap="none" dirty="0" smtClean="0">
+                <a:sym typeface="Wingdings" panose="05000000000000000000" pitchFamily="2" charset="2"/>
+              </a:rPr>
+              <a:t>M</a:t>
+            </a:r>
+            <a:r>
+              <a:rPr lang="en-US" altLang="zh-CN" cap="none" dirty="0" smtClean="0">
+                <a:sym typeface="Wingdings" panose="05000000000000000000" pitchFamily="2" charset="2"/>
+              </a:rPr>
+              <a:t>ake</a:t>
+            </a:r>
+            <a:r>
+              <a:rPr lang="zh-CN" altLang="en-US" cap="none" dirty="0" smtClean="0">
+                <a:sym typeface="Wingdings" panose="05000000000000000000" pitchFamily="2" charset="2"/>
+              </a:rPr>
+              <a:t>、</a:t>
+            </a:r>
+            <a:r>
+              <a:rPr lang="en-US" altLang="zh-CN" cap="none" dirty="0" smtClean="0">
+                <a:sym typeface="Wingdings" panose="05000000000000000000" pitchFamily="2" charset="2"/>
+              </a:rPr>
+              <a:t>BSD make</a:t>
+            </a:r>
+            <a:r>
+              <a:rPr lang="zh-CN" altLang="en-US" cap="none" dirty="0" smtClean="0">
+                <a:sym typeface="Wingdings" panose="05000000000000000000" pitchFamily="2" charset="2"/>
+              </a:rPr>
+              <a:t>、</a:t>
+            </a:r>
+            <a:r>
+              <a:rPr lang="en-US" altLang="zh-CN" cap="none" dirty="0" smtClean="0">
+                <a:sym typeface="Wingdings" panose="05000000000000000000" pitchFamily="2" charset="2"/>
+              </a:rPr>
+              <a:t>M</a:t>
+            </a:r>
+            <a:r>
+              <a:rPr lang="en-US" altLang="zh-CN" cap="none" dirty="0" smtClean="0">
+                <a:sym typeface="Wingdings" panose="05000000000000000000" pitchFamily="2" charset="2"/>
+              </a:rPr>
+              <a:t>icrosoft </a:t>
+            </a:r>
+            <a:r>
+              <a:rPr lang="en-US" altLang="zh-CN" cap="none" dirty="0" err="1" smtClean="0">
+                <a:sym typeface="Wingdings" panose="05000000000000000000" pitchFamily="2" charset="2"/>
+              </a:rPr>
+              <a:t>nMake</a:t>
+            </a:r>
+            <a:r>
+              <a:rPr lang="en-US" altLang="zh-CN" cap="none" dirty="0" smtClean="0">
+                <a:sym typeface="Wingdings" panose="05000000000000000000" pitchFamily="2" charset="2"/>
+              </a:rPr>
+              <a:t> </a:t>
+            </a:r>
+            <a:r>
+              <a:rPr lang="zh-CN" altLang="en-US" dirty="0" smtClean="0">
+                <a:sym typeface="Wingdings" panose="05000000000000000000" pitchFamily="2" charset="2"/>
+              </a:rPr>
+              <a:t>等</a:t>
+            </a:r>
+            <a:endParaRPr lang="en-US" altLang="zh-CN" dirty="0" smtClean="0"/>
+          </a:p>
+          <a:p>
+            <a:endParaRPr lang="en-US" altLang="zh-CN" dirty="0" smtClean="0"/>
+          </a:p>
+          <a:p>
+            <a:endParaRPr lang="en-US" altLang="zh-CN" dirty="0"/>
+          </a:p>
+          <a:p>
+            <a:endParaRPr lang="en-US" altLang="zh-CN" dirty="0" smtClean="0"/>
+          </a:p>
+          <a:p>
+            <a:pPr marL="457200" lvl="1" indent="0">
+              <a:buNone/>
+            </a:pPr>
+            <a:endParaRPr lang="en-US" altLang="zh-CN" dirty="0" smtClean="0"/>
+          </a:p>
+          <a:p>
+            <a:pPr marL="457200" lvl="1" indent="0">
+              <a:buNone/>
+            </a:pPr>
+            <a:endParaRPr lang="en-US" altLang="zh-CN" dirty="0"/>
+          </a:p>
+          <a:p>
+            <a:pPr marL="457200" lvl="1" indent="0">
+              <a:buNone/>
+            </a:pPr>
+            <a:r>
+              <a:rPr lang="en-US" altLang="zh-CN" cap="none" dirty="0" smtClean="0"/>
+              <a:t>Ant + Ivy</a:t>
+            </a:r>
+            <a:r>
+              <a:rPr lang="zh-CN" altLang="en-US" dirty="0" smtClean="0"/>
+              <a:t>（</a:t>
+            </a:r>
+            <a:r>
+              <a:rPr lang="en-US" altLang="zh-CN" dirty="0" smtClean="0"/>
+              <a:t>2000</a:t>
+            </a:r>
+            <a:r>
+              <a:rPr lang="zh-CN" altLang="en-US" dirty="0" smtClean="0"/>
+              <a:t>）            </a:t>
+            </a:r>
+            <a:r>
+              <a:rPr lang="en-US" altLang="zh-CN" cap="none" dirty="0" smtClean="0"/>
+              <a:t>Maven</a:t>
             </a:r>
             <a:r>
               <a:rPr lang="zh-CN" altLang="en-US" cap="none" dirty="0" smtClean="0"/>
-              <a:t>由</a:t>
-            </a:r>
-            <a:r>
-              <a:rPr lang="en-US" altLang="zh-CN" dirty="0" smtClean="0"/>
-              <a:t>3</a:t>
-            </a:r>
-            <a:r>
-              <a:rPr lang="zh-CN" altLang="en-US" dirty="0" smtClean="0"/>
-              <a:t>个部分组成</a:t>
-            </a:r>
-            <a:endParaRPr lang="zh-CN" altLang="en-US" dirty="0"/>
-          </a:p>
-        </p:txBody>
-      </p:sp>
+              <a:t>（</a:t>
+            </a:r>
+            <a:r>
+              <a:rPr lang="en-US" altLang="zh-CN" cap="none" dirty="0" smtClean="0"/>
+              <a:t>2004</a:t>
+            </a:r>
+            <a:r>
+              <a:rPr lang="zh-CN" altLang="en-US" cap="none" dirty="0" smtClean="0"/>
+              <a:t>）</a:t>
+            </a:r>
+            <a:r>
+              <a:rPr lang="en-US" altLang="zh-CN" cap="none" dirty="0" smtClean="0"/>
+              <a:t>	                </a:t>
+            </a:r>
+            <a:r>
+              <a:rPr lang="en-US" altLang="zh-CN" cap="none" dirty="0" err="1" smtClean="0"/>
+              <a:t>Gradle</a:t>
+            </a:r>
+            <a:r>
+              <a:rPr lang="zh-CN" altLang="en-US" cap="none" dirty="0" smtClean="0"/>
+              <a:t>（</a:t>
+            </a:r>
+            <a:r>
+              <a:rPr lang="en-US" altLang="zh-CN" cap="none" dirty="0" smtClean="0"/>
+              <a:t>2012</a:t>
+            </a:r>
+            <a:r>
+              <a:rPr lang="zh-CN" altLang="en-US" cap="none" dirty="0" smtClean="0"/>
+              <a:t>）</a:t>
+            </a:r>
+            <a:endParaRPr lang="en-US" altLang="zh-CN" cap="none" dirty="0" smtClean="0"/>
+          </a:p>
+          <a:p>
+            <a:pPr marL="457200" lvl="1" indent="0">
+              <a:buNone/>
+            </a:pPr>
+            <a:endParaRPr lang="en-US" altLang="zh-CN" cap="none" dirty="0" smtClean="0"/>
+          </a:p>
+          <a:p>
+            <a:r>
+              <a:rPr lang="en-US" altLang="zh-CN" cap="none" dirty="0" err="1" smtClean="0"/>
+              <a:t>Gradle</a:t>
+            </a:r>
+            <a:r>
+              <a:rPr lang="en-US" altLang="zh-CN" cap="none" dirty="0" smtClean="0"/>
+              <a:t> </a:t>
+            </a:r>
+            <a:r>
+              <a:rPr lang="en-US" altLang="zh-CN" cap="none" dirty="0" smtClean="0"/>
+              <a:t>follows the concept of convention over configuration</a:t>
+            </a:r>
+            <a:endParaRPr lang="zh-CN" altLang="en-US" cap="none" dirty="0"/>
+          </a:p>
+        </p:txBody>
+      </p:sp>
+      <p:pic>
+        <p:nvPicPr>
+          <p:cNvPr id="1026" name="Picture 2" descr="ant"/>
+          <p:cNvPicPr>
+            <a:picLocks noChangeAspect="1" noChangeArrowheads="1"/>
+          </p:cNvPicPr>
+          <p:nvPr/>
+        </p:nvPicPr>
+        <p:blipFill>
+          <a:blip r:embed="rId2">
+            <a:extLst>
+              <a:ext uri="{28A0092B-C50C-407E-A947-70E740481C1C}">
+                <a14:useLocalDpi xmlns:a14="http://schemas.microsoft.com/office/drawing/2010/main" val="0"/>
+              </a:ext>
+            </a:extLst>
+          </a:blip>
+          <a:srcRect/>
+          <a:stretch>
+            <a:fillRect/>
+          </a:stretch>
+        </p:blipFill>
+        <p:spPr bwMode="auto">
+          <a:xfrm>
+            <a:off x="1122860" y="2722418"/>
+            <a:ext cx="2155652" cy="1336505"/>
+          </a:xfrm>
+          <a:prstGeom prst="rect">
+            <a:avLst/>
+          </a:prstGeom>
+          <a:noFill/>
+          <a:extLst>
+            <a:ext uri="{909E8E84-426E-40DD-AFC4-6F175D3DCCD1}">
+              <a14:hiddenFill xmlns:a14="http://schemas.microsoft.com/office/drawing/2010/main">
+                <a:solidFill>
+                  <a:srgbClr val="FFFFFF"/>
+                </a:solidFill>
+              </a14:hiddenFill>
+            </a:ext>
+          </a:extLst>
+        </p:spPr>
+      </p:pic>
+      <p:pic>
+        <p:nvPicPr>
+          <p:cNvPr id="1028" name="Picture 4" descr="maven"/>
+          <p:cNvPicPr>
+            <a:picLocks noChangeAspect="1" noChangeArrowheads="1"/>
+          </p:cNvPicPr>
+          <p:nvPr/>
+        </p:nvPicPr>
+        <p:blipFill>
+          <a:blip r:embed="rId3">
+            <a:extLst>
+              <a:ext uri="{28A0092B-C50C-407E-A947-70E740481C1C}">
+                <a14:useLocalDpi xmlns:a14="http://schemas.microsoft.com/office/drawing/2010/main" val="0"/>
+              </a:ext>
+            </a:extLst>
+          </a:blip>
+          <a:srcRect/>
+          <a:stretch>
+            <a:fillRect/>
+          </a:stretch>
+        </p:blipFill>
+        <p:spPr bwMode="auto">
+          <a:xfrm>
+            <a:off x="3408218" y="3140473"/>
+            <a:ext cx="2078182" cy="767298"/>
+          </a:xfrm>
+          <a:prstGeom prst="rect">
+            <a:avLst/>
+          </a:prstGeom>
+          <a:noFill/>
+          <a:extLst>
+            <a:ext uri="{909E8E84-426E-40DD-AFC4-6F175D3DCCD1}">
+              <a14:hiddenFill xmlns:a14="http://schemas.microsoft.com/office/drawing/2010/main">
+                <a:solidFill>
+                  <a:srgbClr val="FFFFFF"/>
+                </a:solidFill>
+              </a14:hiddenFill>
+            </a:ext>
+          </a:extLst>
+        </p:spPr>
+      </p:pic>
+      <p:pic>
+        <p:nvPicPr>
+          <p:cNvPr id="1030" name="Picture 6" descr="gradle"/>
+          <p:cNvPicPr>
+            <a:picLocks noChangeAspect="1" noChangeArrowheads="1"/>
+          </p:cNvPicPr>
+          <p:nvPr/>
+        </p:nvPicPr>
+        <p:blipFill>
+          <a:blip r:embed="rId4">
+            <a:extLst>
+              <a:ext uri="{28A0092B-C50C-407E-A947-70E740481C1C}">
+                <a14:useLocalDpi xmlns:a14="http://schemas.microsoft.com/office/drawing/2010/main" val="0"/>
+              </a:ext>
+            </a:extLst>
+          </a:blip>
+          <a:srcRect/>
+          <a:stretch>
+            <a:fillRect/>
+          </a:stretch>
+        </p:blipFill>
+        <p:spPr bwMode="auto">
+          <a:xfrm>
+            <a:off x="5865622" y="3140473"/>
+            <a:ext cx="2213356" cy="619740"/>
+          </a:xfrm>
+          <a:prstGeom prst="rect">
+            <a:avLst/>
+          </a:prstGeom>
+          <a:noFill/>
+          <a:extLst>
+            <a:ext uri="{909E8E84-426E-40DD-AFC4-6F175D3DCCD1}">
+              <a14:hiddenFill xmlns:a14="http://schemas.microsoft.com/office/drawing/2010/main">
+                <a:solidFill>
+                  <a:srgbClr val="FFFFFF"/>
+                </a:solidFill>
+              </a14:hiddenFill>
+            </a:ext>
+          </a:extLst>
+        </p:spPr>
+      </p:pic>
     </p:spTree>
     <p:extLst>
       <p:ext uri="{BB962C8B-B14F-4D97-AF65-F5344CB8AC3E}">
-        <p14:creationId xmlns:p14="http://schemas.microsoft.com/office/powerpoint/2010/main" val="1003412143"/>
+        <p14:creationId xmlns:p14="http://schemas.microsoft.com/office/powerpoint/2010/main" val="3165620994"/>
       </p:ext>
     </p:extLst>
   </p:cSld>
@@ -6334,19 +8381,22 @@
             <p:ph type="title"/>
           </p:nvPr>
         </p:nvSpPr>
-        <p:spPr>
-          <a:xfrm>
-            <a:off x="913776" y="618517"/>
-            <a:ext cx="3873378" cy="909069"/>
-          </a:xfrm>
-        </p:spPr>
+        <p:spPr/>
         <p:txBody>
           <a:bodyPr/>
           <a:lstStyle/>
           <a:p>
             <a:r>
               <a:rPr lang="zh-CN" altLang="en-US" dirty="0" smtClean="0"/>
-              <a:t>基本命令</a:t>
+              <a:t>安装</a:t>
+            </a:r>
+            <a:r>
+              <a:rPr lang="en-US" altLang="zh-CN" dirty="0" smtClean="0"/>
+              <a:t>&amp;</a:t>
+            </a:r>
+            <a:r>
+              <a:rPr lang="zh-CN" altLang="en-US" dirty="0" smtClean="0"/>
+              <a:t>配置</a:t>
             </a:r>
             <a:endParaRPr lang="zh-CN" altLang="en-US" dirty="0"/>
           </a:p>
@@ -6362,34 +8412,40 @@
             <p:ph sz="quarter" idx="13"/>
           </p:nvPr>
         </p:nvSpPr>
-        <p:spPr>
-          <a:xfrm>
-            <a:off x="749499" y="1861483"/>
-            <a:ext cx="4704628" cy="3424107"/>
-          </a:xfrm>
-        </p:spPr>
+        <p:spPr/>
         <p:txBody>
           <a:bodyPr/>
           <a:lstStyle/>
           <a:p>
             <a:r>
               <a:rPr lang="en-US" altLang="zh-CN" cap="none" dirty="0" err="1" smtClean="0"/>
-              <a:t>gradle</a:t>
+              <a:t>Gradle_home</a:t>
             </a:r>
             <a:r>
               <a:rPr lang="en-US" altLang="zh-CN" cap="none" dirty="0" smtClean="0"/>
-              <a:t> tasks	</a:t>
-            </a:r>
-            <a:r>
-              <a:rPr lang="en-US" altLang="zh-CN" dirty="0" smtClean="0"/>
-              <a:t>					</a:t>
-            </a:r>
-          </a:p>
-          <a:p>
-            <a:pPr marL="0" indent="0">
-              <a:buNone/>
-            </a:pPr>
-            <a:endParaRPr lang="zh-CN" altLang="en-US" dirty="0"/>
+              <a:t> : D:\java\ast\androidstudio\gradle\gradle-2.14.1</a:t>
+            </a:r>
+          </a:p>
+          <a:p>
+            <a:r>
+              <a:rPr lang="en-US" altLang="zh-CN" cap="none" dirty="0" err="1" smtClean="0"/>
+              <a:t>Android_home</a:t>
+            </a:r>
+            <a:r>
+              <a:rPr lang="en-US" altLang="zh-CN" cap="none" dirty="0" smtClean="0"/>
+              <a:t>: D:\java\ast\sdk</a:t>
+            </a:r>
+          </a:p>
+          <a:p>
+            <a:r>
+              <a:rPr lang="en-US" altLang="zh-CN" cap="none" dirty="0" err="1" smtClean="0"/>
+              <a:t>Java_home</a:t>
+            </a:r>
+            <a:r>
+              <a:rPr lang="en-US" altLang="zh-CN" cap="none" dirty="0" smtClean="0"/>
+              <a:t>: D:\java\jdk8</a:t>
+            </a:r>
+            <a:endParaRPr lang="zh-CN" altLang="en-US" cap="none" dirty="0"/>
           </a:p>
         </p:txBody>
       </p:sp>
@@ -6402,303 +8458,15 @@
           <p:nvPr/>
         </p:nvPicPr>
         <p:blipFill>
-          <a:blip r:embed="rId2">
-            <a:extLst>
-              <a:ext uri="{28A0092B-C50C-407E-A947-70E740481C1C}">
-                <a14:useLocalDpi xmlns:a14="http://schemas.microsoft.com/office/drawing/2010/main" val="0"/>
-              </a:ext>
-            </a:extLst>
-          </a:blip>
+          <a:blip r:embed="rId2"/>
           <a:stretch>
             <a:fillRect/>
           </a:stretch>
         </p:blipFill>
         <p:spPr>
           <a:xfrm>
-            <a:off x="749499" y="2604864"/>
-            <a:ext cx="4586294" cy="2905530"/>
-          </a:xfrm>
-          <a:prstGeom prst="rect">
-            <a:avLst/>
-          </a:prstGeom>
-        </p:spPr>
-      </p:pic>
-      <p:sp>
-        <p:nvSpPr>
-          <p:cNvPr id="5" name="内容占位符 2"/>
-          <p:cNvSpPr txBox="1">
-            <a:spLocks/>
-          </p:cNvSpPr>
-          <p:nvPr/>
-        </p:nvSpPr>
-        <p:spPr>
-          <a:xfrm>
-            <a:off x="5839659" y="1861483"/>
-            <a:ext cx="4704628" cy="3424107"/>
-          </a:xfrm>
-          <a:prstGeom prst="rect">
-            <a:avLst/>
-          </a:prstGeom>
-        </p:spPr>
-        <p:txBody>
-          <a:bodyPr vert="horz" lIns="91440" tIns="45720" rIns="91440" bIns="45720" rtlCol="0">
-            <a:normAutofit/>
-          </a:bodyPr>
-          <a:lstStyle>
-            <a:lvl1pPr marL="228600" indent="-228600" algn="l" defTabSz="914400" rtl="0" eaLnBrk="1" latinLnBrk="0" hangingPunct="1">
-              <a:lnSpc>
-                <a:spcPct val="120000"/>
-              </a:lnSpc>
-              <a:spcBef>
-                <a:spcPts val="1000"/>
-              </a:spcBef>
-              <a:buClr>
-                <a:schemeClr val="tx1"/>
-              </a:buClr>
-              <a:buFont typeface="Arial" panose="020B0604020202020204" pitchFamily="34" charset="0"/>
-              <a:buChar char="•"/>
-              <a:defRPr sz="2000" kern="1200" cap="all" baseline="0">
-                <a:solidFill>
-                  <a:schemeClr val="tx1"/>
-                </a:solidFill>
-                <a:effectLst/>
-                <a:latin typeface="+mn-lt"/>
-                <a:ea typeface="+mn-ea"/>
-                <a:cs typeface="+mn-cs"/>
-              </a:defRPr>
-            </a:lvl1pPr>
-            <a:lvl2pPr marL="685800" indent="-228600" algn="l" defTabSz="914400" rtl="0" eaLnBrk="1" latinLnBrk="0" hangingPunct="1">
-              <a:lnSpc>
-                <a:spcPct val="120000"/>
-              </a:lnSpc>
-              <a:spcBef>
-                <a:spcPts val="500"/>
-              </a:spcBef>
-              <a:buClr>
-                <a:schemeClr val="tx1"/>
-              </a:buClr>
-              <a:buFont typeface="Arial" panose="020B0604020202020204" pitchFamily="34" charset="0"/>
-              <a:buChar char="•"/>
-              <a:defRPr sz="1800" kern="1200" cap="all" baseline="0">
-                <a:solidFill>
-                  <a:schemeClr val="tx1"/>
-                </a:solidFill>
-                <a:effectLst/>
-                <a:latin typeface="+mn-lt"/>
-                <a:ea typeface="+mn-ea"/>
-                <a:cs typeface="+mn-cs"/>
-              </a:defRPr>
-            </a:lvl2pPr>
-            <a:lvl3pPr marL="1143000" indent="-228600" algn="l" defTabSz="914400" rtl="0" eaLnBrk="1" latinLnBrk="0" hangingPunct="1">
-              <a:lnSpc>
-                <a:spcPct val="120000"/>
-              </a:lnSpc>
-              <a:spcBef>
-                <a:spcPts val="500"/>
-              </a:spcBef>
-              <a:buClr>
-                <a:schemeClr val="tx1"/>
-              </a:buClr>
-              <a:buFont typeface="Arial" panose="020B0604020202020204" pitchFamily="34" charset="0"/>
-              <a:buChar char="•"/>
-              <a:defRPr sz="1600" kern="1200" cap="all" baseline="0">
-                <a:solidFill>
-                  <a:schemeClr val="tx1"/>
-                </a:solidFill>
-                <a:effectLst/>
-                <a:latin typeface="+mn-lt"/>
-                <a:ea typeface="+mn-ea"/>
-                <a:cs typeface="+mn-cs"/>
-              </a:defRPr>
-            </a:lvl3pPr>
-            <a:lvl4pPr marL="1600200" indent="-228600" algn="l" defTabSz="914400" rtl="0" eaLnBrk="1" latinLnBrk="0" hangingPunct="1">
-              <a:lnSpc>
-                <a:spcPct val="120000"/>
-              </a:lnSpc>
-              <a:spcBef>
-                <a:spcPts val="500"/>
-              </a:spcBef>
-              <a:buClr>
-                <a:schemeClr val="tx1"/>
-              </a:buClr>
-              <a:buFont typeface="Arial" panose="020B0604020202020204" pitchFamily="34" charset="0"/>
-              <a:buChar char="•"/>
-              <a:defRPr sz="1400" kern="1200" cap="all" baseline="0">
-                <a:solidFill>
-                  <a:schemeClr val="tx1"/>
-                </a:solidFill>
-                <a:effectLst/>
-                <a:latin typeface="+mn-lt"/>
-                <a:ea typeface="+mn-ea"/>
-                <a:cs typeface="+mn-cs"/>
-              </a:defRPr>
-            </a:lvl4pPr>
-            <a:lvl5pPr marL="2057400" indent="-228600" algn="l" defTabSz="914400" rtl="0" eaLnBrk="1" latinLnBrk="0" hangingPunct="1">
-              <a:lnSpc>
-                <a:spcPct val="120000"/>
-              </a:lnSpc>
-              <a:spcBef>
-                <a:spcPts val="500"/>
-              </a:spcBef>
-              <a:buClr>
-                <a:schemeClr val="tx1"/>
-              </a:buClr>
-              <a:buFont typeface="Arial" panose="020B0604020202020204" pitchFamily="34" charset="0"/>
-              <a:buChar char="•"/>
-              <a:defRPr sz="1400" kern="1200" cap="all" baseline="0">
-                <a:solidFill>
-                  <a:schemeClr val="tx1"/>
-                </a:solidFill>
-                <a:effectLst/>
-                <a:latin typeface="+mn-lt"/>
-                <a:ea typeface="+mn-ea"/>
-                <a:cs typeface="+mn-cs"/>
-              </a:defRPr>
-            </a:lvl5pPr>
-            <a:lvl6pPr marL="2514600" indent="-228600" algn="l" defTabSz="914400" rtl="0" eaLnBrk="1" latinLnBrk="0" hangingPunct="1">
-              <a:lnSpc>
-                <a:spcPct val="120000"/>
-              </a:lnSpc>
-              <a:spcBef>
-                <a:spcPts val="500"/>
-              </a:spcBef>
-              <a:buClr>
-                <a:schemeClr val="tx1"/>
-              </a:buClr>
-              <a:buFont typeface="Arial" panose="020B0604020202020204" pitchFamily="34" charset="0"/>
-              <a:buChar char="•"/>
-              <a:defRPr sz="1400" kern="1200" cap="all" baseline="0">
-                <a:solidFill>
-                  <a:schemeClr val="tx1"/>
-                </a:solidFill>
-                <a:effectLst/>
-                <a:latin typeface="+mn-lt"/>
-                <a:ea typeface="+mn-ea"/>
-                <a:cs typeface="+mn-cs"/>
-              </a:defRPr>
-            </a:lvl6pPr>
-            <a:lvl7pPr marL="2971800" indent="-228600" algn="l" defTabSz="914400" rtl="0" eaLnBrk="1" latinLnBrk="0" hangingPunct="1">
-              <a:lnSpc>
-                <a:spcPct val="120000"/>
-              </a:lnSpc>
-              <a:spcBef>
-                <a:spcPts val="500"/>
-              </a:spcBef>
-              <a:buClr>
-                <a:schemeClr val="tx1"/>
-              </a:buClr>
-              <a:buFont typeface="Arial" panose="020B0604020202020204" pitchFamily="34" charset="0"/>
-              <a:buChar char="•"/>
-              <a:defRPr sz="1400" kern="1200" cap="all" baseline="0">
-                <a:solidFill>
-                  <a:schemeClr val="tx1"/>
-                </a:solidFill>
-                <a:effectLst/>
-                <a:latin typeface="+mn-lt"/>
-                <a:ea typeface="+mn-ea"/>
-                <a:cs typeface="+mn-cs"/>
-              </a:defRPr>
-            </a:lvl7pPr>
-            <a:lvl8pPr marL="3429000" indent="-228600" algn="l" defTabSz="914400" rtl="0" eaLnBrk="1" latinLnBrk="0" hangingPunct="1">
-              <a:lnSpc>
-                <a:spcPct val="120000"/>
-              </a:lnSpc>
-              <a:spcBef>
-                <a:spcPts val="500"/>
-              </a:spcBef>
-              <a:buClr>
-                <a:schemeClr val="tx1"/>
-              </a:buClr>
-              <a:buFont typeface="Arial" panose="020B0604020202020204" pitchFamily="34" charset="0"/>
-              <a:buChar char="•"/>
-              <a:defRPr sz="1400" kern="1200" cap="all" baseline="0">
-                <a:solidFill>
-                  <a:schemeClr val="tx1"/>
-                </a:solidFill>
-                <a:effectLst/>
-                <a:latin typeface="+mn-lt"/>
-                <a:ea typeface="+mn-ea"/>
-                <a:cs typeface="+mn-cs"/>
-              </a:defRPr>
-            </a:lvl8pPr>
-            <a:lvl9pPr marL="3886200" indent="-228600" algn="l" defTabSz="914400" rtl="0" eaLnBrk="1" latinLnBrk="0" hangingPunct="1">
-              <a:lnSpc>
-                <a:spcPct val="120000"/>
-              </a:lnSpc>
-              <a:spcBef>
-                <a:spcPts val="500"/>
-              </a:spcBef>
-              <a:buClr>
-                <a:schemeClr val="tx1"/>
-              </a:buClr>
-              <a:buFont typeface="Arial" panose="020B0604020202020204" pitchFamily="34" charset="0"/>
-              <a:buChar char="•"/>
-              <a:defRPr sz="1400" kern="1200" cap="all" baseline="0">
-                <a:solidFill>
-                  <a:schemeClr val="tx1"/>
-                </a:solidFill>
-                <a:effectLst/>
-                <a:latin typeface="+mn-lt"/>
-                <a:ea typeface="+mn-ea"/>
-                <a:cs typeface="+mn-cs"/>
-              </a:defRPr>
-            </a:lvl9pPr>
-          </a:lstStyle>
-          <a:p>
-            <a:r>
-              <a:rPr lang="en-US" altLang="zh-CN" cap="none" dirty="0" err="1" smtClean="0"/>
-              <a:t>gradle</a:t>
-            </a:r>
-            <a:r>
-              <a:rPr lang="en-US" altLang="zh-CN" cap="none" dirty="0" smtClean="0"/>
-              <a:t> </a:t>
-            </a:r>
-            <a:r>
-              <a:rPr lang="en-US" altLang="zh-CN" cap="none" dirty="0" err="1" smtClean="0"/>
-              <a:t>sourcesets</a:t>
-            </a:r>
-            <a:r>
-              <a:rPr lang="en-US" altLang="zh-CN" cap="none" dirty="0" smtClean="0"/>
-              <a:t>	</a:t>
-            </a:r>
-            <a:r>
-              <a:rPr lang="en-US" altLang="zh-CN" dirty="0" smtClean="0"/>
-              <a:t>				</a:t>
-            </a:r>
-          </a:p>
-          <a:p>
-            <a:pPr marL="0" indent="0">
-              <a:buFont typeface="Arial" panose="020B0604020202020204" pitchFamily="34" charset="0"/>
-              <a:buNone/>
-            </a:pPr>
-            <a:endParaRPr lang="zh-CN" altLang="en-US" dirty="0"/>
-          </a:p>
-        </p:txBody>
-      </p:sp>
-      <p:pic>
-        <p:nvPicPr>
-          <p:cNvPr id="6" name="图片 5"/>
-          <p:cNvPicPr>
-            <a:picLocks noChangeAspect="1"/>
-          </p:cNvPicPr>
-          <p:nvPr/>
-        </p:nvPicPr>
-        <p:blipFill>
-          <a:blip r:embed="rId3">
-            <a:extLst>
-              <a:ext uri="{28A0092B-C50C-407E-A947-70E740481C1C}">
-                <a14:useLocalDpi xmlns:a14="http://schemas.microsoft.com/office/drawing/2010/main" val="0"/>
-              </a:ext>
-            </a:extLst>
-          </a:blip>
-          <a:stretch>
-            <a:fillRect/>
-          </a:stretch>
-        </p:blipFill>
-        <p:spPr>
-          <a:xfrm>
-            <a:off x="5704912" y="2604864"/>
-            <a:ext cx="4586400" cy="2905530"/>
+            <a:off x="848070" y="3189490"/>
+            <a:ext cx="6714230" cy="2776371"/>
           </a:xfrm>
           <a:prstGeom prst="rect">
             <a:avLst/>
@@ -6708,7 +8476,7 @@
     </p:spTree>
     <p:extLst>
       <p:ext uri="{BB962C8B-B14F-4D97-AF65-F5344CB8AC3E}">
-        <p14:creationId xmlns:p14="http://schemas.microsoft.com/office/powerpoint/2010/main" val="669932760"/>
+        <p14:creationId xmlns:p14="http://schemas.microsoft.com/office/powerpoint/2010/main" val="437487568"/>
       </p:ext>
     </p:extLst>
   </p:cSld>
@@ -6745,19 +8513,14 @@
             <p:ph type="title"/>
           </p:nvPr>
         </p:nvSpPr>
-        <p:spPr>
-          <a:xfrm>
-            <a:off x="913776" y="618517"/>
-            <a:ext cx="3873378" cy="909069"/>
-          </a:xfrm>
-        </p:spPr>
+        <p:spPr/>
         <p:txBody>
           <a:bodyPr/>
           <a:lstStyle/>
           <a:p>
             <a:r>
               <a:rPr lang="zh-CN" altLang="en-US" dirty="0" smtClean="0"/>
-              <a:t>基本命令</a:t>
+              <a:t>基本结构</a:t>
             </a:r>
             <a:endParaRPr lang="zh-CN" altLang="en-US" dirty="0"/>
           </a:p>
@@ -6773,330 +8536,371 @@
             <p:ph sz="quarter" idx="13"/>
           </p:nvPr>
         </p:nvSpPr>
-        <p:spPr>
-          <a:xfrm>
-            <a:off x="749499" y="1861483"/>
-            <a:ext cx="4704628" cy="3424107"/>
-          </a:xfrm>
-        </p:spPr>
+        <p:spPr/>
         <p:txBody>
           <a:bodyPr/>
           <a:lstStyle/>
           <a:p>
-            <a:r>
-              <a:rPr lang="en-US" altLang="zh-CN" cap="none" dirty="0" err="1" smtClean="0"/>
-              <a:t>gradle</a:t>
-            </a:r>
-            <a:r>
-              <a:rPr lang="en-US" altLang="zh-CN" cap="none" dirty="0" smtClean="0"/>
-              <a:t> </a:t>
-            </a:r>
-            <a:r>
-              <a:rPr lang="en-US" altLang="zh-CN" cap="none" dirty="0" err="1" smtClean="0"/>
-              <a:t>init</a:t>
-            </a:r>
+            <a:endParaRPr lang="en-US" altLang="zh-CN" cap="none" dirty="0" smtClean="0"/>
+          </a:p>
+          <a:p>
+            <a:pPr marL="0" indent="0">
+              <a:buNone/>
+            </a:pPr>
+            <a:endParaRPr lang="en-US" altLang="zh-CN" cap="none" dirty="0" smtClean="0"/>
+          </a:p>
+          <a:p>
             <a:r>
               <a:rPr lang="zh-CN" altLang="en-US" cap="none" dirty="0" smtClean="0"/>
-              <a:t>：</a:t>
-            </a:r>
-            <a:endParaRPr lang="en-US" altLang="zh-CN" cap="none" dirty="0" smtClean="0"/>
-          </a:p>
-          <a:p>
+              <a:t>最</a:t>
+            </a:r>
+            <a:r>
+              <a:rPr lang="zh-CN" altLang="en-US" cap="none" dirty="0"/>
+              <a:t>简单</a:t>
+            </a:r>
             <a:r>
               <a:rPr lang="zh-CN" altLang="en-US" cap="none" dirty="0" smtClean="0"/>
-              <a:t>提供</a:t>
+              <a:t>的</a:t>
             </a:r>
             <a:r>
               <a:rPr lang="en-US" altLang="zh-CN" cap="none" dirty="0" err="1" smtClean="0"/>
               <a:t>build.gradle</a:t>
             </a:r>
+            <a:endParaRPr lang="en-US" altLang="zh-CN" cap="none" dirty="0" smtClean="0"/>
+          </a:p>
+          <a:p>
             <a:r>
               <a:rPr lang="zh-CN" altLang="en-US" cap="none" dirty="0" smtClean="0"/>
-              <a:t>等模板</a:t>
-            </a:r>
-            <a:r>
-              <a:rPr lang="en-US" altLang="zh-CN" cap="none" dirty="0" smtClean="0"/>
-              <a:t>	</a:t>
+              <a:t>由</a:t>
             </a:r>
             <a:r>
               <a:rPr lang="en-US" altLang="zh-CN" dirty="0" smtClean="0"/>
-              <a:t>					</a:t>
-            </a:r>
-          </a:p>
-          <a:p>
-            <a:pPr marL="0" indent="0">
-              <a:buNone/>
-            </a:pPr>
-            <a:endParaRPr lang="zh-CN" altLang="en-US" dirty="0"/>
-          </a:p>
-        </p:txBody>
-      </p:sp>
-      <p:sp>
-        <p:nvSpPr>
-          <p:cNvPr id="5" name="内容占位符 2"/>
-          <p:cNvSpPr txBox="1">
-            <a:spLocks/>
+              <a:t>3</a:t>
+            </a:r>
+            <a:r>
+              <a:rPr lang="zh-CN" altLang="en-US" dirty="0" smtClean="0"/>
+              <a:t>个部分</a:t>
+            </a:r>
+            <a:r>
+              <a:rPr lang="zh-CN" altLang="en-US" dirty="0" smtClean="0"/>
+              <a:t>组成：</a:t>
+            </a:r>
+            <a:endParaRPr lang="en-US" altLang="zh-CN" dirty="0" smtClean="0"/>
+          </a:p>
+        </p:txBody>
+      </p:sp>
+      <p:sp>
+        <p:nvSpPr>
+          <p:cNvPr id="5" name="Rectangle 2"/>
+          <p:cNvSpPr>
+            <a:spLocks noChangeArrowheads="1"/>
           </p:cNvSpPr>
           <p:nvPr/>
         </p:nvSpPr>
-        <p:spPr>
+        <p:spPr bwMode="auto">
           <a:xfrm>
-            <a:off x="5839659" y="1861483"/>
-            <a:ext cx="4704628" cy="3424107"/>
+            <a:off x="3580015" y="2761418"/>
+            <a:ext cx="4982094" cy="3293209"/>
           </a:xfrm>
           <a:prstGeom prst="rect">
             <a:avLst/>
           </a:prstGeom>
+          <a:noFill/>
+          <a:ln>
+            <a:noFill/>
+          </a:ln>
+          <a:effectLst/>
+          <a:extLst>
+            <a:ext uri="{909E8E84-426E-40DD-AFC4-6F175D3DCCD1}">
+              <a14:hiddenFill xmlns:a14="http://schemas.microsoft.com/office/drawing/2010/main">
+                <a:solidFill>
+                  <a:schemeClr val="accent1"/>
+                </a:solidFill>
+              </a14:hiddenFill>
+            </a:ext>
+            <a:ext uri="{91240B29-F687-4F45-9708-019B960494DF}">
+              <a14:hiddenLine xmlns:a14="http://schemas.microsoft.com/office/drawing/2010/main" w="9525">
+                <a:solidFill>
+                  <a:schemeClr val="tx1"/>
+                </a:solidFill>
+                <a:miter lim="800000"/>
+                <a:headEnd/>
+                <a:tailEnd/>
+              </a14:hiddenLine>
+            </a:ext>
+            <a:ext uri="{AF507438-7753-43E0-B8FC-AC1667EBCBE1}">
+              <a14:hiddenEffects xmlns:a14="http://schemas.microsoft.com/office/drawing/2010/main">
+                <a:effectLst>
+                  <a:outerShdw dist="35921" dir="2700000" algn="ctr" rotWithShape="0">
+                    <a:schemeClr val="bg2"/>
+                  </a:outerShdw>
+                </a:effectLst>
+              </a14:hiddenEffects>
+            </a:ext>
+          </a:extLst>
         </p:spPr>
         <p:txBody>
-          <a:bodyPr vert="horz" lIns="91440" tIns="45720" rIns="91440" bIns="45720" rtlCol="0">
-            <a:normAutofit/>
+          <a:bodyPr vert="horz" wrap="square" lIns="91440" tIns="45720" rIns="91440" bIns="45720" numCol="1" anchor="ctr" anchorCtr="0" compatLnSpc="1">
+            <a:prstTxWarp prst="textNoShape">
+              <a:avLst/>
+            </a:prstTxWarp>
+            <a:spAutoFit/>
           </a:bodyPr>
-          <a:lstStyle>
-            <a:lvl1pPr marL="228600" indent="-228600" algn="l" defTabSz="914400" rtl="0" eaLnBrk="1" latinLnBrk="0" hangingPunct="1">
-              <a:lnSpc>
-                <a:spcPct val="120000"/>
-              </a:lnSpc>
+          <a:lstStyle/>
+          <a:p>
+            <a:pPr defTabSz="914400" eaLnBrk="0" fontAlgn="base" hangingPunct="0">
               <a:spcBef>
-                <a:spcPts val="1000"/>
+                <a:spcPct val="0"/>
               </a:spcBef>
-              <a:buClr>
-                <a:schemeClr val="tx1"/>
-              </a:buClr>
-              <a:buFont typeface="Arial" panose="020B0604020202020204" pitchFamily="34" charset="0"/>
-              <a:buChar char="•"/>
-              <a:defRPr sz="2000" kern="1200" cap="all" baseline="0">
-                <a:solidFill>
-                  <a:schemeClr val="tx1"/>
-                </a:solidFill>
-                <a:effectLst/>
-                <a:latin typeface="+mn-lt"/>
-                <a:ea typeface="+mn-ea"/>
-                <a:cs typeface="+mn-cs"/>
-              </a:defRPr>
-            </a:lvl1pPr>
-            <a:lvl2pPr marL="685800" indent="-228600" algn="l" defTabSz="914400" rtl="0" eaLnBrk="1" latinLnBrk="0" hangingPunct="1">
-              <a:lnSpc>
-                <a:spcPct val="120000"/>
-              </a:lnSpc>
-              <a:spcBef>
-                <a:spcPts val="500"/>
-              </a:spcBef>
-              <a:buClr>
-                <a:schemeClr val="tx1"/>
-              </a:buClr>
-              <a:buFont typeface="Arial" panose="020B0604020202020204" pitchFamily="34" charset="0"/>
-              <a:buChar char="•"/>
-              <a:defRPr sz="1800" kern="1200" cap="all" baseline="0">
-                <a:solidFill>
-                  <a:schemeClr val="tx1"/>
-                </a:solidFill>
-                <a:effectLst/>
-                <a:latin typeface="+mn-lt"/>
-                <a:ea typeface="+mn-ea"/>
-                <a:cs typeface="+mn-cs"/>
-              </a:defRPr>
-            </a:lvl2pPr>
-            <a:lvl3pPr marL="1143000" indent="-228600" algn="l" defTabSz="914400" rtl="0" eaLnBrk="1" latinLnBrk="0" hangingPunct="1">
-              <a:lnSpc>
-                <a:spcPct val="120000"/>
-              </a:lnSpc>
-              <a:spcBef>
-                <a:spcPts val="500"/>
-              </a:spcBef>
-              <a:buClr>
-                <a:schemeClr val="tx1"/>
-              </a:buClr>
-              <a:buFont typeface="Arial" panose="020B0604020202020204" pitchFamily="34" charset="0"/>
-              <a:buChar char="•"/>
-              <a:defRPr sz="1600" kern="1200" cap="all" baseline="0">
-                <a:solidFill>
-                  <a:schemeClr val="tx1"/>
-                </a:solidFill>
-                <a:effectLst/>
-                <a:latin typeface="+mn-lt"/>
-                <a:ea typeface="+mn-ea"/>
-                <a:cs typeface="+mn-cs"/>
-              </a:defRPr>
-            </a:lvl3pPr>
-            <a:lvl4pPr marL="1600200" indent="-228600" algn="l" defTabSz="914400" rtl="0" eaLnBrk="1" latinLnBrk="0" hangingPunct="1">
-              <a:lnSpc>
-                <a:spcPct val="120000"/>
-              </a:lnSpc>
-              <a:spcBef>
-                <a:spcPts val="500"/>
-              </a:spcBef>
-              <a:buClr>
-                <a:schemeClr val="tx1"/>
-              </a:buClr>
-              <a:buFont typeface="Arial" panose="020B0604020202020204" pitchFamily="34" charset="0"/>
-              <a:buChar char="•"/>
-              <a:defRPr sz="1400" kern="1200" cap="all" baseline="0">
-                <a:solidFill>
-                  <a:schemeClr val="tx1"/>
-                </a:solidFill>
-                <a:effectLst/>
-                <a:latin typeface="+mn-lt"/>
-                <a:ea typeface="+mn-ea"/>
-                <a:cs typeface="+mn-cs"/>
-              </a:defRPr>
-            </a:lvl4pPr>
-            <a:lvl5pPr marL="2057400" indent="-228600" algn="l" defTabSz="914400" rtl="0" eaLnBrk="1" latinLnBrk="0" hangingPunct="1">
-              <a:lnSpc>
-                <a:spcPct val="120000"/>
-              </a:lnSpc>
-              <a:spcBef>
-                <a:spcPts val="500"/>
-              </a:spcBef>
-              <a:buClr>
-                <a:schemeClr val="tx1"/>
-              </a:buClr>
-              <a:buFont typeface="Arial" panose="020B0604020202020204" pitchFamily="34" charset="0"/>
-              <a:buChar char="•"/>
-              <a:defRPr sz="1400" kern="1200" cap="all" baseline="0">
-                <a:solidFill>
-                  <a:schemeClr val="tx1"/>
-                </a:solidFill>
-                <a:effectLst/>
-                <a:latin typeface="+mn-lt"/>
-                <a:ea typeface="+mn-ea"/>
-                <a:cs typeface="+mn-cs"/>
-              </a:defRPr>
-            </a:lvl5pPr>
-            <a:lvl6pPr marL="2514600" indent="-228600" algn="l" defTabSz="914400" rtl="0" eaLnBrk="1" latinLnBrk="0" hangingPunct="1">
-              <a:lnSpc>
-                <a:spcPct val="120000"/>
-              </a:lnSpc>
-              <a:spcBef>
-                <a:spcPts val="500"/>
-              </a:spcBef>
-              <a:buClr>
-                <a:schemeClr val="tx1"/>
-              </a:buClr>
-              <a:buFont typeface="Arial" panose="020B0604020202020204" pitchFamily="34" charset="0"/>
-              <a:buChar char="•"/>
-              <a:defRPr sz="1400" kern="1200" cap="all" baseline="0">
-                <a:solidFill>
-                  <a:schemeClr val="tx1"/>
-                </a:solidFill>
-                <a:effectLst/>
-                <a:latin typeface="+mn-lt"/>
-                <a:ea typeface="+mn-ea"/>
-                <a:cs typeface="+mn-cs"/>
-              </a:defRPr>
-            </a:lvl6pPr>
-            <a:lvl7pPr marL="2971800" indent="-228600" algn="l" defTabSz="914400" rtl="0" eaLnBrk="1" latinLnBrk="0" hangingPunct="1">
-              <a:lnSpc>
-                <a:spcPct val="120000"/>
-              </a:lnSpc>
-              <a:spcBef>
-                <a:spcPts val="500"/>
-              </a:spcBef>
-              <a:buClr>
-                <a:schemeClr val="tx1"/>
-              </a:buClr>
-              <a:buFont typeface="Arial" panose="020B0604020202020204" pitchFamily="34" charset="0"/>
-              <a:buChar char="•"/>
-              <a:defRPr sz="1400" kern="1200" cap="all" baseline="0">
-                <a:solidFill>
-                  <a:schemeClr val="tx1"/>
-                </a:solidFill>
-                <a:effectLst/>
-                <a:latin typeface="+mn-lt"/>
-                <a:ea typeface="+mn-ea"/>
-                <a:cs typeface="+mn-cs"/>
-              </a:defRPr>
-            </a:lvl7pPr>
-            <a:lvl8pPr marL="3429000" indent="-228600" algn="l" defTabSz="914400" rtl="0" eaLnBrk="1" latinLnBrk="0" hangingPunct="1">
-              <a:lnSpc>
-                <a:spcPct val="120000"/>
-              </a:lnSpc>
-              <a:spcBef>
-                <a:spcPts val="500"/>
-              </a:spcBef>
-              <a:buClr>
-                <a:schemeClr val="tx1"/>
-              </a:buClr>
-              <a:buFont typeface="Arial" panose="020B0604020202020204" pitchFamily="34" charset="0"/>
-              <a:buChar char="•"/>
-              <a:defRPr sz="1400" kern="1200" cap="all" baseline="0">
-                <a:solidFill>
-                  <a:schemeClr val="tx1"/>
-                </a:solidFill>
-                <a:effectLst/>
-                <a:latin typeface="+mn-lt"/>
-                <a:ea typeface="+mn-ea"/>
-                <a:cs typeface="+mn-cs"/>
-              </a:defRPr>
-            </a:lvl8pPr>
-            <a:lvl9pPr marL="3886200" indent="-228600" algn="l" defTabSz="914400" rtl="0" eaLnBrk="1" latinLnBrk="0" hangingPunct="1">
-              <a:lnSpc>
-                <a:spcPct val="120000"/>
-              </a:lnSpc>
-              <a:spcBef>
-                <a:spcPts val="500"/>
-              </a:spcBef>
-              <a:buClr>
-                <a:schemeClr val="tx1"/>
-              </a:buClr>
-              <a:buFont typeface="Arial" panose="020B0604020202020204" pitchFamily="34" charset="0"/>
-              <a:buChar char="•"/>
-              <a:defRPr sz="1400" kern="1200" cap="all" baseline="0">
-                <a:solidFill>
-                  <a:schemeClr val="tx1"/>
-                </a:solidFill>
-                <a:effectLst/>
-                <a:latin typeface="+mn-lt"/>
-                <a:ea typeface="+mn-ea"/>
-                <a:cs typeface="+mn-cs"/>
-              </a:defRPr>
-            </a:lvl9pPr>
-          </a:lstStyle>
-          <a:p>
-            <a:r>
-              <a:rPr lang="en-US" altLang="zh-CN" cap="none" dirty="0" err="1" smtClean="0"/>
-              <a:t>gradle</a:t>
-            </a:r>
-            <a:r>
-              <a:rPr lang="en-US" altLang="zh-CN" cap="none" dirty="0" smtClean="0"/>
-              <a:t> wrapper</a:t>
-            </a:r>
-            <a:r>
-              <a:rPr lang="zh-CN" altLang="en-US" cap="none" dirty="0" smtClean="0"/>
-              <a:t>：</a:t>
-            </a:r>
-            <a:endParaRPr lang="en-US" altLang="zh-CN" cap="none" dirty="0" smtClean="0"/>
-          </a:p>
-          <a:p>
-            <a:r>
-              <a:rPr lang="zh-CN" altLang="en-US" cap="none" dirty="0"/>
-              <a:t>自动</a:t>
-            </a:r>
-            <a:r>
-              <a:rPr lang="zh-CN" altLang="en-US" cap="none" dirty="0" smtClean="0"/>
-              <a:t>安装并保证安装正确的版本</a:t>
-            </a:r>
-            <a:r>
-              <a:rPr lang="en-US" altLang="zh-CN" cap="none" dirty="0" smtClean="0"/>
-              <a:t>	</a:t>
-            </a:r>
-            <a:r>
-              <a:rPr lang="en-US" altLang="zh-CN" dirty="0" smtClean="0"/>
-              <a:t>				</a:t>
-            </a:r>
-          </a:p>
-          <a:p>
-            <a:pPr marL="0" indent="0">
-              <a:buFont typeface="Arial" panose="020B0604020202020204" pitchFamily="34" charset="0"/>
-              <a:buNone/>
+              <a:spcAft>
+                <a:spcPct val="0"/>
+              </a:spcAft>
             </a:pPr>
-            <a:endParaRPr lang="zh-CN" altLang="en-US" dirty="0"/>
+            <a:r>
+              <a:rPr lang="zh-CN" altLang="zh-CN" sz="1600" dirty="0">
+                <a:solidFill>
+                  <a:srgbClr val="006000"/>
+                </a:solidFill>
+                <a:latin typeface="Arial Unicode MS" panose="020B0604020202020204" pitchFamily="34" charset="-122"/>
+              </a:rPr>
+              <a:t>buildscript {</a:t>
+            </a:r>
+            <a:r>
+              <a:rPr lang="zh-CN" altLang="zh-CN" sz="1600" dirty="0"/>
+              <a:t/>
+            </a:r>
+            <a:br>
+              <a:rPr lang="zh-CN" altLang="zh-CN" sz="1600" dirty="0"/>
+            </a:br>
+            <a:r>
+              <a:rPr lang="zh-CN" altLang="zh-CN" sz="1600" dirty="0">
+                <a:solidFill>
+                  <a:srgbClr val="006000"/>
+                </a:solidFill>
+                <a:latin typeface="Arial Unicode MS" panose="020B0604020202020204" pitchFamily="34" charset="-122"/>
+              </a:rPr>
+              <a:t>    repositories { </a:t>
+            </a:r>
+            <a:br>
+              <a:rPr lang="zh-CN" altLang="zh-CN" sz="1600" dirty="0">
+                <a:solidFill>
+                  <a:srgbClr val="006000"/>
+                </a:solidFill>
+                <a:latin typeface="Arial Unicode MS" panose="020B0604020202020204" pitchFamily="34" charset="-122"/>
+              </a:rPr>
+            </a:br>
+            <a:r>
+              <a:rPr lang="zh-CN" altLang="zh-CN" sz="1600" dirty="0">
+                <a:solidFill>
+                  <a:srgbClr val="006000"/>
+                </a:solidFill>
+                <a:latin typeface="Arial Unicode MS" panose="020B0604020202020204" pitchFamily="34" charset="-122"/>
+              </a:rPr>
+              <a:t>        jcenter()</a:t>
+            </a:r>
+            <a:r>
+              <a:rPr lang="zh-CN" altLang="zh-CN" sz="1600" dirty="0"/>
+              <a:t/>
+            </a:r>
+            <a:br>
+              <a:rPr lang="zh-CN" altLang="zh-CN" sz="1600" dirty="0"/>
+            </a:br>
+            <a:r>
+              <a:rPr lang="zh-CN" altLang="zh-CN" sz="1600" dirty="0">
+                <a:solidFill>
+                  <a:srgbClr val="006000"/>
+                </a:solidFill>
+                <a:latin typeface="Arial Unicode MS" panose="020B0604020202020204" pitchFamily="34" charset="-122"/>
+              </a:rPr>
+              <a:t>    }</a:t>
+            </a:r>
+            <a:r>
+              <a:rPr lang="zh-CN" altLang="zh-CN" sz="1600" dirty="0">
+                <a:latin typeface="Arial" panose="020B0604020202020204" pitchFamily="34" charset="0"/>
+              </a:rPr>
+              <a:t/>
+            </a:r>
+            <a:br>
+              <a:rPr lang="zh-CN" altLang="zh-CN" sz="1600" dirty="0">
+                <a:latin typeface="Arial" panose="020B0604020202020204" pitchFamily="34" charset="0"/>
+              </a:rPr>
+            </a:br>
+            <a:r>
+              <a:rPr lang="zh-CN" altLang="zh-CN" sz="1600" dirty="0">
+                <a:solidFill>
+                  <a:srgbClr val="006000"/>
+                </a:solidFill>
+                <a:latin typeface="Arial Unicode MS" panose="020B0604020202020204" pitchFamily="34" charset="-122"/>
+              </a:rPr>
+              <a:t>    dependencies {</a:t>
+            </a:r>
+            <a:r>
+              <a:rPr lang="zh-CN" altLang="zh-CN" sz="1600" dirty="0"/>
+              <a:t/>
+            </a:r>
+            <a:br>
+              <a:rPr lang="zh-CN" altLang="zh-CN" sz="1600" dirty="0"/>
+            </a:br>
+            <a:r>
+              <a:rPr lang="zh-CN" altLang="zh-CN" sz="1600" dirty="0">
+                <a:solidFill>
+                  <a:srgbClr val="006000"/>
+                </a:solidFill>
+                <a:latin typeface="Arial Unicode MS" panose="020B0604020202020204" pitchFamily="34" charset="-122"/>
+              </a:rPr>
+              <a:t>        classpath 'com.android.tools.build:gradle:</a:t>
+            </a:r>
+            <a:r>
+              <a:rPr lang="en-US" altLang="zh-CN" sz="1600" dirty="0">
+                <a:solidFill>
+                  <a:srgbClr val="006000"/>
+                </a:solidFill>
+                <a:latin typeface="Arial Unicode MS" panose="020B0604020202020204" pitchFamily="34" charset="-122"/>
+              </a:rPr>
+              <a:t>2.1.3</a:t>
+            </a:r>
+            <a:r>
+              <a:rPr lang="zh-CN" altLang="zh-CN" sz="1600" dirty="0">
+                <a:solidFill>
+                  <a:srgbClr val="006000"/>
+                </a:solidFill>
+                <a:latin typeface="Arial Unicode MS" panose="020B0604020202020204" pitchFamily="34" charset="-122"/>
+              </a:rPr>
+              <a:t>'</a:t>
+            </a:r>
+            <a:r>
+              <a:rPr lang="zh-CN" altLang="zh-CN" sz="1600" dirty="0"/>
+              <a:t/>
+            </a:r>
+            <a:br>
+              <a:rPr lang="zh-CN" altLang="zh-CN" sz="1600" dirty="0"/>
+            </a:br>
+            <a:r>
+              <a:rPr lang="zh-CN" altLang="zh-CN" sz="1600" dirty="0">
+                <a:solidFill>
+                  <a:srgbClr val="006000"/>
+                </a:solidFill>
+                <a:latin typeface="Arial Unicode MS" panose="020B0604020202020204" pitchFamily="34" charset="-122"/>
+              </a:rPr>
+              <a:t>    }</a:t>
+            </a:r>
+            <a:r>
+              <a:rPr lang="zh-CN" altLang="zh-CN" sz="1600" dirty="0"/>
+              <a:t/>
+            </a:r>
+            <a:br>
+              <a:rPr lang="zh-CN" altLang="zh-CN" sz="1600" dirty="0"/>
+            </a:br>
+            <a:r>
+              <a:rPr lang="zh-CN" altLang="zh-CN" sz="1600" dirty="0">
+                <a:solidFill>
+                  <a:srgbClr val="006000"/>
+                </a:solidFill>
+                <a:latin typeface="Arial Unicode MS" panose="020B0604020202020204" pitchFamily="34" charset="-122"/>
+              </a:rPr>
+              <a:t>}</a:t>
+            </a:r>
+            <a:r>
+              <a:rPr lang="zh-CN" altLang="zh-CN" sz="1600" dirty="0">
+                <a:latin typeface="Arial" panose="020B0604020202020204" pitchFamily="34" charset="0"/>
+              </a:rPr>
+              <a:t/>
+            </a:r>
+            <a:br>
+              <a:rPr lang="zh-CN" altLang="zh-CN" sz="1600" dirty="0">
+                <a:latin typeface="Arial" panose="020B0604020202020204" pitchFamily="34" charset="0"/>
+              </a:rPr>
+            </a:br>
+            <a:r>
+              <a:rPr lang="zh-CN" altLang="zh-CN" sz="1600" dirty="0">
+                <a:solidFill>
+                  <a:srgbClr val="006000"/>
+                </a:solidFill>
+                <a:latin typeface="Arial Unicode MS" panose="020B0604020202020204" pitchFamily="34" charset="-122"/>
+              </a:rPr>
+              <a:t>apply plugin: 'com.android.application'</a:t>
+            </a:r>
+            <a:r>
+              <a:rPr lang="zh-CN" altLang="zh-CN" sz="1600" dirty="0">
+                <a:latin typeface="Arial" panose="020B0604020202020204" pitchFamily="34" charset="0"/>
+              </a:rPr>
+              <a:t/>
+            </a:r>
+            <a:br>
+              <a:rPr lang="zh-CN" altLang="zh-CN" sz="1600" dirty="0">
+                <a:latin typeface="Arial" panose="020B0604020202020204" pitchFamily="34" charset="0"/>
+              </a:rPr>
+            </a:br>
+            <a:r>
+              <a:rPr lang="zh-CN" altLang="zh-CN" sz="1600" dirty="0">
+                <a:solidFill>
+                  <a:srgbClr val="006000"/>
+                </a:solidFill>
+                <a:latin typeface="Arial Unicode MS" panose="020B0604020202020204" pitchFamily="34" charset="-122"/>
+              </a:rPr>
+              <a:t>android {</a:t>
+            </a:r>
+            <a:r>
+              <a:rPr lang="zh-CN" altLang="zh-CN" sz="1600" dirty="0"/>
+              <a:t/>
+            </a:r>
+            <a:br>
+              <a:rPr lang="zh-CN" altLang="zh-CN" sz="1600" dirty="0"/>
+            </a:br>
+            <a:r>
+              <a:rPr lang="zh-CN" altLang="zh-CN" sz="1600" dirty="0">
+                <a:solidFill>
+                  <a:srgbClr val="006000"/>
+                </a:solidFill>
+                <a:latin typeface="Arial Unicode MS" panose="020B0604020202020204" pitchFamily="34" charset="-122"/>
+              </a:rPr>
+              <a:t>    compileSdkVersion 23</a:t>
+            </a:r>
+            <a:r>
+              <a:rPr lang="zh-CN" altLang="zh-CN" sz="1600" dirty="0"/>
+              <a:t/>
+            </a:r>
+            <a:br>
+              <a:rPr lang="zh-CN" altLang="zh-CN" sz="1600" dirty="0"/>
+            </a:br>
+            <a:r>
+              <a:rPr lang="zh-CN" altLang="zh-CN" sz="1600" dirty="0">
+                <a:solidFill>
+                  <a:srgbClr val="006000"/>
+                </a:solidFill>
+                <a:latin typeface="Arial Unicode MS" panose="020B0604020202020204" pitchFamily="34" charset="-122"/>
+              </a:rPr>
+              <a:t>    buildToolsVersion "23.1.0"</a:t>
+            </a:r>
+            <a:r>
+              <a:rPr lang="zh-CN" altLang="zh-CN" sz="1600" dirty="0"/>
+              <a:t/>
+            </a:r>
+            <a:br>
+              <a:rPr lang="zh-CN" altLang="zh-CN" sz="1600" dirty="0"/>
+            </a:br>
+            <a:r>
+              <a:rPr lang="zh-CN" altLang="zh-CN" sz="1600" dirty="0">
+                <a:solidFill>
+                  <a:srgbClr val="006000"/>
+                </a:solidFill>
+                <a:latin typeface="Arial Unicode MS" panose="020B0604020202020204" pitchFamily="34" charset="-122"/>
+              </a:rPr>
+              <a:t>}</a:t>
+            </a:r>
+            <a:r>
+              <a:rPr lang="zh-CN" altLang="zh-CN" sz="1600" dirty="0"/>
+              <a:t> </a:t>
+            </a:r>
+            <a:endParaRPr lang="zh-CN" altLang="zh-CN" sz="1600" dirty="0">
+              <a:latin typeface="Arial" panose="020B0604020202020204" pitchFamily="34" charset="0"/>
+            </a:endParaRPr>
           </a:p>
         </p:txBody>
       </p:sp>
       <p:pic>
         <p:nvPicPr>
-          <p:cNvPr id="7" name="图片 6"/>
+          <p:cNvPr id="6" name="图片 5"/>
           <p:cNvPicPr>
             <a:picLocks noChangeAspect="1"/>
           </p:cNvPicPr>
@@ -7110,32 +8914,8 @@
         </p:blipFill>
         <p:spPr>
           <a:xfrm>
-            <a:off x="749499" y="2977028"/>
-            <a:ext cx="4670220" cy="2467086"/>
-          </a:xfrm>
-          <a:prstGeom prst="rect">
-            <a:avLst/>
-          </a:prstGeom>
-        </p:spPr>
-      </p:pic>
-      <p:pic>
-        <p:nvPicPr>
-          <p:cNvPr id="8" name="图片 7"/>
-          <p:cNvPicPr>
-            <a:picLocks noChangeAspect="1"/>
-          </p:cNvPicPr>
-          <p:nvPr/>
-        </p:nvPicPr>
-        <p:blipFill>
-          <a:blip r:embed="rId3"/>
-          <a:stretch>
-            <a:fillRect/>
-          </a:stretch>
-        </p:blipFill>
-        <p:spPr>
-          <a:xfrm>
-            <a:off x="5839659" y="3135553"/>
-            <a:ext cx="4336675" cy="2150037"/>
+            <a:off x="1047437" y="1582221"/>
+            <a:ext cx="6717792" cy="778992"/>
           </a:xfrm>
           <a:prstGeom prst="rect">
             <a:avLst/>
@@ -7145,7 +8925,7 @@
     </p:spTree>
     <p:extLst>
       <p:ext uri="{BB962C8B-B14F-4D97-AF65-F5344CB8AC3E}">
-        <p14:creationId xmlns:p14="http://schemas.microsoft.com/office/powerpoint/2010/main" val="2646450908"/>
+        <p14:creationId xmlns:p14="http://schemas.microsoft.com/office/powerpoint/2010/main" val="1003412143"/>
       </p:ext>
     </p:extLst>
   </p:cSld>
@@ -7174,7 +8954,7 @@
       </p:grpSpPr>
       <p:sp>
         <p:nvSpPr>
-          <p:cNvPr id="2" name="标题 1"/>
+          <p:cNvPr id="7" name="标题 6"/>
           <p:cNvSpPr>
             <a:spLocks noGrp="1"/>
           </p:cNvSpPr>
@@ -7187,7 +8967,11 @@
           <a:bodyPr/>
           <a:lstStyle/>
           <a:p>
-            <a:endParaRPr lang="zh-CN" altLang="en-US"/>
+            <a:r>
+              <a:rPr lang="zh-CN" altLang="en-US" dirty="0" smtClean="0"/>
+              <a:t>基本命令</a:t>
+            </a:r>
+            <a:endParaRPr lang="zh-CN" altLang="en-US" dirty="0"/>
           </a:p>
         </p:txBody>
       </p:sp>
@@ -7206,14 +8990,343 @@
           <a:bodyPr/>
           <a:lstStyle/>
           <a:p>
-            <a:endParaRPr lang="zh-CN" altLang="en-US"/>
-          </a:p>
-        </p:txBody>
-      </p:sp>
+            <a:r>
+              <a:rPr lang="en-US" altLang="zh-CN" cap="none" dirty="0" err="1" smtClean="0"/>
+              <a:t>gradle</a:t>
+            </a:r>
+            <a:r>
+              <a:rPr lang="en-US" altLang="zh-CN" cap="none" dirty="0" smtClean="0"/>
+              <a:t> </a:t>
+            </a:r>
+            <a:r>
+              <a:rPr lang="en-US" altLang="zh-CN" cap="none" dirty="0" smtClean="0"/>
+              <a:t>tasks</a:t>
+            </a:r>
+            <a:endParaRPr lang="en-US" altLang="zh-CN" dirty="0" smtClean="0"/>
+          </a:p>
+          <a:p>
+            <a:pPr marL="0" indent="0">
+              <a:buNone/>
+            </a:pPr>
+            <a:endParaRPr lang="zh-CN" altLang="en-US" dirty="0"/>
+          </a:p>
+        </p:txBody>
+      </p:sp>
+      <p:pic>
+        <p:nvPicPr>
+          <p:cNvPr id="4" name="图片 3"/>
+          <p:cNvPicPr>
+            <a:picLocks noChangeAspect="1"/>
+          </p:cNvPicPr>
+          <p:nvPr/>
+        </p:nvPicPr>
+        <p:blipFill>
+          <a:blip r:embed="rId2">
+            <a:extLst>
+              <a:ext uri="{28A0092B-C50C-407E-A947-70E740481C1C}">
+                <a14:useLocalDpi xmlns:a14="http://schemas.microsoft.com/office/drawing/2010/main" val="0"/>
+              </a:ext>
+            </a:extLst>
+          </a:blip>
+          <a:stretch>
+            <a:fillRect/>
+          </a:stretch>
+        </p:blipFill>
+        <p:spPr>
+          <a:xfrm>
+            <a:off x="779317" y="2604864"/>
+            <a:ext cx="4800601" cy="2905530"/>
+          </a:xfrm>
+          <a:prstGeom prst="rect">
+            <a:avLst/>
+          </a:prstGeom>
+        </p:spPr>
+      </p:pic>
+      <p:sp>
+        <p:nvSpPr>
+          <p:cNvPr id="5" name="内容占位符 2"/>
+          <p:cNvSpPr txBox="1">
+            <a:spLocks/>
+          </p:cNvSpPr>
+          <p:nvPr/>
+        </p:nvSpPr>
+        <p:spPr>
+          <a:xfrm>
+            <a:off x="4121798" y="1582221"/>
+            <a:ext cx="4704628" cy="3424107"/>
+          </a:xfrm>
+          <a:prstGeom prst="rect">
+            <a:avLst/>
+          </a:prstGeom>
+        </p:spPr>
+        <p:txBody>
+          <a:bodyPr vert="horz" lIns="91440" tIns="45720" rIns="91440" bIns="45720" rtlCol="0">
+            <a:normAutofit/>
+          </a:bodyPr>
+          <a:lstStyle>
+            <a:lvl1pPr marL="228600" indent="-228600" algn="l" defTabSz="914400" rtl="0" eaLnBrk="1" latinLnBrk="0" hangingPunct="1">
+              <a:lnSpc>
+                <a:spcPct val="120000"/>
+              </a:lnSpc>
+              <a:spcBef>
+                <a:spcPts val="1000"/>
+              </a:spcBef>
+              <a:buClr>
+                <a:schemeClr val="tx1"/>
+              </a:buClr>
+              <a:buFont typeface="Arial" panose="020B0604020202020204" pitchFamily="34" charset="0"/>
+              <a:buChar char="•"/>
+              <a:defRPr sz="2000" kern="1200" cap="all" baseline="0">
+                <a:solidFill>
+                  <a:schemeClr val="tx1"/>
+                </a:solidFill>
+                <a:effectLst/>
+                <a:latin typeface="+mn-lt"/>
+                <a:ea typeface="+mn-ea"/>
+                <a:cs typeface="+mn-cs"/>
+              </a:defRPr>
+            </a:lvl1pPr>
+            <a:lvl2pPr marL="685800" indent="-228600" algn="l" defTabSz="914400" rtl="0" eaLnBrk="1" latinLnBrk="0" hangingPunct="1">
+              <a:lnSpc>
+                <a:spcPct val="120000"/>
+              </a:lnSpc>
+              <a:spcBef>
+                <a:spcPts val="500"/>
+              </a:spcBef>
+              <a:buClr>
+                <a:schemeClr val="tx1"/>
+              </a:buClr>
+              <a:buFont typeface="Arial" panose="020B0604020202020204" pitchFamily="34" charset="0"/>
+              <a:buChar char="•"/>
+              <a:defRPr sz="1800" kern="1200" cap="all" baseline="0">
+                <a:solidFill>
+                  <a:schemeClr val="tx1"/>
+                </a:solidFill>
+                <a:effectLst/>
+                <a:latin typeface="+mn-lt"/>
+                <a:ea typeface="+mn-ea"/>
+                <a:cs typeface="+mn-cs"/>
+              </a:defRPr>
+            </a:lvl2pPr>
+            <a:lvl3pPr marL="1143000" indent="-228600" algn="l" defTabSz="914400" rtl="0" eaLnBrk="1" latinLnBrk="0" hangingPunct="1">
+              <a:lnSpc>
+                <a:spcPct val="120000"/>
+              </a:lnSpc>
+              <a:spcBef>
+                <a:spcPts val="500"/>
+              </a:spcBef>
+              <a:buClr>
+                <a:schemeClr val="tx1"/>
+              </a:buClr>
+              <a:buFont typeface="Arial" panose="020B0604020202020204" pitchFamily="34" charset="0"/>
+              <a:buChar char="•"/>
+              <a:defRPr sz="1600" kern="1200" cap="all" baseline="0">
+                <a:solidFill>
+                  <a:schemeClr val="tx1"/>
+                </a:solidFill>
+                <a:effectLst/>
+                <a:latin typeface="+mn-lt"/>
+                <a:ea typeface="+mn-ea"/>
+                <a:cs typeface="+mn-cs"/>
+              </a:defRPr>
+            </a:lvl3pPr>
+            <a:lvl4pPr marL="1600200" indent="-228600" algn="l" defTabSz="914400" rtl="0" eaLnBrk="1" latinLnBrk="0" hangingPunct="1">
+              <a:lnSpc>
+                <a:spcPct val="120000"/>
+              </a:lnSpc>
+              <a:spcBef>
+                <a:spcPts val="500"/>
+              </a:spcBef>
+              <a:buClr>
+                <a:schemeClr val="tx1"/>
+              </a:buClr>
+              <a:buFont typeface="Arial" panose="020B0604020202020204" pitchFamily="34" charset="0"/>
+              <a:buChar char="•"/>
+              <a:defRPr sz="1400" kern="1200" cap="all" baseline="0">
+                <a:solidFill>
+                  <a:schemeClr val="tx1"/>
+                </a:solidFill>
+                <a:effectLst/>
+                <a:latin typeface="+mn-lt"/>
+                <a:ea typeface="+mn-ea"/>
+                <a:cs typeface="+mn-cs"/>
+              </a:defRPr>
+            </a:lvl4pPr>
+            <a:lvl5pPr marL="2057400" indent="-228600" algn="l" defTabSz="914400" rtl="0" eaLnBrk="1" latinLnBrk="0" hangingPunct="1">
+              <a:lnSpc>
+                <a:spcPct val="120000"/>
+              </a:lnSpc>
+              <a:spcBef>
+                <a:spcPts val="500"/>
+              </a:spcBef>
+              <a:buClr>
+                <a:schemeClr val="tx1"/>
+              </a:buClr>
+              <a:buFont typeface="Arial" panose="020B0604020202020204" pitchFamily="34" charset="0"/>
+              <a:buChar char="•"/>
+              <a:defRPr sz="1400" kern="1200" cap="all" baseline="0">
+                <a:solidFill>
+                  <a:schemeClr val="tx1"/>
+                </a:solidFill>
+                <a:effectLst/>
+                <a:latin typeface="+mn-lt"/>
+                <a:ea typeface="+mn-ea"/>
+                <a:cs typeface="+mn-cs"/>
+              </a:defRPr>
+            </a:lvl5pPr>
+            <a:lvl6pPr marL="2514600" indent="-228600" algn="l" defTabSz="914400" rtl="0" eaLnBrk="1" latinLnBrk="0" hangingPunct="1">
+              <a:lnSpc>
+                <a:spcPct val="120000"/>
+              </a:lnSpc>
+              <a:spcBef>
+                <a:spcPts val="500"/>
+              </a:spcBef>
+              <a:buClr>
+                <a:schemeClr val="tx1"/>
+              </a:buClr>
+              <a:buFont typeface="Arial" panose="020B0604020202020204" pitchFamily="34" charset="0"/>
+              <a:buChar char="•"/>
+              <a:defRPr sz="1400" kern="1200" cap="all" baseline="0">
+                <a:solidFill>
+                  <a:schemeClr val="tx1"/>
+                </a:solidFill>
+                <a:effectLst/>
+                <a:latin typeface="+mn-lt"/>
+                <a:ea typeface="+mn-ea"/>
+                <a:cs typeface="+mn-cs"/>
+              </a:defRPr>
+            </a:lvl6pPr>
+            <a:lvl7pPr marL="2971800" indent="-228600" algn="l" defTabSz="914400" rtl="0" eaLnBrk="1" latinLnBrk="0" hangingPunct="1">
+              <a:lnSpc>
+                <a:spcPct val="120000"/>
+              </a:lnSpc>
+              <a:spcBef>
+                <a:spcPts val="500"/>
+              </a:spcBef>
+              <a:buClr>
+                <a:schemeClr val="tx1"/>
+              </a:buClr>
+              <a:buFont typeface="Arial" panose="020B0604020202020204" pitchFamily="34" charset="0"/>
+              <a:buChar char="•"/>
+              <a:defRPr sz="1400" kern="1200" cap="all" baseline="0">
+                <a:solidFill>
+                  <a:schemeClr val="tx1"/>
+                </a:solidFill>
+                <a:effectLst/>
+                <a:latin typeface="+mn-lt"/>
+                <a:ea typeface="+mn-ea"/>
+                <a:cs typeface="+mn-cs"/>
+              </a:defRPr>
+            </a:lvl7pPr>
+            <a:lvl8pPr marL="3429000" indent="-228600" algn="l" defTabSz="914400" rtl="0" eaLnBrk="1" latinLnBrk="0" hangingPunct="1">
+              <a:lnSpc>
+                <a:spcPct val="120000"/>
+              </a:lnSpc>
+              <a:spcBef>
+                <a:spcPts val="500"/>
+              </a:spcBef>
+              <a:buClr>
+                <a:schemeClr val="tx1"/>
+              </a:buClr>
+              <a:buFont typeface="Arial" panose="020B0604020202020204" pitchFamily="34" charset="0"/>
+              <a:buChar char="•"/>
+              <a:defRPr sz="1400" kern="1200" cap="all" baseline="0">
+                <a:solidFill>
+                  <a:schemeClr val="tx1"/>
+                </a:solidFill>
+                <a:effectLst/>
+                <a:latin typeface="+mn-lt"/>
+                <a:ea typeface="+mn-ea"/>
+                <a:cs typeface="+mn-cs"/>
+              </a:defRPr>
+            </a:lvl8pPr>
+            <a:lvl9pPr marL="3886200" indent="-228600" algn="l" defTabSz="914400" rtl="0" eaLnBrk="1" latinLnBrk="0" hangingPunct="1">
+              <a:lnSpc>
+                <a:spcPct val="120000"/>
+              </a:lnSpc>
+              <a:spcBef>
+                <a:spcPts val="500"/>
+              </a:spcBef>
+              <a:buClr>
+                <a:schemeClr val="tx1"/>
+              </a:buClr>
+              <a:buFont typeface="Arial" panose="020B0604020202020204" pitchFamily="34" charset="0"/>
+              <a:buChar char="•"/>
+              <a:defRPr sz="1400" kern="1200" cap="all" baseline="0">
+                <a:solidFill>
+                  <a:schemeClr val="tx1"/>
+                </a:solidFill>
+                <a:effectLst/>
+                <a:latin typeface="+mn-lt"/>
+                <a:ea typeface="+mn-ea"/>
+                <a:cs typeface="+mn-cs"/>
+              </a:defRPr>
+            </a:lvl9pPr>
+          </a:lstStyle>
+          <a:p>
+            <a:r>
+              <a:rPr lang="en-US" altLang="zh-CN" cap="none" dirty="0" err="1"/>
+              <a:t>gradle</a:t>
+            </a:r>
+            <a:r>
+              <a:rPr lang="en-US" altLang="zh-CN" cap="none" dirty="0"/>
+              <a:t> </a:t>
+            </a:r>
+            <a:r>
+              <a:rPr lang="en-US" altLang="zh-CN" cap="none" dirty="0" err="1"/>
+              <a:t>sourcesets</a:t>
+            </a:r>
+            <a:r>
+              <a:rPr lang="en-US" altLang="zh-CN" cap="none" dirty="0"/>
+              <a:t>	</a:t>
+            </a:r>
+            <a:r>
+              <a:rPr lang="en-US" altLang="zh-CN" dirty="0"/>
+              <a:t>				</a:t>
+            </a:r>
+          </a:p>
+          <a:p>
+            <a:pPr marL="0" indent="0">
+              <a:buNone/>
+            </a:pPr>
+            <a:endParaRPr lang="zh-CN" altLang="en-US" dirty="0"/>
+          </a:p>
+        </p:txBody>
+      </p:sp>
+      <p:pic>
+        <p:nvPicPr>
+          <p:cNvPr id="6" name="图片 5"/>
+          <p:cNvPicPr>
+            <a:picLocks noChangeAspect="1"/>
+          </p:cNvPicPr>
+          <p:nvPr/>
+        </p:nvPicPr>
+        <p:blipFill>
+          <a:blip r:embed="rId3">
+            <a:extLst>
+              <a:ext uri="{28A0092B-C50C-407E-A947-70E740481C1C}">
+                <a14:useLocalDpi xmlns:a14="http://schemas.microsoft.com/office/drawing/2010/main" val="0"/>
+              </a:ext>
+            </a:extLst>
+          </a:blip>
+          <a:stretch>
+            <a:fillRect/>
+          </a:stretch>
+        </p:blipFill>
+        <p:spPr>
+          <a:xfrm>
+            <a:off x="3938156" y="2885671"/>
+            <a:ext cx="4426526" cy="2905530"/>
+          </a:xfrm>
+          <a:prstGeom prst="rect">
+            <a:avLst/>
+          </a:prstGeom>
+        </p:spPr>
+      </p:pic>
     </p:spTree>
     <p:extLst>
       <p:ext uri="{BB962C8B-B14F-4D97-AF65-F5344CB8AC3E}">
-        <p14:creationId xmlns:p14="http://schemas.microsoft.com/office/powerpoint/2010/main" val="2895711705"/>
+        <p14:creationId xmlns:p14="http://schemas.microsoft.com/office/powerpoint/2010/main" val="669932760"/>
       </p:ext>
     </p:extLst>
   </p:cSld>
@@ -7242,25 +9355,450 @@
       </p:grpSpPr>
       <p:sp>
         <p:nvSpPr>
-          <p:cNvPr id="2" name="标题 1"/>
+          <p:cNvPr id="4" name="标题 3"/>
           <p:cNvSpPr>
             <a:spLocks noGrp="1"/>
           </p:cNvSpPr>
           <p:nvPr>
             <p:ph type="title"/>
           </p:nvPr>
+        </p:nvSpPr>
+        <p:spPr/>
+        <p:txBody>
+          <a:bodyPr/>
+          <a:lstStyle/>
+          <a:p>
+            <a:r>
+              <a:rPr lang="zh-CN" altLang="en-US" dirty="0" smtClean="0"/>
+              <a:t>基本命令</a:t>
+            </a:r>
+            <a:endParaRPr lang="zh-CN" altLang="en-US" dirty="0"/>
+          </a:p>
+        </p:txBody>
+      </p:sp>
+      <p:sp>
+        <p:nvSpPr>
+          <p:cNvPr id="3" name="内容占位符 2"/>
+          <p:cNvSpPr>
+            <a:spLocks noGrp="1"/>
+          </p:cNvSpPr>
+          <p:nvPr>
+            <p:ph sz="quarter" idx="13"/>
+          </p:nvPr>
+        </p:nvSpPr>
+        <p:spPr/>
+        <p:txBody>
+          <a:bodyPr/>
+          <a:lstStyle/>
+          <a:p>
+            <a:r>
+              <a:rPr lang="en-US" altLang="zh-CN" cap="none" dirty="0" err="1" smtClean="0"/>
+              <a:t>gradle</a:t>
+            </a:r>
+            <a:r>
+              <a:rPr lang="en-US" altLang="zh-CN" cap="none" dirty="0" smtClean="0"/>
+              <a:t> </a:t>
+            </a:r>
+            <a:r>
+              <a:rPr lang="en-US" altLang="zh-CN" cap="none" dirty="0" err="1" smtClean="0"/>
+              <a:t>init</a:t>
+            </a:r>
+            <a:r>
+              <a:rPr lang="zh-CN" altLang="en-US" cap="none" dirty="0" smtClean="0"/>
+              <a:t>：</a:t>
+            </a:r>
+            <a:endParaRPr lang="en-US" altLang="zh-CN" cap="none" dirty="0" smtClean="0"/>
+          </a:p>
+          <a:p>
+            <a:r>
+              <a:rPr lang="zh-CN" altLang="en-US" cap="none" dirty="0" smtClean="0"/>
+              <a:t>提供</a:t>
+            </a:r>
+            <a:r>
+              <a:rPr lang="en-US" altLang="zh-CN" cap="none" dirty="0" err="1" smtClean="0"/>
+              <a:t>build.gradle</a:t>
+            </a:r>
+            <a:r>
+              <a:rPr lang="zh-CN" altLang="en-US" cap="none" dirty="0" smtClean="0"/>
+              <a:t>等模板</a:t>
+            </a:r>
+            <a:r>
+              <a:rPr lang="en-US" altLang="zh-CN" cap="none" dirty="0" smtClean="0"/>
+              <a:t>	</a:t>
+            </a:r>
+            <a:r>
+              <a:rPr lang="en-US" altLang="zh-CN" dirty="0" smtClean="0"/>
+              <a:t>					</a:t>
+            </a:r>
+          </a:p>
+          <a:p>
+            <a:pPr marL="0" indent="0">
+              <a:buNone/>
+            </a:pPr>
+            <a:endParaRPr lang="zh-CN" altLang="en-US" dirty="0"/>
+          </a:p>
+        </p:txBody>
+      </p:sp>
+      <p:sp>
+        <p:nvSpPr>
+          <p:cNvPr id="5" name="内容占位符 2"/>
+          <p:cNvSpPr txBox="1">
+            <a:spLocks/>
+          </p:cNvSpPr>
+          <p:nvPr/>
         </p:nvSpPr>
         <p:spPr>
           <a:xfrm>
-            <a:off x="913775" y="618517"/>
-            <a:ext cx="10364451" cy="1264071"/>
+            <a:off x="4315660" y="1582221"/>
+            <a:ext cx="4704628" cy="3424107"/>
           </a:xfrm>
+          <a:prstGeom prst="rect">
+            <a:avLst/>
+          </a:prstGeom>
         </p:spPr>
+        <p:txBody>
+          <a:bodyPr vert="horz" lIns="91440" tIns="45720" rIns="91440" bIns="45720" rtlCol="0">
+            <a:normAutofit/>
+          </a:bodyPr>
+          <a:lstStyle>
+            <a:lvl1pPr marL="228600" indent="-228600" algn="l" defTabSz="914400" rtl="0" eaLnBrk="1" latinLnBrk="0" hangingPunct="1">
+              <a:lnSpc>
+                <a:spcPct val="120000"/>
+              </a:lnSpc>
+              <a:spcBef>
+                <a:spcPts val="1000"/>
+              </a:spcBef>
+              <a:buClr>
+                <a:schemeClr val="tx1"/>
+              </a:buClr>
+              <a:buFont typeface="Arial" panose="020B0604020202020204" pitchFamily="34" charset="0"/>
+              <a:buChar char="•"/>
+              <a:defRPr sz="2000" kern="1200" cap="all" baseline="0">
+                <a:solidFill>
+                  <a:schemeClr val="tx1"/>
+                </a:solidFill>
+                <a:effectLst/>
+                <a:latin typeface="+mn-lt"/>
+                <a:ea typeface="+mn-ea"/>
+                <a:cs typeface="+mn-cs"/>
+              </a:defRPr>
+            </a:lvl1pPr>
+            <a:lvl2pPr marL="685800" indent="-228600" algn="l" defTabSz="914400" rtl="0" eaLnBrk="1" latinLnBrk="0" hangingPunct="1">
+              <a:lnSpc>
+                <a:spcPct val="120000"/>
+              </a:lnSpc>
+              <a:spcBef>
+                <a:spcPts val="500"/>
+              </a:spcBef>
+              <a:buClr>
+                <a:schemeClr val="tx1"/>
+              </a:buClr>
+              <a:buFont typeface="Arial" panose="020B0604020202020204" pitchFamily="34" charset="0"/>
+              <a:buChar char="•"/>
+              <a:defRPr sz="1800" kern="1200" cap="all" baseline="0">
+                <a:solidFill>
+                  <a:schemeClr val="tx1"/>
+                </a:solidFill>
+                <a:effectLst/>
+                <a:latin typeface="+mn-lt"/>
+                <a:ea typeface="+mn-ea"/>
+                <a:cs typeface="+mn-cs"/>
+              </a:defRPr>
+            </a:lvl2pPr>
+            <a:lvl3pPr marL="1143000" indent="-228600" algn="l" defTabSz="914400" rtl="0" eaLnBrk="1" latinLnBrk="0" hangingPunct="1">
+              <a:lnSpc>
+                <a:spcPct val="120000"/>
+              </a:lnSpc>
+              <a:spcBef>
+                <a:spcPts val="500"/>
+              </a:spcBef>
+              <a:buClr>
+                <a:schemeClr val="tx1"/>
+              </a:buClr>
+              <a:buFont typeface="Arial" panose="020B0604020202020204" pitchFamily="34" charset="0"/>
+              <a:buChar char="•"/>
+              <a:defRPr sz="1600" kern="1200" cap="all" baseline="0">
+                <a:solidFill>
+                  <a:schemeClr val="tx1"/>
+                </a:solidFill>
+                <a:effectLst/>
+                <a:latin typeface="+mn-lt"/>
+                <a:ea typeface="+mn-ea"/>
+                <a:cs typeface="+mn-cs"/>
+              </a:defRPr>
+            </a:lvl3pPr>
+            <a:lvl4pPr marL="1600200" indent="-228600" algn="l" defTabSz="914400" rtl="0" eaLnBrk="1" latinLnBrk="0" hangingPunct="1">
+              <a:lnSpc>
+                <a:spcPct val="120000"/>
+              </a:lnSpc>
+              <a:spcBef>
+                <a:spcPts val="500"/>
+              </a:spcBef>
+              <a:buClr>
+                <a:schemeClr val="tx1"/>
+              </a:buClr>
+              <a:buFont typeface="Arial" panose="020B0604020202020204" pitchFamily="34" charset="0"/>
+              <a:buChar char="•"/>
+              <a:defRPr sz="1400" kern="1200" cap="all" baseline="0">
+                <a:solidFill>
+                  <a:schemeClr val="tx1"/>
+                </a:solidFill>
+                <a:effectLst/>
+                <a:latin typeface="+mn-lt"/>
+                <a:ea typeface="+mn-ea"/>
+                <a:cs typeface="+mn-cs"/>
+              </a:defRPr>
+            </a:lvl4pPr>
+            <a:lvl5pPr marL="2057400" indent="-228600" algn="l" defTabSz="914400" rtl="0" eaLnBrk="1" latinLnBrk="0" hangingPunct="1">
+              <a:lnSpc>
+                <a:spcPct val="120000"/>
+              </a:lnSpc>
+              <a:spcBef>
+                <a:spcPts val="500"/>
+              </a:spcBef>
+              <a:buClr>
+                <a:schemeClr val="tx1"/>
+              </a:buClr>
+              <a:buFont typeface="Arial" panose="020B0604020202020204" pitchFamily="34" charset="0"/>
+              <a:buChar char="•"/>
+              <a:defRPr sz="1400" kern="1200" cap="all" baseline="0">
+                <a:solidFill>
+                  <a:schemeClr val="tx1"/>
+                </a:solidFill>
+                <a:effectLst/>
+                <a:latin typeface="+mn-lt"/>
+                <a:ea typeface="+mn-ea"/>
+                <a:cs typeface="+mn-cs"/>
+              </a:defRPr>
+            </a:lvl5pPr>
+            <a:lvl6pPr marL="2514600" indent="-228600" algn="l" defTabSz="914400" rtl="0" eaLnBrk="1" latinLnBrk="0" hangingPunct="1">
+              <a:lnSpc>
+                <a:spcPct val="120000"/>
+              </a:lnSpc>
+              <a:spcBef>
+                <a:spcPts val="500"/>
+              </a:spcBef>
+              <a:buClr>
+                <a:schemeClr val="tx1"/>
+              </a:buClr>
+              <a:buFont typeface="Arial" panose="020B0604020202020204" pitchFamily="34" charset="0"/>
+              <a:buChar char="•"/>
+              <a:defRPr sz="1400" kern="1200" cap="all" baseline="0">
+                <a:solidFill>
+                  <a:schemeClr val="tx1"/>
+                </a:solidFill>
+                <a:effectLst/>
+                <a:latin typeface="+mn-lt"/>
+                <a:ea typeface="+mn-ea"/>
+                <a:cs typeface="+mn-cs"/>
+              </a:defRPr>
+            </a:lvl6pPr>
+            <a:lvl7pPr marL="2971800" indent="-228600" algn="l" defTabSz="914400" rtl="0" eaLnBrk="1" latinLnBrk="0" hangingPunct="1">
+              <a:lnSpc>
+                <a:spcPct val="120000"/>
+              </a:lnSpc>
+              <a:spcBef>
+                <a:spcPts val="500"/>
+              </a:spcBef>
+              <a:buClr>
+                <a:schemeClr val="tx1"/>
+              </a:buClr>
+              <a:buFont typeface="Arial" panose="020B0604020202020204" pitchFamily="34" charset="0"/>
+              <a:buChar char="•"/>
+              <a:defRPr sz="1400" kern="1200" cap="all" baseline="0">
+                <a:solidFill>
+                  <a:schemeClr val="tx1"/>
+                </a:solidFill>
+                <a:effectLst/>
+                <a:latin typeface="+mn-lt"/>
+                <a:ea typeface="+mn-ea"/>
+                <a:cs typeface="+mn-cs"/>
+              </a:defRPr>
+            </a:lvl7pPr>
+            <a:lvl8pPr marL="3429000" indent="-228600" algn="l" defTabSz="914400" rtl="0" eaLnBrk="1" latinLnBrk="0" hangingPunct="1">
+              <a:lnSpc>
+                <a:spcPct val="120000"/>
+              </a:lnSpc>
+              <a:spcBef>
+                <a:spcPts val="500"/>
+              </a:spcBef>
+              <a:buClr>
+                <a:schemeClr val="tx1"/>
+              </a:buClr>
+              <a:buFont typeface="Arial" panose="020B0604020202020204" pitchFamily="34" charset="0"/>
+              <a:buChar char="•"/>
+              <a:defRPr sz="1400" kern="1200" cap="all" baseline="0">
+                <a:solidFill>
+                  <a:schemeClr val="tx1"/>
+                </a:solidFill>
+                <a:effectLst/>
+                <a:latin typeface="+mn-lt"/>
+                <a:ea typeface="+mn-ea"/>
+                <a:cs typeface="+mn-cs"/>
+              </a:defRPr>
+            </a:lvl8pPr>
+            <a:lvl9pPr marL="3886200" indent="-228600" algn="l" defTabSz="914400" rtl="0" eaLnBrk="1" latinLnBrk="0" hangingPunct="1">
+              <a:lnSpc>
+                <a:spcPct val="120000"/>
+              </a:lnSpc>
+              <a:spcBef>
+                <a:spcPts val="500"/>
+              </a:spcBef>
+              <a:buClr>
+                <a:schemeClr val="tx1"/>
+              </a:buClr>
+              <a:buFont typeface="Arial" panose="020B0604020202020204" pitchFamily="34" charset="0"/>
+              <a:buChar char="•"/>
+              <a:defRPr sz="1400" kern="1200" cap="all" baseline="0">
+                <a:solidFill>
+                  <a:schemeClr val="tx1"/>
+                </a:solidFill>
+                <a:effectLst/>
+                <a:latin typeface="+mn-lt"/>
+                <a:ea typeface="+mn-ea"/>
+                <a:cs typeface="+mn-cs"/>
+              </a:defRPr>
+            </a:lvl9pPr>
+          </a:lstStyle>
+          <a:p>
+            <a:r>
+              <a:rPr lang="en-US" altLang="zh-CN" cap="none" dirty="0" err="1"/>
+              <a:t>gradle</a:t>
+            </a:r>
+            <a:r>
+              <a:rPr lang="en-US" altLang="zh-CN" cap="none" dirty="0"/>
+              <a:t> wrapper</a:t>
+            </a:r>
+            <a:r>
+              <a:rPr lang="zh-CN" altLang="en-US" cap="none" dirty="0"/>
+              <a:t>：</a:t>
+            </a:r>
+            <a:endParaRPr lang="en-US" altLang="zh-CN" cap="none" dirty="0"/>
+          </a:p>
+          <a:p>
+            <a:r>
+              <a:rPr lang="zh-CN" altLang="en-US" cap="none" dirty="0"/>
+              <a:t>自动</a:t>
+            </a:r>
+            <a:r>
+              <a:rPr lang="zh-CN" altLang="en-US" cap="none" dirty="0"/>
+              <a:t>安装并保证安装正确的版本</a:t>
+            </a:r>
+            <a:r>
+              <a:rPr lang="en-US" altLang="zh-CN" cap="none" dirty="0"/>
+              <a:t>	</a:t>
+            </a:r>
+            <a:r>
+              <a:rPr lang="en-US" altLang="zh-CN" dirty="0"/>
+              <a:t>				</a:t>
+            </a:r>
+          </a:p>
+          <a:p>
+            <a:pPr marL="0" indent="0">
+              <a:buNone/>
+            </a:pPr>
+            <a:endParaRPr lang="zh-CN" altLang="en-US" dirty="0"/>
+          </a:p>
+        </p:txBody>
+      </p:sp>
+      <p:pic>
+        <p:nvPicPr>
+          <p:cNvPr id="7" name="图片 6"/>
+          <p:cNvPicPr>
+            <a:picLocks noChangeAspect="1"/>
+          </p:cNvPicPr>
+          <p:nvPr/>
+        </p:nvPicPr>
+        <p:blipFill>
+          <a:blip r:embed="rId2"/>
+          <a:stretch>
+            <a:fillRect/>
+          </a:stretch>
+        </p:blipFill>
+        <p:spPr>
+          <a:xfrm>
+            <a:off x="794526" y="3018593"/>
+            <a:ext cx="4670220" cy="2467086"/>
+          </a:xfrm>
+          <a:prstGeom prst="rect">
+            <a:avLst/>
+          </a:prstGeom>
+        </p:spPr>
+      </p:pic>
+      <p:pic>
+        <p:nvPicPr>
+          <p:cNvPr id="8" name="图片 7"/>
+          <p:cNvPicPr>
+            <a:picLocks noChangeAspect="1"/>
+          </p:cNvPicPr>
+          <p:nvPr/>
+        </p:nvPicPr>
+        <p:blipFill>
+          <a:blip r:embed="rId3"/>
+          <a:stretch>
+            <a:fillRect/>
+          </a:stretch>
+        </p:blipFill>
+        <p:spPr>
+          <a:xfrm>
+            <a:off x="4121525" y="2805821"/>
+            <a:ext cx="4336675" cy="2150037"/>
+          </a:xfrm>
+          <a:prstGeom prst="rect">
+            <a:avLst/>
+          </a:prstGeom>
+        </p:spPr>
+      </p:pic>
+    </p:spTree>
+    <p:extLst>
+      <p:ext uri="{BB962C8B-B14F-4D97-AF65-F5344CB8AC3E}">
+        <p14:creationId xmlns:p14="http://schemas.microsoft.com/office/powerpoint/2010/main" val="2646450908"/>
+      </p:ext>
+    </p:extLst>
+  </p:cSld>
+  <p:clrMapOvr>
+    <a:masterClrMapping/>
+  </p:clrMapOvr>
+</p:sld>
+</file>
+
+<file path=ppt/slides/slide8.xml><?xml version="1.0" encoding="utf-8"?>
+<p:sld xmlns:a="http://schemas.openxmlformats.org/drawingml/2006/main" xmlns:r="http://schemas.openxmlformats.org/officeDocument/2006/relationships" xmlns:p="http://schemas.openxmlformats.org/presentationml/2006/main">
+  <p:cSld>
+    <p:spTree>
+      <p:nvGrpSpPr>
+        <p:cNvPr id="1" name=""/>
+        <p:cNvGrpSpPr/>
+        <p:nvPr/>
+      </p:nvGrpSpPr>
+      <p:grpSpPr>
+        <a:xfrm>
+          <a:off x="0" y="0"/>
+          <a:ext cx="0" cy="0"/>
+          <a:chOff x="0" y="0"/>
+          <a:chExt cx="0" cy="0"/>
+        </a:xfrm>
+      </p:grpSpPr>
+      <p:sp>
+        <p:nvSpPr>
+          <p:cNvPr id="2" name="标题 1"/>
+          <p:cNvSpPr>
+            <a:spLocks noGrp="1"/>
+          </p:cNvSpPr>
+          <p:nvPr>
+            <p:ph type="title"/>
+          </p:nvPr>
+        </p:nvSpPr>
+        <p:spPr/>
         <p:txBody>
           <a:bodyPr/>
           <a:lstStyle/>
           <a:p>
-            <a:endParaRPr lang="zh-CN" altLang="en-US"/>
+            <a:r>
+              <a:rPr lang="zh-CN" altLang="en-US" dirty="0"/>
+              <a:t>基本命令</a:t>
+            </a:r>
+            <a:endParaRPr lang="zh-CN" altLang="en-US" dirty="0"/>
           </a:p>
         </p:txBody>
       </p:sp>
@@ -7274,12 +9812,217 @@
             <p:ph sz="quarter" idx="13"/>
           </p:nvPr>
         </p:nvSpPr>
-        <p:spPr>
-          <a:xfrm>
-            <a:off x="913774" y="2043954"/>
-            <a:ext cx="10363826" cy="3747246"/>
-          </a:xfrm>
-        </p:spPr>
+        <p:spPr/>
+        <p:txBody>
+          <a:bodyPr/>
+          <a:lstStyle/>
+          <a:p>
+            <a:r>
+              <a:rPr lang="en-US" altLang="zh-CN" cap="none" dirty="0" err="1" smtClean="0"/>
+              <a:t>Gradle</a:t>
+            </a:r>
+            <a:r>
+              <a:rPr lang="en-US" altLang="zh-CN" cap="none" dirty="0" smtClean="0"/>
+              <a:t> assemble/</a:t>
+            </a:r>
+            <a:r>
+              <a:rPr lang="en-US" altLang="zh-CN" cap="none" dirty="0" err="1" smtClean="0"/>
+              <a:t>assembleDebug</a:t>
+            </a:r>
+            <a:r>
+              <a:rPr lang="en-US" altLang="zh-CN" cap="none" dirty="0" smtClean="0"/>
+              <a:t>/</a:t>
+            </a:r>
+            <a:r>
+              <a:rPr lang="en-US" altLang="zh-CN" cap="none" dirty="0" err="1" smtClean="0"/>
+              <a:t>assembleRelease</a:t>
+            </a:r>
+            <a:endParaRPr lang="en-US" altLang="zh-CN" cap="none" dirty="0" smtClean="0"/>
+          </a:p>
+          <a:p>
+            <a:r>
+              <a:rPr lang="en-US" altLang="zh-CN" cap="none" dirty="0" err="1" smtClean="0"/>
+              <a:t>Gradle</a:t>
+            </a:r>
+            <a:r>
+              <a:rPr lang="en-US" altLang="zh-CN" cap="none" dirty="0" smtClean="0"/>
+              <a:t> lint/check</a:t>
+            </a:r>
+          </a:p>
+          <a:p>
+            <a:r>
+              <a:rPr lang="en-US" altLang="zh-CN" cap="none" dirty="0" err="1" smtClean="0"/>
+              <a:t>Gradle</a:t>
+            </a:r>
+            <a:r>
+              <a:rPr lang="en-US" altLang="zh-CN" cap="none" dirty="0" smtClean="0"/>
+              <a:t> build = assemble + check + …</a:t>
+            </a:r>
+          </a:p>
+          <a:p>
+            <a:r>
+              <a:rPr lang="en-US" altLang="zh-CN" cap="none" dirty="0" err="1" smtClean="0"/>
+              <a:t>Gradle</a:t>
+            </a:r>
+            <a:r>
+              <a:rPr lang="en-US" altLang="zh-CN" cap="none" dirty="0" smtClean="0"/>
+              <a:t> clean</a:t>
+            </a:r>
+          </a:p>
+          <a:p>
+            <a:r>
+              <a:rPr lang="en-US" altLang="zh-CN" cap="none" dirty="0" err="1" smtClean="0"/>
+              <a:t>Gradle</a:t>
+            </a:r>
+            <a:r>
+              <a:rPr lang="en-US" altLang="zh-CN" cap="none" dirty="0" smtClean="0"/>
+              <a:t> </a:t>
+            </a:r>
+            <a:r>
+              <a:rPr lang="en-US" altLang="zh-CN" cap="none" dirty="0" err="1" smtClean="0"/>
+              <a:t>installDebug</a:t>
+            </a:r>
+            <a:r>
+              <a:rPr lang="en-US" altLang="zh-CN" cap="none" dirty="0" smtClean="0"/>
+              <a:t>/</a:t>
+            </a:r>
+            <a:r>
+              <a:rPr lang="en-US" altLang="zh-CN" cap="none" dirty="0" err="1" smtClean="0"/>
+              <a:t>installDebugAndroidTest</a:t>
+            </a:r>
+            <a:endParaRPr lang="en-US" altLang="zh-CN" cap="none" dirty="0" smtClean="0"/>
+          </a:p>
+          <a:p>
+            <a:r>
+              <a:rPr lang="en-US" altLang="zh-CN" cap="none" dirty="0" err="1" smtClean="0"/>
+              <a:t>Gradle</a:t>
+            </a:r>
+            <a:r>
+              <a:rPr lang="en-US" altLang="zh-CN" cap="none" dirty="0" smtClean="0"/>
+              <a:t> </a:t>
+            </a:r>
+            <a:r>
+              <a:rPr lang="en-US" altLang="zh-CN" cap="none" dirty="0" err="1" smtClean="0"/>
+              <a:t>uninstallDebug</a:t>
+            </a:r>
+            <a:r>
+              <a:rPr lang="en-US" altLang="zh-CN" cap="none" dirty="0" smtClean="0"/>
+              <a:t>/</a:t>
+            </a:r>
+            <a:r>
+              <a:rPr lang="en-US" altLang="zh-CN" cap="none" dirty="0" err="1" smtClean="0"/>
+              <a:t>uninstallAll</a:t>
+            </a:r>
+            <a:endParaRPr lang="en-US" altLang="zh-CN" cap="none" dirty="0" smtClean="0"/>
+          </a:p>
+          <a:p>
+            <a:r>
+              <a:rPr lang="zh-CN" altLang="en-US" cap="none" dirty="0" smtClean="0"/>
+              <a:t>在</a:t>
+            </a:r>
+            <a:r>
+              <a:rPr lang="en-US" altLang="zh-CN" cap="none" dirty="0" smtClean="0"/>
+              <a:t>Android5.0+</a:t>
+            </a:r>
+            <a:r>
+              <a:rPr lang="zh-CN" altLang="en-US" cap="none" dirty="0" smtClean="0"/>
+              <a:t>上有问题，可以使用</a:t>
+            </a:r>
+            <a:r>
+              <a:rPr lang="en-US" altLang="zh-CN" cap="none" dirty="0" err="1" smtClean="0"/>
+              <a:t>Adb</a:t>
+            </a:r>
+            <a:r>
+              <a:rPr lang="en-US" altLang="zh-CN" cap="none" dirty="0" smtClean="0"/>
+              <a:t> install path/to/</a:t>
+            </a:r>
+            <a:r>
+              <a:rPr lang="en-US" altLang="zh-CN" cap="none" dirty="0" err="1" smtClean="0"/>
+              <a:t>apk</a:t>
+            </a:r>
+            <a:r>
+              <a:rPr lang="en-US" altLang="zh-CN" cap="none" dirty="0" smtClean="0"/>
+              <a:t>/*.</a:t>
+            </a:r>
+            <a:r>
+              <a:rPr lang="en-US" altLang="zh-CN" cap="none" dirty="0" err="1" smtClean="0"/>
+              <a:t>apk</a:t>
+            </a:r>
+            <a:endParaRPr lang="en-US" altLang="zh-CN" cap="none" dirty="0" smtClean="0"/>
+          </a:p>
+          <a:p>
+            <a:endParaRPr lang="zh-CN" altLang="en-US" dirty="0"/>
+          </a:p>
+        </p:txBody>
+      </p:sp>
+    </p:spTree>
+    <p:extLst>
+      <p:ext uri="{BB962C8B-B14F-4D97-AF65-F5344CB8AC3E}">
+        <p14:creationId xmlns:p14="http://schemas.microsoft.com/office/powerpoint/2010/main" val="2895711705"/>
+      </p:ext>
+    </p:extLst>
+  </p:cSld>
+  <p:clrMapOvr>
+    <a:masterClrMapping/>
+  </p:clrMapOvr>
+</p:sld>
+</file>
+
+<file path=ppt/slides/slide9.xml><?xml version="1.0" encoding="utf-8"?>
+<p:sld xmlns:a="http://schemas.openxmlformats.org/drawingml/2006/main" xmlns:r="http://schemas.openxmlformats.org/officeDocument/2006/relationships" xmlns:p="http://schemas.openxmlformats.org/presentationml/2006/main">
+  <p:cSld>
+    <p:spTree>
+      <p:nvGrpSpPr>
+        <p:cNvPr id="1" name=""/>
+        <p:cNvGrpSpPr/>
+        <p:nvPr/>
+      </p:nvGrpSpPr>
+      <p:grpSpPr>
+        <a:xfrm>
+          <a:off x="0" y="0"/>
+          <a:ext cx="0" cy="0"/>
+          <a:chOff x="0" y="0"/>
+          <a:chExt cx="0" cy="0"/>
+        </a:xfrm>
+      </p:grpSpPr>
+      <p:sp>
+        <p:nvSpPr>
+          <p:cNvPr id="7" name="标题 6"/>
+          <p:cNvSpPr>
+            <a:spLocks noGrp="1"/>
+          </p:cNvSpPr>
+          <p:nvPr>
+            <p:ph type="title"/>
+          </p:nvPr>
+        </p:nvSpPr>
+        <p:spPr/>
+        <p:txBody>
+          <a:bodyPr/>
+          <a:lstStyle/>
+          <a:p>
+            <a:r>
+              <a:rPr lang="en-US" altLang="zh-CN" dirty="0" smtClean="0"/>
+              <a:t>IDE </a:t>
+            </a:r>
+            <a:r>
+              <a:rPr lang="zh-CN" altLang="en-US" dirty="0" smtClean="0"/>
+              <a:t>设置</a:t>
+            </a:r>
+            <a:endParaRPr lang="zh-CN" altLang="en-US" dirty="0"/>
+          </a:p>
+        </p:txBody>
+      </p:sp>
+      <p:sp>
+        <p:nvSpPr>
+          <p:cNvPr id="3" name="内容占位符 2"/>
+          <p:cNvSpPr>
+            <a:spLocks noGrp="1"/>
+          </p:cNvSpPr>
+          <p:nvPr>
+            <p:ph sz="quarter" idx="13"/>
+          </p:nvPr>
+        </p:nvSpPr>
+        <p:spPr/>
         <p:txBody>
           <a:bodyPr>
             <a:normAutofit/>
@@ -7357,13 +10100,20 @@
             <a:endParaRPr lang="en-US" altLang="zh-CN" dirty="0" smtClean="0"/>
           </a:p>
           <a:p>
+            <a:endParaRPr lang="en-US" altLang="zh-CN" cap="none" dirty="0" smtClean="0"/>
+          </a:p>
+          <a:p>
             <a:r>
               <a:rPr lang="en-US" altLang="zh-CN" cap="none" dirty="0" err="1" smtClean="0"/>
               <a:t>Gradle</a:t>
             </a:r>
             <a:r>
               <a:rPr lang="en-US" altLang="zh-CN" cap="none" dirty="0" smtClean="0"/>
-              <a:t> version</a:t>
+              <a:t> </a:t>
+            </a:r>
+            <a:r>
+              <a:rPr lang="en-US" altLang="zh-CN" cap="none" dirty="0" smtClean="0"/>
+              <a:t>version</a:t>
             </a:r>
             <a:r>
               <a:rPr lang="zh-CN" altLang="en-US" cap="none" dirty="0" smtClean="0"/>
@@ -7398,8 +10148,8 @@
         </p:nvSpPr>
         <p:spPr bwMode="auto">
           <a:xfrm>
-            <a:off x="1366221" y="3073381"/>
-            <a:ext cx="4604273" cy="1268245"/>
+            <a:off x="1057958" y="2690174"/>
+            <a:ext cx="4604273" cy="1668355"/>
           </a:xfrm>
           <a:prstGeom prst="rect">
             <a:avLst/>
@@ -7442,331 +10192,224 @@
           </a:bodyPr>
           <a:lstStyle/>
           <a:p>
-            <a:pPr marL="0" marR="0" lvl="0" indent="0" algn="l" defTabSz="914400" rtl="0" eaLnBrk="0" fontAlgn="base" latinLnBrk="0" hangingPunct="0">
-              <a:lnSpc>
-                <a:spcPct val="100000"/>
-              </a:lnSpc>
+            <a:pPr defTabSz="914400" eaLnBrk="0" fontAlgn="base" hangingPunct="0">
               <a:spcBef>
                 <a:spcPct val="0"/>
               </a:spcBef>
               <a:spcAft>
                 <a:spcPct val="0"/>
               </a:spcAft>
-              <a:buClrTx/>
-              <a:buSzTx/>
-              <a:buFontTx/>
-              <a:buNone/>
-              <a:tabLst/>
             </a:pPr>
             <a:r>
-              <a:rPr kumimoji="0" lang="zh-CN" altLang="zh-CN" sz="1200" b="0" i="0" u="none" strike="noStrike" cap="none" normalizeH="0" baseline="0" dirty="0" smtClean="0">
-                <a:ln>
-                  <a:noFill/>
-                </a:ln>
+              <a:rPr lang="zh-CN" altLang="zh-CN" sz="1400" dirty="0">
                 <a:solidFill>
                   <a:srgbClr val="000000"/>
                 </a:solidFill>
-                <a:effectLst/>
                 <a:latin typeface="Consolas" panose="020B0609020204030204" pitchFamily="49" charset="0"/>
                 <a:cs typeface="Consolas" panose="020B0609020204030204" pitchFamily="49" charset="0"/>
               </a:rPr>
               <a:t>buildscript </a:t>
             </a:r>
             <a:r>
-              <a:rPr kumimoji="0" lang="zh-CN" altLang="zh-CN" sz="1200" b="0" i="0" u="none" strike="noStrike" cap="none" normalizeH="0" baseline="0" dirty="0" smtClean="0">
-                <a:ln>
-                  <a:noFill/>
-                </a:ln>
+              <a:rPr lang="zh-CN" altLang="zh-CN" sz="1400" dirty="0">
                 <a:solidFill>
                   <a:srgbClr val="666600"/>
                 </a:solidFill>
-                <a:effectLst/>
                 <a:latin typeface="Consolas" panose="020B0609020204030204" pitchFamily="49" charset="0"/>
                 <a:cs typeface="Consolas" panose="020B0609020204030204" pitchFamily="49" charset="0"/>
               </a:rPr>
               <a:t>{</a:t>
             </a:r>
             <a:r>
-              <a:rPr kumimoji="0" lang="zh-CN" altLang="zh-CN" sz="1200" b="0" i="0" u="none" strike="noStrike" cap="none" normalizeH="0" baseline="0" dirty="0" smtClean="0">
-                <a:ln>
-                  <a:noFill/>
-                </a:ln>
+              <a:rPr lang="zh-CN" altLang="zh-CN" sz="1400" dirty="0">
                 <a:solidFill>
                   <a:srgbClr val="000000"/>
                 </a:solidFill>
-                <a:effectLst/>
                 <a:latin typeface="Consolas" panose="020B0609020204030204" pitchFamily="49" charset="0"/>
                 <a:cs typeface="Consolas" panose="020B0609020204030204" pitchFamily="49" charset="0"/>
               </a:rPr>
               <a:t/>
             </a:r>
             <a:br>
-              <a:rPr kumimoji="0" lang="zh-CN" altLang="zh-CN" sz="1200" b="0" i="0" u="none" strike="noStrike" cap="none" normalizeH="0" baseline="0" dirty="0" smtClean="0">
-                <a:ln>
-                  <a:noFill/>
-                </a:ln>
+              <a:rPr lang="zh-CN" altLang="zh-CN" sz="1400" dirty="0">
                 <a:solidFill>
                   <a:srgbClr val="000000"/>
                 </a:solidFill>
-                <a:effectLst/>
                 <a:latin typeface="Consolas" panose="020B0609020204030204" pitchFamily="49" charset="0"/>
                 <a:cs typeface="Consolas" panose="020B0609020204030204" pitchFamily="49" charset="0"/>
               </a:rPr>
             </a:br>
             <a:r>
-              <a:rPr kumimoji="0" lang="zh-CN" altLang="zh-CN" sz="1200" b="0" i="0" u="none" strike="noStrike" cap="none" normalizeH="0" baseline="0" dirty="0" smtClean="0">
-                <a:ln>
-                  <a:noFill/>
-                </a:ln>
+              <a:rPr lang="zh-CN" altLang="zh-CN" sz="1400" dirty="0">
                 <a:solidFill>
                   <a:srgbClr val="000000"/>
                 </a:solidFill>
-                <a:effectLst/>
                 <a:latin typeface="Consolas" panose="020B0609020204030204" pitchFamily="49" charset="0"/>
                 <a:cs typeface="Consolas" panose="020B0609020204030204" pitchFamily="49" charset="0"/>
               </a:rPr>
               <a:t>  </a:t>
             </a:r>
             <a:r>
-              <a:rPr kumimoji="0" lang="zh-CN" altLang="zh-CN" sz="1200" b="0" i="0" u="none" strike="noStrike" cap="none" normalizeH="0" baseline="0" dirty="0" smtClean="0">
-                <a:ln>
-                  <a:noFill/>
-                </a:ln>
+              <a:rPr lang="zh-CN" altLang="zh-CN" sz="1400" dirty="0">
                 <a:solidFill>
                   <a:srgbClr val="666600"/>
                 </a:solidFill>
-                <a:effectLst/>
                 <a:latin typeface="Consolas" panose="020B0609020204030204" pitchFamily="49" charset="0"/>
                 <a:cs typeface="Consolas" panose="020B0609020204030204" pitchFamily="49" charset="0"/>
               </a:rPr>
               <a:t>...</a:t>
             </a:r>
             <a:r>
-              <a:rPr kumimoji="0" lang="zh-CN" altLang="zh-CN" sz="1200" b="0" i="0" u="none" strike="noStrike" cap="none" normalizeH="0" baseline="0" dirty="0" smtClean="0">
-                <a:ln>
-                  <a:noFill/>
-                </a:ln>
+              <a:rPr lang="zh-CN" altLang="zh-CN" sz="1400" dirty="0">
                 <a:solidFill>
                   <a:srgbClr val="000000"/>
                 </a:solidFill>
-                <a:effectLst/>
                 <a:latin typeface="Consolas" panose="020B0609020204030204" pitchFamily="49" charset="0"/>
                 <a:cs typeface="Consolas" panose="020B0609020204030204" pitchFamily="49" charset="0"/>
               </a:rPr>
               <a:t/>
             </a:r>
             <a:br>
-              <a:rPr kumimoji="0" lang="zh-CN" altLang="zh-CN" sz="1200" b="0" i="0" u="none" strike="noStrike" cap="none" normalizeH="0" baseline="0" dirty="0" smtClean="0">
-                <a:ln>
-                  <a:noFill/>
-                </a:ln>
+              <a:rPr lang="zh-CN" altLang="zh-CN" sz="1400" dirty="0">
                 <a:solidFill>
                   <a:srgbClr val="000000"/>
                 </a:solidFill>
-                <a:effectLst/>
                 <a:latin typeface="Consolas" panose="020B0609020204030204" pitchFamily="49" charset="0"/>
                 <a:cs typeface="Consolas" panose="020B0609020204030204" pitchFamily="49" charset="0"/>
               </a:rPr>
             </a:br>
             <a:r>
-              <a:rPr kumimoji="0" lang="zh-CN" altLang="zh-CN" sz="1200" b="0" i="0" u="none" strike="noStrike" cap="none" normalizeH="0" baseline="0" dirty="0" smtClean="0">
-                <a:ln>
-                  <a:noFill/>
-                </a:ln>
+              <a:rPr lang="zh-CN" altLang="zh-CN" sz="1400" dirty="0">
                 <a:solidFill>
                   <a:srgbClr val="000000"/>
                 </a:solidFill>
-                <a:effectLst/>
                 <a:latin typeface="Consolas" panose="020B0609020204030204" pitchFamily="49" charset="0"/>
                 <a:cs typeface="Consolas" panose="020B0609020204030204" pitchFamily="49" charset="0"/>
               </a:rPr>
               <a:t>  dependencies </a:t>
             </a:r>
             <a:r>
-              <a:rPr kumimoji="0" lang="zh-CN" altLang="zh-CN" sz="1200" b="0" i="0" u="none" strike="noStrike" cap="none" normalizeH="0" baseline="0" dirty="0" smtClean="0">
-                <a:ln>
-                  <a:noFill/>
-                </a:ln>
+              <a:rPr lang="zh-CN" altLang="zh-CN" sz="1400" dirty="0">
                 <a:solidFill>
                   <a:srgbClr val="666600"/>
                 </a:solidFill>
-                <a:effectLst/>
                 <a:latin typeface="Consolas" panose="020B0609020204030204" pitchFamily="49" charset="0"/>
                 <a:cs typeface="Consolas" panose="020B0609020204030204" pitchFamily="49" charset="0"/>
               </a:rPr>
               <a:t>{</a:t>
             </a:r>
             <a:r>
-              <a:rPr kumimoji="0" lang="zh-CN" altLang="zh-CN" sz="1200" b="0" i="0" u="none" strike="noStrike" cap="none" normalizeH="0" baseline="0" dirty="0" smtClean="0">
-                <a:ln>
-                  <a:noFill/>
-                </a:ln>
+              <a:rPr lang="zh-CN" altLang="zh-CN" sz="1400" dirty="0">
                 <a:solidFill>
                   <a:srgbClr val="000000"/>
                 </a:solidFill>
-                <a:effectLst/>
                 <a:latin typeface="Consolas" panose="020B0609020204030204" pitchFamily="49" charset="0"/>
                 <a:cs typeface="Consolas" panose="020B0609020204030204" pitchFamily="49" charset="0"/>
               </a:rPr>
               <a:t/>
             </a:r>
             <a:br>
-              <a:rPr kumimoji="0" lang="zh-CN" altLang="zh-CN" sz="1200" b="0" i="0" u="none" strike="noStrike" cap="none" normalizeH="0" baseline="0" dirty="0" smtClean="0">
-                <a:ln>
-                  <a:noFill/>
-                </a:ln>
+              <a:rPr lang="zh-CN" altLang="zh-CN" sz="1400" dirty="0">
                 <a:solidFill>
                   <a:srgbClr val="000000"/>
                 </a:solidFill>
-                <a:effectLst/>
                 <a:latin typeface="Consolas" panose="020B0609020204030204" pitchFamily="49" charset="0"/>
                 <a:cs typeface="Consolas" panose="020B0609020204030204" pitchFamily="49" charset="0"/>
               </a:rPr>
             </a:br>
             <a:r>
-              <a:rPr kumimoji="0" lang="zh-CN" altLang="zh-CN" sz="1200" b="0" i="0" u="none" strike="noStrike" cap="none" normalizeH="0" baseline="0" dirty="0" smtClean="0">
-                <a:ln>
-                  <a:noFill/>
-                </a:ln>
+              <a:rPr lang="zh-CN" altLang="zh-CN" sz="1400" dirty="0">
                 <a:solidFill>
                   <a:srgbClr val="000000"/>
                 </a:solidFill>
-                <a:effectLst/>
                 <a:latin typeface="Consolas" panose="020B0609020204030204" pitchFamily="49" charset="0"/>
                 <a:cs typeface="Consolas" panose="020B0609020204030204" pitchFamily="49" charset="0"/>
               </a:rPr>
               <a:t>    classpath </a:t>
             </a:r>
             <a:r>
-              <a:rPr kumimoji="0" lang="zh-CN" altLang="zh-CN" sz="1200" b="0" i="0" u="none" strike="noStrike" cap="none" normalizeH="0" baseline="0" dirty="0" smtClean="0">
-                <a:ln>
-                  <a:noFill/>
-                </a:ln>
+              <a:rPr lang="zh-CN" altLang="zh-CN" sz="1400" dirty="0">
                 <a:solidFill>
                   <a:srgbClr val="880000"/>
                 </a:solidFill>
-                <a:effectLst/>
                 <a:latin typeface="Consolas" panose="020B0609020204030204" pitchFamily="49" charset="0"/>
                 <a:cs typeface="Consolas" panose="020B0609020204030204" pitchFamily="49" charset="0"/>
               </a:rPr>
               <a:t>'com.android.tools.build:gradle:2.2.0'</a:t>
             </a:r>
             <a:r>
-              <a:rPr kumimoji="0" lang="zh-CN" altLang="zh-CN" sz="1200" b="0" i="0" u="none" strike="noStrike" cap="none" normalizeH="0" baseline="0" dirty="0" smtClean="0">
-                <a:ln>
-                  <a:noFill/>
-                </a:ln>
+              <a:rPr lang="zh-CN" altLang="zh-CN" sz="1400" dirty="0">
                 <a:solidFill>
                   <a:srgbClr val="000000"/>
                 </a:solidFill>
-                <a:effectLst/>
                 <a:latin typeface="Consolas" panose="020B0609020204030204" pitchFamily="49" charset="0"/>
                 <a:cs typeface="Consolas" panose="020B0609020204030204" pitchFamily="49" charset="0"/>
               </a:rPr>
               <a:t/>
             </a:r>
             <a:br>
-              <a:rPr kumimoji="0" lang="zh-CN" altLang="zh-CN" sz="1200" b="0" i="0" u="none" strike="noStrike" cap="none" normalizeH="0" baseline="0" dirty="0" smtClean="0">
-                <a:ln>
-                  <a:noFill/>
-                </a:ln>
+              <a:rPr lang="zh-CN" altLang="zh-CN" sz="1400" dirty="0">
                 <a:solidFill>
                   <a:srgbClr val="000000"/>
                 </a:solidFill>
-                <a:effectLst/>
                 <a:latin typeface="Consolas" panose="020B0609020204030204" pitchFamily="49" charset="0"/>
                 <a:cs typeface="Consolas" panose="020B0609020204030204" pitchFamily="49" charset="0"/>
               </a:rPr>
             </a:br>
             <a:r>
-              <a:rPr kumimoji="0" lang="zh-CN" altLang="zh-CN" sz="1200" b="0" i="0" u="none" strike="noStrike" cap="none" normalizeH="0" baseline="0" dirty="0" smtClean="0">
-                <a:ln>
-                  <a:noFill/>
-                </a:ln>
+              <a:rPr lang="zh-CN" altLang="zh-CN" sz="1400" dirty="0">
                 <a:solidFill>
                   <a:srgbClr val="000000"/>
                 </a:solidFill>
-                <a:effectLst/>
                 <a:latin typeface="Consolas" panose="020B0609020204030204" pitchFamily="49" charset="0"/>
                 <a:cs typeface="Consolas" panose="020B0609020204030204" pitchFamily="49" charset="0"/>
               </a:rPr>
               <a:t>  </a:t>
             </a:r>
             <a:r>
-              <a:rPr kumimoji="0" lang="zh-CN" altLang="zh-CN" sz="1200" b="0" i="0" u="none" strike="noStrike" cap="none" normalizeH="0" baseline="0" dirty="0" smtClean="0">
-                <a:ln>
-                  <a:noFill/>
-                </a:ln>
+              <a:rPr lang="zh-CN" altLang="zh-CN" sz="1400" dirty="0">
                 <a:solidFill>
                   <a:srgbClr val="666600"/>
                 </a:solidFill>
-                <a:effectLst/>
                 <a:latin typeface="Consolas" panose="020B0609020204030204" pitchFamily="49" charset="0"/>
                 <a:cs typeface="Consolas" panose="020B0609020204030204" pitchFamily="49" charset="0"/>
               </a:rPr>
               <a:t>}</a:t>
             </a:r>
             <a:r>
-              <a:rPr kumimoji="0" lang="zh-CN" altLang="zh-CN" sz="1200" b="0" i="0" u="none" strike="noStrike" cap="none" normalizeH="0" baseline="0" dirty="0" smtClean="0">
-                <a:ln>
-                  <a:noFill/>
-                </a:ln>
+              <a:rPr lang="zh-CN" altLang="zh-CN" sz="1400" dirty="0">
                 <a:solidFill>
                   <a:srgbClr val="000000"/>
                 </a:solidFill>
-                <a:effectLst/>
                 <a:latin typeface="Consolas" panose="020B0609020204030204" pitchFamily="49" charset="0"/>
                 <a:cs typeface="Consolas" panose="020B0609020204030204" pitchFamily="49" charset="0"/>
               </a:rPr>
               <a:t/>
             </a:r>
             <a:br>
-              <a:rPr kumimoji="0" lang="zh-CN" altLang="zh-CN" sz="1200" b="0" i="0" u="none" strike="noStrike" cap="none" normalizeH="0" baseline="0" dirty="0" smtClean="0">
-                <a:ln>
-                  <a:noFill/>
-                </a:ln>
+              <a:rPr lang="zh-CN" altLang="zh-CN" sz="1400" dirty="0">
                 <a:solidFill>
                   <a:srgbClr val="000000"/>
                 </a:solidFill>
-                <a:effectLst/>
                 <a:latin typeface="Consolas" panose="020B0609020204030204" pitchFamily="49" charset="0"/>
                 <a:cs typeface="Consolas" panose="020B0609020204030204" pitchFamily="49" charset="0"/>
               </a:rPr>
             </a:br>
             <a:r>
-              <a:rPr kumimoji="0" lang="zh-CN" altLang="zh-CN" sz="1200" b="0" i="0" u="none" strike="noStrike" cap="none" normalizeH="0" baseline="0" dirty="0" smtClean="0">
-                <a:ln>
-                  <a:noFill/>
-                </a:ln>
+              <a:rPr lang="zh-CN" altLang="zh-CN" sz="1400" dirty="0">
                 <a:solidFill>
                   <a:srgbClr val="666600"/>
                 </a:solidFill>
-                <a:effectLst/>
                 <a:latin typeface="Consolas" panose="020B0609020204030204" pitchFamily="49" charset="0"/>
                 <a:cs typeface="Consolas" panose="020B0609020204030204" pitchFamily="49" charset="0"/>
               </a:rPr>
               <a:t>}</a:t>
             </a:r>
             <a:r>
-              <a:rPr kumimoji="0" lang="zh-CN" altLang="zh-CN" sz="1200" b="0" i="0" u="none" strike="noStrike" cap="none" normalizeH="0" baseline="0" dirty="0" smtClean="0">
-                <a:ln>
-                  <a:noFill/>
-                </a:ln>
-                <a:solidFill>
-                  <a:schemeClr val="tx1"/>
-                </a:solidFill>
-                <a:effectLst/>
-              </a:rPr>
+              <a:rPr lang="zh-CN" altLang="zh-CN" sz="1400" dirty="0"/>
               <a:t> </a:t>
             </a:r>
-            <a:endParaRPr kumimoji="0" lang="zh-CN" altLang="zh-CN" sz="1200" b="0" i="0" u="none" strike="noStrike" cap="none" normalizeH="0" baseline="0" dirty="0" smtClean="0">
-              <a:ln>
-                <a:noFill/>
-              </a:ln>
-              <a:solidFill>
-                <a:schemeClr val="tx1"/>
-              </a:solidFill>
-              <a:effectLst/>
+            <a:endParaRPr lang="zh-CN" altLang="zh-CN" sz="1400" dirty="0">
               <a:latin typeface="Arial" panose="020B0604020202020204" pitchFamily="34" charset="0"/>
             </a:endParaRPr>
           </a:p>
@@ -7782,8 +10425,8 @@
         </p:nvSpPr>
         <p:spPr bwMode="auto">
           <a:xfrm>
-            <a:off x="1108037" y="5204722"/>
-            <a:ext cx="8380207" cy="375693"/>
+            <a:off x="454398" y="5176650"/>
+            <a:ext cx="7889502" cy="375693"/>
           </a:xfrm>
           <a:prstGeom prst="rect">
             <a:avLst/>
@@ -7826,112 +10469,69 @@
           </a:bodyPr>
           <a:lstStyle/>
           <a:p>
-            <a:pPr marL="0" marR="0" lvl="0" indent="0" algn="l" defTabSz="914400" rtl="0" eaLnBrk="0" fontAlgn="base" latinLnBrk="0" hangingPunct="0">
-              <a:lnSpc>
-                <a:spcPct val="100000"/>
-              </a:lnSpc>
+            <a:pPr defTabSz="914400" eaLnBrk="0" fontAlgn="base" hangingPunct="0">
               <a:spcBef>
                 <a:spcPct val="0"/>
               </a:spcBef>
               <a:spcAft>
                 <a:spcPct val="0"/>
               </a:spcAft>
-              <a:buClrTx/>
-              <a:buSzTx/>
-              <a:buFontTx/>
-              <a:buNone/>
-              <a:tabLst/>
             </a:pPr>
             <a:r>
-              <a:rPr kumimoji="0" lang="zh-CN" altLang="zh-CN" sz="1400" b="0" i="0" u="none" strike="noStrike" cap="none" normalizeH="0" baseline="0" dirty="0" smtClean="0">
-                <a:ln>
-                  <a:noFill/>
-                </a:ln>
+              <a:rPr lang="zh-CN" altLang="zh-CN" sz="1400" dirty="0">
                 <a:solidFill>
                   <a:srgbClr val="000000"/>
                 </a:solidFill>
-                <a:effectLst/>
                 <a:latin typeface="Consolas" panose="020B0609020204030204" pitchFamily="49" charset="0"/>
                 <a:cs typeface="Consolas" panose="020B0609020204030204" pitchFamily="49" charset="0"/>
               </a:rPr>
               <a:t>distributionUrl </a:t>
             </a:r>
             <a:r>
-              <a:rPr kumimoji="0" lang="zh-CN" altLang="zh-CN" sz="1400" b="0" i="0" u="none" strike="noStrike" cap="none" normalizeH="0" baseline="0" dirty="0" smtClean="0">
-                <a:ln>
-                  <a:noFill/>
-                </a:ln>
+              <a:rPr lang="zh-CN" altLang="zh-CN" sz="1400" dirty="0">
                 <a:solidFill>
                   <a:srgbClr val="666600"/>
                 </a:solidFill>
-                <a:effectLst/>
                 <a:latin typeface="Consolas" panose="020B0609020204030204" pitchFamily="49" charset="0"/>
                 <a:cs typeface="Consolas" panose="020B0609020204030204" pitchFamily="49" charset="0"/>
               </a:rPr>
               <a:t>=</a:t>
             </a:r>
             <a:r>
-              <a:rPr kumimoji="0" lang="zh-CN" altLang="zh-CN" sz="1400" b="0" i="0" u="none" strike="noStrike" cap="none" normalizeH="0" baseline="0" dirty="0" smtClean="0">
-                <a:ln>
-                  <a:noFill/>
-                </a:ln>
+              <a:rPr lang="zh-CN" altLang="zh-CN" sz="1400" dirty="0">
                 <a:solidFill>
                   <a:srgbClr val="000000"/>
                 </a:solidFill>
-                <a:effectLst/>
                 <a:latin typeface="Consolas" panose="020B0609020204030204" pitchFamily="49" charset="0"/>
                 <a:cs typeface="Consolas" panose="020B0609020204030204" pitchFamily="49" charset="0"/>
               </a:rPr>
               <a:t> https</a:t>
             </a:r>
             <a:r>
-              <a:rPr kumimoji="0" lang="zh-CN" altLang="zh-CN" sz="1400" b="0" i="0" u="none" strike="noStrike" cap="none" normalizeH="0" baseline="0" dirty="0" smtClean="0">
-                <a:ln>
-                  <a:noFill/>
-                </a:ln>
+              <a:rPr lang="zh-CN" altLang="zh-CN" sz="1400" dirty="0">
                 <a:solidFill>
                   <a:srgbClr val="666600"/>
                 </a:solidFill>
-                <a:effectLst/>
                 <a:latin typeface="Consolas" panose="020B0609020204030204" pitchFamily="49" charset="0"/>
                 <a:cs typeface="Consolas" panose="020B0609020204030204" pitchFamily="49" charset="0"/>
               </a:rPr>
               <a:t>\:</a:t>
             </a:r>
             <a:r>
-              <a:rPr kumimoji="0" lang="zh-CN" altLang="zh-CN" sz="1400" b="0" i="0" u="none" strike="noStrike" cap="none" normalizeH="0" baseline="0" dirty="0" smtClean="0">
-                <a:ln>
-                  <a:noFill/>
-                </a:ln>
+              <a:rPr lang="zh-CN" altLang="zh-CN" sz="1400" dirty="0">
                 <a:solidFill>
                   <a:srgbClr val="006600"/>
                 </a:solidFill>
-                <a:effectLst/>
                 <a:latin typeface="Consolas" panose="020B0609020204030204" pitchFamily="49" charset="0"/>
                 <a:cs typeface="Consolas" panose="020B0609020204030204" pitchFamily="49" charset="0"/>
               </a:rPr>
               <a:t>//services.gradle.org/distributions/gradle-2.10-all.zip</a:t>
             </a:r>
             <a:r>
-              <a:rPr kumimoji="0" lang="zh-CN" altLang="zh-CN" sz="1400" b="0" i="0" u="none" strike="noStrike" cap="none" normalizeH="0" baseline="0" dirty="0" smtClean="0">
-                <a:ln>
-                  <a:noFill/>
-                </a:ln>
-                <a:solidFill>
-                  <a:schemeClr val="tx1"/>
-                </a:solidFill>
-                <a:effectLst/>
-              </a:rPr>
+              <a:rPr lang="zh-CN" altLang="zh-CN" sz="1400" dirty="0"/>
               <a:t> </a:t>
             </a:r>
-            <a:endParaRPr kumimoji="0" lang="zh-CN" altLang="zh-CN" sz="1400" b="0" i="0" u="none" strike="noStrike" cap="none" normalizeH="0" baseline="0" dirty="0" smtClean="0">
-              <a:ln>
-                <a:noFill/>
-              </a:ln>
-              <a:solidFill>
-                <a:schemeClr val="tx1"/>
-              </a:solidFill>
-              <a:effectLst/>
+            <a:endParaRPr lang="zh-CN" altLang="zh-CN" sz="1400" dirty="0">
               <a:latin typeface="Arial" panose="020B0604020202020204" pitchFamily="34" charset="0"/>
             </a:endParaRPr>
           </a:p>
@@ -7953,7 +10553,7 @@
 <file path=ppt/theme/theme1.xml><?xml version="1.0" encoding="utf-8"?>
 <a:theme xmlns:a="http://schemas.openxmlformats.org/drawingml/2006/main" name="水滴">
   <a:themeElements>
-    <a:clrScheme name="Droplet">
+    <a:clrScheme name="水滴">
       <a:dk1>
         <a:sysClr val="windowText" lastClr="000000"/>
       </a:dk1>
@@ -7991,7 +10591,7 @@
         <a:srgbClr val="97C5E3"/>
       </a:folHlink>
     </a:clrScheme>
-    <a:fontScheme name="Droplet">
+    <a:fontScheme name="水滴">
       <a:majorFont>
         <a:latin typeface="Tw Cen MT" panose="020B0602020104020603"/>
         <a:ea typeface=""/>
@@ -8063,7 +10663,7 @@
         <a:font script="Geor" typeface="Sylfaen"/>
       </a:minorFont>
     </a:fontScheme>
-    <a:fmtScheme name="Droplet">
+    <a:fmtScheme name="水滴">
       <a:fillStyleLst>
         <a:solidFill>
           <a:schemeClr val="phClr"/>

--- a/Gradle.pptx
+++ b/Gradle.pptx
@@ -20,7 +20,8 @@
     <p:sldId id="271" r:id="rId14"/>
     <p:sldId id="268" r:id="rId15"/>
     <p:sldId id="269" r:id="rId16"/>
-    <p:sldId id="265" r:id="rId17"/>
+    <p:sldId id="272" r:id="rId17"/>
+    <p:sldId id="265" r:id="rId18"/>
   </p:sldIdLst>
   <p:sldSz cx="9144000" cy="6858000" type="screen4x3"/>
   <p:notesSz cx="6858000" cy="9144000"/>
@@ -298,7 +299,7 @@
           <a:p>
             <a:fld id="{48A87A34-81AB-432B-8DAE-1953F412C126}" type="datetimeFigureOut">
               <a:rPr lang="en-US" smtClean="0"/>
-              <a:t>10/10/2016</a:t>
+              <a:t>10/11/2016</a:t>
             </a:fld>
             <a:endParaRPr lang="en-US" dirty="0"/>
           </a:p>
@@ -610,7 +611,7 @@
           <a:p>
             <a:fld id="{48A87A34-81AB-432B-8DAE-1953F412C126}" type="datetimeFigureOut">
               <a:rPr lang="en-US" smtClean="0"/>
-              <a:t>10/10/2016</a:t>
+              <a:t>10/11/2016</a:t>
             </a:fld>
             <a:endParaRPr lang="en-US" dirty="0"/>
           </a:p>
@@ -832,7 +833,7 @@
           <a:p>
             <a:fld id="{48A87A34-81AB-432B-8DAE-1953F412C126}" type="datetimeFigureOut">
               <a:rPr lang="en-US" smtClean="0"/>
-              <a:t>10/10/2016</a:t>
+              <a:t>10/11/2016</a:t>
             </a:fld>
             <a:endParaRPr lang="en-US" dirty="0"/>
           </a:p>
@@ -1123,7 +1124,7 @@
           <a:p>
             <a:fld id="{48A87A34-81AB-432B-8DAE-1953F412C126}" type="datetimeFigureOut">
               <a:rPr lang="en-US" smtClean="0"/>
-              <a:t>10/10/2016</a:t>
+              <a:t>10/11/2016</a:t>
             </a:fld>
             <a:endParaRPr lang="en-US" dirty="0"/>
           </a:p>
@@ -1577,7 +1578,7 @@
           <a:p>
             <a:fld id="{48A87A34-81AB-432B-8DAE-1953F412C126}" type="datetimeFigureOut">
               <a:rPr lang="en-US" smtClean="0"/>
-              <a:t>10/10/2016</a:t>
+              <a:t>10/11/2016</a:t>
             </a:fld>
             <a:endParaRPr lang="en-US" dirty="0"/>
           </a:p>
@@ -2153,7 +2154,7 @@
           <a:p>
             <a:fld id="{48A87A34-81AB-432B-8DAE-1953F412C126}" type="datetimeFigureOut">
               <a:rPr lang="en-US" smtClean="0"/>
-              <a:t>10/10/2016</a:t>
+              <a:t>10/11/2016</a:t>
             </a:fld>
             <a:endParaRPr lang="en-US" dirty="0"/>
           </a:p>
@@ -3005,7 +3006,7 @@
           <a:p>
             <a:fld id="{48A87A34-81AB-432B-8DAE-1953F412C126}" type="datetimeFigureOut">
               <a:rPr lang="en-US" smtClean="0"/>
-              <a:t>10/10/2016</a:t>
+              <a:t>10/11/2016</a:t>
             </a:fld>
             <a:endParaRPr lang="en-US" dirty="0"/>
           </a:p>
@@ -3210,7 +3211,7 @@
           <a:p>
             <a:fld id="{48A87A34-81AB-432B-8DAE-1953F412C126}" type="datetimeFigureOut">
               <a:rPr lang="en-US" smtClean="0"/>
-              <a:t>10/10/2016</a:t>
+              <a:t>10/11/2016</a:t>
             </a:fld>
             <a:endParaRPr lang="en-US" dirty="0"/>
           </a:p>
@@ -3424,7 +3425,7 @@
           <a:p>
             <a:fld id="{48A87A34-81AB-432B-8DAE-1953F412C126}" type="datetimeFigureOut">
               <a:rPr lang="en-US" smtClean="0"/>
-              <a:t>10/10/2016</a:t>
+              <a:t>10/11/2016</a:t>
             </a:fld>
             <a:endParaRPr lang="en-US" dirty="0"/>
           </a:p>
@@ -3634,7 +3635,7 @@
           <a:p>
             <a:fld id="{48A87A34-81AB-432B-8DAE-1953F412C126}" type="datetimeFigureOut">
               <a:rPr lang="en-US" smtClean="0"/>
-              <a:t>10/10/2016</a:t>
+              <a:t>10/11/2016</a:t>
             </a:fld>
             <a:endParaRPr lang="en-US" dirty="0"/>
           </a:p>
@@ -3914,7 +3915,7 @@
           <a:p>
             <a:fld id="{48A87A34-81AB-432B-8DAE-1953F412C126}" type="datetimeFigureOut">
               <a:rPr lang="en-US" smtClean="0"/>
-              <a:t>10/10/2016</a:t>
+              <a:t>10/11/2016</a:t>
             </a:fld>
             <a:endParaRPr lang="en-US" dirty="0"/>
           </a:p>
@@ -4181,7 +4182,7 @@
           <a:p>
             <a:fld id="{48A87A34-81AB-432B-8DAE-1953F412C126}" type="datetimeFigureOut">
               <a:rPr lang="en-US" smtClean="0"/>
-              <a:t>10/10/2016</a:t>
+              <a:t>10/11/2016</a:t>
             </a:fld>
             <a:endParaRPr lang="en-US" dirty="0"/>
           </a:p>
@@ -4596,7 +4597,7 @@
           <a:p>
             <a:fld id="{48A87A34-81AB-432B-8DAE-1953F412C126}" type="datetimeFigureOut">
               <a:rPr lang="en-US" smtClean="0"/>
-              <a:t>10/10/2016</a:t>
+              <a:t>10/11/2016</a:t>
             </a:fld>
             <a:endParaRPr lang="en-US" dirty="0"/>
           </a:p>
@@ -4744,7 +4745,7 @@
           <a:p>
             <a:fld id="{48A87A34-81AB-432B-8DAE-1953F412C126}" type="datetimeFigureOut">
               <a:rPr lang="en-US" smtClean="0"/>
-              <a:t>10/10/2016</a:t>
+              <a:t>10/11/2016</a:t>
             </a:fld>
             <a:endParaRPr lang="en-US" dirty="0"/>
           </a:p>
@@ -4869,7 +4870,7 @@
           <a:p>
             <a:fld id="{48A87A34-81AB-432B-8DAE-1953F412C126}" type="datetimeFigureOut">
               <a:rPr lang="en-US" smtClean="0"/>
-              <a:t>10/10/2016</a:t>
+              <a:t>10/11/2016</a:t>
             </a:fld>
             <a:endParaRPr lang="en-US" dirty="0"/>
           </a:p>
@@ -5148,7 +5149,7 @@
           <a:p>
             <a:fld id="{48A87A34-81AB-432B-8DAE-1953F412C126}" type="datetimeFigureOut">
               <a:rPr lang="en-US" smtClean="0"/>
-              <a:t>10/10/2016</a:t>
+              <a:t>10/11/2016</a:t>
             </a:fld>
             <a:endParaRPr lang="en-US" dirty="0"/>
           </a:p>
@@ -5460,7 +5461,7 @@
           <a:p>
             <a:fld id="{48A87A34-81AB-432B-8DAE-1953F412C126}" type="datetimeFigureOut">
               <a:rPr lang="en-US" smtClean="0"/>
-              <a:t>10/10/2016</a:t>
+              <a:t>10/11/2016</a:t>
             </a:fld>
             <a:endParaRPr lang="en-US" dirty="0"/>
           </a:p>
@@ -5714,7 +5715,7 @@
             <a:fld id="{48A87A34-81AB-432B-8DAE-1953F412C126}" type="datetimeFigureOut">
               <a:rPr lang="en-US" smtClean="0"/>
               <a:pPr/>
-              <a:t>10/10/2016</a:t>
+              <a:t>10/11/2016</a:t>
             </a:fld>
             <a:endParaRPr lang="en-US" dirty="0"/>
           </a:p>
@@ -6409,7 +6410,7 @@
           <a:p>
             <a:r>
               <a:rPr lang="en-US" altLang="zh-CN" cap="none" dirty="0" err="1" smtClean="0"/>
-              <a:t>Buildconfig</a:t>
+              <a:t>BuildConfig</a:t>
             </a:r>
             <a:endParaRPr lang="en-US" altLang="zh-CN" cap="none" dirty="0" smtClean="0"/>
           </a:p>
@@ -6817,7 +6818,715 @@
           <a:bodyPr/>
           <a:lstStyle/>
           <a:p>
+            <a:r>
+              <a:rPr lang="en-US" altLang="zh-CN" cap="none" dirty="0" smtClean="0"/>
+              <a:t>1.Libs directory</a:t>
+            </a:r>
+            <a:r>
+              <a:rPr lang="zh-CN" altLang="en-US" cap="none" dirty="0" smtClean="0"/>
+              <a:t>：</a:t>
+            </a:r>
+            <a:endParaRPr lang="en-US" altLang="zh-CN" cap="none" dirty="0" smtClean="0"/>
+          </a:p>
+          <a:p>
+            <a:endParaRPr lang="en-US" altLang="zh-CN" cap="none" dirty="0" smtClean="0"/>
+          </a:p>
+          <a:p>
+            <a:endParaRPr lang="en-US" altLang="zh-CN" cap="none" dirty="0" smtClean="0"/>
+          </a:p>
+          <a:p>
+            <a:r>
+              <a:rPr lang="en-US" altLang="zh-CN" cap="none" dirty="0" smtClean="0"/>
+              <a:t>2.</a:t>
+            </a:r>
+            <a:r>
+              <a:rPr lang="en-US" altLang="zh-CN" cap="none" dirty="0" smtClean="0"/>
+              <a:t> Repositories</a:t>
+            </a:r>
+            <a:r>
+              <a:rPr lang="zh-CN" altLang="en-US" cap="none" dirty="0" smtClean="0"/>
+              <a:t>：</a:t>
+            </a:r>
+            <a:endParaRPr lang="en-US" altLang="zh-CN" cap="none" dirty="0" smtClean="0"/>
+          </a:p>
+          <a:p>
+            <a:endParaRPr lang="en-US" altLang="zh-CN" cap="none" dirty="0" smtClean="0"/>
+          </a:p>
+          <a:p>
+            <a:endParaRPr lang="en-US" altLang="zh-CN" cap="none" dirty="0" smtClean="0"/>
+          </a:p>
+          <a:p>
+            <a:r>
+              <a:rPr lang="en-US" altLang="zh-CN" cap="none" dirty="0" smtClean="0"/>
+              <a:t>3.Library projects</a:t>
+            </a:r>
+            <a:r>
+              <a:rPr lang="zh-CN" altLang="en-US" dirty="0" smtClean="0"/>
+              <a:t>：</a:t>
+            </a:r>
             <a:endParaRPr lang="zh-CN" altLang="en-US" dirty="0"/>
+          </a:p>
+        </p:txBody>
+      </p:sp>
+      <p:sp>
+        <p:nvSpPr>
+          <p:cNvPr id="4" name="Rectangle 1"/>
+          <p:cNvSpPr>
+            <a:spLocks noChangeArrowheads="1"/>
+          </p:cNvSpPr>
+          <p:nvPr/>
+        </p:nvSpPr>
+        <p:spPr bwMode="auto">
+          <a:xfrm>
+            <a:off x="3190008" y="2006667"/>
+            <a:ext cx="4426528" cy="830997"/>
+          </a:xfrm>
+          <a:prstGeom prst="rect">
+            <a:avLst/>
+          </a:prstGeom>
+          <a:noFill/>
+          <a:ln>
+            <a:noFill/>
+          </a:ln>
+          <a:effectLst/>
+          <a:extLst>
+            <a:ext uri="{909E8E84-426E-40DD-AFC4-6F175D3DCCD1}">
+              <a14:hiddenFill xmlns:a14="http://schemas.microsoft.com/office/drawing/2010/main">
+                <a:solidFill>
+                  <a:schemeClr val="accent1"/>
+                </a:solidFill>
+              </a14:hiddenFill>
+            </a:ext>
+            <a:ext uri="{91240B29-F687-4F45-9708-019B960494DF}">
+              <a14:hiddenLine xmlns:a14="http://schemas.microsoft.com/office/drawing/2010/main" w="9525">
+                <a:solidFill>
+                  <a:schemeClr val="tx1"/>
+                </a:solidFill>
+                <a:miter lim="800000"/>
+                <a:headEnd/>
+                <a:tailEnd/>
+              </a14:hiddenLine>
+            </a:ext>
+            <a:ext uri="{AF507438-7753-43E0-B8FC-AC1667EBCBE1}">
+              <a14:hiddenEffects xmlns:a14="http://schemas.microsoft.com/office/drawing/2010/main">
+                <a:effectLst>
+                  <a:outerShdw dist="35921" dir="2700000" algn="ctr" rotWithShape="0">
+                    <a:schemeClr val="bg2"/>
+                  </a:outerShdw>
+                </a:effectLst>
+              </a14:hiddenEffects>
+            </a:ext>
+          </a:extLst>
+        </p:spPr>
+        <p:txBody>
+          <a:bodyPr vert="horz" wrap="square" lIns="91440" tIns="45720" rIns="91440" bIns="45720" numCol="1" anchor="ctr" anchorCtr="0" compatLnSpc="1">
+            <a:prstTxWarp prst="textNoShape">
+              <a:avLst/>
+            </a:prstTxWarp>
+            <a:spAutoFit/>
+          </a:bodyPr>
+          <a:lstStyle/>
+          <a:p>
+            <a:pPr marL="0" marR="0" lvl="0" indent="0" algn="l" defTabSz="914400" rtl="0" eaLnBrk="0" fontAlgn="base" latinLnBrk="0" hangingPunct="0">
+              <a:lnSpc>
+                <a:spcPct val="100000"/>
+              </a:lnSpc>
+              <a:spcBef>
+                <a:spcPct val="0"/>
+              </a:spcBef>
+              <a:spcAft>
+                <a:spcPct val="0"/>
+              </a:spcAft>
+              <a:buClrTx/>
+              <a:buSzTx/>
+              <a:buFontTx/>
+              <a:buNone/>
+              <a:tabLst/>
+            </a:pPr>
+            <a:r>
+              <a:rPr kumimoji="0" lang="zh-CN" altLang="zh-CN" sz="1600" b="0" i="0" u="none" strike="noStrike" cap="none" normalizeH="0" baseline="0" dirty="0" smtClean="0">
+                <a:ln>
+                  <a:noFill/>
+                </a:ln>
+                <a:solidFill>
+                  <a:srgbClr val="006000"/>
+                </a:solidFill>
+                <a:effectLst/>
+                <a:latin typeface="Arial Unicode MS" panose="020B0604020202020204" pitchFamily="34" charset="-122"/>
+              </a:rPr>
+              <a:t>dependencies {</a:t>
+            </a:r>
+            <a:r>
+              <a:rPr kumimoji="0" lang="zh-CN" altLang="zh-CN" sz="1600" b="0" i="0" u="none" strike="noStrike" cap="none" normalizeH="0" baseline="0" dirty="0" smtClean="0">
+                <a:ln>
+                  <a:noFill/>
+                </a:ln>
+                <a:solidFill>
+                  <a:schemeClr val="tx1"/>
+                </a:solidFill>
+                <a:effectLst/>
+              </a:rPr>
+              <a:t/>
+            </a:r>
+            <a:br>
+              <a:rPr kumimoji="0" lang="zh-CN" altLang="zh-CN" sz="1600" b="0" i="0" u="none" strike="noStrike" cap="none" normalizeH="0" baseline="0" dirty="0" smtClean="0">
+                <a:ln>
+                  <a:noFill/>
+                </a:ln>
+                <a:solidFill>
+                  <a:schemeClr val="tx1"/>
+                </a:solidFill>
+                <a:effectLst/>
+              </a:rPr>
+            </a:br>
+            <a:r>
+              <a:rPr kumimoji="0" lang="zh-CN" altLang="zh-CN" sz="1600" b="0" i="0" u="none" strike="noStrike" cap="none" normalizeH="0" baseline="0" dirty="0" smtClean="0">
+                <a:ln>
+                  <a:noFill/>
+                </a:ln>
+                <a:solidFill>
+                  <a:srgbClr val="006000"/>
+                </a:solidFill>
+                <a:effectLst/>
+                <a:latin typeface="Arial Unicode MS" panose="020B0604020202020204" pitchFamily="34" charset="-122"/>
+              </a:rPr>
+              <a:t>    compile fileTree(dir: 'libs', include: ['*.jar'])</a:t>
+            </a:r>
+            <a:r>
+              <a:rPr kumimoji="0" lang="zh-CN" altLang="zh-CN" sz="1600" b="0" i="0" u="none" strike="noStrike" cap="none" normalizeH="0" baseline="0" dirty="0" smtClean="0">
+                <a:ln>
+                  <a:noFill/>
+                </a:ln>
+                <a:solidFill>
+                  <a:schemeClr val="tx1"/>
+                </a:solidFill>
+                <a:effectLst/>
+              </a:rPr>
+              <a:t/>
+            </a:r>
+            <a:br>
+              <a:rPr kumimoji="0" lang="zh-CN" altLang="zh-CN" sz="1600" b="0" i="0" u="none" strike="noStrike" cap="none" normalizeH="0" baseline="0" dirty="0" smtClean="0">
+                <a:ln>
+                  <a:noFill/>
+                </a:ln>
+                <a:solidFill>
+                  <a:schemeClr val="tx1"/>
+                </a:solidFill>
+                <a:effectLst/>
+              </a:rPr>
+            </a:br>
+            <a:r>
+              <a:rPr kumimoji="0" lang="zh-CN" altLang="zh-CN" sz="1600" b="0" i="0" u="none" strike="noStrike" cap="none" normalizeH="0" baseline="0" dirty="0" smtClean="0">
+                <a:ln>
+                  <a:noFill/>
+                </a:ln>
+                <a:solidFill>
+                  <a:srgbClr val="006000"/>
+                </a:solidFill>
+                <a:effectLst/>
+                <a:latin typeface="Arial Unicode MS" panose="020B0604020202020204" pitchFamily="34" charset="-122"/>
+              </a:rPr>
+              <a:t>}</a:t>
+            </a:r>
+            <a:r>
+              <a:rPr kumimoji="0" lang="zh-CN" altLang="zh-CN" sz="1600" b="0" i="0" u="none" strike="noStrike" cap="none" normalizeH="0" baseline="0" dirty="0" smtClean="0">
+                <a:ln>
+                  <a:noFill/>
+                </a:ln>
+                <a:solidFill>
+                  <a:schemeClr val="tx1"/>
+                </a:solidFill>
+                <a:effectLst/>
+              </a:rPr>
+              <a:t> </a:t>
+            </a:r>
+            <a:endParaRPr kumimoji="0" lang="zh-CN" altLang="zh-CN" sz="1600" b="0" i="0" u="none" strike="noStrike" cap="none" normalizeH="0" baseline="0" dirty="0" smtClean="0">
+              <a:ln>
+                <a:noFill/>
+              </a:ln>
+              <a:solidFill>
+                <a:schemeClr val="tx1"/>
+              </a:solidFill>
+              <a:effectLst/>
+              <a:latin typeface="Arial" panose="020B0604020202020204" pitchFamily="34" charset="0"/>
+            </a:endParaRPr>
+          </a:p>
+        </p:txBody>
+      </p:sp>
+      <p:sp>
+        <p:nvSpPr>
+          <p:cNvPr id="5" name="Rectangle 2"/>
+          <p:cNvSpPr>
+            <a:spLocks noChangeArrowheads="1"/>
+          </p:cNvSpPr>
+          <p:nvPr/>
+        </p:nvSpPr>
+        <p:spPr bwMode="auto">
+          <a:xfrm>
+            <a:off x="3190008" y="3318621"/>
+            <a:ext cx="3979718" cy="1077218"/>
+          </a:xfrm>
+          <a:prstGeom prst="rect">
+            <a:avLst/>
+          </a:prstGeom>
+          <a:noFill/>
+          <a:ln>
+            <a:noFill/>
+          </a:ln>
+          <a:effectLst/>
+          <a:extLst>
+            <a:ext uri="{909E8E84-426E-40DD-AFC4-6F175D3DCCD1}">
+              <a14:hiddenFill xmlns:a14="http://schemas.microsoft.com/office/drawing/2010/main">
+                <a:solidFill>
+                  <a:schemeClr val="accent1"/>
+                </a:solidFill>
+              </a14:hiddenFill>
+            </a:ext>
+            <a:ext uri="{91240B29-F687-4F45-9708-019B960494DF}">
+              <a14:hiddenLine xmlns:a14="http://schemas.microsoft.com/office/drawing/2010/main" w="9525">
+                <a:solidFill>
+                  <a:schemeClr val="tx1"/>
+                </a:solidFill>
+                <a:miter lim="800000"/>
+                <a:headEnd/>
+                <a:tailEnd/>
+              </a14:hiddenLine>
+            </a:ext>
+            <a:ext uri="{AF507438-7753-43E0-B8FC-AC1667EBCBE1}">
+              <a14:hiddenEffects xmlns:a14="http://schemas.microsoft.com/office/drawing/2010/main">
+                <a:effectLst>
+                  <a:outerShdw dist="35921" dir="2700000" algn="ctr" rotWithShape="0">
+                    <a:schemeClr val="bg2"/>
+                  </a:outerShdw>
+                </a:effectLst>
+              </a14:hiddenEffects>
+            </a:ext>
+          </a:extLst>
+        </p:spPr>
+        <p:txBody>
+          <a:bodyPr vert="horz" wrap="square" lIns="91440" tIns="45720" rIns="91440" bIns="45720" numCol="1" anchor="ctr" anchorCtr="0" compatLnSpc="1">
+            <a:prstTxWarp prst="textNoShape">
+              <a:avLst/>
+            </a:prstTxWarp>
+            <a:spAutoFit/>
+          </a:bodyPr>
+          <a:lstStyle/>
+          <a:p>
+            <a:pPr marL="0" marR="0" lvl="0" indent="0" algn="l" defTabSz="914400" rtl="0" eaLnBrk="0" fontAlgn="base" latinLnBrk="0" hangingPunct="0">
+              <a:lnSpc>
+                <a:spcPct val="100000"/>
+              </a:lnSpc>
+              <a:spcBef>
+                <a:spcPct val="0"/>
+              </a:spcBef>
+              <a:spcAft>
+                <a:spcPct val="0"/>
+              </a:spcAft>
+              <a:buClrTx/>
+              <a:buSzTx/>
+              <a:buFontTx/>
+              <a:buNone/>
+              <a:tabLst/>
+            </a:pPr>
+            <a:r>
+              <a:rPr kumimoji="0" lang="zh-CN" altLang="zh-CN" sz="1600" b="0" i="0" u="none" strike="noStrike" cap="none" normalizeH="0" baseline="0" dirty="0" smtClean="0">
+                <a:ln>
+                  <a:noFill/>
+                </a:ln>
+                <a:solidFill>
+                  <a:srgbClr val="006000"/>
+                </a:solidFill>
+                <a:effectLst/>
+                <a:latin typeface="Arial Unicode MS" panose="020B0604020202020204" pitchFamily="34" charset="-122"/>
+              </a:rPr>
+              <a:t>repositories {     jcenter()</a:t>
+            </a:r>
+            <a:r>
+              <a:rPr kumimoji="0" lang="en-US" altLang="zh-CN" sz="1600" b="0" i="0" u="none" strike="noStrike" cap="none" normalizeH="0" baseline="0" dirty="0" smtClean="0">
+                <a:ln>
+                  <a:noFill/>
+                </a:ln>
+                <a:solidFill>
+                  <a:srgbClr val="006000"/>
+                </a:solidFill>
+                <a:effectLst/>
+                <a:latin typeface="Arial Unicode MS" panose="020B0604020202020204" pitchFamily="34" charset="-122"/>
+              </a:rPr>
+              <a:t>     </a:t>
+            </a:r>
+            <a:r>
+              <a:rPr kumimoji="0" lang="zh-CN" altLang="zh-CN" sz="1600" b="0" i="0" u="none" strike="noStrike" cap="none" normalizeH="0" baseline="0" dirty="0" smtClean="0">
+                <a:ln>
+                  <a:noFill/>
+                </a:ln>
+                <a:solidFill>
+                  <a:srgbClr val="006000"/>
+                </a:solidFill>
+                <a:effectLst/>
+                <a:latin typeface="Arial Unicode MS" panose="020B0604020202020204" pitchFamily="34" charset="-122"/>
+              </a:rPr>
+              <a:t>}</a:t>
+            </a:r>
+            <a:r>
+              <a:rPr kumimoji="0" lang="zh-CN" altLang="zh-CN" sz="1600" b="0" i="0" u="none" strike="noStrike" cap="none" normalizeH="0" baseline="0" dirty="0" smtClean="0">
+                <a:ln>
+                  <a:noFill/>
+                </a:ln>
+                <a:solidFill>
+                  <a:schemeClr val="tx1"/>
+                </a:solidFill>
+                <a:effectLst/>
+                <a:latin typeface="Arial" panose="020B0604020202020204" pitchFamily="34" charset="0"/>
+              </a:rPr>
+              <a:t/>
+            </a:r>
+            <a:br>
+              <a:rPr kumimoji="0" lang="zh-CN" altLang="zh-CN" sz="1600" b="0" i="0" u="none" strike="noStrike" cap="none" normalizeH="0" baseline="0" dirty="0" smtClean="0">
+                <a:ln>
+                  <a:noFill/>
+                </a:ln>
+                <a:solidFill>
+                  <a:schemeClr val="tx1"/>
+                </a:solidFill>
+                <a:effectLst/>
+                <a:latin typeface="Arial" panose="020B0604020202020204" pitchFamily="34" charset="0"/>
+              </a:rPr>
+            </a:br>
+            <a:r>
+              <a:rPr kumimoji="0" lang="zh-CN" altLang="zh-CN" sz="1600" b="0" i="0" u="none" strike="noStrike" cap="none" normalizeH="0" baseline="0" dirty="0" smtClean="0">
+                <a:ln>
+                  <a:noFill/>
+                </a:ln>
+                <a:solidFill>
+                  <a:srgbClr val="006000"/>
+                </a:solidFill>
+                <a:effectLst/>
+                <a:latin typeface="Arial Unicode MS" panose="020B0604020202020204" pitchFamily="34" charset="-122"/>
+              </a:rPr>
+              <a:t>dependencies {</a:t>
+            </a:r>
+            <a:r>
+              <a:rPr kumimoji="0" lang="zh-CN" altLang="zh-CN" sz="1600" b="0" i="0" u="none" strike="noStrike" cap="none" normalizeH="0" baseline="0" dirty="0" smtClean="0">
+                <a:ln>
+                  <a:noFill/>
+                </a:ln>
+                <a:solidFill>
+                  <a:schemeClr val="tx1"/>
+                </a:solidFill>
+                <a:effectLst/>
+              </a:rPr>
+              <a:t/>
+            </a:r>
+            <a:br>
+              <a:rPr kumimoji="0" lang="zh-CN" altLang="zh-CN" sz="1600" b="0" i="0" u="none" strike="noStrike" cap="none" normalizeH="0" baseline="0" dirty="0" smtClean="0">
+                <a:ln>
+                  <a:noFill/>
+                </a:ln>
+                <a:solidFill>
+                  <a:schemeClr val="tx1"/>
+                </a:solidFill>
+                <a:effectLst/>
+              </a:rPr>
+            </a:br>
+            <a:r>
+              <a:rPr kumimoji="0" lang="zh-CN" altLang="zh-CN" sz="1600" b="0" i="0" u="none" strike="noStrike" cap="none" normalizeH="0" baseline="0" dirty="0" smtClean="0">
+                <a:ln>
+                  <a:noFill/>
+                </a:ln>
+                <a:solidFill>
+                  <a:srgbClr val="006000"/>
+                </a:solidFill>
+                <a:effectLst/>
+                <a:latin typeface="Arial Unicode MS" panose="020B0604020202020204" pitchFamily="34" charset="-122"/>
+              </a:rPr>
+              <a:t>    compile 'com.google.guava:guava:18.0'</a:t>
+            </a:r>
+            <a:r>
+              <a:rPr kumimoji="0" lang="zh-CN" altLang="zh-CN" sz="1600" b="0" i="0" u="none" strike="noStrike" cap="none" normalizeH="0" baseline="0" dirty="0" smtClean="0">
+                <a:ln>
+                  <a:noFill/>
+                </a:ln>
+                <a:solidFill>
+                  <a:schemeClr val="tx1"/>
+                </a:solidFill>
+                <a:effectLst/>
+              </a:rPr>
+              <a:t/>
+            </a:r>
+            <a:br>
+              <a:rPr kumimoji="0" lang="zh-CN" altLang="zh-CN" sz="1600" b="0" i="0" u="none" strike="noStrike" cap="none" normalizeH="0" baseline="0" dirty="0" smtClean="0">
+                <a:ln>
+                  <a:noFill/>
+                </a:ln>
+                <a:solidFill>
+                  <a:schemeClr val="tx1"/>
+                </a:solidFill>
+                <a:effectLst/>
+              </a:rPr>
+            </a:br>
+            <a:r>
+              <a:rPr kumimoji="0" lang="zh-CN" altLang="zh-CN" sz="1600" b="0" i="0" u="none" strike="noStrike" cap="none" normalizeH="0" baseline="0" dirty="0" smtClean="0">
+                <a:ln>
+                  <a:noFill/>
+                </a:ln>
+                <a:solidFill>
+                  <a:srgbClr val="006000"/>
+                </a:solidFill>
+                <a:effectLst/>
+                <a:latin typeface="Arial Unicode MS" panose="020B0604020202020204" pitchFamily="34" charset="-122"/>
+              </a:rPr>
+              <a:t>}</a:t>
+            </a:r>
+            <a:r>
+              <a:rPr kumimoji="0" lang="zh-CN" altLang="zh-CN" sz="1600" b="0" i="0" u="none" strike="noStrike" cap="none" normalizeH="0" baseline="0" dirty="0" smtClean="0">
+                <a:ln>
+                  <a:noFill/>
+                </a:ln>
+                <a:solidFill>
+                  <a:schemeClr val="tx1"/>
+                </a:solidFill>
+                <a:effectLst/>
+              </a:rPr>
+              <a:t> </a:t>
+            </a:r>
+            <a:endParaRPr kumimoji="0" lang="zh-CN" altLang="zh-CN" sz="1600" b="0" i="0" u="none" strike="noStrike" cap="none" normalizeH="0" baseline="0" dirty="0" smtClean="0">
+              <a:ln>
+                <a:noFill/>
+              </a:ln>
+              <a:solidFill>
+                <a:schemeClr val="tx1"/>
+              </a:solidFill>
+              <a:effectLst/>
+              <a:latin typeface="Arial" panose="020B0604020202020204" pitchFamily="34" charset="0"/>
+            </a:endParaRPr>
+          </a:p>
+        </p:txBody>
+      </p:sp>
+      <p:sp>
+        <p:nvSpPr>
+          <p:cNvPr id="6" name="Rectangle 3"/>
+          <p:cNvSpPr>
+            <a:spLocks noChangeArrowheads="1"/>
+          </p:cNvSpPr>
+          <p:nvPr/>
+        </p:nvSpPr>
+        <p:spPr bwMode="auto">
+          <a:xfrm>
+            <a:off x="3190008" y="5242386"/>
+            <a:ext cx="4790209" cy="830997"/>
+          </a:xfrm>
+          <a:prstGeom prst="rect">
+            <a:avLst/>
+          </a:prstGeom>
+          <a:noFill/>
+          <a:ln>
+            <a:noFill/>
+          </a:ln>
+          <a:effectLst/>
+          <a:extLst>
+            <a:ext uri="{909E8E84-426E-40DD-AFC4-6F175D3DCCD1}">
+              <a14:hiddenFill xmlns:a14="http://schemas.microsoft.com/office/drawing/2010/main">
+                <a:solidFill>
+                  <a:schemeClr val="accent1"/>
+                </a:solidFill>
+              </a14:hiddenFill>
+            </a:ext>
+            <a:ext uri="{91240B29-F687-4F45-9708-019B960494DF}">
+              <a14:hiddenLine xmlns:a14="http://schemas.microsoft.com/office/drawing/2010/main" w="9525">
+                <a:solidFill>
+                  <a:schemeClr val="tx1"/>
+                </a:solidFill>
+                <a:miter lim="800000"/>
+                <a:headEnd/>
+                <a:tailEnd/>
+              </a14:hiddenLine>
+            </a:ext>
+            <a:ext uri="{AF507438-7753-43E0-B8FC-AC1667EBCBE1}">
+              <a14:hiddenEffects xmlns:a14="http://schemas.microsoft.com/office/drawing/2010/main">
+                <a:effectLst>
+                  <a:outerShdw dist="35921" dir="2700000" algn="ctr" rotWithShape="0">
+                    <a:schemeClr val="bg2"/>
+                  </a:outerShdw>
+                </a:effectLst>
+              </a14:hiddenEffects>
+            </a:ext>
+          </a:extLst>
+        </p:spPr>
+        <p:txBody>
+          <a:bodyPr vert="horz" wrap="square" lIns="91440" tIns="45720" rIns="91440" bIns="45720" numCol="1" anchor="ctr" anchorCtr="0" compatLnSpc="1">
+            <a:prstTxWarp prst="textNoShape">
+              <a:avLst/>
+            </a:prstTxWarp>
+            <a:spAutoFit/>
+          </a:bodyPr>
+          <a:lstStyle/>
+          <a:p>
+            <a:pPr marL="0" marR="0" lvl="0" indent="0" algn="l" defTabSz="914400" rtl="0" eaLnBrk="0" fontAlgn="base" latinLnBrk="0" hangingPunct="0">
+              <a:lnSpc>
+                <a:spcPct val="100000"/>
+              </a:lnSpc>
+              <a:spcBef>
+                <a:spcPct val="0"/>
+              </a:spcBef>
+              <a:spcAft>
+                <a:spcPct val="0"/>
+              </a:spcAft>
+              <a:buClrTx/>
+              <a:buSzTx/>
+              <a:buFontTx/>
+              <a:buNone/>
+              <a:tabLst/>
+            </a:pPr>
+            <a:r>
+              <a:rPr kumimoji="0" lang="zh-CN" altLang="zh-CN" sz="1600" b="0" i="0" u="none" strike="noStrike" cap="none" normalizeH="0" baseline="0" dirty="0" smtClean="0">
+                <a:ln>
+                  <a:noFill/>
+                </a:ln>
+                <a:solidFill>
+                  <a:srgbClr val="006000"/>
+                </a:solidFill>
+                <a:effectLst/>
+                <a:latin typeface="Arial Unicode MS" panose="020B0604020202020204" pitchFamily="34" charset="-122"/>
+              </a:rPr>
+              <a:t>dependencies {</a:t>
+            </a:r>
+            <a:r>
+              <a:rPr kumimoji="0" lang="zh-CN" altLang="zh-CN" sz="1600" b="0" i="0" u="none" strike="noStrike" cap="none" normalizeH="0" baseline="0" dirty="0" smtClean="0">
+                <a:ln>
+                  <a:noFill/>
+                </a:ln>
+                <a:solidFill>
+                  <a:schemeClr val="tx1"/>
+                </a:solidFill>
+                <a:effectLst/>
+              </a:rPr>
+              <a:t/>
+            </a:r>
+            <a:br>
+              <a:rPr kumimoji="0" lang="zh-CN" altLang="zh-CN" sz="1600" b="0" i="0" u="none" strike="noStrike" cap="none" normalizeH="0" baseline="0" dirty="0" smtClean="0">
+                <a:ln>
+                  <a:noFill/>
+                </a:ln>
+                <a:solidFill>
+                  <a:schemeClr val="tx1"/>
+                </a:solidFill>
+                <a:effectLst/>
+              </a:rPr>
+            </a:br>
+            <a:r>
+              <a:rPr kumimoji="0" lang="zh-CN" altLang="zh-CN" sz="1600" b="0" i="0" u="none" strike="noStrike" cap="none" normalizeH="0" baseline="0" dirty="0" smtClean="0">
+                <a:ln>
+                  <a:noFill/>
+                </a:ln>
+                <a:solidFill>
+                  <a:srgbClr val="006000"/>
+                </a:solidFill>
+                <a:effectLst/>
+                <a:latin typeface="Arial Unicode MS" panose="020B0604020202020204" pitchFamily="34" charset="-122"/>
+              </a:rPr>
+              <a:t>     compile project(':libraries:lib1')</a:t>
+            </a:r>
+            <a:r>
+              <a:rPr kumimoji="0" lang="zh-CN" altLang="zh-CN" sz="1600" b="0" i="0" u="none" strike="noStrike" cap="none" normalizeH="0" baseline="0" dirty="0" smtClean="0">
+                <a:ln>
+                  <a:noFill/>
+                </a:ln>
+                <a:solidFill>
+                  <a:schemeClr val="tx1"/>
+                </a:solidFill>
+                <a:effectLst/>
+              </a:rPr>
+              <a:t/>
+            </a:r>
+            <a:br>
+              <a:rPr kumimoji="0" lang="zh-CN" altLang="zh-CN" sz="1600" b="0" i="0" u="none" strike="noStrike" cap="none" normalizeH="0" baseline="0" dirty="0" smtClean="0">
+                <a:ln>
+                  <a:noFill/>
+                </a:ln>
+                <a:solidFill>
+                  <a:schemeClr val="tx1"/>
+                </a:solidFill>
+                <a:effectLst/>
+              </a:rPr>
+            </a:br>
+            <a:r>
+              <a:rPr kumimoji="0" lang="zh-CN" altLang="zh-CN" sz="1600" b="0" i="0" u="none" strike="noStrike" cap="none" normalizeH="0" baseline="0" dirty="0" smtClean="0">
+                <a:ln>
+                  <a:noFill/>
+                </a:ln>
+                <a:solidFill>
+                  <a:srgbClr val="006000"/>
+                </a:solidFill>
+                <a:effectLst/>
+                <a:latin typeface="Arial Unicode MS" panose="020B0604020202020204" pitchFamily="34" charset="-122"/>
+              </a:rPr>
+              <a:t>}</a:t>
+            </a:r>
+            <a:r>
+              <a:rPr kumimoji="0" lang="zh-CN" altLang="zh-CN" sz="1600" b="0" i="0" u="none" strike="noStrike" cap="none" normalizeH="0" baseline="0" dirty="0" smtClean="0">
+                <a:ln>
+                  <a:noFill/>
+                </a:ln>
+                <a:solidFill>
+                  <a:schemeClr val="tx1"/>
+                </a:solidFill>
+                <a:effectLst/>
+              </a:rPr>
+              <a:t> </a:t>
+            </a:r>
+            <a:endParaRPr kumimoji="0" lang="zh-CN" altLang="zh-CN" sz="1600" b="0" i="0" u="none" strike="noStrike" cap="none" normalizeH="0" baseline="0" dirty="0" smtClean="0">
+              <a:ln>
+                <a:noFill/>
+              </a:ln>
+              <a:solidFill>
+                <a:schemeClr val="tx1"/>
+              </a:solidFill>
+              <a:effectLst/>
+              <a:latin typeface="Arial" panose="020B0604020202020204" pitchFamily="34" charset="0"/>
+            </a:endParaRPr>
+          </a:p>
+        </p:txBody>
+      </p:sp>
+      <p:sp>
+        <p:nvSpPr>
+          <p:cNvPr id="7" name="矩形 6"/>
+          <p:cNvSpPr/>
+          <p:nvPr/>
+        </p:nvSpPr>
+        <p:spPr>
+          <a:xfrm>
+            <a:off x="3190008" y="4925098"/>
+            <a:ext cx="5678633" cy="338554"/>
+          </a:xfrm>
+          <a:prstGeom prst="rect">
+            <a:avLst/>
+          </a:prstGeom>
+        </p:spPr>
+        <p:txBody>
+          <a:bodyPr wrap="square">
+            <a:spAutoFit/>
+          </a:bodyPr>
+          <a:lstStyle/>
+          <a:p>
+            <a:r>
+              <a:rPr lang="en-US" altLang="zh-CN" sz="1600" dirty="0">
+                <a:solidFill>
+                  <a:srgbClr val="006000"/>
+                </a:solidFill>
+                <a:latin typeface="Courier New" panose="02070309020205020404" pitchFamily="49" charset="0"/>
+              </a:rPr>
+              <a:t>include ':app', ':libraries:lib1</a:t>
+            </a:r>
+            <a:r>
+              <a:rPr lang="en-US" altLang="zh-CN" sz="1600" dirty="0" smtClean="0">
+                <a:solidFill>
+                  <a:srgbClr val="006000"/>
+                </a:solidFill>
+                <a:latin typeface="Courier New" panose="02070309020205020404" pitchFamily="49" charset="0"/>
+              </a:rPr>
+              <a:t>'</a:t>
+            </a:r>
+            <a:endParaRPr lang="zh-CN" altLang="en-US" sz="1600" dirty="0"/>
           </a:p>
         </p:txBody>
       </p:sp>
@@ -7573,6 +8282,9 @@
             <a:endParaRPr lang="en-US" altLang="zh-CN" dirty="0" smtClean="0"/>
           </a:p>
           <a:p>
+            <a:endParaRPr lang="en-US" altLang="zh-CN" dirty="0" smtClean="0"/>
+          </a:p>
+          <a:p>
             <a:r>
               <a:rPr lang="en-US" altLang="zh-CN" dirty="0"/>
               <a:t>m</a:t>
@@ -7596,12 +8308,18 @@
           </a:p>
           <a:p>
             <a:r>
-              <a:rPr lang="en-US" altLang="zh-CN" dirty="0"/>
-              <a:t>t</a:t>
-            </a:r>
+              <a:rPr lang="en-US" altLang="zh-CN" dirty="0" err="1"/>
+              <a:t>debug_ant</a:t>
+            </a:r>
+            <a:endParaRPr lang="en-US" altLang="zh-CN" dirty="0"/>
+          </a:p>
+          <a:p>
+            <a:endParaRPr lang="en-US" altLang="zh-CN" dirty="0" smtClean="0"/>
+          </a:p>
+          <a:p>
             <a:r>
               <a:rPr lang="en-US" altLang="zh-CN" dirty="0" smtClean="0"/>
-              <a:t>est</a:t>
+              <a:t>test</a:t>
             </a:r>
           </a:p>
           <a:p>
@@ -7615,23 +8333,6 @@
             <a:r>
               <a:rPr lang="en-US" altLang="zh-CN" dirty="0" err="1" smtClean="0"/>
               <a:t>testRelease</a:t>
-            </a:r>
-            <a:endParaRPr lang="en-US" altLang="zh-CN" dirty="0" smtClean="0"/>
-          </a:p>
-          <a:p>
-            <a:endParaRPr lang="en-US" altLang="zh-CN" dirty="0" smtClean="0"/>
-          </a:p>
-          <a:p>
-            <a:endParaRPr lang="en-US" altLang="zh-CN" dirty="0" smtClean="0"/>
-          </a:p>
-          <a:p>
-            <a:r>
-              <a:rPr lang="en-US" altLang="zh-CN" dirty="0" err="1"/>
-              <a:t>d</a:t>
-            </a:r>
-            <a:r>
-              <a:rPr lang="en-US" altLang="zh-CN" dirty="0" err="1" smtClean="0"/>
-              <a:t>ebug_ant</a:t>
             </a:r>
             <a:endParaRPr lang="en-US" altLang="zh-CN" dirty="0" smtClean="0"/>
           </a:p>
@@ -7689,26 +8390,633 @@
           <a:bodyPr/>
           <a:lstStyle/>
           <a:p>
-            <a:endParaRPr lang="zh-CN" altLang="en-US"/>
-          </a:p>
-        </p:txBody>
-      </p:sp>
-      <p:sp>
-        <p:nvSpPr>
-          <p:cNvPr id="3" name="内容占位符 2"/>
-          <p:cNvSpPr>
-            <a:spLocks noGrp="1"/>
+            <a:r>
+              <a:rPr lang="en-US" altLang="zh-CN" dirty="0" smtClean="0"/>
+              <a:t>4.</a:t>
+            </a:r>
+            <a:r>
+              <a:rPr lang="en-US" altLang="zh-CN" cap="none" dirty="0"/>
+              <a:t> </a:t>
+            </a:r>
+            <a:r>
+              <a:rPr lang="en-US" altLang="zh-CN" cap="none" dirty="0" smtClean="0"/>
+              <a:t>Product Flavor </a:t>
+            </a:r>
+            <a:endParaRPr lang="zh-CN" altLang="en-US" dirty="0"/>
+          </a:p>
+        </p:txBody>
+      </p:sp>
+      <p:sp>
+        <p:nvSpPr>
+          <p:cNvPr id="4" name="Rectangle 1"/>
+          <p:cNvSpPr>
+            <a:spLocks noGrp="1" noChangeArrowheads="1"/>
           </p:cNvSpPr>
           <p:nvPr>
             <p:ph sz="quarter" idx="13"/>
           </p:nvPr>
         </p:nvSpPr>
-        <p:spPr/>
-        <p:txBody>
-          <a:bodyPr/>
+        <p:spPr bwMode="auto">
+          <a:xfrm>
+            <a:off x="789240" y="1931457"/>
+            <a:ext cx="2130606" cy="2554545"/>
+          </a:xfrm>
+          <a:prstGeom prst="rect">
+            <a:avLst/>
+          </a:prstGeom>
+          <a:noFill/>
+          <a:ln>
+            <a:noFill/>
+          </a:ln>
+          <a:effectLst/>
+          <a:extLst>
+            <a:ext uri="{909E8E84-426E-40DD-AFC4-6F175D3DCCD1}">
+              <a14:hiddenFill xmlns:a14="http://schemas.microsoft.com/office/drawing/2010/main">
+                <a:solidFill>
+                  <a:schemeClr val="accent1"/>
+                </a:solidFill>
+              </a14:hiddenFill>
+            </a:ext>
+            <a:ext uri="{91240B29-F687-4F45-9708-019B960494DF}">
+              <a14:hiddenLine xmlns:a14="http://schemas.microsoft.com/office/drawing/2010/main" w="9525">
+                <a:solidFill>
+                  <a:schemeClr val="tx1"/>
+                </a:solidFill>
+                <a:miter lim="800000"/>
+                <a:headEnd/>
+                <a:tailEnd/>
+              </a14:hiddenLine>
+            </a:ext>
+            <a:ext uri="{AF507438-7753-43E0-B8FC-AC1667EBCBE1}">
+              <a14:hiddenEffects xmlns:a14="http://schemas.microsoft.com/office/drawing/2010/main">
+                <a:effectLst>
+                  <a:outerShdw dist="35921" dir="2700000" algn="ctr" rotWithShape="0">
+                    <a:schemeClr val="bg2"/>
+                  </a:outerShdw>
+                </a:effectLst>
+              </a14:hiddenEffects>
+            </a:ext>
+          </a:extLst>
+        </p:spPr>
+        <p:txBody>
+          <a:bodyPr vert="horz" wrap="square" lIns="91440" tIns="45720" rIns="91440" bIns="45720" numCol="1" anchor="ctr" anchorCtr="0" compatLnSpc="1">
+            <a:prstTxWarp prst="textNoShape">
+              <a:avLst/>
+            </a:prstTxWarp>
+            <a:spAutoFit/>
+          </a:bodyPr>
           <a:lstStyle/>
           <a:p>
-            <a:endParaRPr lang="zh-CN" altLang="en-US"/>
+            <a:pPr marL="0" lvl="0" indent="0" eaLnBrk="0" fontAlgn="base" hangingPunct="0">
+              <a:lnSpc>
+                <a:spcPct val="100000"/>
+              </a:lnSpc>
+              <a:spcBef>
+                <a:spcPct val="0"/>
+              </a:spcBef>
+              <a:spcAft>
+                <a:spcPct val="0"/>
+              </a:spcAft>
+              <a:buClrTx/>
+              <a:buNone/>
+            </a:pPr>
+            <a:r>
+              <a:rPr kumimoji="0" lang="zh-CN" altLang="zh-CN" sz="1600" b="0" i="0" u="none" strike="noStrike" cap="none" normalizeH="0" baseline="0" dirty="0" smtClean="0">
+                <a:ln>
+                  <a:noFill/>
+                </a:ln>
+                <a:solidFill>
+                  <a:srgbClr val="006000"/>
+                </a:solidFill>
+                <a:effectLst/>
+                <a:latin typeface="Arial Unicode MS" panose="020B0604020202020204" pitchFamily="34" charset="-122"/>
+              </a:rPr>
+              <a:t>android {</a:t>
+            </a:r>
+            <a:r>
+              <a:rPr kumimoji="0" lang="zh-CN" altLang="zh-CN" sz="1600" b="0" i="0" u="none" strike="noStrike" cap="none" normalizeH="0" baseline="0" dirty="0" smtClean="0">
+                <a:ln>
+                  <a:noFill/>
+                </a:ln>
+                <a:solidFill>
+                  <a:schemeClr val="tx1"/>
+                </a:solidFill>
+                <a:effectLst/>
+              </a:rPr>
+              <a:t/>
+            </a:r>
+            <a:br>
+              <a:rPr kumimoji="0" lang="zh-CN" altLang="zh-CN" sz="1600" b="0" i="0" u="none" strike="noStrike" cap="none" normalizeH="0" baseline="0" dirty="0" smtClean="0">
+                <a:ln>
+                  <a:noFill/>
+                </a:ln>
+                <a:solidFill>
+                  <a:schemeClr val="tx1"/>
+                </a:solidFill>
+                <a:effectLst/>
+              </a:rPr>
+            </a:br>
+            <a:r>
+              <a:rPr kumimoji="0" lang="zh-CN" altLang="zh-CN" sz="1600" b="0" i="0" u="none" strike="noStrike" cap="none" normalizeH="0" baseline="0" dirty="0" smtClean="0">
+                <a:ln>
+                  <a:noFill/>
+                </a:ln>
+                <a:solidFill>
+                  <a:srgbClr val="006000"/>
+                </a:solidFill>
+                <a:effectLst/>
+                <a:latin typeface="Arial Unicode MS" panose="020B0604020202020204" pitchFamily="34" charset="-122"/>
+              </a:rPr>
+              <a:t>    ....</a:t>
+            </a:r>
+            <a:r>
+              <a:rPr kumimoji="0" lang="zh-CN" altLang="zh-CN" sz="1600" b="0" i="0" u="none" strike="noStrike" cap="none" normalizeH="0" baseline="0" dirty="0" smtClean="0">
+                <a:ln>
+                  <a:noFill/>
+                </a:ln>
+                <a:solidFill>
+                  <a:schemeClr val="tx1"/>
+                </a:solidFill>
+                <a:effectLst/>
+              </a:rPr>
+              <a:t/>
+            </a:r>
+            <a:br>
+              <a:rPr kumimoji="0" lang="zh-CN" altLang="zh-CN" sz="1600" b="0" i="0" u="none" strike="noStrike" cap="none" normalizeH="0" baseline="0" dirty="0" smtClean="0">
+                <a:ln>
+                  <a:noFill/>
+                </a:ln>
+                <a:solidFill>
+                  <a:schemeClr val="tx1"/>
+                </a:solidFill>
+                <a:effectLst/>
+              </a:rPr>
+            </a:br>
+            <a:r>
+              <a:rPr kumimoji="0" lang="zh-CN" altLang="zh-CN" sz="1600" b="0" i="0" u="none" strike="noStrike" cap="none" normalizeH="0" baseline="0" dirty="0" smtClean="0">
+                <a:ln>
+                  <a:noFill/>
+                </a:ln>
+                <a:solidFill>
+                  <a:schemeClr val="tx1"/>
+                </a:solidFill>
+                <a:effectLst/>
+                <a:latin typeface="Arial" panose="020B0604020202020204" pitchFamily="34" charset="0"/>
+              </a:rPr>
+              <a:t/>
+            </a:r>
+            <a:br>
+              <a:rPr kumimoji="0" lang="zh-CN" altLang="zh-CN" sz="1600" b="0" i="0" u="none" strike="noStrike" cap="none" normalizeH="0" baseline="0" dirty="0" smtClean="0">
+                <a:ln>
+                  <a:noFill/>
+                </a:ln>
+                <a:solidFill>
+                  <a:schemeClr val="tx1"/>
+                </a:solidFill>
+                <a:effectLst/>
+                <a:latin typeface="Arial" panose="020B0604020202020204" pitchFamily="34" charset="0"/>
+              </a:rPr>
+            </a:br>
+            <a:r>
+              <a:rPr kumimoji="0" lang="zh-CN" altLang="zh-CN" sz="1600" b="0" i="0" u="none" strike="noStrike" cap="none" normalizeH="0" baseline="0" dirty="0" smtClean="0">
+                <a:ln>
+                  <a:noFill/>
+                </a:ln>
+                <a:solidFill>
+                  <a:schemeClr val="tx1"/>
+                </a:solidFill>
+                <a:effectLst/>
+                <a:latin typeface="Arial" panose="020B0604020202020204" pitchFamily="34" charset="0"/>
+              </a:rPr>
+              <a:t/>
+            </a:r>
+            <a:br>
+              <a:rPr kumimoji="0" lang="zh-CN" altLang="zh-CN" sz="1600" b="0" i="0" u="none" strike="noStrike" cap="none" normalizeH="0" baseline="0" dirty="0" smtClean="0">
+                <a:ln>
+                  <a:noFill/>
+                </a:ln>
+                <a:solidFill>
+                  <a:schemeClr val="tx1"/>
+                </a:solidFill>
+                <a:effectLst/>
+                <a:latin typeface="Arial" panose="020B0604020202020204" pitchFamily="34" charset="0"/>
+              </a:rPr>
+            </a:br>
+            <a:r>
+              <a:rPr kumimoji="0" lang="zh-CN" altLang="zh-CN" sz="1600" b="0" i="0" u="none" strike="noStrike" cap="none" normalizeH="0" baseline="0" dirty="0" smtClean="0">
+                <a:ln>
+                  <a:noFill/>
+                </a:ln>
+                <a:solidFill>
+                  <a:srgbClr val="006000"/>
+                </a:solidFill>
+                <a:effectLst/>
+                <a:latin typeface="Arial Unicode MS" panose="020B0604020202020204" pitchFamily="34" charset="-122"/>
+              </a:rPr>
+              <a:t>    productFlavors {</a:t>
+            </a:r>
+            <a:r>
+              <a:rPr kumimoji="0" lang="zh-CN" altLang="zh-CN" sz="1600" b="0" i="0" u="none" strike="noStrike" cap="none" normalizeH="0" baseline="0" dirty="0" smtClean="0">
+                <a:ln>
+                  <a:noFill/>
+                </a:ln>
+                <a:solidFill>
+                  <a:schemeClr val="tx1"/>
+                </a:solidFill>
+                <a:effectLst/>
+              </a:rPr>
+              <a:t/>
+            </a:r>
+            <a:br>
+              <a:rPr kumimoji="0" lang="zh-CN" altLang="zh-CN" sz="1600" b="0" i="0" u="none" strike="noStrike" cap="none" normalizeH="0" baseline="0" dirty="0" smtClean="0">
+                <a:ln>
+                  <a:noFill/>
+                </a:ln>
+                <a:solidFill>
+                  <a:schemeClr val="tx1"/>
+                </a:solidFill>
+                <a:effectLst/>
+              </a:rPr>
+            </a:br>
+            <a:r>
+              <a:rPr kumimoji="0" lang="zh-CN" altLang="zh-CN" sz="1600" b="0" i="0" u="none" strike="noStrike" cap="none" normalizeH="0" baseline="0" dirty="0" smtClean="0">
+                <a:ln>
+                  <a:noFill/>
+                </a:ln>
+                <a:solidFill>
+                  <a:srgbClr val="006000"/>
+                </a:solidFill>
+                <a:effectLst/>
+                <a:latin typeface="Arial Unicode MS" panose="020B0604020202020204" pitchFamily="34" charset="-122"/>
+              </a:rPr>
+              <a:t>        </a:t>
+            </a:r>
+            <a:r>
+              <a:rPr lang="en-US" altLang="zh-CN" sz="1600" cap="none" dirty="0" err="1" smtClean="0">
+                <a:solidFill>
+                  <a:srgbClr val="006000"/>
+                </a:solidFill>
+                <a:latin typeface="Arial Unicode MS" panose="020B0604020202020204" pitchFamily="34" charset="-122"/>
+              </a:rPr>
+              <a:t>flavor_maven</a:t>
+            </a:r>
+            <a:r>
+              <a:rPr kumimoji="0" lang="zh-CN" altLang="zh-CN" sz="1600" b="0" i="0" u="none" strike="noStrike" cap="none" normalizeH="0" baseline="0" dirty="0" smtClean="0">
+                <a:ln>
+                  <a:noFill/>
+                </a:ln>
+                <a:solidFill>
+                  <a:srgbClr val="006000"/>
+                </a:solidFill>
+                <a:effectLst/>
+                <a:latin typeface="Arial Unicode MS" panose="020B0604020202020204" pitchFamily="34" charset="-122"/>
+              </a:rPr>
+              <a:t> {</a:t>
+            </a:r>
+            <a:r>
+              <a:rPr kumimoji="0" lang="zh-CN" altLang="zh-CN" sz="1600" b="0" i="0" u="none" strike="noStrike" cap="none" normalizeH="0" baseline="0" dirty="0" smtClean="0">
+                <a:ln>
+                  <a:noFill/>
+                </a:ln>
+                <a:solidFill>
+                  <a:schemeClr val="tx1"/>
+                </a:solidFill>
+                <a:effectLst/>
+              </a:rPr>
+              <a:t/>
+            </a:r>
+            <a:br>
+              <a:rPr kumimoji="0" lang="zh-CN" altLang="zh-CN" sz="1600" b="0" i="0" u="none" strike="noStrike" cap="none" normalizeH="0" baseline="0" dirty="0" smtClean="0">
+                <a:ln>
+                  <a:noFill/>
+                </a:ln>
+                <a:solidFill>
+                  <a:schemeClr val="tx1"/>
+                </a:solidFill>
+                <a:effectLst/>
+              </a:rPr>
+            </a:br>
+            <a:r>
+              <a:rPr kumimoji="0" lang="zh-CN" altLang="zh-CN" sz="1600" b="0" i="0" u="none" strike="noStrike" cap="none" normalizeH="0" baseline="0" dirty="0" smtClean="0">
+                <a:ln>
+                  <a:noFill/>
+                </a:ln>
+                <a:solidFill>
+                  <a:srgbClr val="006000"/>
+                </a:solidFill>
+                <a:effectLst/>
+                <a:latin typeface="Arial Unicode MS" panose="020B0604020202020204" pitchFamily="34" charset="-122"/>
+              </a:rPr>
+              <a:t>            ...</a:t>
+            </a:r>
+            <a:r>
+              <a:rPr kumimoji="0" lang="zh-CN" altLang="zh-CN" sz="1600" b="0" i="0" u="none" strike="noStrike" cap="none" normalizeH="0" baseline="0" dirty="0" smtClean="0">
+                <a:ln>
+                  <a:noFill/>
+                </a:ln>
+                <a:solidFill>
+                  <a:schemeClr val="tx1"/>
+                </a:solidFill>
+                <a:effectLst/>
+              </a:rPr>
+              <a:t/>
+            </a:r>
+            <a:br>
+              <a:rPr kumimoji="0" lang="zh-CN" altLang="zh-CN" sz="1600" b="0" i="0" u="none" strike="noStrike" cap="none" normalizeH="0" baseline="0" dirty="0" smtClean="0">
+                <a:ln>
+                  <a:noFill/>
+                </a:ln>
+                <a:solidFill>
+                  <a:schemeClr val="tx1"/>
+                </a:solidFill>
+                <a:effectLst/>
+              </a:rPr>
+            </a:br>
+            <a:r>
+              <a:rPr kumimoji="0" lang="zh-CN" altLang="zh-CN" sz="1600" b="0" i="0" u="none" strike="noStrike" cap="none" normalizeH="0" baseline="0" dirty="0" smtClean="0">
+                <a:ln>
+                  <a:noFill/>
+                </a:ln>
+                <a:solidFill>
+                  <a:srgbClr val="006000"/>
+                </a:solidFill>
+                <a:effectLst/>
+                <a:latin typeface="Arial Unicode MS" panose="020B0604020202020204" pitchFamily="34" charset="-122"/>
+              </a:rPr>
+              <a:t>        }</a:t>
+            </a:r>
+            <a:r>
+              <a:rPr kumimoji="0" lang="zh-CN" altLang="zh-CN" sz="1600" b="0" i="0" u="none" strike="noStrike" cap="none" normalizeH="0" baseline="0" dirty="0" smtClean="0">
+                <a:ln>
+                  <a:noFill/>
+                </a:ln>
+                <a:solidFill>
+                  <a:schemeClr val="tx1"/>
+                </a:solidFill>
+                <a:effectLst/>
+              </a:rPr>
+              <a:t/>
+            </a:r>
+            <a:br>
+              <a:rPr kumimoji="0" lang="zh-CN" altLang="zh-CN" sz="1600" b="0" i="0" u="none" strike="noStrike" cap="none" normalizeH="0" baseline="0" dirty="0" smtClean="0">
+                <a:ln>
+                  <a:noFill/>
+                </a:ln>
+                <a:solidFill>
+                  <a:schemeClr val="tx1"/>
+                </a:solidFill>
+                <a:effectLst/>
+              </a:rPr>
+            </a:br>
+            <a:r>
+              <a:rPr kumimoji="0" lang="zh-CN" altLang="zh-CN" sz="1600" b="0" i="0" u="none" strike="noStrike" cap="none" normalizeH="0" baseline="0" dirty="0" smtClean="0">
+                <a:ln>
+                  <a:noFill/>
+                </a:ln>
+                <a:solidFill>
+                  <a:srgbClr val="006000"/>
+                </a:solidFill>
+                <a:effectLst/>
+                <a:latin typeface="Arial Unicode MS" panose="020B0604020202020204" pitchFamily="34" charset="-122"/>
+              </a:rPr>
+              <a:t>    }</a:t>
+            </a:r>
+            <a:r>
+              <a:rPr kumimoji="0" lang="zh-CN" altLang="zh-CN" sz="1600" b="0" i="0" u="none" strike="noStrike" cap="none" normalizeH="0" baseline="0" dirty="0" smtClean="0">
+                <a:ln>
+                  <a:noFill/>
+                </a:ln>
+                <a:solidFill>
+                  <a:schemeClr val="tx1"/>
+                </a:solidFill>
+                <a:effectLst/>
+              </a:rPr>
+              <a:t/>
+            </a:r>
+            <a:br>
+              <a:rPr kumimoji="0" lang="zh-CN" altLang="zh-CN" sz="1600" b="0" i="0" u="none" strike="noStrike" cap="none" normalizeH="0" baseline="0" dirty="0" smtClean="0">
+                <a:ln>
+                  <a:noFill/>
+                </a:ln>
+                <a:solidFill>
+                  <a:schemeClr val="tx1"/>
+                </a:solidFill>
+                <a:effectLst/>
+              </a:rPr>
+            </a:br>
+            <a:r>
+              <a:rPr kumimoji="0" lang="zh-CN" altLang="zh-CN" sz="1600" b="0" i="0" u="none" strike="noStrike" cap="none" normalizeH="0" baseline="0" dirty="0" smtClean="0">
+                <a:ln>
+                  <a:noFill/>
+                </a:ln>
+                <a:solidFill>
+                  <a:srgbClr val="006000"/>
+                </a:solidFill>
+                <a:effectLst/>
+                <a:latin typeface="Arial Unicode MS" panose="020B0604020202020204" pitchFamily="34" charset="-122"/>
+              </a:rPr>
+              <a:t>}</a:t>
+            </a:r>
+            <a:r>
+              <a:rPr kumimoji="0" lang="zh-CN" altLang="zh-CN" sz="1600" b="0" i="0" u="none" strike="noStrike" cap="none" normalizeH="0" baseline="0" dirty="0" smtClean="0">
+                <a:ln>
+                  <a:noFill/>
+                </a:ln>
+                <a:solidFill>
+                  <a:schemeClr val="tx1"/>
+                </a:solidFill>
+                <a:effectLst/>
+              </a:rPr>
+              <a:t> </a:t>
+            </a:r>
+            <a:endParaRPr kumimoji="0" lang="zh-CN" altLang="zh-CN" sz="1600" b="0" i="0" u="none" strike="noStrike" cap="none" normalizeH="0" baseline="0" dirty="0" smtClean="0">
+              <a:ln>
+                <a:noFill/>
+              </a:ln>
+              <a:solidFill>
+                <a:schemeClr val="tx1"/>
+              </a:solidFill>
+              <a:effectLst/>
+              <a:latin typeface="Arial" panose="020B0604020202020204" pitchFamily="34" charset="0"/>
+            </a:endParaRPr>
+          </a:p>
+        </p:txBody>
+      </p:sp>
+      <p:sp>
+        <p:nvSpPr>
+          <p:cNvPr id="5" name="矩形 4"/>
+          <p:cNvSpPr/>
+          <p:nvPr/>
+        </p:nvSpPr>
+        <p:spPr>
+          <a:xfrm>
+            <a:off x="3065319" y="1604478"/>
+            <a:ext cx="2608117" cy="3416320"/>
+          </a:xfrm>
+          <a:prstGeom prst="rect">
+            <a:avLst/>
+          </a:prstGeom>
+        </p:spPr>
+        <p:txBody>
+          <a:bodyPr wrap="square">
+            <a:spAutoFit/>
+          </a:bodyPr>
+          <a:lstStyle/>
+          <a:p>
+            <a:r>
+              <a:rPr lang="en-US" altLang="zh-CN" dirty="0" err="1" smtClean="0"/>
+              <a:t>AndroidTest</a:t>
+            </a:r>
+            <a:endParaRPr lang="en-US" altLang="zh-CN" dirty="0" smtClean="0"/>
+          </a:p>
+          <a:p>
+            <a:r>
+              <a:rPr lang="en-US" altLang="zh-CN" dirty="0" err="1" smtClean="0"/>
+              <a:t>AndroidTestFlavor_maven</a:t>
+            </a:r>
+            <a:endParaRPr lang="en-US" altLang="zh-CN" dirty="0" smtClean="0"/>
+          </a:p>
+          <a:p>
+            <a:endParaRPr lang="en-US" altLang="zh-CN" dirty="0"/>
+          </a:p>
+          <a:p>
+            <a:r>
+              <a:rPr lang="en-US" altLang="zh-CN" dirty="0"/>
+              <a:t>main</a:t>
+            </a:r>
+          </a:p>
+          <a:p>
+            <a:r>
+              <a:rPr lang="en-US" altLang="zh-CN" dirty="0"/>
+              <a:t>Debug</a:t>
+            </a:r>
+          </a:p>
+          <a:p>
+            <a:r>
+              <a:rPr lang="en-US" altLang="zh-CN" dirty="0"/>
+              <a:t>Release</a:t>
+            </a:r>
+          </a:p>
+          <a:p>
+            <a:r>
+              <a:rPr lang="en-US" altLang="zh-CN" dirty="0" err="1" smtClean="0"/>
+              <a:t>debug_ant</a:t>
+            </a:r>
+            <a:endParaRPr lang="en-US" altLang="zh-CN" dirty="0" smtClean="0"/>
+          </a:p>
+          <a:p>
+            <a:endParaRPr lang="en-US" altLang="zh-CN" dirty="0"/>
+          </a:p>
+          <a:p>
+            <a:r>
+              <a:rPr lang="en-US" altLang="zh-CN" dirty="0" err="1" smtClean="0"/>
+              <a:t>Flavor_maven</a:t>
+            </a:r>
+            <a:endParaRPr lang="en-US" altLang="zh-CN" dirty="0" smtClean="0"/>
+          </a:p>
+          <a:p>
+            <a:r>
+              <a:rPr lang="en-US" altLang="zh-CN" dirty="0" err="1" smtClean="0"/>
+              <a:t>Flavor_mavenDebug</a:t>
+            </a:r>
+            <a:endParaRPr lang="en-US" altLang="zh-CN" dirty="0" smtClean="0"/>
+          </a:p>
+          <a:p>
+            <a:r>
+              <a:rPr lang="en-US" altLang="zh-CN" dirty="0" err="1" smtClean="0"/>
+              <a:t>Flavor_mavenRelease</a:t>
+            </a:r>
+            <a:endParaRPr lang="en-US" altLang="zh-CN" dirty="0" smtClean="0"/>
+          </a:p>
+          <a:p>
+            <a:r>
+              <a:rPr lang="en-US" altLang="zh-CN" dirty="0" err="1" smtClean="0"/>
+              <a:t>Flavor_mavenDebug_ant</a:t>
+            </a:r>
+            <a:endParaRPr lang="en-US" altLang="zh-CN" dirty="0"/>
+          </a:p>
+        </p:txBody>
+      </p:sp>
+      <p:sp>
+        <p:nvSpPr>
+          <p:cNvPr id="6" name="矩形 5"/>
+          <p:cNvSpPr/>
+          <p:nvPr/>
+        </p:nvSpPr>
+        <p:spPr>
+          <a:xfrm>
+            <a:off x="5808519" y="2158476"/>
+            <a:ext cx="2815936" cy="2862322"/>
+          </a:xfrm>
+          <a:prstGeom prst="rect">
+            <a:avLst/>
+          </a:prstGeom>
+        </p:spPr>
+        <p:txBody>
+          <a:bodyPr wrap="square">
+            <a:spAutoFit/>
+          </a:bodyPr>
+          <a:lstStyle/>
+          <a:p>
+            <a:endParaRPr lang="en-US" altLang="zh-CN" dirty="0"/>
+          </a:p>
+          <a:p>
+            <a:r>
+              <a:rPr lang="en-US" altLang="zh-CN" dirty="0"/>
+              <a:t>test</a:t>
+            </a:r>
+          </a:p>
+          <a:p>
+            <a:r>
+              <a:rPr lang="en-US" altLang="zh-CN" dirty="0" err="1"/>
+              <a:t>testDebug</a:t>
+            </a:r>
+            <a:endParaRPr lang="en-US" altLang="zh-CN" dirty="0"/>
+          </a:p>
+          <a:p>
+            <a:r>
+              <a:rPr lang="en-US" altLang="zh-CN" dirty="0" err="1"/>
+              <a:t>testRelease</a:t>
+            </a:r>
+            <a:endParaRPr lang="en-US" altLang="zh-CN" dirty="0"/>
+          </a:p>
+          <a:p>
+            <a:r>
+              <a:rPr lang="en-US" altLang="zh-CN" dirty="0" err="1"/>
+              <a:t>testDebug_ant</a:t>
+            </a:r>
+            <a:endParaRPr lang="zh-CN" altLang="en-US" dirty="0"/>
+          </a:p>
+          <a:p>
+            <a:endParaRPr lang="en-US" altLang="zh-CN" dirty="0"/>
+          </a:p>
+          <a:p>
+            <a:r>
+              <a:rPr lang="en-US" altLang="zh-CN" dirty="0" err="1" smtClean="0"/>
+              <a:t>testFlavor_maven</a:t>
+            </a:r>
+            <a:endParaRPr lang="en-US" altLang="zh-CN" dirty="0" smtClean="0"/>
+          </a:p>
+          <a:p>
+            <a:r>
+              <a:rPr lang="en-US" altLang="zh-CN" dirty="0" err="1" smtClean="0"/>
+              <a:t>testFlavor_mavenDebug</a:t>
+            </a:r>
+            <a:endParaRPr lang="en-US" altLang="zh-CN" dirty="0" smtClean="0"/>
+          </a:p>
+          <a:p>
+            <a:r>
+              <a:rPr lang="en-US" altLang="zh-CN" dirty="0" err="1" smtClean="0"/>
+              <a:t>testFlavor_mavenRelease</a:t>
+            </a:r>
+            <a:endParaRPr lang="en-US" altLang="zh-CN" dirty="0" smtClean="0"/>
+          </a:p>
+          <a:p>
+            <a:r>
+              <a:rPr lang="en-US" altLang="zh-CN" dirty="0" err="1" smtClean="0"/>
+              <a:t>testFlavor_mavenDebug_ant</a:t>
+            </a:r>
+            <a:endParaRPr lang="en-US" altLang="zh-CN" dirty="0"/>
           </a:p>
         </p:txBody>
       </p:sp>
@@ -7744,7 +9052,7 @@
       </p:grpSpPr>
       <p:sp>
         <p:nvSpPr>
-          <p:cNvPr id="5" name="标题 4"/>
+          <p:cNvPr id="2" name="标题 1"/>
           <p:cNvSpPr>
             <a:spLocks noGrp="1"/>
           </p:cNvSpPr>
@@ -7758,6 +9066,714 @@
           <a:lstStyle/>
           <a:p>
             <a:r>
+              <a:rPr lang="en-US" altLang="zh-CN" dirty="0" smtClean="0"/>
+              <a:t>5.BuildConfig</a:t>
+            </a:r>
+            <a:endParaRPr lang="zh-CN" altLang="en-US" dirty="0"/>
+          </a:p>
+        </p:txBody>
+      </p:sp>
+      <p:sp>
+        <p:nvSpPr>
+          <p:cNvPr id="3" name="内容占位符 2"/>
+          <p:cNvSpPr>
+            <a:spLocks noGrp="1"/>
+          </p:cNvSpPr>
+          <p:nvPr>
+            <p:ph sz="quarter" idx="13"/>
+          </p:nvPr>
+        </p:nvSpPr>
+        <p:spPr>
+          <a:xfrm>
+            <a:off x="685331" y="1582221"/>
+            <a:ext cx="3730806" cy="4208980"/>
+          </a:xfrm>
+        </p:spPr>
+        <p:txBody>
+          <a:bodyPr>
+            <a:normAutofit/>
+          </a:bodyPr>
+          <a:lstStyle/>
+          <a:p>
+            <a:pPr marL="0" indent="0">
+              <a:buNone/>
+            </a:pPr>
+            <a:r>
+              <a:rPr lang="en-US" altLang="zh-CN" sz="1600" cap="none" dirty="0" err="1">
+                <a:solidFill>
+                  <a:srgbClr val="006000"/>
+                </a:solidFill>
+                <a:latin typeface="Arial Unicode MS" panose="020B0604020202020204" pitchFamily="34" charset="-122"/>
+              </a:rPr>
+              <a:t>flavor_gradle</a:t>
+            </a:r>
+            <a:r>
+              <a:rPr lang="en-US" altLang="zh-CN" sz="1600" cap="none" dirty="0">
+                <a:solidFill>
+                  <a:srgbClr val="006000"/>
+                </a:solidFill>
+                <a:latin typeface="Arial Unicode MS" panose="020B0604020202020204" pitchFamily="34" charset="-122"/>
+              </a:rPr>
+              <a:t> {</a:t>
+            </a:r>
+          </a:p>
+          <a:p>
+            <a:pPr marL="0" indent="0">
+              <a:buNone/>
+            </a:pPr>
+            <a:r>
+              <a:rPr lang="en-US" altLang="zh-CN" sz="1600" cap="none" dirty="0" err="1" smtClean="0">
+                <a:solidFill>
+                  <a:srgbClr val="006000"/>
+                </a:solidFill>
+                <a:latin typeface="Arial Unicode MS" panose="020B0604020202020204" pitchFamily="34" charset="-122"/>
+              </a:rPr>
+              <a:t>applicationid</a:t>
+            </a:r>
+            <a:r>
+              <a:rPr lang="en-US" altLang="zh-CN" sz="1600" cap="none" dirty="0" smtClean="0">
+                <a:solidFill>
+                  <a:srgbClr val="006000"/>
+                </a:solidFill>
+                <a:latin typeface="Arial Unicode MS" panose="020B0604020202020204" pitchFamily="34" charset="-122"/>
+              </a:rPr>
+              <a:t> </a:t>
+            </a:r>
+            <a:r>
+              <a:rPr lang="en-US" altLang="zh-CN" sz="1600" cap="none" dirty="0">
+                <a:solidFill>
+                  <a:srgbClr val="006000"/>
+                </a:solidFill>
+                <a:latin typeface="Arial Unicode MS" panose="020B0604020202020204" pitchFamily="34" charset="-122"/>
+              </a:rPr>
+              <a:t>"</a:t>
+            </a:r>
+            <a:r>
+              <a:rPr lang="en-US" altLang="zh-CN" sz="1600" cap="none" dirty="0" err="1">
+                <a:solidFill>
+                  <a:srgbClr val="006000"/>
+                </a:solidFill>
+                <a:latin typeface="Arial Unicode MS" panose="020B0604020202020204" pitchFamily="34" charset="-122"/>
+              </a:rPr>
+              <a:t>com.arcsoft.gradle</a:t>
+            </a:r>
+            <a:r>
+              <a:rPr lang="en-US" altLang="zh-CN" sz="1600" cap="none" dirty="0">
+                <a:solidFill>
+                  <a:srgbClr val="006000"/>
+                </a:solidFill>
+                <a:latin typeface="Arial Unicode MS" panose="020B0604020202020204" pitchFamily="34" charset="-122"/>
+              </a:rPr>
+              <a:t>"</a:t>
+            </a:r>
+          </a:p>
+          <a:p>
+            <a:pPr marL="0" indent="0">
+              <a:buNone/>
+            </a:pPr>
+            <a:r>
+              <a:rPr lang="en-US" altLang="zh-CN" sz="1600" cap="none" dirty="0" err="1" smtClean="0">
+                <a:solidFill>
+                  <a:srgbClr val="006000"/>
+                </a:solidFill>
+                <a:latin typeface="Arial Unicode MS" panose="020B0604020202020204" pitchFamily="34" charset="-122"/>
+              </a:rPr>
+              <a:t>buildconfigfield</a:t>
+            </a:r>
+            <a:r>
+              <a:rPr lang="en-US" altLang="zh-CN" sz="1600" cap="none" dirty="0" smtClean="0">
+                <a:solidFill>
+                  <a:srgbClr val="006000"/>
+                </a:solidFill>
+                <a:latin typeface="Arial Unicode MS" panose="020B0604020202020204" pitchFamily="34" charset="-122"/>
+              </a:rPr>
+              <a:t> </a:t>
+            </a:r>
+            <a:r>
+              <a:rPr lang="en-US" altLang="zh-CN" sz="1600" cap="none" dirty="0">
+                <a:solidFill>
+                  <a:srgbClr val="006000"/>
+                </a:solidFill>
+                <a:latin typeface="Arial Unicode MS" panose="020B0604020202020204" pitchFamily="34" charset="-122"/>
+              </a:rPr>
+              <a:t>"</a:t>
+            </a:r>
+            <a:r>
+              <a:rPr lang="en-US" altLang="zh-CN" sz="1600" cap="none" dirty="0" err="1">
+                <a:solidFill>
+                  <a:srgbClr val="006000"/>
+                </a:solidFill>
+                <a:latin typeface="Arial Unicode MS" panose="020B0604020202020204" pitchFamily="34" charset="-122"/>
+              </a:rPr>
+              <a:t>int</a:t>
+            </a:r>
+            <a:r>
+              <a:rPr lang="en-US" altLang="zh-CN" sz="1600" cap="none" dirty="0">
+                <a:solidFill>
+                  <a:srgbClr val="006000"/>
+                </a:solidFill>
+                <a:latin typeface="Arial Unicode MS" panose="020B0604020202020204" pitchFamily="34" charset="-122"/>
+              </a:rPr>
+              <a:t>", "</a:t>
+            </a:r>
+            <a:r>
+              <a:rPr lang="en-US" altLang="zh-CN" sz="1600" cap="none" dirty="0" err="1">
+                <a:solidFill>
+                  <a:srgbClr val="006000"/>
+                </a:solidFill>
+                <a:latin typeface="Arial Unicode MS" panose="020B0604020202020204" pitchFamily="34" charset="-122"/>
+              </a:rPr>
+              <a:t>show_gradle</a:t>
+            </a:r>
+            <a:r>
+              <a:rPr lang="en-US" altLang="zh-CN" sz="1600" cap="none" dirty="0">
+                <a:solidFill>
+                  <a:srgbClr val="006000"/>
+                </a:solidFill>
+                <a:latin typeface="Arial Unicode MS" panose="020B0604020202020204" pitchFamily="34" charset="-122"/>
+              </a:rPr>
+              <a:t>", "1"</a:t>
+            </a:r>
+          </a:p>
+          <a:p>
+            <a:pPr marL="0" indent="0">
+              <a:buNone/>
+            </a:pPr>
+            <a:r>
+              <a:rPr lang="en-US" altLang="zh-CN" sz="1600" cap="none" dirty="0">
+                <a:solidFill>
+                  <a:srgbClr val="006000"/>
+                </a:solidFill>
+                <a:latin typeface="Arial Unicode MS" panose="020B0604020202020204" pitchFamily="34" charset="-122"/>
+              </a:rPr>
+              <a:t>		</a:t>
+            </a:r>
+            <a:r>
+              <a:rPr lang="en-US" altLang="zh-CN" sz="1600" cap="none" dirty="0" smtClean="0">
+                <a:solidFill>
+                  <a:srgbClr val="006000"/>
+                </a:solidFill>
+                <a:latin typeface="Arial Unicode MS" panose="020B0604020202020204" pitchFamily="34" charset="-122"/>
+              </a:rPr>
+              <a:t>}</a:t>
+            </a:r>
+          </a:p>
+          <a:p>
+            <a:pPr marL="0" indent="0">
+              <a:buNone/>
+            </a:pPr>
+            <a:endParaRPr lang="en-US" altLang="zh-CN" sz="1600" cap="none" dirty="0">
+              <a:solidFill>
+                <a:srgbClr val="006000"/>
+              </a:solidFill>
+              <a:latin typeface="Arial Unicode MS" panose="020B0604020202020204" pitchFamily="34" charset="-122"/>
+            </a:endParaRPr>
+          </a:p>
+          <a:p>
+            <a:pPr marL="0" indent="0">
+              <a:buNone/>
+            </a:pPr>
+            <a:r>
+              <a:rPr lang="en-US" altLang="zh-CN" sz="1600" cap="none" dirty="0" smtClean="0">
+                <a:solidFill>
+                  <a:srgbClr val="006000"/>
+                </a:solidFill>
+                <a:latin typeface="Arial Unicode MS" panose="020B0604020202020204" pitchFamily="34" charset="-122"/>
+              </a:rPr>
+              <a:t>In MainActivity.java</a:t>
+            </a:r>
+          </a:p>
+          <a:p>
+            <a:pPr marL="0" indent="0">
+              <a:buNone/>
+            </a:pPr>
+            <a:r>
+              <a:rPr lang="en-US" altLang="zh-CN" sz="1600" cap="none" dirty="0" smtClean="0">
+                <a:solidFill>
+                  <a:srgbClr val="006000"/>
+                </a:solidFill>
+                <a:latin typeface="Arial Unicode MS" panose="020B0604020202020204" pitchFamily="34" charset="-122"/>
+              </a:rPr>
+              <a:t>if </a:t>
+            </a:r>
+            <a:r>
+              <a:rPr lang="en-US" altLang="zh-CN" sz="1600" cap="none" dirty="0">
+                <a:solidFill>
+                  <a:srgbClr val="006000"/>
+                </a:solidFill>
+                <a:latin typeface="Arial Unicode MS" panose="020B0604020202020204" pitchFamily="34" charset="-122"/>
+              </a:rPr>
+              <a:t>(</a:t>
+            </a:r>
+            <a:r>
+              <a:rPr lang="en-US" altLang="zh-CN" sz="1600" cap="none" dirty="0" err="1">
+                <a:solidFill>
+                  <a:srgbClr val="006000"/>
+                </a:solidFill>
+                <a:latin typeface="Arial Unicode MS" panose="020B0604020202020204" pitchFamily="34" charset="-122"/>
+              </a:rPr>
+              <a:t>BuildConfig.SHOW_GRADLE</a:t>
+            </a:r>
+            <a:r>
+              <a:rPr lang="en-US" altLang="zh-CN" sz="1600" cap="none" dirty="0">
+                <a:solidFill>
+                  <a:srgbClr val="006000"/>
+                </a:solidFill>
+                <a:latin typeface="Arial Unicode MS" panose="020B0604020202020204" pitchFamily="34" charset="-122"/>
+              </a:rPr>
+              <a:t> == 1) </a:t>
+            </a:r>
+            <a:r>
+              <a:rPr lang="en-US" altLang="zh-CN" sz="1600" cap="none" dirty="0" smtClean="0">
+                <a:solidFill>
+                  <a:srgbClr val="006000"/>
+                </a:solidFill>
+                <a:latin typeface="Arial Unicode MS" panose="020B0604020202020204" pitchFamily="34" charset="-122"/>
+              </a:rPr>
+              <a:t>{</a:t>
+            </a:r>
+          </a:p>
+          <a:p>
+            <a:pPr marL="0" indent="0">
+              <a:buNone/>
+            </a:pPr>
+            <a:r>
+              <a:rPr lang="en-US" altLang="zh-CN" sz="1600" cap="none" dirty="0" smtClean="0">
+                <a:solidFill>
+                  <a:srgbClr val="006000"/>
+                </a:solidFill>
+                <a:latin typeface="Arial Unicode MS" panose="020B0604020202020204" pitchFamily="34" charset="-122"/>
+              </a:rPr>
+              <a:t>	…</a:t>
+            </a:r>
+          </a:p>
+          <a:p>
+            <a:pPr marL="0" indent="0">
+              <a:buNone/>
+            </a:pPr>
+            <a:r>
+              <a:rPr lang="en-US" altLang="zh-CN" sz="1600" cap="none" dirty="0" smtClean="0">
+                <a:solidFill>
+                  <a:srgbClr val="006000"/>
+                </a:solidFill>
+                <a:latin typeface="Arial Unicode MS" panose="020B0604020202020204" pitchFamily="34" charset="-122"/>
+              </a:rPr>
+              <a:t>}</a:t>
+            </a:r>
+            <a:endParaRPr lang="zh-CN" altLang="en-US" sz="1600" cap="none" dirty="0">
+              <a:solidFill>
+                <a:srgbClr val="006000"/>
+              </a:solidFill>
+              <a:latin typeface="Arial Unicode MS" panose="020B0604020202020204" pitchFamily="34" charset="-122"/>
+            </a:endParaRPr>
+          </a:p>
+        </p:txBody>
+      </p:sp>
+      <p:sp>
+        <p:nvSpPr>
+          <p:cNvPr id="5" name="Rectangle 1"/>
+          <p:cNvSpPr>
+            <a:spLocks noChangeArrowheads="1"/>
+          </p:cNvSpPr>
+          <p:nvPr/>
+        </p:nvSpPr>
+        <p:spPr bwMode="auto">
+          <a:xfrm rot="10800000" flipV="1">
+            <a:off x="4416137" y="1582221"/>
+            <a:ext cx="4260273" cy="3693319"/>
+          </a:xfrm>
+          <a:prstGeom prst="rect">
+            <a:avLst/>
+          </a:prstGeom>
+          <a:solidFill>
+            <a:schemeClr val="bg1">
+              <a:lumMod val="85000"/>
+            </a:schemeClr>
+          </a:solidFill>
+          <a:ln>
+            <a:noFill/>
+          </a:ln>
+          <a:effectLst/>
+        </p:spPr>
+        <p:txBody>
+          <a:bodyPr vert="horz" wrap="square" lIns="91440" tIns="45720" rIns="91440" bIns="45720" numCol="1" anchor="ctr" anchorCtr="0" compatLnSpc="1">
+            <a:prstTxWarp prst="textNoShape">
+              <a:avLst/>
+            </a:prstTxWarp>
+            <a:spAutoFit/>
+          </a:bodyPr>
+          <a:lstStyle/>
+          <a:p>
+            <a:pPr marL="342900" marR="0" lvl="0" indent="-342900" algn="l" defTabSz="914400" rtl="0" eaLnBrk="0" fontAlgn="base" latinLnBrk="0" hangingPunct="0">
+              <a:lnSpc>
+                <a:spcPct val="150000"/>
+              </a:lnSpc>
+              <a:spcBef>
+                <a:spcPct val="0"/>
+              </a:spcBef>
+              <a:spcAft>
+                <a:spcPct val="0"/>
+              </a:spcAft>
+              <a:buClrTx/>
+              <a:buSzTx/>
+              <a:buFont typeface="+mj-lt"/>
+              <a:buAutoNum type="arabicPeriod"/>
+              <a:tabLst/>
+            </a:pPr>
+            <a:r>
+              <a:rPr kumimoji="0" lang="zh-CN" altLang="zh-CN" sz="1600" b="0" i="0" u="none" strike="noStrike" cap="none" normalizeH="0" baseline="0" dirty="0" smtClean="0">
+                <a:ln>
+                  <a:noFill/>
+                </a:ln>
+                <a:solidFill>
+                  <a:srgbClr val="006000"/>
+                </a:solidFill>
+                <a:effectLst/>
+                <a:latin typeface="Arial Unicode MS" panose="020B0604020202020204" pitchFamily="34" charset="-122"/>
+                <a:cs typeface="Arial" panose="020B0604020202020204" pitchFamily="34" charset="0"/>
+              </a:rPr>
+              <a:t>boolean DEBUG</a:t>
+            </a:r>
+            <a:r>
+              <a:rPr kumimoji="0" lang="zh-CN" altLang="zh-CN" sz="1600" b="0" i="0" u="none" strike="noStrike" cap="none" normalizeH="0" baseline="0" dirty="0" smtClean="0">
+                <a:ln>
+                  <a:noFill/>
+                </a:ln>
+                <a:solidFill>
+                  <a:srgbClr val="444444"/>
+                </a:solidFill>
+                <a:effectLst/>
+                <a:latin typeface="Arial" panose="020B0604020202020204" pitchFamily="34" charset="0"/>
+                <a:cs typeface="Arial" panose="020B0604020202020204" pitchFamily="34" charset="0"/>
+              </a:rPr>
+              <a:t> – if the build is debuggable</a:t>
+            </a:r>
+          </a:p>
+          <a:p>
+            <a:pPr marL="342900" marR="0" lvl="0" indent="-342900" algn="l" defTabSz="914400" rtl="0" eaLnBrk="0" fontAlgn="base" latinLnBrk="0" hangingPunct="0">
+              <a:lnSpc>
+                <a:spcPct val="150000"/>
+              </a:lnSpc>
+              <a:spcBef>
+                <a:spcPct val="0"/>
+              </a:spcBef>
+              <a:spcAft>
+                <a:spcPct val="0"/>
+              </a:spcAft>
+              <a:buClrTx/>
+              <a:buSzTx/>
+              <a:buFont typeface="+mj-lt"/>
+              <a:buAutoNum type="arabicPeriod"/>
+              <a:tabLst/>
+            </a:pPr>
+            <a:r>
+              <a:rPr kumimoji="0" lang="zh-CN" altLang="zh-CN" sz="1600" b="0" i="0" u="none" strike="noStrike" cap="none" normalizeH="0" baseline="0" dirty="0" smtClean="0">
+                <a:ln>
+                  <a:noFill/>
+                </a:ln>
+                <a:solidFill>
+                  <a:srgbClr val="006000"/>
+                </a:solidFill>
+                <a:effectLst/>
+                <a:latin typeface="Arial Unicode MS" panose="020B0604020202020204" pitchFamily="34" charset="-122"/>
+                <a:cs typeface="Arial" panose="020B0604020202020204" pitchFamily="34" charset="0"/>
+              </a:rPr>
+              <a:t>int VERSION_CODE</a:t>
+            </a:r>
+            <a:endParaRPr kumimoji="0" lang="zh-CN" altLang="zh-CN" sz="1600" b="0" i="0" u="none" strike="noStrike" cap="none" normalizeH="0" baseline="0" dirty="0" smtClean="0">
+              <a:ln>
+                <a:noFill/>
+              </a:ln>
+              <a:solidFill>
+                <a:srgbClr val="444444"/>
+              </a:solidFill>
+              <a:effectLst/>
+              <a:latin typeface="Arial" panose="020B0604020202020204" pitchFamily="34" charset="0"/>
+              <a:cs typeface="Arial" panose="020B0604020202020204" pitchFamily="34" charset="0"/>
+            </a:endParaRPr>
+          </a:p>
+          <a:p>
+            <a:pPr marL="342900" marR="0" lvl="0" indent="-342900" algn="l" defTabSz="914400" rtl="0" eaLnBrk="0" fontAlgn="base" latinLnBrk="0" hangingPunct="0">
+              <a:lnSpc>
+                <a:spcPct val="150000"/>
+              </a:lnSpc>
+              <a:spcBef>
+                <a:spcPct val="0"/>
+              </a:spcBef>
+              <a:spcAft>
+                <a:spcPct val="0"/>
+              </a:spcAft>
+              <a:buClrTx/>
+              <a:buSzTx/>
+              <a:buFont typeface="+mj-lt"/>
+              <a:buAutoNum type="arabicPeriod"/>
+              <a:tabLst/>
+            </a:pPr>
+            <a:r>
+              <a:rPr kumimoji="0" lang="zh-CN" altLang="zh-CN" sz="1600" b="0" i="0" u="none" strike="noStrike" cap="none" normalizeH="0" baseline="0" dirty="0" smtClean="0">
+                <a:ln>
+                  <a:noFill/>
+                </a:ln>
+                <a:solidFill>
+                  <a:srgbClr val="006000"/>
+                </a:solidFill>
+                <a:effectLst/>
+                <a:latin typeface="Arial Unicode MS" panose="020B0604020202020204" pitchFamily="34" charset="-122"/>
+                <a:cs typeface="Arial" panose="020B0604020202020204" pitchFamily="34" charset="0"/>
+              </a:rPr>
+              <a:t>String VERSION_NAME</a:t>
+            </a:r>
+            <a:endParaRPr kumimoji="0" lang="zh-CN" altLang="zh-CN" sz="1600" b="0" i="0" u="none" strike="noStrike" cap="none" normalizeH="0" baseline="0" dirty="0" smtClean="0">
+              <a:ln>
+                <a:noFill/>
+              </a:ln>
+              <a:solidFill>
+                <a:srgbClr val="444444"/>
+              </a:solidFill>
+              <a:effectLst/>
+              <a:latin typeface="Arial" panose="020B0604020202020204" pitchFamily="34" charset="0"/>
+              <a:cs typeface="Arial" panose="020B0604020202020204" pitchFamily="34" charset="0"/>
+            </a:endParaRPr>
+          </a:p>
+          <a:p>
+            <a:pPr marL="342900" marR="0" lvl="0" indent="-342900" algn="l" defTabSz="914400" rtl="0" eaLnBrk="0" fontAlgn="base" latinLnBrk="0" hangingPunct="0">
+              <a:lnSpc>
+                <a:spcPct val="150000"/>
+              </a:lnSpc>
+              <a:spcBef>
+                <a:spcPct val="0"/>
+              </a:spcBef>
+              <a:spcAft>
+                <a:spcPct val="0"/>
+              </a:spcAft>
+              <a:buClrTx/>
+              <a:buSzTx/>
+              <a:buFont typeface="+mj-lt"/>
+              <a:buAutoNum type="arabicPeriod"/>
+              <a:tabLst/>
+            </a:pPr>
+            <a:r>
+              <a:rPr kumimoji="0" lang="zh-CN" altLang="zh-CN" sz="1600" b="0" i="0" u="none" strike="noStrike" cap="none" normalizeH="0" baseline="0" dirty="0" smtClean="0">
+                <a:ln>
+                  <a:noFill/>
+                </a:ln>
+                <a:solidFill>
+                  <a:srgbClr val="006000"/>
+                </a:solidFill>
+                <a:effectLst/>
+                <a:latin typeface="Arial Unicode MS" panose="020B0604020202020204" pitchFamily="34" charset="-122"/>
+                <a:cs typeface="Arial" panose="020B0604020202020204" pitchFamily="34" charset="0"/>
+              </a:rPr>
+              <a:t>String APPLICATION_ID</a:t>
+            </a:r>
+            <a:endParaRPr kumimoji="0" lang="zh-CN" altLang="zh-CN" sz="1600" b="0" i="0" u="none" strike="noStrike" cap="none" normalizeH="0" baseline="0" dirty="0" smtClean="0">
+              <a:ln>
+                <a:noFill/>
+              </a:ln>
+              <a:solidFill>
+                <a:srgbClr val="444444"/>
+              </a:solidFill>
+              <a:effectLst/>
+              <a:latin typeface="Arial" panose="020B0604020202020204" pitchFamily="34" charset="0"/>
+              <a:cs typeface="Arial" panose="020B0604020202020204" pitchFamily="34" charset="0"/>
+            </a:endParaRPr>
+          </a:p>
+          <a:p>
+            <a:pPr marL="342900" marR="0" lvl="0" indent="-342900" algn="l" defTabSz="914400" rtl="0" eaLnBrk="0" fontAlgn="base" latinLnBrk="0" hangingPunct="0">
+              <a:lnSpc>
+                <a:spcPct val="150000"/>
+              </a:lnSpc>
+              <a:spcBef>
+                <a:spcPct val="0"/>
+              </a:spcBef>
+              <a:spcAft>
+                <a:spcPct val="0"/>
+              </a:spcAft>
+              <a:buClrTx/>
+              <a:buSzTx/>
+              <a:buFont typeface="+mj-lt"/>
+              <a:buAutoNum type="arabicPeriod"/>
+              <a:tabLst/>
+            </a:pPr>
+            <a:r>
+              <a:rPr kumimoji="0" lang="zh-CN" altLang="zh-CN" sz="1600" b="0" i="0" u="none" strike="noStrike" cap="none" normalizeH="0" baseline="0" dirty="0" smtClean="0">
+                <a:ln>
+                  <a:noFill/>
+                </a:ln>
+                <a:solidFill>
+                  <a:srgbClr val="006000"/>
+                </a:solidFill>
+                <a:effectLst/>
+                <a:latin typeface="Arial Unicode MS" panose="020B0604020202020204" pitchFamily="34" charset="-122"/>
+                <a:cs typeface="Arial" panose="020B0604020202020204" pitchFamily="34" charset="0"/>
+              </a:rPr>
+              <a:t>String BUILD_TYPE</a:t>
+            </a:r>
+            <a:r>
+              <a:rPr kumimoji="0" lang="zh-CN" altLang="zh-CN" sz="1600" b="0" i="0" u="none" strike="noStrike" cap="none" normalizeH="0" baseline="0" dirty="0" smtClean="0">
+                <a:ln>
+                  <a:noFill/>
+                </a:ln>
+                <a:solidFill>
+                  <a:srgbClr val="444444"/>
+                </a:solidFill>
+                <a:effectLst/>
+                <a:latin typeface="Arial" panose="020B0604020202020204" pitchFamily="34" charset="0"/>
+                <a:cs typeface="Arial" panose="020B0604020202020204" pitchFamily="34" charset="0"/>
+              </a:rPr>
+              <a:t> – name of the build type, e.g. "release"</a:t>
+            </a:r>
+          </a:p>
+          <a:p>
+            <a:pPr marL="342900" marR="0" lvl="0" indent="-342900" algn="l" defTabSz="914400" rtl="0" eaLnBrk="0" fontAlgn="base" latinLnBrk="0" hangingPunct="0">
+              <a:lnSpc>
+                <a:spcPct val="150000"/>
+              </a:lnSpc>
+              <a:spcBef>
+                <a:spcPct val="0"/>
+              </a:spcBef>
+              <a:spcAft>
+                <a:spcPct val="0"/>
+              </a:spcAft>
+              <a:buClrTx/>
+              <a:buSzTx/>
+              <a:buFont typeface="+mj-lt"/>
+              <a:buAutoNum type="arabicPeriod"/>
+              <a:tabLst/>
+            </a:pPr>
+            <a:r>
+              <a:rPr kumimoji="0" lang="zh-CN" altLang="zh-CN" sz="1600" b="0" i="0" u="none" strike="noStrike" cap="none" normalizeH="0" baseline="0" dirty="0" smtClean="0">
+                <a:ln>
+                  <a:noFill/>
+                </a:ln>
+                <a:solidFill>
+                  <a:srgbClr val="006000"/>
+                </a:solidFill>
+                <a:effectLst/>
+                <a:latin typeface="Arial Unicode MS" panose="020B0604020202020204" pitchFamily="34" charset="-122"/>
+                <a:cs typeface="Arial" panose="020B0604020202020204" pitchFamily="34" charset="0"/>
+              </a:rPr>
+              <a:t>String FLAVOR</a:t>
+            </a:r>
+            <a:r>
+              <a:rPr kumimoji="0" lang="zh-CN" altLang="zh-CN" sz="1600" b="0" i="0" u="none" strike="noStrike" cap="none" normalizeH="0" baseline="0" dirty="0" smtClean="0">
+                <a:ln>
+                  <a:noFill/>
+                </a:ln>
+                <a:solidFill>
+                  <a:srgbClr val="444444"/>
+                </a:solidFill>
+                <a:effectLst/>
+                <a:latin typeface="Arial" panose="020B0604020202020204" pitchFamily="34" charset="0"/>
+                <a:cs typeface="Arial" panose="020B0604020202020204" pitchFamily="34" charset="0"/>
+              </a:rPr>
+              <a:t> – name of the flavor, e.g. “</a:t>
+            </a:r>
+            <a:r>
+              <a:rPr kumimoji="0" lang="en-US" altLang="zh-CN" sz="1600" b="0" i="0" u="none" strike="noStrike" cap="none" normalizeH="0" baseline="0" dirty="0" err="1" smtClean="0">
+                <a:ln>
+                  <a:noFill/>
+                </a:ln>
+                <a:solidFill>
+                  <a:srgbClr val="444444"/>
+                </a:solidFill>
+                <a:effectLst/>
+                <a:latin typeface="Arial" panose="020B0604020202020204" pitchFamily="34" charset="0"/>
+                <a:cs typeface="Arial" panose="020B0604020202020204" pitchFamily="34" charset="0"/>
+              </a:rPr>
+              <a:t>flavor_gradle</a:t>
+            </a:r>
+            <a:r>
+              <a:rPr kumimoji="0" lang="zh-CN" altLang="zh-CN" sz="1600" b="0" i="0" u="none" strike="noStrike" cap="none" normalizeH="0" baseline="0" dirty="0" smtClean="0">
+                <a:ln>
+                  <a:noFill/>
+                </a:ln>
+                <a:solidFill>
+                  <a:srgbClr val="444444"/>
+                </a:solidFill>
+                <a:effectLst/>
+                <a:latin typeface="Arial" panose="020B0604020202020204" pitchFamily="34" charset="0"/>
+                <a:cs typeface="Arial" panose="020B0604020202020204" pitchFamily="34" charset="0"/>
+              </a:rPr>
+              <a:t>"</a:t>
+            </a:r>
+          </a:p>
+          <a:p>
+            <a:pPr marL="0" marR="0" lvl="0" indent="0" algn="l" defTabSz="914400" rtl="0" eaLnBrk="0" fontAlgn="base" latinLnBrk="0" hangingPunct="0">
+              <a:lnSpc>
+                <a:spcPct val="100000"/>
+              </a:lnSpc>
+              <a:spcBef>
+                <a:spcPct val="0"/>
+              </a:spcBef>
+              <a:spcAft>
+                <a:spcPct val="0"/>
+              </a:spcAft>
+              <a:buClrTx/>
+              <a:buSzTx/>
+              <a:buFontTx/>
+              <a:buNone/>
+              <a:tabLst/>
+            </a:pPr>
+            <a:endParaRPr kumimoji="0" lang="zh-CN" altLang="zh-CN" sz="1800" b="0" i="0" u="none" strike="noStrike" cap="none" normalizeH="0" baseline="0" dirty="0" smtClean="0">
+              <a:ln>
+                <a:noFill/>
+              </a:ln>
+              <a:solidFill>
+                <a:schemeClr val="tx1"/>
+              </a:solidFill>
+              <a:effectLst/>
+              <a:latin typeface="Arial" panose="020B0604020202020204" pitchFamily="34" charset="0"/>
+            </a:endParaRPr>
+          </a:p>
+        </p:txBody>
+      </p:sp>
+    </p:spTree>
+    <p:extLst>
+      <p:ext uri="{BB962C8B-B14F-4D97-AF65-F5344CB8AC3E}">
+        <p14:creationId xmlns:p14="http://schemas.microsoft.com/office/powerpoint/2010/main" val="1900024470"/>
+      </p:ext>
+    </p:extLst>
+  </p:cSld>
+  <p:clrMapOvr>
+    <a:masterClrMapping/>
+  </p:clrMapOvr>
+</p:sld>
+</file>
+
+<file path=ppt/slides/slide17.xml><?xml version="1.0" encoding="utf-8"?>
+<p:sld xmlns:a="http://schemas.openxmlformats.org/drawingml/2006/main" xmlns:r="http://schemas.openxmlformats.org/officeDocument/2006/relationships" xmlns:p="http://schemas.openxmlformats.org/presentationml/2006/main">
+  <p:cSld>
+    <p:spTree>
+      <p:nvGrpSpPr>
+        <p:cNvPr id="1" name=""/>
+        <p:cNvGrpSpPr/>
+        <p:nvPr/>
+      </p:nvGrpSpPr>
+      <p:grpSpPr>
+        <a:xfrm>
+          <a:off x="0" y="0"/>
+          <a:ext cx="0" cy="0"/>
+          <a:chOff x="0" y="0"/>
+          <a:chExt cx="0" cy="0"/>
+        </a:xfrm>
+      </p:grpSpPr>
+      <p:sp>
+        <p:nvSpPr>
+          <p:cNvPr id="5" name="标题 4"/>
+          <p:cNvSpPr>
+            <a:spLocks noGrp="1"/>
+          </p:cNvSpPr>
+          <p:nvPr>
+            <p:ph type="title"/>
+          </p:nvPr>
+        </p:nvSpPr>
+        <p:spPr/>
+        <p:txBody>
+          <a:bodyPr/>
+          <a:lstStyle/>
+          <a:p>
+            <a:r>
               <a:rPr lang="en-US" altLang="zh-CN" cap="none" dirty="0" smtClean="0"/>
               <a:t>References</a:t>
             </a:r>
@@ -7781,10 +9797,16 @@
           <a:lstStyle/>
           <a:p>
             <a:r>
+              <a:rPr lang="en-US" altLang="zh-CN" cap="none" dirty="0" smtClean="0">
+                <a:hlinkClick r:id="rId2"/>
+              </a:rPr>
+              <a:t>https</a:t>
+            </a:r>
+            <a:r>
               <a:rPr lang="en-US" altLang="zh-CN" cap="none" dirty="0">
                 <a:hlinkClick r:id="rId2"/>
               </a:rPr>
-              <a:t>https://</a:t>
+              <a:t>://</a:t>
             </a:r>
             <a:r>
               <a:rPr lang="en-US" altLang="zh-CN" cap="none" dirty="0" smtClean="0">
@@ -7866,6 +9888,42 @@
               </a:rPr>
               <a:t>developer.android.com/studio/releases/gradle-plugin.html#revisions</a:t>
             </a:r>
+            <a:endParaRPr lang="en-US" altLang="zh-CN" cap="none" dirty="0" smtClean="0"/>
+          </a:p>
+          <a:p>
+            <a:r>
+              <a:rPr lang="en-US" altLang="zh-CN" cap="none" dirty="0">
+                <a:hlinkClick r:id="rId7"/>
+              </a:rPr>
+              <a:t>https://</a:t>
+            </a:r>
+            <a:r>
+              <a:rPr lang="en-US" altLang="zh-CN" cap="none" dirty="0" smtClean="0">
+                <a:hlinkClick r:id="rId7"/>
+              </a:rPr>
+              <a:t>developer.android.com/studio/build/building-cmdline.html</a:t>
+            </a:r>
+            <a:endParaRPr lang="en-US" altLang="zh-CN" cap="none" dirty="0" smtClean="0"/>
+          </a:p>
+          <a:p>
+            <a:r>
+              <a:rPr lang="en-US" altLang="zh-CN" cap="none" dirty="0">
+                <a:hlinkClick r:id="rId8"/>
+              </a:rPr>
+              <a:t>http://google.github.io/android-gradle-dsl/current</a:t>
+            </a:r>
+            <a:r>
+              <a:rPr lang="en-US" altLang="zh-CN" cap="none" dirty="0" smtClean="0">
+                <a:hlinkClick r:id="rId8"/>
+              </a:rPr>
+              <a:t>/</a:t>
+            </a:r>
+            <a:endParaRPr lang="en-US" altLang="zh-CN" cap="none" dirty="0" smtClean="0"/>
+          </a:p>
+          <a:p>
+            <a:endParaRPr lang="en-US" altLang="zh-CN" cap="none" dirty="0" smtClean="0"/>
+          </a:p>
+          <a:p>
             <a:endParaRPr lang="en-US" altLang="zh-CN" cap="none" dirty="0" smtClean="0"/>
           </a:p>
           <a:p>
@@ -8052,60 +10110,42 @@
               <a:rPr lang="en-US" altLang="zh-CN" cap="none" dirty="0" smtClean="0">
                 <a:sym typeface="Wingdings" panose="05000000000000000000" pitchFamily="2" charset="2"/>
               </a:rPr>
-              <a:t>GNU </a:t>
+              <a:t>GNU Make</a:t>
+            </a:r>
+            <a:r>
+              <a:rPr lang="zh-CN" altLang="en-US" cap="none" dirty="0" smtClean="0">
+                <a:sym typeface="Wingdings" panose="05000000000000000000" pitchFamily="2" charset="2"/>
+              </a:rPr>
+              <a:t>、</a:t>
             </a:r>
             <a:r>
               <a:rPr lang="en-US" altLang="zh-CN" cap="none" dirty="0" smtClean="0">
                 <a:sym typeface="Wingdings" panose="05000000000000000000" pitchFamily="2" charset="2"/>
               </a:rPr>
-              <a:t>M</a:t>
+              <a:t>BSD make</a:t>
+            </a:r>
+            <a:r>
+              <a:rPr lang="zh-CN" altLang="en-US" cap="none" dirty="0" smtClean="0">
+                <a:sym typeface="Wingdings" panose="05000000000000000000" pitchFamily="2" charset="2"/>
+              </a:rPr>
+              <a:t>、</a:t>
             </a:r>
             <a:r>
               <a:rPr lang="en-US" altLang="zh-CN" cap="none" dirty="0" smtClean="0">
                 <a:sym typeface="Wingdings" panose="05000000000000000000" pitchFamily="2" charset="2"/>
               </a:rPr>
-              <a:t>ake</a:t>
-            </a:r>
-            <a:r>
-              <a:rPr lang="zh-CN" altLang="en-US" cap="none" dirty="0" smtClean="0">
+              <a:t>Microsoft </a:t>
+            </a:r>
+            <a:r>
+              <a:rPr lang="en-US" altLang="zh-CN" cap="none" dirty="0" err="1" smtClean="0">
                 <a:sym typeface="Wingdings" panose="05000000000000000000" pitchFamily="2" charset="2"/>
               </a:rPr>
-              <a:t>、</a:t>
+              <a:t>nMake</a:t>
             </a:r>
             <a:r>
               <a:rPr lang="en-US" altLang="zh-CN" cap="none" dirty="0" smtClean="0">
                 <a:sym typeface="Wingdings" panose="05000000000000000000" pitchFamily="2" charset="2"/>
               </a:rPr>
-              <a:t>BSD make</a:t>
-            </a:r>
-            <a:r>
-              <a:rPr lang="zh-CN" altLang="en-US" cap="none" dirty="0" smtClean="0">
-                <a:sym typeface="Wingdings" panose="05000000000000000000" pitchFamily="2" charset="2"/>
-              </a:rPr>
-              <a:t>、</a:t>
-            </a:r>
-            <a:r>
-              <a:rPr lang="en-US" altLang="zh-CN" cap="none" dirty="0" smtClean="0">
-                <a:sym typeface="Wingdings" panose="05000000000000000000" pitchFamily="2" charset="2"/>
-              </a:rPr>
-              <a:t>M</a:t>
-            </a:r>
-            <a:r>
-              <a:rPr lang="en-US" altLang="zh-CN" cap="none" dirty="0" smtClean="0">
-                <a:sym typeface="Wingdings" panose="05000000000000000000" pitchFamily="2" charset="2"/>
-              </a:rPr>
-              <a:t>icrosoft </a:t>
-            </a:r>
-            <a:r>
-              <a:rPr lang="en-US" altLang="zh-CN" cap="none" dirty="0" err="1" smtClean="0">
-                <a:sym typeface="Wingdings" panose="05000000000000000000" pitchFamily="2" charset="2"/>
-              </a:rPr>
-              <a:t>nMake</a:t>
-            </a:r>
-            <a:r>
-              <a:rPr lang="en-US" altLang="zh-CN" cap="none" dirty="0" smtClean="0">
-                <a:sym typeface="Wingdings" panose="05000000000000000000" pitchFamily="2" charset="2"/>
-              </a:rPr>
               <a:t> </a:t>
             </a:r>
             <a:r>
@@ -8208,11 +10248,7 @@
             </a:r>
             <a:r>
               <a:rPr lang="en-US" altLang="zh-CN" cap="none" dirty="0" smtClean="0"/>
-              <a:t> </a:t>
-            </a:r>
-            <a:r>
-              <a:rPr lang="en-US" altLang="zh-CN" cap="none" dirty="0" smtClean="0"/>
-              <a:t>follows the concept of convention over configuration</a:t>
+              <a:t> follows the concept of convention over configuration</a:t>
             </a:r>
             <a:endParaRPr lang="zh-CN" altLang="en-US" cap="none" dirty="0"/>
           </a:p>
@@ -8520,7 +10556,7 @@
           <a:p>
             <a:r>
               <a:rPr lang="zh-CN" altLang="en-US" dirty="0" smtClean="0"/>
-              <a:t>基本结构</a:t>
+              <a:t>最小配置</a:t>
             </a:r>
             <a:endParaRPr lang="zh-CN" altLang="en-US" dirty="0"/>
           </a:p>
@@ -8579,11 +10615,7 @@
             </a:r>
             <a:r>
               <a:rPr lang="zh-CN" altLang="en-US" dirty="0" smtClean="0"/>
-              <a:t>个部分</a:t>
-            </a:r>
-            <a:r>
-              <a:rPr lang="zh-CN" altLang="en-US" dirty="0" smtClean="0"/>
-              <a:t>组成：</a:t>
+              <a:t>个部分组成：</a:t>
             </a:r>
             <a:endParaRPr lang="en-US" altLang="zh-CN" dirty="0" smtClean="0"/>
           </a:p>
@@ -8996,11 +11028,7 @@
             </a:r>
             <a:r>
               <a:rPr lang="en-US" altLang="zh-CN" cap="none" dirty="0" smtClean="0"/>
-              <a:t> </a:t>
-            </a:r>
-            <a:r>
-              <a:rPr lang="en-US" altLang="zh-CN" cap="none" dirty="0" smtClean="0"/>
-              <a:t>tasks</a:t>
+              <a:t> tasks</a:t>
             </a:r>
             <a:endParaRPr lang="en-US" altLang="zh-CN" dirty="0" smtClean="0"/>
           </a:p>
@@ -9678,11 +11706,7 @@
           <a:p>
             <a:r>
               <a:rPr lang="zh-CN" altLang="en-US" cap="none" dirty="0"/>
-              <a:t>自动</a:t>
-            </a:r>
-            <a:r>
-              <a:rPr lang="zh-CN" altLang="en-US" cap="none" dirty="0"/>
-              <a:t>安装并保证安装正确的版本</a:t>
+              <a:t>自动安装并保证安装正确的版本</a:t>
             </a:r>
             <a:r>
               <a:rPr lang="en-US" altLang="zh-CN" cap="none" dirty="0"/>
@@ -9798,7 +11822,6 @@
               <a:rPr lang="zh-CN" altLang="en-US" dirty="0"/>
               <a:t>基本命令</a:t>
             </a:r>
-            <a:endParaRPr lang="zh-CN" altLang="en-US" dirty="0"/>
           </a:p>
         </p:txBody>
       </p:sp>
@@ -10109,11 +12132,7 @@
             </a:r>
             <a:r>
               <a:rPr lang="en-US" altLang="zh-CN" cap="none" dirty="0" smtClean="0"/>
-              <a:t> </a:t>
-            </a:r>
-            <a:r>
-              <a:rPr lang="en-US" altLang="zh-CN" cap="none" dirty="0" smtClean="0"/>
-              <a:t>version</a:t>
+              <a:t> version</a:t>
             </a:r>
             <a:r>
               <a:rPr lang="zh-CN" altLang="en-US" cap="none" dirty="0" smtClean="0"/>
